--- a/input/images-source/Images.pptx
+++ b/input/images-source/Images.pptx
@@ -8,6 +8,7 @@
     <p:sldId id="256" r:id="rId2"/>
     <p:sldId id="257" r:id="rId3"/>
     <p:sldId id="258" r:id="rId4"/>
+    <p:sldId id="259" r:id="rId5"/>
   </p:sldIdLst>
   <p:sldSz cx="12192000" cy="6858000"/>
   <p:notesSz cx="6858000" cy="9144000"/>
@@ -3463,7 +3464,7 @@
           <a:p>
             <a:fld id="{8D19A3AA-5CC1-4409-A3F5-5174B3C1B3E1}" type="datetimeFigureOut">
               <a:rPr lang="en-CA" smtClean="0"/>
-              <a:t>2025-04-15</a:t>
+              <a:t>2025-07-18</a:t>
             </a:fld>
             <a:endParaRPr lang="en-CA"/>
           </a:p>
@@ -3663,7 +3664,7 @@
           <a:p>
             <a:fld id="{8D19A3AA-5CC1-4409-A3F5-5174B3C1B3E1}" type="datetimeFigureOut">
               <a:rPr lang="en-CA" smtClean="0"/>
-              <a:t>2025-04-15</a:t>
+              <a:t>2025-07-18</a:t>
             </a:fld>
             <a:endParaRPr lang="en-CA"/>
           </a:p>
@@ -3873,7 +3874,7 @@
           <a:p>
             <a:fld id="{8D19A3AA-5CC1-4409-A3F5-5174B3C1B3E1}" type="datetimeFigureOut">
               <a:rPr lang="en-CA" smtClean="0"/>
-              <a:t>2025-04-15</a:t>
+              <a:t>2025-07-18</a:t>
             </a:fld>
             <a:endParaRPr lang="en-CA"/>
           </a:p>
@@ -4073,7 +4074,7 @@
           <a:p>
             <a:fld id="{8D19A3AA-5CC1-4409-A3F5-5174B3C1B3E1}" type="datetimeFigureOut">
               <a:rPr lang="en-CA" smtClean="0"/>
-              <a:t>2025-04-15</a:t>
+              <a:t>2025-07-18</a:t>
             </a:fld>
             <a:endParaRPr lang="en-CA"/>
           </a:p>
@@ -4349,7 +4350,7 @@
           <a:p>
             <a:fld id="{8D19A3AA-5CC1-4409-A3F5-5174B3C1B3E1}" type="datetimeFigureOut">
               <a:rPr lang="en-CA" smtClean="0"/>
-              <a:t>2025-04-15</a:t>
+              <a:t>2025-07-18</a:t>
             </a:fld>
             <a:endParaRPr lang="en-CA"/>
           </a:p>
@@ -4617,7 +4618,7 @@
           <a:p>
             <a:fld id="{8D19A3AA-5CC1-4409-A3F5-5174B3C1B3E1}" type="datetimeFigureOut">
               <a:rPr lang="en-CA" smtClean="0"/>
-              <a:t>2025-04-15</a:t>
+              <a:t>2025-07-18</a:t>
             </a:fld>
             <a:endParaRPr lang="en-CA"/>
           </a:p>
@@ -5032,7 +5033,7 @@
           <a:p>
             <a:fld id="{8D19A3AA-5CC1-4409-A3F5-5174B3C1B3E1}" type="datetimeFigureOut">
               <a:rPr lang="en-CA" smtClean="0"/>
-              <a:t>2025-04-15</a:t>
+              <a:t>2025-07-18</a:t>
             </a:fld>
             <a:endParaRPr lang="en-CA"/>
           </a:p>
@@ -5174,7 +5175,7 @@
           <a:p>
             <a:fld id="{8D19A3AA-5CC1-4409-A3F5-5174B3C1B3E1}" type="datetimeFigureOut">
               <a:rPr lang="en-CA" smtClean="0"/>
-              <a:t>2025-04-15</a:t>
+              <a:t>2025-07-18</a:t>
             </a:fld>
             <a:endParaRPr lang="en-CA"/>
           </a:p>
@@ -5287,7 +5288,7 @@
           <a:p>
             <a:fld id="{8D19A3AA-5CC1-4409-A3F5-5174B3C1B3E1}" type="datetimeFigureOut">
               <a:rPr lang="en-CA" smtClean="0"/>
-              <a:t>2025-04-15</a:t>
+              <a:t>2025-07-18</a:t>
             </a:fld>
             <a:endParaRPr lang="en-CA"/>
           </a:p>
@@ -5600,7 +5601,7 @@
           <a:p>
             <a:fld id="{8D19A3AA-5CC1-4409-A3F5-5174B3C1B3E1}" type="datetimeFigureOut">
               <a:rPr lang="en-CA" smtClean="0"/>
-              <a:t>2025-04-15</a:t>
+              <a:t>2025-07-18</a:t>
             </a:fld>
             <a:endParaRPr lang="en-CA"/>
           </a:p>
@@ -5889,7 +5890,7 @@
           <a:p>
             <a:fld id="{8D19A3AA-5CC1-4409-A3F5-5174B3C1B3E1}" type="datetimeFigureOut">
               <a:rPr lang="en-CA" smtClean="0"/>
-              <a:t>2025-04-15</a:t>
+              <a:t>2025-07-18</a:t>
             </a:fld>
             <a:endParaRPr lang="en-CA"/>
           </a:p>
@@ -6132,7 +6133,7 @@
           <a:p>
             <a:fld id="{8D19A3AA-5CC1-4409-A3F5-5174B3C1B3E1}" type="datetimeFigureOut">
               <a:rPr lang="en-CA" smtClean="0"/>
-              <a:t>2025-04-15</a:t>
+              <a:t>2025-07-18</a:t>
             </a:fld>
             <a:endParaRPr lang="en-CA"/>
           </a:p>
@@ -6716,6 +6717,234 @@
 </p:sld>
 </file>
 
+<file path=ppt/slides/slide4.xml><?xml version="1.0" encoding="utf-8"?>
+<p:sld xmlns:a="http://schemas.openxmlformats.org/drawingml/2006/main" xmlns:r="http://schemas.openxmlformats.org/officeDocument/2006/relationships" xmlns:p="http://schemas.openxmlformats.org/presentationml/2006/main">
+  <p:cSld>
+    <p:spTree>
+      <p:nvGrpSpPr>
+        <p:cNvPr id="1" name=""/>
+        <p:cNvGrpSpPr/>
+        <p:nvPr/>
+      </p:nvGrpSpPr>
+      <p:grpSpPr>
+        <a:xfrm>
+          <a:off x="0" y="0"/>
+          <a:ext cx="0" cy="0"/>
+          <a:chOff x="0" y="0"/>
+          <a:chExt cx="0" cy="0"/>
+        </a:xfrm>
+      </p:grpSpPr>
+      <p:pic>
+        <p:nvPicPr>
+          <p:cNvPr id="7" name="Picture 6">
+            <a:extLst>
+              <a:ext uri="{FF2B5EF4-FFF2-40B4-BE49-F238E27FC236}">
+                <a16:creationId xmlns:a16="http://schemas.microsoft.com/office/drawing/2014/main" id="{DFF1C161-5124-CF0D-80B6-A401F680E249}"/>
+              </a:ext>
+            </a:extLst>
+          </p:cNvPr>
+          <p:cNvPicPr>
+            <a:picLocks noChangeAspect="1"/>
+          </p:cNvPicPr>
+          <p:nvPr/>
+        </p:nvPicPr>
+        <p:blipFill>
+          <a:blip r:embed="rId2"/>
+          <a:stretch>
+            <a:fillRect/>
+          </a:stretch>
+        </p:blipFill>
+        <p:spPr>
+          <a:xfrm>
+            <a:off x="0" y="1860278"/>
+            <a:ext cx="12192000" cy="3137444"/>
+          </a:xfrm>
+          <a:prstGeom prst="rect">
+            <a:avLst/>
+          </a:prstGeom>
+        </p:spPr>
+      </p:pic>
+      <p:sp>
+        <p:nvSpPr>
+          <p:cNvPr id="4" name="Cloud 3">
+            <a:extLst>
+              <a:ext uri="{FF2B5EF4-FFF2-40B4-BE49-F238E27FC236}">
+                <a16:creationId xmlns:a16="http://schemas.microsoft.com/office/drawing/2014/main" id="{05C12568-644A-F0EE-5800-5007F88DCC48}"/>
+              </a:ext>
+            </a:extLst>
+          </p:cNvPr>
+          <p:cNvSpPr/>
+          <p:nvPr/>
+        </p:nvSpPr>
+        <p:spPr>
+          <a:xfrm>
+            <a:off x="1101969" y="3240258"/>
+            <a:ext cx="1772529" cy="1125416"/>
+          </a:xfrm>
+          <a:prstGeom prst="cloud">
+            <a:avLst/>
+          </a:prstGeom>
+          <a:solidFill>
+            <a:srgbClr val="FFFF00"/>
+          </a:solidFill>
+        </p:spPr>
+        <p:style>
+          <a:lnRef idx="2">
+            <a:schemeClr val="accent1">
+              <a:shade val="15000"/>
+            </a:schemeClr>
+          </a:lnRef>
+          <a:fillRef idx="1">
+            <a:schemeClr val="accent1"/>
+          </a:fillRef>
+          <a:effectRef idx="0">
+            <a:schemeClr val="accent1"/>
+          </a:effectRef>
+          <a:fontRef idx="minor">
+            <a:schemeClr val="lt1"/>
+          </a:fontRef>
+        </p:style>
+        <p:txBody>
+          <a:bodyPr rtlCol="0" anchor="ctr"/>
+          <a:lstStyle/>
+          <a:p>
+            <a:pPr algn="ctr"/>
+            <a:r>
+              <a:rPr lang="en-GB" b="1" dirty="0">
+                <a:solidFill>
+                  <a:sysClr val="windowText" lastClr="000000"/>
+                </a:solidFill>
+              </a:rPr>
+              <a:t>M11</a:t>
+            </a:r>
+          </a:p>
+        </p:txBody>
+      </p:sp>
+      <p:sp>
+        <p:nvSpPr>
+          <p:cNvPr id="5" name="Cloud 4">
+            <a:extLst>
+              <a:ext uri="{FF2B5EF4-FFF2-40B4-BE49-F238E27FC236}">
+                <a16:creationId xmlns:a16="http://schemas.microsoft.com/office/drawing/2014/main" id="{6334ED1B-5ED5-5628-31BF-F5F7525D4A7B}"/>
+              </a:ext>
+            </a:extLst>
+          </p:cNvPr>
+          <p:cNvSpPr/>
+          <p:nvPr/>
+        </p:nvSpPr>
+        <p:spPr>
+          <a:xfrm>
+            <a:off x="6236677" y="3090203"/>
+            <a:ext cx="1772529" cy="1125416"/>
+          </a:xfrm>
+          <a:prstGeom prst="cloud">
+            <a:avLst/>
+          </a:prstGeom>
+          <a:solidFill>
+            <a:srgbClr val="B7DEE8"/>
+          </a:solidFill>
+        </p:spPr>
+        <p:style>
+          <a:lnRef idx="2">
+            <a:schemeClr val="accent1">
+              <a:shade val="15000"/>
+            </a:schemeClr>
+          </a:lnRef>
+          <a:fillRef idx="1">
+            <a:schemeClr val="accent1"/>
+          </a:fillRef>
+          <a:effectRef idx="0">
+            <a:schemeClr val="accent1"/>
+          </a:effectRef>
+          <a:fontRef idx="minor">
+            <a:schemeClr val="lt1"/>
+          </a:fontRef>
+        </p:style>
+        <p:txBody>
+          <a:bodyPr rtlCol="0" anchor="ctr"/>
+          <a:lstStyle/>
+          <a:p>
+            <a:pPr algn="ctr"/>
+            <a:r>
+              <a:rPr lang="en-GB" b="1" dirty="0">
+                <a:solidFill>
+                  <a:sysClr val="windowText" lastClr="000000"/>
+                </a:solidFill>
+              </a:rPr>
+              <a:t>USDM</a:t>
+            </a:r>
+          </a:p>
+        </p:txBody>
+      </p:sp>
+      <p:sp>
+        <p:nvSpPr>
+          <p:cNvPr id="6" name="Cloud 5">
+            <a:extLst>
+              <a:ext uri="{FF2B5EF4-FFF2-40B4-BE49-F238E27FC236}">
+                <a16:creationId xmlns:a16="http://schemas.microsoft.com/office/drawing/2014/main" id="{248B2750-B148-7418-11FA-56035A12A208}"/>
+              </a:ext>
+            </a:extLst>
+          </p:cNvPr>
+          <p:cNvSpPr/>
+          <p:nvPr/>
+        </p:nvSpPr>
+        <p:spPr>
+          <a:xfrm>
+            <a:off x="10011507" y="3090203"/>
+            <a:ext cx="1772529" cy="1125416"/>
+          </a:xfrm>
+          <a:prstGeom prst="cloud">
+            <a:avLst/>
+          </a:prstGeom>
+          <a:solidFill>
+            <a:srgbClr val="FFEB9C"/>
+          </a:solidFill>
+        </p:spPr>
+        <p:style>
+          <a:lnRef idx="2">
+            <a:schemeClr val="accent1">
+              <a:shade val="15000"/>
+            </a:schemeClr>
+          </a:lnRef>
+          <a:fillRef idx="1">
+            <a:schemeClr val="accent1"/>
+          </a:fillRef>
+          <a:effectRef idx="0">
+            <a:schemeClr val="accent1"/>
+          </a:effectRef>
+          <a:fontRef idx="minor">
+            <a:schemeClr val="lt1"/>
+          </a:fontRef>
+        </p:style>
+        <p:txBody>
+          <a:bodyPr rtlCol="0" anchor="ctr"/>
+          <a:lstStyle/>
+          <a:p>
+            <a:pPr algn="ctr"/>
+            <a:r>
+              <a:rPr lang="en-GB" b="1" dirty="0">
+                <a:solidFill>
+                  <a:sysClr val="windowText" lastClr="000000"/>
+                </a:solidFill>
+              </a:rPr>
+              <a:t>FHIR</a:t>
+            </a:r>
+          </a:p>
+        </p:txBody>
+      </p:sp>
+    </p:spTree>
+    <p:extLst>
+      <p:ext uri="{BB962C8B-B14F-4D97-AF65-F5344CB8AC3E}">
+        <p14:creationId xmlns:p14="http://schemas.microsoft.com/office/powerpoint/2010/main" val="75211092"/>
+      </p:ext>
+    </p:extLst>
+  </p:cSld>
+  <p:clrMapOvr>
+    <a:masterClrMapping/>
+  </p:clrMapOvr>
+</p:sld>
+</file>
+
 <file path=ppt/theme/theme1.xml><?xml version="1.0" encoding="utf-8"?>
 <a:theme xmlns:a="http://schemas.openxmlformats.org/drawingml/2006/main" name="Office Theme">
   <a:themeElements>

--- a/input/images-source/Images.pptx
+++ b/input/images-source/Images.pptx
@@ -9,6 +9,8 @@
     <p:sldId id="257" r:id="rId3"/>
     <p:sldId id="258" r:id="rId4"/>
     <p:sldId id="259" r:id="rId5"/>
+    <p:sldId id="260" r:id="rId6"/>
+    <p:sldId id="261" r:id="rId7"/>
   </p:sldIdLst>
   <p:sldSz cx="12192000" cy="6858000"/>
   <p:notesSz cx="6858000" cy="9144000"/>
@@ -3464,7 +3466,7 @@
           <a:p>
             <a:fld id="{8D19A3AA-5CC1-4409-A3F5-5174B3C1B3E1}" type="datetimeFigureOut">
               <a:rPr lang="en-CA" smtClean="0"/>
-              <a:t>2025-07-18</a:t>
+              <a:t>2025-07-21</a:t>
             </a:fld>
             <a:endParaRPr lang="en-CA"/>
           </a:p>
@@ -3664,7 +3666,7 @@
           <a:p>
             <a:fld id="{8D19A3AA-5CC1-4409-A3F5-5174B3C1B3E1}" type="datetimeFigureOut">
               <a:rPr lang="en-CA" smtClean="0"/>
-              <a:t>2025-07-18</a:t>
+              <a:t>2025-07-21</a:t>
             </a:fld>
             <a:endParaRPr lang="en-CA"/>
           </a:p>
@@ -3874,7 +3876,7 @@
           <a:p>
             <a:fld id="{8D19A3AA-5CC1-4409-A3F5-5174B3C1B3E1}" type="datetimeFigureOut">
               <a:rPr lang="en-CA" smtClean="0"/>
-              <a:t>2025-07-18</a:t>
+              <a:t>2025-07-21</a:t>
             </a:fld>
             <a:endParaRPr lang="en-CA"/>
           </a:p>
@@ -4074,7 +4076,7 @@
           <a:p>
             <a:fld id="{8D19A3AA-5CC1-4409-A3F5-5174B3C1B3E1}" type="datetimeFigureOut">
               <a:rPr lang="en-CA" smtClean="0"/>
-              <a:t>2025-07-18</a:t>
+              <a:t>2025-07-21</a:t>
             </a:fld>
             <a:endParaRPr lang="en-CA"/>
           </a:p>
@@ -4350,7 +4352,7 @@
           <a:p>
             <a:fld id="{8D19A3AA-5CC1-4409-A3F5-5174B3C1B3E1}" type="datetimeFigureOut">
               <a:rPr lang="en-CA" smtClean="0"/>
-              <a:t>2025-07-18</a:t>
+              <a:t>2025-07-21</a:t>
             </a:fld>
             <a:endParaRPr lang="en-CA"/>
           </a:p>
@@ -4618,7 +4620,7 @@
           <a:p>
             <a:fld id="{8D19A3AA-5CC1-4409-A3F5-5174B3C1B3E1}" type="datetimeFigureOut">
               <a:rPr lang="en-CA" smtClean="0"/>
-              <a:t>2025-07-18</a:t>
+              <a:t>2025-07-21</a:t>
             </a:fld>
             <a:endParaRPr lang="en-CA"/>
           </a:p>
@@ -5033,7 +5035,7 @@
           <a:p>
             <a:fld id="{8D19A3AA-5CC1-4409-A3F5-5174B3C1B3E1}" type="datetimeFigureOut">
               <a:rPr lang="en-CA" smtClean="0"/>
-              <a:t>2025-07-18</a:t>
+              <a:t>2025-07-21</a:t>
             </a:fld>
             <a:endParaRPr lang="en-CA"/>
           </a:p>
@@ -5175,7 +5177,7 @@
           <a:p>
             <a:fld id="{8D19A3AA-5CC1-4409-A3F5-5174B3C1B3E1}" type="datetimeFigureOut">
               <a:rPr lang="en-CA" smtClean="0"/>
-              <a:t>2025-07-18</a:t>
+              <a:t>2025-07-21</a:t>
             </a:fld>
             <a:endParaRPr lang="en-CA"/>
           </a:p>
@@ -5288,7 +5290,7 @@
           <a:p>
             <a:fld id="{8D19A3AA-5CC1-4409-A3F5-5174B3C1B3E1}" type="datetimeFigureOut">
               <a:rPr lang="en-CA" smtClean="0"/>
-              <a:t>2025-07-18</a:t>
+              <a:t>2025-07-21</a:t>
             </a:fld>
             <a:endParaRPr lang="en-CA"/>
           </a:p>
@@ -5601,7 +5603,7 @@
           <a:p>
             <a:fld id="{8D19A3AA-5CC1-4409-A3F5-5174B3C1B3E1}" type="datetimeFigureOut">
               <a:rPr lang="en-CA" smtClean="0"/>
-              <a:t>2025-07-18</a:t>
+              <a:t>2025-07-21</a:t>
             </a:fld>
             <a:endParaRPr lang="en-CA"/>
           </a:p>
@@ -5890,7 +5892,7 @@
           <a:p>
             <a:fld id="{8D19A3AA-5CC1-4409-A3F5-5174B3C1B3E1}" type="datetimeFigureOut">
               <a:rPr lang="en-CA" smtClean="0"/>
-              <a:t>2025-07-18</a:t>
+              <a:t>2025-07-21</a:t>
             </a:fld>
             <a:endParaRPr lang="en-CA"/>
           </a:p>
@@ -6133,7 +6135,7 @@
           <a:p>
             <a:fld id="{8D19A3AA-5CC1-4409-A3F5-5174B3C1B3E1}" type="datetimeFigureOut">
               <a:rPr lang="en-CA" smtClean="0"/>
-              <a:t>2025-07-18</a:t>
+              <a:t>2025-07-21</a:t>
             </a:fld>
             <a:endParaRPr lang="en-CA"/>
           </a:p>
@@ -6945,6 +6947,2053 @@
 </p:sld>
 </file>
 
+<file path=ppt/slides/slide5.xml><?xml version="1.0" encoding="utf-8"?>
+<p:sld xmlns:a="http://schemas.openxmlformats.org/drawingml/2006/main" xmlns:r="http://schemas.openxmlformats.org/officeDocument/2006/relationships" xmlns:p="http://schemas.openxmlformats.org/presentationml/2006/main">
+  <p:cSld>
+    <p:spTree>
+      <p:nvGrpSpPr>
+        <p:cNvPr id="1" name=""/>
+        <p:cNvGrpSpPr/>
+        <p:nvPr/>
+      </p:nvGrpSpPr>
+      <p:grpSpPr>
+        <a:xfrm>
+          <a:off x="0" y="0"/>
+          <a:ext cx="0" cy="0"/>
+          <a:chOff x="0" y="0"/>
+          <a:chExt cx="0" cy="0"/>
+        </a:xfrm>
+      </p:grpSpPr>
+      <p:sp>
+        <p:nvSpPr>
+          <p:cNvPr id="3" name="TextBox 2">
+            <a:extLst>
+              <a:ext uri="{FF2B5EF4-FFF2-40B4-BE49-F238E27FC236}">
+                <a16:creationId xmlns:a16="http://schemas.microsoft.com/office/drawing/2014/main" id="{6C30A6CB-CDEC-481A-60E3-8BF9FCEA7D49}"/>
+              </a:ext>
+            </a:extLst>
+          </p:cNvPr>
+          <p:cNvSpPr txBox="1"/>
+          <p:nvPr/>
+        </p:nvSpPr>
+        <p:spPr>
+          <a:xfrm>
+            <a:off x="405751" y="-738173"/>
+            <a:ext cx="8548468" cy="2862322"/>
+          </a:xfrm>
+          <a:prstGeom prst="rect">
+            <a:avLst/>
+          </a:prstGeom>
+          <a:noFill/>
+        </p:spPr>
+        <p:txBody>
+          <a:bodyPr wrap="square">
+            <a:spAutoFit/>
+          </a:bodyPr>
+          <a:lstStyle/>
+          <a:p>
+            <a:r>
+              <a:rPr lang="en-GB" sz="1200" dirty="0"/>
+              <a:t>- </a:t>
+            </a:r>
+            <a:r>
+              <a:rPr lang="en-GB" sz="1200" dirty="0" err="1"/>
+              <a:t>ResearchStudy</a:t>
+            </a:r>
+            <a:r>
+              <a:rPr lang="en-GB" sz="1200" dirty="0"/>
+              <a:t> </a:t>
+            </a:r>
+          </a:p>
+          <a:p>
+            <a:r>
+              <a:rPr lang="en-GB" sz="1200" dirty="0"/>
+              <a:t>  - extended by M11ResearchStudy </a:t>
+            </a:r>
+          </a:p>
+          <a:p>
+            <a:endParaRPr lang="en-GB" sz="1200" dirty="0"/>
+          </a:p>
+          <a:p>
+            <a:r>
+              <a:rPr lang="en-GB" sz="1200" dirty="0"/>
+              <a:t>- </a:t>
+            </a:r>
+            <a:r>
+              <a:rPr lang="en-GB" sz="1200" dirty="0" err="1"/>
+              <a:t>ResearchStudy</a:t>
+            </a:r>
+            <a:r>
+              <a:rPr lang="en-GB" sz="1200" dirty="0"/>
+              <a:t> </a:t>
+            </a:r>
+          </a:p>
+          <a:p>
+            <a:r>
+              <a:rPr lang="en-GB" sz="1200" dirty="0"/>
+              <a:t>  - extended by </a:t>
+            </a:r>
+            <a:r>
+              <a:rPr lang="en-GB" sz="1200" dirty="0" err="1"/>
+              <a:t>NarrativeElements</a:t>
+            </a:r>
+            <a:r>
+              <a:rPr lang="en-GB" sz="1200" dirty="0"/>
+              <a:t> </a:t>
+            </a:r>
+          </a:p>
+          <a:p>
+            <a:r>
+              <a:rPr lang="en-GB" sz="1200" dirty="0"/>
+              <a:t>  - which provides a pointer to M11ResearchStudyNarratives</a:t>
+            </a:r>
+          </a:p>
+          <a:p>
+            <a:r>
+              <a:rPr lang="en-GB" sz="1200" dirty="0"/>
+              <a:t>- </a:t>
+            </a:r>
+            <a:r>
+              <a:rPr lang="en-GB" sz="1200" dirty="0" err="1"/>
+              <a:t>ResearchStudy</a:t>
+            </a:r>
+            <a:r>
+              <a:rPr lang="en-GB" sz="1200" dirty="0"/>
+              <a:t> </a:t>
+            </a:r>
+          </a:p>
+          <a:p>
+            <a:r>
+              <a:rPr lang="en-GB" sz="1200" dirty="0"/>
+              <a:t>  - extended by </a:t>
+            </a:r>
+            <a:r>
+              <a:rPr lang="en-GB" sz="1200" dirty="0" err="1"/>
+              <a:t>ResearchStudyStudyAmendment</a:t>
+            </a:r>
+            <a:r>
+              <a:rPr lang="en-GB" sz="1200" dirty="0"/>
+              <a:t> </a:t>
+            </a:r>
+          </a:p>
+          <a:p>
+            <a:r>
+              <a:rPr lang="en-GB" sz="1200" dirty="0"/>
+              <a:t>    - which contains  </a:t>
+            </a:r>
+            <a:r>
+              <a:rPr lang="en-GB" sz="1200" dirty="0" err="1"/>
+              <a:t>ResearchStudyStudyAmendmentDetails</a:t>
+            </a:r>
+            <a:r>
+              <a:rPr lang="en-GB" sz="1200" dirty="0"/>
+              <a:t> </a:t>
+            </a:r>
+          </a:p>
+          <a:p>
+            <a:r>
+              <a:rPr lang="en-GB" sz="1200" dirty="0"/>
+              <a:t>    - and </a:t>
+            </a:r>
+            <a:r>
+              <a:rPr lang="en-GB" sz="1200" dirty="0" err="1"/>
+              <a:t>ResearchStudyStudyAmendmentScopeImpact</a:t>
+            </a:r>
+            <a:endParaRPr lang="en-GB" sz="1200" dirty="0"/>
+          </a:p>
+          <a:p>
+            <a:r>
+              <a:rPr lang="en-GB" sz="1200" dirty="0"/>
+              <a:t>- Composition </a:t>
+            </a:r>
+          </a:p>
+          <a:p>
+            <a:r>
+              <a:rPr lang="en-GB" sz="1200" dirty="0"/>
+              <a:t>  - profiled by </a:t>
+            </a:r>
+            <a:r>
+              <a:rPr lang="en-GB" sz="1200" dirty="0" err="1"/>
+              <a:t>ResearchStudyNarratives</a:t>
+            </a:r>
+            <a:r>
+              <a:rPr lang="en-GB" sz="1200" dirty="0"/>
+              <a:t> </a:t>
+            </a:r>
+          </a:p>
+          <a:p>
+            <a:r>
+              <a:rPr lang="en-GB" sz="1200" dirty="0"/>
+              <a:t>    - profiled by M11ResearchStudyNarratives</a:t>
+            </a:r>
+          </a:p>
+          <a:p>
+            <a:r>
+              <a:rPr lang="en-GB" sz="1200" dirty="0"/>
+              <a:t>- </a:t>
+            </a:r>
+            <a:r>
+              <a:rPr lang="en-GB" sz="1200" dirty="0" err="1"/>
+              <a:t>ResearchStudy</a:t>
+            </a:r>
+            <a:r>
+              <a:rPr lang="en-GB" sz="1200" dirty="0"/>
+              <a:t> </a:t>
+            </a:r>
+          </a:p>
+          <a:p>
+            <a:r>
+              <a:rPr lang="en-GB" sz="1200" dirty="0"/>
+              <a:t>  - profiled by M11_ResearchStudyProfile which tightens cardinality of some attributes and binds appropriate terminology</a:t>
+            </a:r>
+          </a:p>
+        </p:txBody>
+      </p:sp>
+      <p:sp>
+        <p:nvSpPr>
+          <p:cNvPr id="4" name="Rectangle 3">
+            <a:extLst>
+              <a:ext uri="{FF2B5EF4-FFF2-40B4-BE49-F238E27FC236}">
+                <a16:creationId xmlns:a16="http://schemas.microsoft.com/office/drawing/2014/main" id="{0C150CF1-8016-9427-1B1D-E9009810807B}"/>
+              </a:ext>
+            </a:extLst>
+          </p:cNvPr>
+          <p:cNvSpPr/>
+          <p:nvPr/>
+        </p:nvSpPr>
+        <p:spPr>
+          <a:xfrm>
+            <a:off x="340722" y="2431943"/>
+            <a:ext cx="5290418" cy="966866"/>
+          </a:xfrm>
+          <a:prstGeom prst="rect">
+            <a:avLst/>
+          </a:prstGeom>
+          <a:ln>
+            <a:solidFill>
+              <a:schemeClr val="bg1"/>
+            </a:solidFill>
+          </a:ln>
+        </p:spPr>
+        <p:style>
+          <a:lnRef idx="2">
+            <a:schemeClr val="accent1">
+              <a:shade val="15000"/>
+            </a:schemeClr>
+          </a:lnRef>
+          <a:fillRef idx="1">
+            <a:schemeClr val="accent1"/>
+          </a:fillRef>
+          <a:effectRef idx="0">
+            <a:schemeClr val="accent1"/>
+          </a:effectRef>
+          <a:fontRef idx="minor">
+            <a:schemeClr val="lt1"/>
+          </a:fontRef>
+        </p:style>
+        <p:txBody>
+          <a:bodyPr wrap="none" rtlCol="0" anchor="t" anchorCtr="0"/>
+          <a:lstStyle/>
+          <a:p>
+            <a:r>
+              <a:rPr lang="en-GB" dirty="0" err="1"/>
+              <a:t>ResearchStudy</a:t>
+            </a:r>
+            <a:endParaRPr lang="en-GB" dirty="0"/>
+          </a:p>
+        </p:txBody>
+      </p:sp>
+      <p:sp>
+        <p:nvSpPr>
+          <p:cNvPr id="6" name="Rectangle 5">
+            <a:extLst>
+              <a:ext uri="{FF2B5EF4-FFF2-40B4-BE49-F238E27FC236}">
+                <a16:creationId xmlns:a16="http://schemas.microsoft.com/office/drawing/2014/main" id="{EB6577A7-35C0-FC94-2501-5D6FCE320E89}"/>
+              </a:ext>
+            </a:extLst>
+          </p:cNvPr>
+          <p:cNvSpPr/>
+          <p:nvPr/>
+        </p:nvSpPr>
+        <p:spPr>
+          <a:xfrm>
+            <a:off x="661041" y="3418140"/>
+            <a:ext cx="4970098" cy="1241507"/>
+          </a:xfrm>
+          <a:prstGeom prst="rect">
+            <a:avLst/>
+          </a:prstGeom>
+          <a:ln>
+            <a:solidFill>
+              <a:schemeClr val="bg1"/>
+            </a:solidFill>
+          </a:ln>
+        </p:spPr>
+        <p:style>
+          <a:lnRef idx="2">
+            <a:schemeClr val="accent1">
+              <a:shade val="15000"/>
+            </a:schemeClr>
+          </a:lnRef>
+          <a:fillRef idx="1">
+            <a:schemeClr val="accent1"/>
+          </a:fillRef>
+          <a:effectRef idx="0">
+            <a:schemeClr val="accent1"/>
+          </a:effectRef>
+          <a:fontRef idx="minor">
+            <a:schemeClr val="lt1"/>
+          </a:fontRef>
+        </p:style>
+        <p:txBody>
+          <a:bodyPr wrap="none" rtlCol="0" anchor="t" anchorCtr="0"/>
+          <a:lstStyle/>
+          <a:p>
+            <a:r>
+              <a:rPr lang="en-GB" dirty="0"/>
+              <a:t>M11ResearchStudy</a:t>
+            </a:r>
+          </a:p>
+        </p:txBody>
+      </p:sp>
+      <p:sp>
+        <p:nvSpPr>
+          <p:cNvPr id="7" name="Rectangle 6">
+            <a:extLst>
+              <a:ext uri="{FF2B5EF4-FFF2-40B4-BE49-F238E27FC236}">
+                <a16:creationId xmlns:a16="http://schemas.microsoft.com/office/drawing/2014/main" id="{5884379C-76F1-A7B8-D17A-9B72EBABCA02}"/>
+              </a:ext>
+            </a:extLst>
+          </p:cNvPr>
+          <p:cNvSpPr/>
+          <p:nvPr/>
+        </p:nvSpPr>
+        <p:spPr>
+          <a:xfrm>
+            <a:off x="661041" y="4660638"/>
+            <a:ext cx="4970098" cy="426561"/>
+          </a:xfrm>
+          <a:prstGeom prst="rect">
+            <a:avLst/>
+          </a:prstGeom>
+          <a:ln>
+            <a:solidFill>
+              <a:schemeClr val="bg1"/>
+            </a:solidFill>
+          </a:ln>
+        </p:spPr>
+        <p:style>
+          <a:lnRef idx="2">
+            <a:schemeClr val="accent1">
+              <a:shade val="15000"/>
+            </a:schemeClr>
+          </a:lnRef>
+          <a:fillRef idx="1">
+            <a:schemeClr val="accent1"/>
+          </a:fillRef>
+          <a:effectRef idx="0">
+            <a:schemeClr val="accent1"/>
+          </a:effectRef>
+          <a:fontRef idx="minor">
+            <a:schemeClr val="lt1"/>
+          </a:fontRef>
+        </p:style>
+        <p:txBody>
+          <a:bodyPr wrap="none" rtlCol="0" anchor="t" anchorCtr="0"/>
+          <a:lstStyle/>
+          <a:p>
+            <a:r>
+              <a:rPr lang="en-GB" dirty="0" err="1"/>
+              <a:t>NarrativeElements</a:t>
+            </a:r>
+            <a:endParaRPr lang="en-GB" dirty="0"/>
+          </a:p>
+        </p:txBody>
+      </p:sp>
+      <p:sp>
+        <p:nvSpPr>
+          <p:cNvPr id="9" name="Rectangle 8">
+            <a:extLst>
+              <a:ext uri="{FF2B5EF4-FFF2-40B4-BE49-F238E27FC236}">
+                <a16:creationId xmlns:a16="http://schemas.microsoft.com/office/drawing/2014/main" id="{4BA810A5-FA2E-4209-E1E2-18611CC25076}"/>
+              </a:ext>
+            </a:extLst>
+          </p:cNvPr>
+          <p:cNvSpPr/>
+          <p:nvPr/>
+        </p:nvSpPr>
+        <p:spPr>
+          <a:xfrm>
+            <a:off x="661041" y="5087199"/>
+            <a:ext cx="4970099" cy="1574767"/>
+          </a:xfrm>
+          <a:prstGeom prst="rect">
+            <a:avLst/>
+          </a:prstGeom>
+          <a:ln>
+            <a:solidFill>
+              <a:schemeClr val="bg1"/>
+            </a:solidFill>
+          </a:ln>
+        </p:spPr>
+        <p:style>
+          <a:lnRef idx="2">
+            <a:schemeClr val="accent1">
+              <a:shade val="15000"/>
+            </a:schemeClr>
+          </a:lnRef>
+          <a:fillRef idx="1">
+            <a:schemeClr val="accent1"/>
+          </a:fillRef>
+          <a:effectRef idx="0">
+            <a:schemeClr val="accent1"/>
+          </a:effectRef>
+          <a:fontRef idx="minor">
+            <a:schemeClr val="lt1"/>
+          </a:fontRef>
+        </p:style>
+        <p:txBody>
+          <a:bodyPr wrap="none" rtlCol="0" anchor="t" anchorCtr="0"/>
+          <a:lstStyle/>
+          <a:p>
+            <a:r>
+              <a:rPr lang="en-GB" dirty="0" err="1"/>
+              <a:t>ResearchStudyStudyAmendment</a:t>
+            </a:r>
+            <a:r>
+              <a:rPr lang="en-GB" dirty="0"/>
+              <a:t> </a:t>
+            </a:r>
+          </a:p>
+          <a:p>
+            <a:endParaRPr lang="en-GB" dirty="0"/>
+          </a:p>
+        </p:txBody>
+      </p:sp>
+      <p:sp>
+        <p:nvSpPr>
+          <p:cNvPr id="10" name="Rectangle 9">
+            <a:extLst>
+              <a:ext uri="{FF2B5EF4-FFF2-40B4-BE49-F238E27FC236}">
+                <a16:creationId xmlns:a16="http://schemas.microsoft.com/office/drawing/2014/main" id="{CBD8487E-6F6A-8823-A386-1285AE356E87}"/>
+              </a:ext>
+            </a:extLst>
+          </p:cNvPr>
+          <p:cNvSpPr/>
+          <p:nvPr/>
+        </p:nvSpPr>
+        <p:spPr>
+          <a:xfrm>
+            <a:off x="1034056" y="5451313"/>
+            <a:ext cx="4424553" cy="417024"/>
+          </a:xfrm>
+          <a:prstGeom prst="rect">
+            <a:avLst/>
+          </a:prstGeom>
+          <a:ln>
+            <a:solidFill>
+              <a:schemeClr val="bg1"/>
+            </a:solidFill>
+          </a:ln>
+        </p:spPr>
+        <p:style>
+          <a:lnRef idx="2">
+            <a:schemeClr val="accent1">
+              <a:shade val="15000"/>
+            </a:schemeClr>
+          </a:lnRef>
+          <a:fillRef idx="1">
+            <a:schemeClr val="accent1"/>
+          </a:fillRef>
+          <a:effectRef idx="0">
+            <a:schemeClr val="accent1"/>
+          </a:effectRef>
+          <a:fontRef idx="minor">
+            <a:schemeClr val="lt1"/>
+          </a:fontRef>
+        </p:style>
+        <p:txBody>
+          <a:bodyPr wrap="none" rtlCol="0" anchor="t" anchorCtr="0"/>
+          <a:lstStyle/>
+          <a:p>
+            <a:r>
+              <a:rPr lang="en-GB" dirty="0" err="1"/>
+              <a:t>ResearchStudyStudyAmendmentDetails</a:t>
+            </a:r>
+            <a:r>
+              <a:rPr lang="en-GB" dirty="0"/>
+              <a:t> </a:t>
+            </a:r>
+          </a:p>
+          <a:p>
+            <a:endParaRPr lang="en-GB" dirty="0"/>
+          </a:p>
+        </p:txBody>
+      </p:sp>
+      <p:sp>
+        <p:nvSpPr>
+          <p:cNvPr id="11" name="Rectangle 10">
+            <a:extLst>
+              <a:ext uri="{FF2B5EF4-FFF2-40B4-BE49-F238E27FC236}">
+                <a16:creationId xmlns:a16="http://schemas.microsoft.com/office/drawing/2014/main" id="{AC8112E2-9DAB-5DB1-073B-C77821FBC360}"/>
+              </a:ext>
+            </a:extLst>
+          </p:cNvPr>
+          <p:cNvSpPr/>
+          <p:nvPr/>
+        </p:nvSpPr>
+        <p:spPr>
+          <a:xfrm>
+            <a:off x="1034056" y="5916326"/>
+            <a:ext cx="4424553" cy="481193"/>
+          </a:xfrm>
+          <a:prstGeom prst="rect">
+            <a:avLst/>
+          </a:prstGeom>
+          <a:ln>
+            <a:solidFill>
+              <a:schemeClr val="bg1"/>
+            </a:solidFill>
+          </a:ln>
+        </p:spPr>
+        <p:style>
+          <a:lnRef idx="2">
+            <a:schemeClr val="accent1">
+              <a:shade val="15000"/>
+            </a:schemeClr>
+          </a:lnRef>
+          <a:fillRef idx="1">
+            <a:schemeClr val="accent1"/>
+          </a:fillRef>
+          <a:effectRef idx="0">
+            <a:schemeClr val="accent1"/>
+          </a:effectRef>
+          <a:fontRef idx="minor">
+            <a:schemeClr val="lt1"/>
+          </a:fontRef>
+        </p:style>
+        <p:txBody>
+          <a:bodyPr wrap="none" rtlCol="0" anchor="t" anchorCtr="0"/>
+          <a:lstStyle/>
+          <a:p>
+            <a:r>
+              <a:rPr lang="en-GB" dirty="0" err="1"/>
+              <a:t>ResearchStudyStudyAmendmentScopeImpact</a:t>
+            </a:r>
+            <a:endParaRPr lang="en-GB" dirty="0"/>
+          </a:p>
+          <a:p>
+            <a:r>
+              <a:rPr lang="en-GB" dirty="0"/>
+              <a:t> </a:t>
+            </a:r>
+          </a:p>
+          <a:p>
+            <a:endParaRPr lang="en-GB" dirty="0"/>
+          </a:p>
+        </p:txBody>
+      </p:sp>
+      <p:sp>
+        <p:nvSpPr>
+          <p:cNvPr id="12" name="Rectangle 11">
+            <a:extLst>
+              <a:ext uri="{FF2B5EF4-FFF2-40B4-BE49-F238E27FC236}">
+                <a16:creationId xmlns:a16="http://schemas.microsoft.com/office/drawing/2014/main" id="{A9278683-41F7-1920-536C-E5C57E027B31}"/>
+              </a:ext>
+            </a:extLst>
+          </p:cNvPr>
+          <p:cNvSpPr/>
+          <p:nvPr/>
+        </p:nvSpPr>
+        <p:spPr>
+          <a:xfrm>
+            <a:off x="6469811" y="3808718"/>
+            <a:ext cx="3651849" cy="1576538"/>
+          </a:xfrm>
+          <a:prstGeom prst="rect">
+            <a:avLst/>
+          </a:prstGeom>
+        </p:spPr>
+        <p:style>
+          <a:lnRef idx="2">
+            <a:schemeClr val="accent1">
+              <a:shade val="15000"/>
+            </a:schemeClr>
+          </a:lnRef>
+          <a:fillRef idx="1">
+            <a:schemeClr val="accent1"/>
+          </a:fillRef>
+          <a:effectRef idx="0">
+            <a:schemeClr val="accent1"/>
+          </a:effectRef>
+          <a:fontRef idx="minor">
+            <a:schemeClr val="lt1"/>
+          </a:fontRef>
+        </p:style>
+        <p:txBody>
+          <a:bodyPr wrap="none" rtlCol="0" anchor="t" anchorCtr="0"/>
+          <a:lstStyle/>
+          <a:p>
+            <a:r>
+              <a:rPr lang="en-GB" dirty="0"/>
+              <a:t>Composition</a:t>
+            </a:r>
+          </a:p>
+        </p:txBody>
+      </p:sp>
+      <p:sp>
+        <p:nvSpPr>
+          <p:cNvPr id="13" name="Rectangle 12">
+            <a:extLst>
+              <a:ext uri="{FF2B5EF4-FFF2-40B4-BE49-F238E27FC236}">
+                <a16:creationId xmlns:a16="http://schemas.microsoft.com/office/drawing/2014/main" id="{8638B1A7-2AAE-0C8D-33C5-C36A35B62B50}"/>
+              </a:ext>
+            </a:extLst>
+          </p:cNvPr>
+          <p:cNvSpPr/>
+          <p:nvPr/>
+        </p:nvSpPr>
+        <p:spPr>
+          <a:xfrm>
+            <a:off x="6633491" y="4221442"/>
+            <a:ext cx="3384653" cy="1002787"/>
+          </a:xfrm>
+          <a:prstGeom prst="rect">
+            <a:avLst/>
+          </a:prstGeom>
+          <a:solidFill>
+            <a:schemeClr val="accent2"/>
+          </a:solidFill>
+          <a:ln>
+            <a:solidFill>
+              <a:schemeClr val="bg1"/>
+            </a:solidFill>
+          </a:ln>
+        </p:spPr>
+        <p:style>
+          <a:lnRef idx="2">
+            <a:schemeClr val="accent1">
+              <a:shade val="15000"/>
+            </a:schemeClr>
+          </a:lnRef>
+          <a:fillRef idx="1">
+            <a:schemeClr val="accent1"/>
+          </a:fillRef>
+          <a:effectRef idx="0">
+            <a:schemeClr val="accent1"/>
+          </a:effectRef>
+          <a:fontRef idx="minor">
+            <a:schemeClr val="lt1"/>
+          </a:fontRef>
+        </p:style>
+        <p:txBody>
+          <a:bodyPr wrap="none" rtlCol="0" anchor="t" anchorCtr="0"/>
+          <a:lstStyle/>
+          <a:p>
+            <a:r>
+              <a:rPr lang="en-GB" dirty="0" err="1"/>
+              <a:t>ResearchStudyNarratives</a:t>
+            </a:r>
+            <a:endParaRPr lang="en-GB" dirty="0"/>
+          </a:p>
+        </p:txBody>
+      </p:sp>
+      <p:sp>
+        <p:nvSpPr>
+          <p:cNvPr id="8" name="Rectangle 7">
+            <a:extLst>
+              <a:ext uri="{FF2B5EF4-FFF2-40B4-BE49-F238E27FC236}">
+                <a16:creationId xmlns:a16="http://schemas.microsoft.com/office/drawing/2014/main" id="{628CCE88-88B0-F158-B91C-26C50F4646BD}"/>
+              </a:ext>
+            </a:extLst>
+          </p:cNvPr>
+          <p:cNvSpPr/>
+          <p:nvPr/>
+        </p:nvSpPr>
+        <p:spPr>
+          <a:xfrm>
+            <a:off x="6745458" y="4629052"/>
+            <a:ext cx="3115994" cy="422676"/>
+          </a:xfrm>
+          <a:prstGeom prst="rect">
+            <a:avLst/>
+          </a:prstGeom>
+          <a:solidFill>
+            <a:schemeClr val="accent2"/>
+          </a:solidFill>
+          <a:ln>
+            <a:solidFill>
+              <a:schemeClr val="bg1"/>
+            </a:solidFill>
+          </a:ln>
+        </p:spPr>
+        <p:style>
+          <a:lnRef idx="2">
+            <a:schemeClr val="accent1">
+              <a:shade val="15000"/>
+            </a:schemeClr>
+          </a:lnRef>
+          <a:fillRef idx="1">
+            <a:schemeClr val="accent1"/>
+          </a:fillRef>
+          <a:effectRef idx="0">
+            <a:schemeClr val="accent1"/>
+          </a:effectRef>
+          <a:fontRef idx="minor">
+            <a:schemeClr val="lt1"/>
+          </a:fontRef>
+        </p:style>
+        <p:txBody>
+          <a:bodyPr wrap="none" rtlCol="0" anchor="t" anchorCtr="0"/>
+          <a:lstStyle/>
+          <a:p>
+            <a:r>
+              <a:rPr lang="en-GB" dirty="0"/>
+              <a:t>M11ResearchStudyNarratives</a:t>
+            </a:r>
+          </a:p>
+        </p:txBody>
+      </p:sp>
+      <p:sp>
+        <p:nvSpPr>
+          <p:cNvPr id="14" name="Rectangle 13">
+            <a:extLst>
+              <a:ext uri="{FF2B5EF4-FFF2-40B4-BE49-F238E27FC236}">
+                <a16:creationId xmlns:a16="http://schemas.microsoft.com/office/drawing/2014/main" id="{372C3B8F-7F8E-1987-F728-8E6CB91C53AC}"/>
+              </a:ext>
+            </a:extLst>
+          </p:cNvPr>
+          <p:cNvSpPr/>
+          <p:nvPr/>
+        </p:nvSpPr>
+        <p:spPr>
+          <a:xfrm>
+            <a:off x="455190" y="2807518"/>
+            <a:ext cx="2723492" cy="422676"/>
+          </a:xfrm>
+          <a:prstGeom prst="rect">
+            <a:avLst/>
+          </a:prstGeom>
+          <a:solidFill>
+            <a:schemeClr val="accent2"/>
+          </a:solidFill>
+          <a:ln>
+            <a:solidFill>
+              <a:schemeClr val="bg1"/>
+            </a:solidFill>
+          </a:ln>
+        </p:spPr>
+        <p:style>
+          <a:lnRef idx="2">
+            <a:schemeClr val="accent1">
+              <a:shade val="15000"/>
+            </a:schemeClr>
+          </a:lnRef>
+          <a:fillRef idx="1">
+            <a:schemeClr val="accent1"/>
+          </a:fillRef>
+          <a:effectRef idx="0">
+            <a:schemeClr val="accent1"/>
+          </a:effectRef>
+          <a:fontRef idx="minor">
+            <a:schemeClr val="lt1"/>
+          </a:fontRef>
+        </p:style>
+        <p:txBody>
+          <a:bodyPr wrap="none" rtlCol="0" anchor="t" anchorCtr="0"/>
+          <a:lstStyle/>
+          <a:p>
+            <a:r>
+              <a:rPr lang="en-GB" dirty="0"/>
+              <a:t>M11_ResearchStudyProfile</a:t>
+            </a:r>
+          </a:p>
+        </p:txBody>
+      </p:sp>
+      <p:sp>
+        <p:nvSpPr>
+          <p:cNvPr id="15" name="Arrow: Right 14">
+            <a:extLst>
+              <a:ext uri="{FF2B5EF4-FFF2-40B4-BE49-F238E27FC236}">
+                <a16:creationId xmlns:a16="http://schemas.microsoft.com/office/drawing/2014/main" id="{871DA789-4B60-A761-0BA3-785B7D5932CF}"/>
+              </a:ext>
+            </a:extLst>
+          </p:cNvPr>
+          <p:cNvSpPr/>
+          <p:nvPr/>
+        </p:nvSpPr>
+        <p:spPr>
+          <a:xfrm>
+            <a:off x="5003321" y="4615621"/>
+            <a:ext cx="1817298" cy="471578"/>
+          </a:xfrm>
+          <a:prstGeom prst="rightArrow">
+            <a:avLst/>
+          </a:prstGeom>
+          <a:ln w="38100">
+            <a:solidFill>
+              <a:schemeClr val="bg1"/>
+            </a:solidFill>
+          </a:ln>
+        </p:spPr>
+        <p:style>
+          <a:lnRef idx="2">
+            <a:schemeClr val="accent1">
+              <a:shade val="15000"/>
+            </a:schemeClr>
+          </a:lnRef>
+          <a:fillRef idx="1">
+            <a:schemeClr val="accent1"/>
+          </a:fillRef>
+          <a:effectRef idx="0">
+            <a:schemeClr val="accent1"/>
+          </a:effectRef>
+          <a:fontRef idx="minor">
+            <a:schemeClr val="lt1"/>
+          </a:fontRef>
+        </p:style>
+        <p:txBody>
+          <a:bodyPr rtlCol="0" anchor="ctr"/>
+          <a:lstStyle/>
+          <a:p>
+            <a:pPr algn="ctr"/>
+            <a:endParaRPr lang="en-GB"/>
+          </a:p>
+        </p:txBody>
+      </p:sp>
+      <p:sp>
+        <p:nvSpPr>
+          <p:cNvPr id="16" name="Rectangle 15">
+            <a:extLst>
+              <a:ext uri="{FF2B5EF4-FFF2-40B4-BE49-F238E27FC236}">
+                <a16:creationId xmlns:a16="http://schemas.microsoft.com/office/drawing/2014/main" id="{FEE24864-29A5-4494-38B1-2B914F45BFA7}"/>
+              </a:ext>
+            </a:extLst>
+          </p:cNvPr>
+          <p:cNvSpPr/>
+          <p:nvPr/>
+        </p:nvSpPr>
+        <p:spPr>
+          <a:xfrm>
+            <a:off x="1034055" y="3792351"/>
+            <a:ext cx="4424553" cy="371333"/>
+          </a:xfrm>
+          <a:prstGeom prst="rect">
+            <a:avLst/>
+          </a:prstGeom>
+          <a:solidFill>
+            <a:schemeClr val="accent4"/>
+          </a:solidFill>
+          <a:ln>
+            <a:solidFill>
+              <a:schemeClr val="bg1"/>
+            </a:solidFill>
+          </a:ln>
+        </p:spPr>
+        <p:style>
+          <a:lnRef idx="2">
+            <a:schemeClr val="accent1">
+              <a:shade val="15000"/>
+            </a:schemeClr>
+          </a:lnRef>
+          <a:fillRef idx="1">
+            <a:schemeClr val="accent1"/>
+          </a:fillRef>
+          <a:effectRef idx="0">
+            <a:schemeClr val="accent1"/>
+          </a:effectRef>
+          <a:fontRef idx="minor">
+            <a:schemeClr val="lt1"/>
+          </a:fontRef>
+        </p:style>
+        <p:txBody>
+          <a:bodyPr wrap="none" rtlCol="0" anchor="t" anchorCtr="0"/>
+          <a:lstStyle/>
+          <a:p>
+            <a:r>
+              <a:rPr lang="en-GB" dirty="0" err="1"/>
+              <a:t>SAEReporting</a:t>
+            </a:r>
+            <a:endParaRPr lang="en-GB" dirty="0"/>
+          </a:p>
+        </p:txBody>
+      </p:sp>
+      <p:sp>
+        <p:nvSpPr>
+          <p:cNvPr id="17" name="Rectangle 16">
+            <a:extLst>
+              <a:ext uri="{FF2B5EF4-FFF2-40B4-BE49-F238E27FC236}">
+                <a16:creationId xmlns:a16="http://schemas.microsoft.com/office/drawing/2014/main" id="{E3AC17C0-4FBF-96E5-A625-B36E09080856}"/>
+              </a:ext>
+            </a:extLst>
+          </p:cNvPr>
+          <p:cNvSpPr/>
+          <p:nvPr/>
+        </p:nvSpPr>
+        <p:spPr>
+          <a:xfrm>
+            <a:off x="1034055" y="4223913"/>
+            <a:ext cx="4424553" cy="371333"/>
+          </a:xfrm>
+          <a:prstGeom prst="rect">
+            <a:avLst/>
+          </a:prstGeom>
+          <a:solidFill>
+            <a:schemeClr val="accent4"/>
+          </a:solidFill>
+          <a:ln>
+            <a:solidFill>
+              <a:schemeClr val="bg1"/>
+            </a:solidFill>
+          </a:ln>
+        </p:spPr>
+        <p:style>
+          <a:lnRef idx="2">
+            <a:schemeClr val="accent1">
+              <a:shade val="15000"/>
+            </a:schemeClr>
+          </a:lnRef>
+          <a:fillRef idx="1">
+            <a:schemeClr val="accent1"/>
+          </a:fillRef>
+          <a:effectRef idx="0">
+            <a:schemeClr val="accent1"/>
+          </a:effectRef>
+          <a:fontRef idx="minor">
+            <a:schemeClr val="lt1"/>
+          </a:fontRef>
+        </p:style>
+        <p:txBody>
+          <a:bodyPr wrap="none" rtlCol="0" anchor="t" anchorCtr="0"/>
+          <a:lstStyle/>
+          <a:p>
+            <a:r>
+              <a:rPr lang="en-GB" dirty="0" err="1"/>
+              <a:t>ConfidentialityStatement</a:t>
+            </a:r>
+            <a:endParaRPr lang="en-GB" dirty="0"/>
+          </a:p>
+        </p:txBody>
+      </p:sp>
+    </p:spTree>
+    <p:extLst>
+      <p:ext uri="{BB962C8B-B14F-4D97-AF65-F5344CB8AC3E}">
+        <p14:creationId xmlns:p14="http://schemas.microsoft.com/office/powerpoint/2010/main" val="184038803"/>
+      </p:ext>
+    </p:extLst>
+  </p:cSld>
+  <p:clrMapOvr>
+    <a:masterClrMapping/>
+  </p:clrMapOvr>
+</p:sld>
+</file>
+
+<file path=ppt/slides/slide6.xml><?xml version="1.0" encoding="utf-8"?>
+<p:sld xmlns:a="http://schemas.openxmlformats.org/drawingml/2006/main" xmlns:r="http://schemas.openxmlformats.org/officeDocument/2006/relationships" xmlns:p="http://schemas.openxmlformats.org/presentationml/2006/main">
+  <p:cSld>
+    <p:spTree>
+      <p:nvGrpSpPr>
+        <p:cNvPr id="1" name=""/>
+        <p:cNvGrpSpPr/>
+        <p:nvPr/>
+      </p:nvGrpSpPr>
+      <p:grpSpPr>
+        <a:xfrm>
+          <a:off x="0" y="0"/>
+          <a:ext cx="0" cy="0"/>
+          <a:chOff x="0" y="0"/>
+          <a:chExt cx="0" cy="0"/>
+        </a:xfrm>
+      </p:grpSpPr>
+      <p:sp>
+        <p:nvSpPr>
+          <p:cNvPr id="2" name="Rectangle 1">
+            <a:extLst>
+              <a:ext uri="{FF2B5EF4-FFF2-40B4-BE49-F238E27FC236}">
+                <a16:creationId xmlns:a16="http://schemas.microsoft.com/office/drawing/2014/main" id="{A428D5B9-DFF1-3C84-B3E4-3F581C93F88C}"/>
+              </a:ext>
+            </a:extLst>
+          </p:cNvPr>
+          <p:cNvSpPr/>
+          <p:nvPr/>
+        </p:nvSpPr>
+        <p:spPr>
+          <a:xfrm>
+            <a:off x="156691" y="206326"/>
+            <a:ext cx="3219113" cy="4273660"/>
+          </a:xfrm>
+          <a:prstGeom prst="rect">
+            <a:avLst/>
+          </a:prstGeom>
+          <a:solidFill>
+            <a:schemeClr val="accent3"/>
+          </a:solidFill>
+          <a:ln>
+            <a:solidFill>
+              <a:schemeClr val="bg1"/>
+            </a:solidFill>
+          </a:ln>
+        </p:spPr>
+        <p:style>
+          <a:lnRef idx="2">
+            <a:schemeClr val="accent1">
+              <a:shade val="15000"/>
+            </a:schemeClr>
+          </a:lnRef>
+          <a:fillRef idx="1">
+            <a:schemeClr val="accent1"/>
+          </a:fillRef>
+          <a:effectRef idx="0">
+            <a:schemeClr val="accent1"/>
+          </a:effectRef>
+          <a:fontRef idx="minor">
+            <a:schemeClr val="lt1"/>
+          </a:fontRef>
+        </p:style>
+        <p:txBody>
+          <a:bodyPr wrap="none" rtlCol="0" anchor="t" anchorCtr="0"/>
+          <a:lstStyle/>
+          <a:p>
+            <a:r>
+              <a:rPr lang="en-GB" dirty="0" err="1"/>
+              <a:t>ResearchStudy</a:t>
+            </a:r>
+            <a:endParaRPr lang="en-GB" dirty="0"/>
+          </a:p>
+        </p:txBody>
+      </p:sp>
+      <p:sp>
+        <p:nvSpPr>
+          <p:cNvPr id="19" name="Rectangle 18">
+            <a:extLst>
+              <a:ext uri="{FF2B5EF4-FFF2-40B4-BE49-F238E27FC236}">
+                <a16:creationId xmlns:a16="http://schemas.microsoft.com/office/drawing/2014/main" id="{B7926905-7703-0C5E-9D04-9004D7806E73}"/>
+              </a:ext>
+            </a:extLst>
+          </p:cNvPr>
+          <p:cNvSpPr/>
+          <p:nvPr/>
+        </p:nvSpPr>
+        <p:spPr>
+          <a:xfrm>
+            <a:off x="288111" y="641116"/>
+            <a:ext cx="2961172" cy="3585827"/>
+          </a:xfrm>
+          <a:prstGeom prst="rect">
+            <a:avLst/>
+          </a:prstGeom>
+          <a:solidFill>
+            <a:schemeClr val="accent6"/>
+          </a:solidFill>
+          <a:ln w="38100">
+            <a:solidFill>
+              <a:schemeClr val="bg1"/>
+            </a:solidFill>
+          </a:ln>
+        </p:spPr>
+        <p:style>
+          <a:lnRef idx="2">
+            <a:schemeClr val="accent1">
+              <a:shade val="15000"/>
+            </a:schemeClr>
+          </a:lnRef>
+          <a:fillRef idx="1">
+            <a:schemeClr val="accent1"/>
+          </a:fillRef>
+          <a:effectRef idx="0">
+            <a:schemeClr val="accent1"/>
+          </a:effectRef>
+          <a:fontRef idx="minor">
+            <a:schemeClr val="lt1"/>
+          </a:fontRef>
+        </p:style>
+        <p:txBody>
+          <a:bodyPr wrap="none" rtlCol="0" anchor="t" anchorCtr="0"/>
+          <a:lstStyle/>
+          <a:p>
+            <a:r>
+              <a:rPr lang="en-GB" dirty="0" err="1"/>
+              <a:t>StudyDesign</a:t>
+            </a:r>
+            <a:endParaRPr lang="en-GB" dirty="0"/>
+          </a:p>
+        </p:txBody>
+      </p:sp>
+      <p:sp>
+        <p:nvSpPr>
+          <p:cNvPr id="4" name="Rectangle 3">
+            <a:extLst>
+              <a:ext uri="{FF2B5EF4-FFF2-40B4-BE49-F238E27FC236}">
+                <a16:creationId xmlns:a16="http://schemas.microsoft.com/office/drawing/2014/main" id="{9C9A7485-1BDC-2014-DE43-CD8CBA6152E1}"/>
+              </a:ext>
+            </a:extLst>
+          </p:cNvPr>
+          <p:cNvSpPr/>
+          <p:nvPr/>
+        </p:nvSpPr>
+        <p:spPr>
+          <a:xfrm>
+            <a:off x="3853378" y="2587951"/>
+            <a:ext cx="2537130" cy="426561"/>
+          </a:xfrm>
+          <a:prstGeom prst="rect">
+            <a:avLst/>
+          </a:prstGeom>
+          <a:ln>
+            <a:solidFill>
+              <a:schemeClr val="bg1"/>
+            </a:solidFill>
+          </a:ln>
+        </p:spPr>
+        <p:style>
+          <a:lnRef idx="2">
+            <a:schemeClr val="accent1">
+              <a:shade val="15000"/>
+            </a:schemeClr>
+          </a:lnRef>
+          <a:fillRef idx="1">
+            <a:schemeClr val="accent1"/>
+          </a:fillRef>
+          <a:effectRef idx="0">
+            <a:schemeClr val="accent1"/>
+          </a:effectRef>
+          <a:fontRef idx="minor">
+            <a:schemeClr val="lt1"/>
+          </a:fontRef>
+        </p:style>
+        <p:txBody>
+          <a:bodyPr wrap="none" rtlCol="0" anchor="t" anchorCtr="0"/>
+          <a:lstStyle/>
+          <a:p>
+            <a:r>
+              <a:rPr lang="en-GB" dirty="0" err="1"/>
+              <a:t>NarrativeElements</a:t>
+            </a:r>
+            <a:endParaRPr lang="en-GB" dirty="0"/>
+          </a:p>
+        </p:txBody>
+      </p:sp>
+      <p:sp>
+        <p:nvSpPr>
+          <p:cNvPr id="8" name="Rectangle 7">
+            <a:extLst>
+              <a:ext uri="{FF2B5EF4-FFF2-40B4-BE49-F238E27FC236}">
+                <a16:creationId xmlns:a16="http://schemas.microsoft.com/office/drawing/2014/main" id="{77F97369-C434-94ED-4CC3-AB8B48EEB014}"/>
+              </a:ext>
+            </a:extLst>
+          </p:cNvPr>
+          <p:cNvSpPr/>
+          <p:nvPr/>
+        </p:nvSpPr>
+        <p:spPr>
+          <a:xfrm>
+            <a:off x="7229180" y="2190853"/>
+            <a:ext cx="3651849" cy="903306"/>
+          </a:xfrm>
+          <a:prstGeom prst="rect">
+            <a:avLst/>
+          </a:prstGeom>
+        </p:spPr>
+        <p:style>
+          <a:lnRef idx="2">
+            <a:schemeClr val="accent1">
+              <a:shade val="15000"/>
+            </a:schemeClr>
+          </a:lnRef>
+          <a:fillRef idx="1">
+            <a:schemeClr val="accent1"/>
+          </a:fillRef>
+          <a:effectRef idx="0">
+            <a:schemeClr val="accent1"/>
+          </a:effectRef>
+          <a:fontRef idx="minor">
+            <a:schemeClr val="lt1"/>
+          </a:fontRef>
+        </p:style>
+        <p:txBody>
+          <a:bodyPr wrap="none" rtlCol="0" anchor="t" anchorCtr="0"/>
+          <a:lstStyle/>
+          <a:p>
+            <a:r>
+              <a:rPr lang="en-GB" dirty="0"/>
+              <a:t>Composition</a:t>
+            </a:r>
+          </a:p>
+        </p:txBody>
+      </p:sp>
+      <p:sp>
+        <p:nvSpPr>
+          <p:cNvPr id="10" name="Rectangle 9">
+            <a:extLst>
+              <a:ext uri="{FF2B5EF4-FFF2-40B4-BE49-F238E27FC236}">
+                <a16:creationId xmlns:a16="http://schemas.microsoft.com/office/drawing/2014/main" id="{EF2A7B39-A5E1-3CBB-0881-01B24B25A54A}"/>
+              </a:ext>
+            </a:extLst>
+          </p:cNvPr>
+          <p:cNvSpPr/>
+          <p:nvPr/>
+        </p:nvSpPr>
+        <p:spPr>
+          <a:xfrm>
+            <a:off x="7504827" y="2556365"/>
+            <a:ext cx="3115994" cy="422676"/>
+          </a:xfrm>
+          <a:prstGeom prst="rect">
+            <a:avLst/>
+          </a:prstGeom>
+          <a:solidFill>
+            <a:schemeClr val="accent2"/>
+          </a:solidFill>
+          <a:ln>
+            <a:solidFill>
+              <a:schemeClr val="bg1"/>
+            </a:solidFill>
+          </a:ln>
+        </p:spPr>
+        <p:style>
+          <a:lnRef idx="2">
+            <a:schemeClr val="accent1">
+              <a:shade val="15000"/>
+            </a:schemeClr>
+          </a:lnRef>
+          <a:fillRef idx="1">
+            <a:schemeClr val="accent1"/>
+          </a:fillRef>
+          <a:effectRef idx="0">
+            <a:schemeClr val="accent1"/>
+          </a:effectRef>
+          <a:fontRef idx="minor">
+            <a:schemeClr val="lt1"/>
+          </a:fontRef>
+        </p:style>
+        <p:txBody>
+          <a:bodyPr wrap="none" rtlCol="0" anchor="t" anchorCtr="0"/>
+          <a:lstStyle/>
+          <a:p>
+            <a:r>
+              <a:rPr lang="en-GB" dirty="0"/>
+              <a:t>M11ResearchStudyNarratives</a:t>
+            </a:r>
+          </a:p>
+        </p:txBody>
+      </p:sp>
+      <p:sp>
+        <p:nvSpPr>
+          <p:cNvPr id="11" name="Rectangle 10">
+            <a:extLst>
+              <a:ext uri="{FF2B5EF4-FFF2-40B4-BE49-F238E27FC236}">
+                <a16:creationId xmlns:a16="http://schemas.microsoft.com/office/drawing/2014/main" id="{9022BB3E-490F-6A15-2F03-F2316EFEA2F9}"/>
+              </a:ext>
+            </a:extLst>
+          </p:cNvPr>
+          <p:cNvSpPr/>
+          <p:nvPr/>
+        </p:nvSpPr>
+        <p:spPr>
+          <a:xfrm>
+            <a:off x="491423" y="2265872"/>
+            <a:ext cx="2628032" cy="1871408"/>
+          </a:xfrm>
+          <a:prstGeom prst="rect">
+            <a:avLst/>
+          </a:prstGeom>
+          <a:solidFill>
+            <a:schemeClr val="accent2"/>
+          </a:solidFill>
+          <a:ln>
+            <a:solidFill>
+              <a:schemeClr val="bg1"/>
+            </a:solidFill>
+          </a:ln>
+        </p:spPr>
+        <p:style>
+          <a:lnRef idx="2">
+            <a:schemeClr val="accent1">
+              <a:shade val="15000"/>
+            </a:schemeClr>
+          </a:lnRef>
+          <a:fillRef idx="1">
+            <a:schemeClr val="accent1"/>
+          </a:fillRef>
+          <a:effectRef idx="0">
+            <a:schemeClr val="accent1"/>
+          </a:effectRef>
+          <a:fontRef idx="minor">
+            <a:schemeClr val="lt1"/>
+          </a:fontRef>
+        </p:style>
+        <p:txBody>
+          <a:bodyPr wrap="none" rtlCol="0" anchor="t" anchorCtr="0"/>
+          <a:lstStyle/>
+          <a:p>
+            <a:r>
+              <a:rPr lang="en-GB" dirty="0"/>
+              <a:t>M11_ResearchStudyProfile</a:t>
+            </a:r>
+          </a:p>
+        </p:txBody>
+      </p:sp>
+      <p:sp>
+        <p:nvSpPr>
+          <p:cNvPr id="12" name="Arrow: Right 11">
+            <a:extLst>
+              <a:ext uri="{FF2B5EF4-FFF2-40B4-BE49-F238E27FC236}">
+                <a16:creationId xmlns:a16="http://schemas.microsoft.com/office/drawing/2014/main" id="{A967A5DE-4FAD-EC35-648A-C432FBBB0ADB}"/>
+              </a:ext>
+            </a:extLst>
+          </p:cNvPr>
+          <p:cNvSpPr/>
+          <p:nvPr/>
+        </p:nvSpPr>
+        <p:spPr>
+          <a:xfrm>
+            <a:off x="5762690" y="2542934"/>
+            <a:ext cx="1817298" cy="471578"/>
+          </a:xfrm>
+          <a:prstGeom prst="rightArrow">
+            <a:avLst/>
+          </a:prstGeom>
+          <a:ln w="38100">
+            <a:solidFill>
+              <a:schemeClr val="bg1"/>
+            </a:solidFill>
+          </a:ln>
+        </p:spPr>
+        <p:style>
+          <a:lnRef idx="2">
+            <a:schemeClr val="accent1">
+              <a:shade val="15000"/>
+            </a:schemeClr>
+          </a:lnRef>
+          <a:fillRef idx="1">
+            <a:schemeClr val="accent1"/>
+          </a:fillRef>
+          <a:effectRef idx="0">
+            <a:schemeClr val="accent1"/>
+          </a:effectRef>
+          <a:fontRef idx="minor">
+            <a:schemeClr val="lt1"/>
+          </a:fontRef>
+        </p:style>
+        <p:txBody>
+          <a:bodyPr rtlCol="0" anchor="ctr"/>
+          <a:lstStyle/>
+          <a:p>
+            <a:pPr algn="ctr"/>
+            <a:endParaRPr lang="en-GB"/>
+          </a:p>
+        </p:txBody>
+      </p:sp>
+      <p:sp>
+        <p:nvSpPr>
+          <p:cNvPr id="13" name="Rectangle 12">
+            <a:extLst>
+              <a:ext uri="{FF2B5EF4-FFF2-40B4-BE49-F238E27FC236}">
+                <a16:creationId xmlns:a16="http://schemas.microsoft.com/office/drawing/2014/main" id="{1EE56262-80C5-C2A4-E012-DF54B533FA7B}"/>
+              </a:ext>
+            </a:extLst>
+          </p:cNvPr>
+          <p:cNvSpPr/>
+          <p:nvPr/>
+        </p:nvSpPr>
+        <p:spPr>
+          <a:xfrm>
+            <a:off x="3870800" y="992354"/>
+            <a:ext cx="1817298" cy="371333"/>
+          </a:xfrm>
+          <a:prstGeom prst="rect">
+            <a:avLst/>
+          </a:prstGeom>
+          <a:solidFill>
+            <a:schemeClr val="accent6"/>
+          </a:solidFill>
+          <a:ln>
+            <a:solidFill>
+              <a:schemeClr val="bg1"/>
+            </a:solidFill>
+          </a:ln>
+        </p:spPr>
+        <p:style>
+          <a:lnRef idx="2">
+            <a:schemeClr val="accent1">
+              <a:shade val="15000"/>
+            </a:schemeClr>
+          </a:lnRef>
+          <a:fillRef idx="1">
+            <a:schemeClr val="accent1"/>
+          </a:fillRef>
+          <a:effectRef idx="0">
+            <a:schemeClr val="accent1"/>
+          </a:effectRef>
+          <a:fontRef idx="minor">
+            <a:schemeClr val="lt1"/>
+          </a:fontRef>
+        </p:style>
+        <p:txBody>
+          <a:bodyPr wrap="none" rtlCol="0" anchor="t" anchorCtr="0"/>
+          <a:lstStyle/>
+          <a:p>
+            <a:r>
+              <a:rPr lang="en-GB" dirty="0" err="1"/>
+              <a:t>SAEReporting</a:t>
+            </a:r>
+            <a:endParaRPr lang="en-GB" dirty="0"/>
+          </a:p>
+        </p:txBody>
+      </p:sp>
+      <p:sp>
+        <p:nvSpPr>
+          <p:cNvPr id="14" name="Rectangle 13">
+            <a:extLst>
+              <a:ext uri="{FF2B5EF4-FFF2-40B4-BE49-F238E27FC236}">
+                <a16:creationId xmlns:a16="http://schemas.microsoft.com/office/drawing/2014/main" id="{0CEFD97E-F84D-8C6C-CE22-D1E84A99736E}"/>
+              </a:ext>
+            </a:extLst>
+          </p:cNvPr>
+          <p:cNvSpPr/>
+          <p:nvPr/>
+        </p:nvSpPr>
+        <p:spPr>
+          <a:xfrm>
+            <a:off x="3870799" y="1748034"/>
+            <a:ext cx="4424553" cy="371333"/>
+          </a:xfrm>
+          <a:prstGeom prst="rect">
+            <a:avLst/>
+          </a:prstGeom>
+          <a:solidFill>
+            <a:schemeClr val="accent6"/>
+          </a:solidFill>
+          <a:ln>
+            <a:solidFill>
+              <a:schemeClr val="bg1"/>
+            </a:solidFill>
+          </a:ln>
+        </p:spPr>
+        <p:style>
+          <a:lnRef idx="2">
+            <a:schemeClr val="accent1">
+              <a:shade val="15000"/>
+            </a:schemeClr>
+          </a:lnRef>
+          <a:fillRef idx="1">
+            <a:schemeClr val="accent1"/>
+          </a:fillRef>
+          <a:effectRef idx="0">
+            <a:schemeClr val="accent1"/>
+          </a:effectRef>
+          <a:fontRef idx="minor">
+            <a:schemeClr val="lt1"/>
+          </a:fontRef>
+        </p:style>
+        <p:txBody>
+          <a:bodyPr wrap="none" rtlCol="0" anchor="t" anchorCtr="0"/>
+          <a:lstStyle/>
+          <a:p>
+            <a:r>
+              <a:rPr lang="en-GB" dirty="0" err="1"/>
+              <a:t>ConfidentialityStatement</a:t>
+            </a:r>
+            <a:endParaRPr lang="en-GB" dirty="0"/>
+          </a:p>
+        </p:txBody>
+      </p:sp>
+      <p:sp>
+        <p:nvSpPr>
+          <p:cNvPr id="5" name="Rectangle 4">
+            <a:extLst>
+              <a:ext uri="{FF2B5EF4-FFF2-40B4-BE49-F238E27FC236}">
+                <a16:creationId xmlns:a16="http://schemas.microsoft.com/office/drawing/2014/main" id="{9DCA96B9-4082-71BF-98E0-378930518641}"/>
+              </a:ext>
+            </a:extLst>
+          </p:cNvPr>
+          <p:cNvSpPr/>
+          <p:nvPr/>
+        </p:nvSpPr>
+        <p:spPr>
+          <a:xfrm>
+            <a:off x="3797248" y="3308153"/>
+            <a:ext cx="4970099" cy="1574767"/>
+          </a:xfrm>
+          <a:prstGeom prst="rect">
+            <a:avLst/>
+          </a:prstGeom>
+          <a:ln>
+            <a:solidFill>
+              <a:schemeClr val="bg1"/>
+            </a:solidFill>
+          </a:ln>
+        </p:spPr>
+        <p:style>
+          <a:lnRef idx="2">
+            <a:schemeClr val="accent1">
+              <a:shade val="15000"/>
+            </a:schemeClr>
+          </a:lnRef>
+          <a:fillRef idx="1">
+            <a:schemeClr val="accent1"/>
+          </a:fillRef>
+          <a:effectRef idx="0">
+            <a:schemeClr val="accent1"/>
+          </a:effectRef>
+          <a:fontRef idx="minor">
+            <a:schemeClr val="lt1"/>
+          </a:fontRef>
+        </p:style>
+        <p:txBody>
+          <a:bodyPr wrap="none" rtlCol="0" anchor="t" anchorCtr="0"/>
+          <a:lstStyle/>
+          <a:p>
+            <a:r>
+              <a:rPr lang="en-GB" dirty="0"/>
+              <a:t>M11_ProtocolAmendment </a:t>
+            </a:r>
+          </a:p>
+          <a:p>
+            <a:endParaRPr lang="en-GB" dirty="0"/>
+          </a:p>
+        </p:txBody>
+      </p:sp>
+      <p:sp>
+        <p:nvSpPr>
+          <p:cNvPr id="6" name="Rectangle 5">
+            <a:extLst>
+              <a:ext uri="{FF2B5EF4-FFF2-40B4-BE49-F238E27FC236}">
+                <a16:creationId xmlns:a16="http://schemas.microsoft.com/office/drawing/2014/main" id="{DAE8DE3D-306A-A739-ABA1-26B8DD6012B1}"/>
+              </a:ext>
+            </a:extLst>
+          </p:cNvPr>
+          <p:cNvSpPr/>
+          <p:nvPr/>
+        </p:nvSpPr>
+        <p:spPr>
+          <a:xfrm>
+            <a:off x="4170263" y="3672267"/>
+            <a:ext cx="4424553" cy="417024"/>
+          </a:xfrm>
+          <a:prstGeom prst="rect">
+            <a:avLst/>
+          </a:prstGeom>
+          <a:ln>
+            <a:solidFill>
+              <a:schemeClr val="bg1"/>
+            </a:solidFill>
+          </a:ln>
+        </p:spPr>
+        <p:style>
+          <a:lnRef idx="2">
+            <a:schemeClr val="accent1">
+              <a:shade val="15000"/>
+            </a:schemeClr>
+          </a:lnRef>
+          <a:fillRef idx="1">
+            <a:schemeClr val="accent1"/>
+          </a:fillRef>
+          <a:effectRef idx="0">
+            <a:schemeClr val="accent1"/>
+          </a:effectRef>
+          <a:fontRef idx="minor">
+            <a:schemeClr val="lt1"/>
+          </a:fontRef>
+        </p:style>
+        <p:txBody>
+          <a:bodyPr wrap="none" rtlCol="0" anchor="t" anchorCtr="0"/>
+          <a:lstStyle/>
+          <a:p>
+            <a:r>
+              <a:rPr lang="en-GB" dirty="0" err="1"/>
+              <a:t>ResearchStudyStudyAmendmentDetails</a:t>
+            </a:r>
+            <a:r>
+              <a:rPr lang="en-GB" dirty="0"/>
+              <a:t> </a:t>
+            </a:r>
+          </a:p>
+          <a:p>
+            <a:endParaRPr lang="en-GB" dirty="0"/>
+          </a:p>
+        </p:txBody>
+      </p:sp>
+      <p:sp>
+        <p:nvSpPr>
+          <p:cNvPr id="7" name="Rectangle 6">
+            <a:extLst>
+              <a:ext uri="{FF2B5EF4-FFF2-40B4-BE49-F238E27FC236}">
+                <a16:creationId xmlns:a16="http://schemas.microsoft.com/office/drawing/2014/main" id="{B0A967C7-B667-BBC7-DCEF-14B5C47C58E6}"/>
+              </a:ext>
+            </a:extLst>
+          </p:cNvPr>
+          <p:cNvSpPr/>
+          <p:nvPr/>
+        </p:nvSpPr>
+        <p:spPr>
+          <a:xfrm>
+            <a:off x="4170263" y="4137280"/>
+            <a:ext cx="4424553" cy="481193"/>
+          </a:xfrm>
+          <a:prstGeom prst="rect">
+            <a:avLst/>
+          </a:prstGeom>
+          <a:ln>
+            <a:solidFill>
+              <a:schemeClr val="bg1"/>
+            </a:solidFill>
+          </a:ln>
+        </p:spPr>
+        <p:style>
+          <a:lnRef idx="2">
+            <a:schemeClr val="accent1">
+              <a:shade val="15000"/>
+            </a:schemeClr>
+          </a:lnRef>
+          <a:fillRef idx="1">
+            <a:schemeClr val="accent1"/>
+          </a:fillRef>
+          <a:effectRef idx="0">
+            <a:schemeClr val="accent1"/>
+          </a:effectRef>
+          <a:fontRef idx="minor">
+            <a:schemeClr val="lt1"/>
+          </a:fontRef>
+        </p:style>
+        <p:txBody>
+          <a:bodyPr wrap="none" rtlCol="0" anchor="t" anchorCtr="0"/>
+          <a:lstStyle/>
+          <a:p>
+            <a:r>
+              <a:rPr lang="en-GB" dirty="0" err="1"/>
+              <a:t>ResearchStudyStudyAmendmentScopeImpact</a:t>
+            </a:r>
+            <a:endParaRPr lang="en-GB" dirty="0"/>
+          </a:p>
+          <a:p>
+            <a:r>
+              <a:rPr lang="en-GB" dirty="0"/>
+              <a:t> </a:t>
+            </a:r>
+          </a:p>
+          <a:p>
+            <a:endParaRPr lang="en-GB" dirty="0"/>
+          </a:p>
+        </p:txBody>
+      </p:sp>
+      <p:sp>
+        <p:nvSpPr>
+          <p:cNvPr id="15" name="Arrow: Right 14">
+            <a:extLst>
+              <a:ext uri="{FF2B5EF4-FFF2-40B4-BE49-F238E27FC236}">
+                <a16:creationId xmlns:a16="http://schemas.microsoft.com/office/drawing/2014/main" id="{65263392-286B-6026-A5FD-036B9CE9C10F}"/>
+              </a:ext>
+            </a:extLst>
+          </p:cNvPr>
+          <p:cNvSpPr/>
+          <p:nvPr/>
+        </p:nvSpPr>
+        <p:spPr>
+          <a:xfrm>
+            <a:off x="2122098" y="952338"/>
+            <a:ext cx="1817298" cy="471578"/>
+          </a:xfrm>
+          <a:prstGeom prst="rightArrow">
+            <a:avLst/>
+          </a:prstGeom>
+          <a:ln w="38100">
+            <a:solidFill>
+              <a:schemeClr val="bg1"/>
+            </a:solidFill>
+          </a:ln>
+        </p:spPr>
+        <p:style>
+          <a:lnRef idx="2">
+            <a:schemeClr val="accent1">
+              <a:shade val="15000"/>
+            </a:schemeClr>
+          </a:lnRef>
+          <a:fillRef idx="1">
+            <a:schemeClr val="accent1"/>
+          </a:fillRef>
+          <a:effectRef idx="0">
+            <a:schemeClr val="accent1"/>
+          </a:effectRef>
+          <a:fontRef idx="minor">
+            <a:schemeClr val="lt1"/>
+          </a:fontRef>
+        </p:style>
+        <p:txBody>
+          <a:bodyPr rtlCol="0" anchor="ctr"/>
+          <a:lstStyle/>
+          <a:p>
+            <a:pPr algn="ctr"/>
+            <a:endParaRPr lang="en-GB"/>
+          </a:p>
+        </p:txBody>
+      </p:sp>
+      <p:sp>
+        <p:nvSpPr>
+          <p:cNvPr id="16" name="Arrow: Right 15">
+            <a:extLst>
+              <a:ext uri="{FF2B5EF4-FFF2-40B4-BE49-F238E27FC236}">
+                <a16:creationId xmlns:a16="http://schemas.microsoft.com/office/drawing/2014/main" id="{6B908D84-1C15-3D9F-5161-A002DC1B58C3}"/>
+              </a:ext>
+            </a:extLst>
+          </p:cNvPr>
+          <p:cNvSpPr/>
+          <p:nvPr/>
+        </p:nvSpPr>
+        <p:spPr>
+          <a:xfrm>
+            <a:off x="2122098" y="1647789"/>
+            <a:ext cx="1817298" cy="471578"/>
+          </a:xfrm>
+          <a:prstGeom prst="rightArrow">
+            <a:avLst/>
+          </a:prstGeom>
+          <a:ln w="38100">
+            <a:solidFill>
+              <a:schemeClr val="bg1"/>
+            </a:solidFill>
+          </a:ln>
+        </p:spPr>
+        <p:style>
+          <a:lnRef idx="2">
+            <a:schemeClr val="accent1">
+              <a:shade val="15000"/>
+            </a:schemeClr>
+          </a:lnRef>
+          <a:fillRef idx="1">
+            <a:schemeClr val="accent1"/>
+          </a:fillRef>
+          <a:effectRef idx="0">
+            <a:schemeClr val="accent1"/>
+          </a:effectRef>
+          <a:fontRef idx="minor">
+            <a:schemeClr val="lt1"/>
+          </a:fontRef>
+        </p:style>
+        <p:txBody>
+          <a:bodyPr rtlCol="0" anchor="ctr"/>
+          <a:lstStyle/>
+          <a:p>
+            <a:pPr algn="ctr"/>
+            <a:endParaRPr lang="en-GB"/>
+          </a:p>
+        </p:txBody>
+      </p:sp>
+      <p:sp>
+        <p:nvSpPr>
+          <p:cNvPr id="17" name="Arrow: Right 16">
+            <a:extLst>
+              <a:ext uri="{FF2B5EF4-FFF2-40B4-BE49-F238E27FC236}">
+                <a16:creationId xmlns:a16="http://schemas.microsoft.com/office/drawing/2014/main" id="{76042DCC-6349-C1AB-84E6-3BA2B4A03061}"/>
+              </a:ext>
+            </a:extLst>
+          </p:cNvPr>
+          <p:cNvSpPr/>
+          <p:nvPr/>
+        </p:nvSpPr>
+        <p:spPr>
+          <a:xfrm>
+            <a:off x="2053501" y="3247307"/>
+            <a:ext cx="1817298" cy="471578"/>
+          </a:xfrm>
+          <a:prstGeom prst="rightArrow">
+            <a:avLst/>
+          </a:prstGeom>
+          <a:ln w="38100">
+            <a:solidFill>
+              <a:schemeClr val="bg1"/>
+            </a:solidFill>
+          </a:ln>
+        </p:spPr>
+        <p:style>
+          <a:lnRef idx="2">
+            <a:schemeClr val="accent1">
+              <a:shade val="15000"/>
+            </a:schemeClr>
+          </a:lnRef>
+          <a:fillRef idx="1">
+            <a:schemeClr val="accent1"/>
+          </a:fillRef>
+          <a:effectRef idx="0">
+            <a:schemeClr val="accent1"/>
+          </a:effectRef>
+          <a:fontRef idx="minor">
+            <a:schemeClr val="lt1"/>
+          </a:fontRef>
+        </p:style>
+        <p:txBody>
+          <a:bodyPr rtlCol="0" anchor="ctr"/>
+          <a:lstStyle/>
+          <a:p>
+            <a:pPr algn="ctr"/>
+            <a:endParaRPr lang="en-GB"/>
+          </a:p>
+        </p:txBody>
+      </p:sp>
+      <p:sp>
+        <p:nvSpPr>
+          <p:cNvPr id="18" name="Arrow: Right 17">
+            <a:extLst>
+              <a:ext uri="{FF2B5EF4-FFF2-40B4-BE49-F238E27FC236}">
+                <a16:creationId xmlns:a16="http://schemas.microsoft.com/office/drawing/2014/main" id="{CBB4949F-F982-8388-66B8-8E7A7BB67380}"/>
+              </a:ext>
+            </a:extLst>
+          </p:cNvPr>
+          <p:cNvSpPr/>
+          <p:nvPr/>
+        </p:nvSpPr>
+        <p:spPr>
+          <a:xfrm>
+            <a:off x="2106057" y="2531914"/>
+            <a:ext cx="1817298" cy="471578"/>
+          </a:xfrm>
+          <a:prstGeom prst="rightArrow">
+            <a:avLst/>
+          </a:prstGeom>
+          <a:ln w="38100">
+            <a:solidFill>
+              <a:schemeClr val="bg1"/>
+            </a:solidFill>
+          </a:ln>
+        </p:spPr>
+        <p:style>
+          <a:lnRef idx="2">
+            <a:schemeClr val="accent1">
+              <a:shade val="15000"/>
+            </a:schemeClr>
+          </a:lnRef>
+          <a:fillRef idx="1">
+            <a:schemeClr val="accent1"/>
+          </a:fillRef>
+          <a:effectRef idx="0">
+            <a:schemeClr val="accent1"/>
+          </a:effectRef>
+          <a:fontRef idx="minor">
+            <a:schemeClr val="lt1"/>
+          </a:fontRef>
+        </p:style>
+        <p:txBody>
+          <a:bodyPr rtlCol="0" anchor="ctr"/>
+          <a:lstStyle/>
+          <a:p>
+            <a:pPr algn="ctr"/>
+            <a:endParaRPr lang="en-GB"/>
+          </a:p>
+        </p:txBody>
+      </p:sp>
+      <p:sp>
+        <p:nvSpPr>
+          <p:cNvPr id="20" name="Rectangle 19">
+            <a:extLst>
+              <a:ext uri="{FF2B5EF4-FFF2-40B4-BE49-F238E27FC236}">
+                <a16:creationId xmlns:a16="http://schemas.microsoft.com/office/drawing/2014/main" id="{3D90CE56-A83D-C715-634A-98C585A86FA5}"/>
+              </a:ext>
+            </a:extLst>
+          </p:cNvPr>
+          <p:cNvSpPr/>
+          <p:nvPr/>
+        </p:nvSpPr>
+        <p:spPr>
+          <a:xfrm>
+            <a:off x="6815944" y="758072"/>
+            <a:ext cx="896901" cy="307777"/>
+          </a:xfrm>
+          <a:prstGeom prst="rect">
+            <a:avLst/>
+          </a:prstGeom>
+          <a:ln>
+            <a:solidFill>
+              <a:schemeClr val="bg1"/>
+            </a:solidFill>
+          </a:ln>
+        </p:spPr>
+        <p:style>
+          <a:lnRef idx="2">
+            <a:schemeClr val="accent1">
+              <a:shade val="15000"/>
+            </a:schemeClr>
+          </a:lnRef>
+          <a:fillRef idx="1">
+            <a:schemeClr val="accent1"/>
+          </a:fillRef>
+          <a:effectRef idx="0">
+            <a:schemeClr val="accent1"/>
+          </a:effectRef>
+          <a:fontRef idx="minor">
+            <a:schemeClr val="lt1"/>
+          </a:fontRef>
+        </p:style>
+        <p:txBody>
+          <a:bodyPr wrap="none" rtlCol="0" anchor="t" anchorCtr="0"/>
+          <a:lstStyle/>
+          <a:p>
+            <a:r>
+              <a:rPr lang="en-GB" sz="1400" dirty="0"/>
+              <a:t>Extension</a:t>
+            </a:r>
+          </a:p>
+        </p:txBody>
+      </p:sp>
+      <p:sp>
+        <p:nvSpPr>
+          <p:cNvPr id="21" name="Rectangle 20">
+            <a:extLst>
+              <a:ext uri="{FF2B5EF4-FFF2-40B4-BE49-F238E27FC236}">
+                <a16:creationId xmlns:a16="http://schemas.microsoft.com/office/drawing/2014/main" id="{B51F98FA-EDC2-F982-8DEF-277DB5DDE978}"/>
+              </a:ext>
+            </a:extLst>
+          </p:cNvPr>
+          <p:cNvSpPr/>
+          <p:nvPr/>
+        </p:nvSpPr>
+        <p:spPr>
+          <a:xfrm>
+            <a:off x="7869627" y="758072"/>
+            <a:ext cx="1384467" cy="304974"/>
+          </a:xfrm>
+          <a:prstGeom prst="rect">
+            <a:avLst/>
+          </a:prstGeom>
+          <a:solidFill>
+            <a:schemeClr val="accent2"/>
+          </a:solidFill>
+          <a:ln>
+            <a:solidFill>
+              <a:schemeClr val="bg1"/>
+            </a:solidFill>
+          </a:ln>
+        </p:spPr>
+        <p:style>
+          <a:lnRef idx="2">
+            <a:schemeClr val="accent1">
+              <a:shade val="15000"/>
+            </a:schemeClr>
+          </a:lnRef>
+          <a:fillRef idx="1">
+            <a:schemeClr val="accent1"/>
+          </a:fillRef>
+          <a:effectRef idx="0">
+            <a:schemeClr val="accent1"/>
+          </a:effectRef>
+          <a:fontRef idx="minor">
+            <a:schemeClr val="lt1"/>
+          </a:fontRef>
+        </p:style>
+        <p:txBody>
+          <a:bodyPr wrap="none" rtlCol="0" anchor="t" anchorCtr="0"/>
+          <a:lstStyle/>
+          <a:p>
+            <a:r>
+              <a:rPr lang="en-GB" sz="1400" dirty="0"/>
+              <a:t>Profile from UDP</a:t>
+            </a:r>
+          </a:p>
+        </p:txBody>
+      </p:sp>
+      <p:sp>
+        <p:nvSpPr>
+          <p:cNvPr id="22" name="Rectangle 21">
+            <a:extLst>
+              <a:ext uri="{FF2B5EF4-FFF2-40B4-BE49-F238E27FC236}">
+                <a16:creationId xmlns:a16="http://schemas.microsoft.com/office/drawing/2014/main" id="{53CEC505-B7D1-39BF-08F1-6F4FD6875FC2}"/>
+              </a:ext>
+            </a:extLst>
+          </p:cNvPr>
+          <p:cNvSpPr/>
+          <p:nvPr/>
+        </p:nvSpPr>
+        <p:spPr>
+          <a:xfrm>
+            <a:off x="9331123" y="758072"/>
+            <a:ext cx="1384467" cy="304973"/>
+          </a:xfrm>
+          <a:prstGeom prst="rect">
+            <a:avLst/>
+          </a:prstGeom>
+          <a:solidFill>
+            <a:schemeClr val="accent6"/>
+          </a:solidFill>
+          <a:ln>
+            <a:solidFill>
+              <a:schemeClr val="bg1"/>
+            </a:solidFill>
+          </a:ln>
+        </p:spPr>
+        <p:style>
+          <a:lnRef idx="2">
+            <a:schemeClr val="accent1">
+              <a:shade val="15000"/>
+            </a:schemeClr>
+          </a:lnRef>
+          <a:fillRef idx="1">
+            <a:schemeClr val="accent1"/>
+          </a:fillRef>
+          <a:effectRef idx="0">
+            <a:schemeClr val="accent1"/>
+          </a:effectRef>
+          <a:fontRef idx="minor">
+            <a:schemeClr val="lt1"/>
+          </a:fontRef>
+        </p:style>
+        <p:txBody>
+          <a:bodyPr wrap="none" rtlCol="0" anchor="t" anchorCtr="0"/>
+          <a:lstStyle/>
+          <a:p>
+            <a:r>
+              <a:rPr lang="en-GB" sz="1400" dirty="0"/>
+              <a:t>Profile from EBM</a:t>
+            </a:r>
+          </a:p>
+        </p:txBody>
+      </p:sp>
+      <p:sp>
+        <p:nvSpPr>
+          <p:cNvPr id="23" name="TextBox 22">
+            <a:extLst>
+              <a:ext uri="{FF2B5EF4-FFF2-40B4-BE49-F238E27FC236}">
+                <a16:creationId xmlns:a16="http://schemas.microsoft.com/office/drawing/2014/main" id="{CED629DB-E2C1-1914-C7D3-831719B294B0}"/>
+              </a:ext>
+            </a:extLst>
+          </p:cNvPr>
+          <p:cNvSpPr txBox="1"/>
+          <p:nvPr/>
+        </p:nvSpPr>
+        <p:spPr>
+          <a:xfrm>
+            <a:off x="6183094" y="732724"/>
+            <a:ext cx="492827" cy="307777"/>
+          </a:xfrm>
+          <a:prstGeom prst="rect">
+            <a:avLst/>
+          </a:prstGeom>
+          <a:noFill/>
+        </p:spPr>
+        <p:txBody>
+          <a:bodyPr wrap="none" rtlCol="0">
+            <a:spAutoFit/>
+          </a:bodyPr>
+          <a:lstStyle/>
+          <a:p>
+            <a:r>
+              <a:rPr lang="en-GB" sz="1400" dirty="0"/>
+              <a:t>Key:</a:t>
+            </a:r>
+          </a:p>
+        </p:txBody>
+      </p:sp>
+    </p:spTree>
+    <p:extLst>
+      <p:ext uri="{BB962C8B-B14F-4D97-AF65-F5344CB8AC3E}">
+        <p14:creationId xmlns:p14="http://schemas.microsoft.com/office/powerpoint/2010/main" val="160287417"/>
+      </p:ext>
+    </p:extLst>
+  </p:cSld>
+  <p:clrMapOvr>
+    <a:masterClrMapping/>
+  </p:clrMapOvr>
+</p:sld>
+</file>
+
 <file path=ppt/theme/theme1.xml><?xml version="1.0" encoding="utf-8"?>
 <a:theme xmlns:a="http://schemas.openxmlformats.org/drawingml/2006/main" name="Office Theme">
   <a:themeElements>

--- a/input/images-source/Images.pptx
+++ b/input/images-source/Images.pptx
@@ -6,16 +6,20 @@
     <p:sldMasterId id="2147483660" r:id="rId2"/>
   </p:sldMasterIdLst>
   <p:notesMasterIdLst>
-    <p:notesMasterId r:id="rId10"/>
+    <p:notesMasterId r:id="rId14"/>
   </p:notesMasterIdLst>
   <p:sldIdLst>
     <p:sldId id="256" r:id="rId3"/>
     <p:sldId id="257" r:id="rId4"/>
     <p:sldId id="258" r:id="rId5"/>
     <p:sldId id="259" r:id="rId6"/>
-    <p:sldId id="260" r:id="rId7"/>
-    <p:sldId id="261" r:id="rId8"/>
-    <p:sldId id="2147483637" r:id="rId9"/>
+    <p:sldId id="2147483237" r:id="rId7"/>
+    <p:sldId id="2147483238" r:id="rId8"/>
+    <p:sldId id="2147483239" r:id="rId9"/>
+    <p:sldId id="260" r:id="rId10"/>
+    <p:sldId id="261" r:id="rId11"/>
+    <p:sldId id="2147483637" r:id="rId12"/>
+    <p:sldId id="2147483639" r:id="rId13"/>
   </p:sldIdLst>
   <p:sldSz cx="12192000" cy="6858000"/>
   <p:notesSz cx="6858000" cy="9144000"/>
@@ -3404,7 +3408,7 @@
           <a:p>
             <a:fld id="{721C5D9B-510E-445E-AF2D-731917B2632C}" type="datetimeFigureOut">
               <a:rPr lang="en-GB" smtClean="0"/>
-              <a:t>25/11/2025</a:t>
+              <a:t>03/02/2026</a:t>
             </a:fld>
             <a:endParaRPr lang="en-GB"/>
           </a:p>
@@ -3717,6 +3721,93 @@
           <a:lstStyle/>
           <a:p>
             <a:r>
+              <a:rPr lang="en-US" dirty="0"/>
+              <a:t>What is an extension? What is a profile?</a:t>
+            </a:r>
+          </a:p>
+        </p:txBody>
+      </p:sp>
+      <p:sp>
+        <p:nvSpPr>
+          <p:cNvPr id="4" name="Slide Number Placeholder 3"/>
+          <p:cNvSpPr>
+            <a:spLocks noGrp="1"/>
+          </p:cNvSpPr>
+          <p:nvPr>
+            <p:ph type="sldNum" sz="quarter" idx="5"/>
+          </p:nvPr>
+        </p:nvSpPr>
+        <p:spPr/>
+        <p:txBody>
+          <a:bodyPr/>
+          <a:lstStyle/>
+          <a:p>
+            <a:fld id="{4398B954-2888-4EEA-BC75-22288D66EB13}" type="slidenum">
+              <a:rPr lang="en-GB" smtClean="0"/>
+              <a:t>5</a:t>
+            </a:fld>
+            <a:endParaRPr lang="en-GB"/>
+          </a:p>
+        </p:txBody>
+      </p:sp>
+    </p:spTree>
+    <p:extLst>
+      <p:ext uri="{BB962C8B-B14F-4D97-AF65-F5344CB8AC3E}">
+        <p14:creationId xmlns:p14="http://schemas.microsoft.com/office/powerpoint/2010/main" val="1197742991"/>
+      </p:ext>
+    </p:extLst>
+  </p:cSld>
+  <p:clrMapOvr>
+    <a:masterClrMapping/>
+  </p:clrMapOvr>
+</p:notes>
+</file>
+
+<file path=ppt/notesSlides/notesSlide2.xml><?xml version="1.0" encoding="utf-8"?>
+<p:notes xmlns:a="http://schemas.openxmlformats.org/drawingml/2006/main" xmlns:r="http://schemas.openxmlformats.org/officeDocument/2006/relationships" xmlns:p="http://schemas.openxmlformats.org/presentationml/2006/main">
+  <p:cSld>
+    <p:spTree>
+      <p:nvGrpSpPr>
+        <p:cNvPr id="1" name=""/>
+        <p:cNvGrpSpPr/>
+        <p:nvPr/>
+      </p:nvGrpSpPr>
+      <p:grpSpPr>
+        <a:xfrm>
+          <a:off x="0" y="0"/>
+          <a:ext cx="0" cy="0"/>
+          <a:chOff x="0" y="0"/>
+          <a:chExt cx="0" cy="0"/>
+        </a:xfrm>
+      </p:grpSpPr>
+      <p:sp>
+        <p:nvSpPr>
+          <p:cNvPr id="2" name="Slide Image Placeholder 1"/>
+          <p:cNvSpPr>
+            <a:spLocks noGrp="1" noRot="1" noChangeAspect="1"/>
+          </p:cNvSpPr>
+          <p:nvPr>
+            <p:ph type="sldImg"/>
+          </p:nvPr>
+        </p:nvSpPr>
+        <p:spPr/>
+      </p:sp>
+      <p:sp>
+        <p:nvSpPr>
+          <p:cNvPr id="3" name="Notes Placeholder 2"/>
+          <p:cNvSpPr>
+            <a:spLocks noGrp="1"/>
+          </p:cNvSpPr>
+          <p:nvPr>
+            <p:ph type="body" idx="1"/>
+          </p:nvPr>
+        </p:nvSpPr>
+        <p:spPr/>
+        <p:txBody>
+          <a:bodyPr/>
+          <a:lstStyle/>
+          <a:p>
+            <a:r>
               <a:rPr lang="en-US"/>
               <a:t>“On the surface” we have enabled FHIR structured protocol exchange between parties.  What’s next?</a:t>
             </a:r>
@@ -3805,7 +3896,7 @@
                 <a:tabLst/>
                 <a:defRPr/>
               </a:pPr>
-              <a:t>7</a:t>
+              <a:t>10</a:t>
             </a:fld>
             <a:endParaRPr kumimoji="0" lang="en-GB" sz="1300" b="0" i="0" u="none" strike="noStrike" kern="1200" cap="none" spc="0" normalizeH="0" baseline="0" noProof="0">
               <a:ln>
@@ -3986,7 +4077,7 @@
           <a:p>
             <a:fld id="{8D19A3AA-5CC1-4409-A3F5-5174B3C1B3E1}" type="datetimeFigureOut">
               <a:rPr lang="en-CA" smtClean="0"/>
-              <a:t>2025-11-25</a:t>
+              <a:t>2026-02-03</a:t>
             </a:fld>
             <a:endParaRPr lang="en-CA"/>
           </a:p>
@@ -4186,7 +4277,7 @@
           <a:p>
             <a:fld id="{8D19A3AA-5CC1-4409-A3F5-5174B3C1B3E1}" type="datetimeFigureOut">
               <a:rPr lang="en-CA" smtClean="0"/>
-              <a:t>2025-11-25</a:t>
+              <a:t>2026-02-03</a:t>
             </a:fld>
             <a:endParaRPr lang="en-CA"/>
           </a:p>
@@ -4396,7 +4487,7 @@
           <a:p>
             <a:fld id="{8D19A3AA-5CC1-4409-A3F5-5174B3C1B3E1}" type="datetimeFigureOut">
               <a:rPr lang="en-CA" smtClean="0"/>
-              <a:t>2025-11-25</a:t>
+              <a:t>2026-02-03</a:t>
             </a:fld>
             <a:endParaRPr lang="en-CA"/>
           </a:p>
@@ -4470,6 +4561,448 @@
 </file>
 
 <file path=ppt/slideLayouts/slideLayout12.xml><?xml version="1.0" encoding="utf-8"?>
+<p:sldLayout xmlns:a="http://schemas.openxmlformats.org/drawingml/2006/main" xmlns:r="http://schemas.openxmlformats.org/officeDocument/2006/relationships" xmlns:p="http://schemas.openxmlformats.org/presentationml/2006/main" userDrawn="1">
+  <p:cSld name="1_Custom Layout">
+    <p:spTree>
+      <p:nvGrpSpPr>
+        <p:cNvPr id="1" name=""/>
+        <p:cNvGrpSpPr/>
+        <p:nvPr/>
+      </p:nvGrpSpPr>
+      <p:grpSpPr>
+        <a:xfrm>
+          <a:off x="0" y="0"/>
+          <a:ext cx="0" cy="0"/>
+          <a:chOff x="0" y="0"/>
+          <a:chExt cx="0" cy="0"/>
+        </a:xfrm>
+      </p:grpSpPr>
+      <p:grpSp>
+        <p:nvGrpSpPr>
+          <p:cNvPr id="3" name="Group 2">
+            <a:extLst>
+              <a:ext uri="{FF2B5EF4-FFF2-40B4-BE49-F238E27FC236}">
+                <a16:creationId xmlns:a16="http://schemas.microsoft.com/office/drawing/2014/main" id="{7E0AC5A4-8E3D-D230-B76F-6850ECD4E257}"/>
+              </a:ext>
+            </a:extLst>
+          </p:cNvPr>
+          <p:cNvGrpSpPr/>
+          <p:nvPr userDrawn="1"/>
+        </p:nvGrpSpPr>
+        <p:grpSpPr>
+          <a:xfrm>
+            <a:off x="111043" y="114300"/>
+            <a:ext cx="1097280" cy="177800"/>
+            <a:chOff x="83282" y="114300"/>
+            <a:chExt cx="822960" cy="177800"/>
+          </a:xfrm>
+        </p:grpSpPr>
+        <p:cxnSp>
+          <p:nvCxnSpPr>
+            <p:cNvPr id="4" name="Straight Connector 3">
+              <a:extLst>
+                <a:ext uri="{FF2B5EF4-FFF2-40B4-BE49-F238E27FC236}">
+                  <a16:creationId xmlns:a16="http://schemas.microsoft.com/office/drawing/2014/main" id="{7EE0DD19-529C-5D6B-8842-6ABDF77C9D1D}"/>
+                </a:ext>
+              </a:extLst>
+            </p:cNvPr>
+            <p:cNvCxnSpPr/>
+            <p:nvPr userDrawn="1"/>
+          </p:nvCxnSpPr>
+          <p:spPr>
+            <a:xfrm>
+              <a:off x="83282" y="114300"/>
+              <a:ext cx="822960" cy="0"/>
+            </a:xfrm>
+            <a:prstGeom prst="line">
+              <a:avLst/>
+            </a:prstGeom>
+            <a:ln w="44450">
+              <a:solidFill>
+                <a:srgbClr val="EC2227"/>
+              </a:solidFill>
+            </a:ln>
+          </p:spPr>
+          <p:style>
+            <a:lnRef idx="1">
+              <a:schemeClr val="accent1"/>
+            </a:lnRef>
+            <a:fillRef idx="0">
+              <a:schemeClr val="accent1"/>
+            </a:fillRef>
+            <a:effectRef idx="0">
+              <a:schemeClr val="accent1"/>
+            </a:effectRef>
+            <a:fontRef idx="minor">
+              <a:schemeClr val="tx1"/>
+            </a:fontRef>
+          </p:style>
+        </p:cxnSp>
+        <p:cxnSp>
+          <p:nvCxnSpPr>
+            <p:cNvPr id="5" name="Straight Connector 4">
+              <a:extLst>
+                <a:ext uri="{FF2B5EF4-FFF2-40B4-BE49-F238E27FC236}">
+                  <a16:creationId xmlns:a16="http://schemas.microsoft.com/office/drawing/2014/main" id="{DB0C6A82-99EB-512D-0156-A8FBB82B2CEF}"/>
+                </a:ext>
+              </a:extLst>
+            </p:cNvPr>
+            <p:cNvCxnSpPr/>
+            <p:nvPr userDrawn="1"/>
+          </p:nvCxnSpPr>
+          <p:spPr>
+            <a:xfrm>
+              <a:off x="83282" y="203200"/>
+              <a:ext cx="640080" cy="0"/>
+            </a:xfrm>
+            <a:prstGeom prst="line">
+              <a:avLst/>
+            </a:prstGeom>
+            <a:ln w="44450">
+              <a:solidFill>
+                <a:srgbClr val="FBA919"/>
+              </a:solidFill>
+            </a:ln>
+          </p:spPr>
+          <p:style>
+            <a:lnRef idx="1">
+              <a:schemeClr val="accent1"/>
+            </a:lnRef>
+            <a:fillRef idx="0">
+              <a:schemeClr val="accent1"/>
+            </a:fillRef>
+            <a:effectRef idx="0">
+              <a:schemeClr val="accent1"/>
+            </a:effectRef>
+            <a:fontRef idx="minor">
+              <a:schemeClr val="tx1"/>
+            </a:fontRef>
+          </p:style>
+        </p:cxnSp>
+        <p:cxnSp>
+          <p:nvCxnSpPr>
+            <p:cNvPr id="6" name="Straight Connector 5">
+              <a:extLst>
+                <a:ext uri="{FF2B5EF4-FFF2-40B4-BE49-F238E27FC236}">
+                  <a16:creationId xmlns:a16="http://schemas.microsoft.com/office/drawing/2014/main" id="{488E241D-1542-43C9-17EB-357D5C31C955}"/>
+                </a:ext>
+              </a:extLst>
+            </p:cNvPr>
+            <p:cNvCxnSpPr/>
+            <p:nvPr userDrawn="1"/>
+          </p:nvCxnSpPr>
+          <p:spPr>
+            <a:xfrm>
+              <a:off x="83282" y="292100"/>
+              <a:ext cx="457200" cy="0"/>
+            </a:xfrm>
+            <a:prstGeom prst="line">
+              <a:avLst/>
+            </a:prstGeom>
+            <a:ln w="44450">
+              <a:solidFill>
+                <a:srgbClr val="184786"/>
+              </a:solidFill>
+            </a:ln>
+          </p:spPr>
+          <p:style>
+            <a:lnRef idx="1">
+              <a:schemeClr val="accent1"/>
+            </a:lnRef>
+            <a:fillRef idx="0">
+              <a:schemeClr val="accent1"/>
+            </a:fillRef>
+            <a:effectRef idx="0">
+              <a:schemeClr val="accent1"/>
+            </a:effectRef>
+            <a:fontRef idx="minor">
+              <a:schemeClr val="tx1"/>
+            </a:fontRef>
+          </p:style>
+        </p:cxnSp>
+      </p:grpSp>
+      <p:pic>
+        <p:nvPicPr>
+          <p:cNvPr id="7" name="Picture 6" descr="A close up of a sign&#10;&#10;Description automatically generated">
+            <a:extLst>
+              <a:ext uri="{FF2B5EF4-FFF2-40B4-BE49-F238E27FC236}">
+                <a16:creationId xmlns:a16="http://schemas.microsoft.com/office/drawing/2014/main" id="{156FC154-F0FD-2039-F2FC-0E459D745820}"/>
+              </a:ext>
+            </a:extLst>
+          </p:cNvPr>
+          <p:cNvPicPr>
+            <a:picLocks noChangeAspect="1"/>
+          </p:cNvPicPr>
+          <p:nvPr userDrawn="1"/>
+        </p:nvPicPr>
+        <p:blipFill rotWithShape="1">
+          <a:blip r:embed="rId2" cstate="print">
+            <a:extLst>
+              <a:ext uri="{28A0092B-C50C-407E-A947-70E740481C1C}">
+                <a14:useLocalDpi xmlns:a14="http://schemas.microsoft.com/office/drawing/2010/main" val="0"/>
+              </a:ext>
+            </a:extLst>
+          </a:blip>
+          <a:srcRect b="35325"/>
+          <a:stretch/>
+        </p:blipFill>
+        <p:spPr>
+          <a:xfrm>
+            <a:off x="167177" y="6326164"/>
+            <a:ext cx="1335052" cy="360487"/>
+          </a:xfrm>
+          <a:prstGeom prst="rect">
+            <a:avLst/>
+          </a:prstGeom>
+        </p:spPr>
+      </p:pic>
+      <p:sp>
+        <p:nvSpPr>
+          <p:cNvPr id="8" name="Text Placeholder 7">
+            <a:extLst>
+              <a:ext uri="{FF2B5EF4-FFF2-40B4-BE49-F238E27FC236}">
+                <a16:creationId xmlns:a16="http://schemas.microsoft.com/office/drawing/2014/main" id="{7751B5DE-A0DD-CB37-9DE3-EA6CCF07FA01}"/>
+              </a:ext>
+            </a:extLst>
+          </p:cNvPr>
+          <p:cNvSpPr>
+            <a:spLocks noGrp="1"/>
+          </p:cNvSpPr>
+          <p:nvPr>
+            <p:ph type="body" sz="quarter" idx="13" hasCustomPrompt="1"/>
+          </p:nvPr>
+        </p:nvSpPr>
+        <p:spPr>
+          <a:xfrm>
+            <a:off x="1348740" y="101340"/>
+            <a:ext cx="10108248" cy="482860"/>
+          </a:xfrm>
+        </p:spPr>
+        <p:txBody>
+          <a:bodyPr tIns="0" rIns="0" bIns="0" anchor="t">
+            <a:noAutofit/>
+          </a:bodyPr>
+          <a:lstStyle>
+            <a:lvl1pPr>
+              <a:lnSpc>
+                <a:spcPct val="100000"/>
+              </a:lnSpc>
+              <a:spcBef>
+                <a:spcPts val="0"/>
+              </a:spcBef>
+              <a:spcAft>
+                <a:spcPts val="0"/>
+              </a:spcAft>
+              <a:defRPr sz="2200" b="1" cap="none" spc="0" baseline="0">
+                <a:solidFill>
+                  <a:srgbClr val="184786"/>
+                </a:solidFill>
+              </a:defRPr>
+            </a:lvl1pPr>
+            <a:lvl2pPr>
+              <a:lnSpc>
+                <a:spcPct val="100000"/>
+              </a:lnSpc>
+              <a:spcBef>
+                <a:spcPts val="0"/>
+              </a:spcBef>
+              <a:spcAft>
+                <a:spcPts val="0"/>
+              </a:spcAft>
+              <a:defRPr sz="1700" b="0" cap="none" spc="0">
+                <a:solidFill>
+                  <a:schemeClr val="tx1"/>
+                </a:solidFill>
+              </a:defRPr>
+            </a:lvl2pPr>
+            <a:lvl3pPr>
+              <a:lnSpc>
+                <a:spcPct val="100000"/>
+              </a:lnSpc>
+              <a:spcAft>
+                <a:spcPts val="0"/>
+              </a:spcAft>
+              <a:defRPr sz="1700" spc="0">
+                <a:solidFill>
+                  <a:srgbClr val="7A91A6"/>
+                </a:solidFill>
+              </a:defRPr>
+            </a:lvl3pPr>
+            <a:lvl4pPr marL="0" indent="0">
+              <a:spcBef>
+                <a:spcPts val="0"/>
+              </a:spcBef>
+              <a:spcAft>
+                <a:spcPts val="0"/>
+              </a:spcAft>
+              <a:buNone/>
+              <a:defRPr sz="1700" spc="0">
+                <a:solidFill>
+                  <a:srgbClr val="7A91A6"/>
+                </a:solidFill>
+              </a:defRPr>
+            </a:lvl4pPr>
+            <a:lvl5pPr marL="0" indent="0">
+              <a:spcBef>
+                <a:spcPts val="0"/>
+              </a:spcBef>
+              <a:spcAft>
+                <a:spcPts val="0"/>
+              </a:spcAft>
+              <a:buNone/>
+              <a:defRPr sz="1700" spc="0">
+                <a:solidFill>
+                  <a:srgbClr val="7A91A6"/>
+                </a:solidFill>
+              </a:defRPr>
+            </a:lvl5pPr>
+            <a:lvl6pPr marL="0" indent="0">
+              <a:lnSpc>
+                <a:spcPct val="100000"/>
+              </a:lnSpc>
+              <a:spcBef>
+                <a:spcPts val="0"/>
+              </a:spcBef>
+              <a:spcAft>
+                <a:spcPts val="0"/>
+              </a:spcAft>
+              <a:buNone/>
+              <a:defRPr sz="1700" spc="0">
+                <a:solidFill>
+                  <a:srgbClr val="7A91A6"/>
+                </a:solidFill>
+              </a:defRPr>
+            </a:lvl6pPr>
+            <a:lvl7pPr marL="0" indent="0">
+              <a:lnSpc>
+                <a:spcPct val="100000"/>
+              </a:lnSpc>
+              <a:spcBef>
+                <a:spcPts val="0"/>
+              </a:spcBef>
+              <a:spcAft>
+                <a:spcPts val="0"/>
+              </a:spcAft>
+              <a:buNone/>
+              <a:defRPr sz="1700" spc="0">
+                <a:solidFill>
+                  <a:srgbClr val="7A91A6"/>
+                </a:solidFill>
+              </a:defRPr>
+            </a:lvl7pPr>
+            <a:lvl8pPr marL="0" indent="0">
+              <a:lnSpc>
+                <a:spcPct val="100000"/>
+              </a:lnSpc>
+              <a:spcBef>
+                <a:spcPts val="0"/>
+              </a:spcBef>
+              <a:spcAft>
+                <a:spcPts val="0"/>
+              </a:spcAft>
+              <a:buNone/>
+              <a:defRPr sz="1700" spc="0">
+                <a:solidFill>
+                  <a:srgbClr val="7A91A6"/>
+                </a:solidFill>
+              </a:defRPr>
+            </a:lvl8pPr>
+            <a:lvl9pPr marL="0" indent="0">
+              <a:lnSpc>
+                <a:spcPct val="100000"/>
+              </a:lnSpc>
+              <a:spcBef>
+                <a:spcPts val="0"/>
+              </a:spcBef>
+              <a:spcAft>
+                <a:spcPts val="0"/>
+              </a:spcAft>
+              <a:buNone/>
+              <a:defRPr sz="1700" spc="0">
+                <a:solidFill>
+                  <a:srgbClr val="7A91A6"/>
+                </a:solidFill>
+              </a:defRPr>
+            </a:lvl9pPr>
+          </a:lstStyle>
+          <a:p>
+            <a:pPr lvl="0"/>
+            <a:r>
+              <a:rPr lang="en-GB"/>
+              <a:t>Click to add title</a:t>
+            </a:r>
+          </a:p>
+        </p:txBody>
+      </p:sp>
+      <p:sp>
+        <p:nvSpPr>
+          <p:cNvPr id="2" name="TextBox 1">
+            <a:extLst>
+              <a:ext uri="{FF2B5EF4-FFF2-40B4-BE49-F238E27FC236}">
+                <a16:creationId xmlns:a16="http://schemas.microsoft.com/office/drawing/2014/main" id="{16AA6C0A-CBC9-8D63-7E45-33B89FE7C5FC}"/>
+              </a:ext>
+            </a:extLst>
+          </p:cNvPr>
+          <p:cNvSpPr txBox="1"/>
+          <p:nvPr userDrawn="1"/>
+        </p:nvSpPr>
+        <p:spPr>
+          <a:xfrm>
+            <a:off x="1395623" y="6326164"/>
+            <a:ext cx="914400" cy="320905"/>
+          </a:xfrm>
+          <a:prstGeom prst="rect">
+            <a:avLst/>
+          </a:prstGeom>
+          <a:noFill/>
+        </p:spPr>
+        <p:txBody>
+          <a:bodyPr wrap="none" rtlCol="0">
+            <a:noAutofit/>
+          </a:bodyPr>
+          <a:lstStyle/>
+          <a:p>
+            <a:r>
+              <a:rPr lang="en-GB" sz="2500">
+                <a:gradFill flip="none" rotWithShape="1">
+                  <a:gsLst>
+                    <a:gs pos="0">
+                      <a:srgbClr val="DB252E"/>
+                    </a:gs>
+                    <a:gs pos="50000">
+                      <a:srgbClr val="76375B"/>
+                    </a:gs>
+                    <a:gs pos="100000">
+                      <a:srgbClr val="29447D"/>
+                    </a:gs>
+                  </a:gsLst>
+                  <a:lin ang="5400000" scaled="1"/>
+                  <a:tileRect/>
+                </a:gradFill>
+                <a:latin typeface="Arial Black" panose="020B0A04020102020204" pitchFamily="34" charset="0"/>
+              </a:rPr>
+              <a:t>~UDP</a:t>
+            </a:r>
+          </a:p>
+        </p:txBody>
+      </p:sp>
+    </p:spTree>
+    <p:extLst>
+      <p:ext uri="{BB962C8B-B14F-4D97-AF65-F5344CB8AC3E}">
+        <p14:creationId xmlns:p14="http://schemas.microsoft.com/office/powerpoint/2010/main" val="2327467480"/>
+      </p:ext>
+    </p:extLst>
+  </p:cSld>
+  <p:clrMapOvr>
+    <a:masterClrMapping/>
+  </p:clrMapOvr>
+  <p:transition>
+    <p:fade/>
+  </p:transition>
+</p:sldLayout>
+</file>
+
+<file path=ppt/slideLayouts/slideLayout13.xml><?xml version="1.0" encoding="utf-8"?>
 <p:sldLayout xmlns:a="http://schemas.openxmlformats.org/drawingml/2006/main" xmlns:r="http://schemas.openxmlformats.org/officeDocument/2006/relationships" xmlns:p="http://schemas.openxmlformats.org/presentationml/2006/main" preserve="1" userDrawn="1">
   <p:cSld name="Title Only">
     <p:spTree>
@@ -5556,7 +6089,7 @@
 </p:sldLayout>
 </file>
 
-<file path=ppt/slideLayouts/slideLayout13.xml><?xml version="1.0" encoding="utf-8"?>
+<file path=ppt/slideLayouts/slideLayout14.xml><?xml version="1.0" encoding="utf-8"?>
 <p:sldLayout xmlns:a="http://schemas.openxmlformats.org/drawingml/2006/main" xmlns:r="http://schemas.openxmlformats.org/officeDocument/2006/relationships" xmlns:p="http://schemas.openxmlformats.org/presentationml/2006/main" showMasterSp="0" preserve="1" userDrawn="1">
   <p:cSld name="Divider Slide A [TOC Source]">
     <p:spTree>
@@ -6094,7 +6627,7 @@
 </p:sldLayout>
 </file>
 
-<file path=ppt/slideLayouts/slideLayout14.xml><?xml version="1.0" encoding="utf-8"?>
+<file path=ppt/slideLayouts/slideLayout15.xml><?xml version="1.0" encoding="utf-8"?>
 <p:sldLayout xmlns:a="http://schemas.openxmlformats.org/drawingml/2006/main" xmlns:r="http://schemas.openxmlformats.org/officeDocument/2006/relationships" xmlns:p="http://schemas.openxmlformats.org/presentationml/2006/main" showMasterSp="0" preserve="1" userDrawn="1">
   <p:cSld name="1_Divider Slide A [TOC Source]">
     <p:spTree>
@@ -6483,7 +7016,7 @@
 </p:sldLayout>
 </file>
 
-<file path=ppt/slideLayouts/slideLayout15.xml><?xml version="1.0" encoding="utf-8"?>
+<file path=ppt/slideLayouts/slideLayout16.xml><?xml version="1.0" encoding="utf-8"?>
 <p:sldLayout xmlns:a="http://schemas.openxmlformats.org/drawingml/2006/main" xmlns:r="http://schemas.openxmlformats.org/officeDocument/2006/relationships" xmlns:p="http://schemas.openxmlformats.org/presentationml/2006/main" preserve="1" userDrawn="1">
   <p:cSld name="One Column Text">
     <p:spTree>
@@ -7008,7 +7541,7 @@
 </p:sldLayout>
 </file>
 
-<file path=ppt/slideLayouts/slideLayout16.xml><?xml version="1.0" encoding="utf-8"?>
+<file path=ppt/slideLayouts/slideLayout17.xml><?xml version="1.0" encoding="utf-8"?>
 <p:sldLayout xmlns:a="http://schemas.openxmlformats.org/drawingml/2006/main" xmlns:r="http://schemas.openxmlformats.org/officeDocument/2006/relationships" xmlns:p="http://schemas.openxmlformats.org/presentationml/2006/main" preserve="1" userDrawn="1">
   <p:cSld name="Two Column Content A">
     <p:spTree>
@@ -7606,7 +8139,7 @@
 </p:sldLayout>
 </file>
 
-<file path=ppt/slideLayouts/slideLayout17.xml><?xml version="1.0" encoding="utf-8"?>
+<file path=ppt/slideLayouts/slideLayout18.xml><?xml version="1.0" encoding="utf-8"?>
 <p:sldLayout xmlns:a="http://schemas.openxmlformats.org/drawingml/2006/main" xmlns:r="http://schemas.openxmlformats.org/officeDocument/2006/relationships" xmlns:p="http://schemas.openxmlformats.org/presentationml/2006/main" preserve="1" userDrawn="1">
   <p:cSld name="Two Column Content B">
     <p:spTree>
@@ -8204,7 +8737,7 @@
 </p:sldLayout>
 </file>
 
-<file path=ppt/slideLayouts/slideLayout18.xml><?xml version="1.0" encoding="utf-8"?>
+<file path=ppt/slideLayouts/slideLayout19.xml><?xml version="1.0" encoding="utf-8"?>
 <p:sldLayout xmlns:a="http://schemas.openxmlformats.org/drawingml/2006/main" xmlns:r="http://schemas.openxmlformats.org/officeDocument/2006/relationships" xmlns:p="http://schemas.openxmlformats.org/presentationml/2006/main" preserve="1" userDrawn="1">
   <p:cSld name="Three Column Content">
     <p:spTree>
@@ -8880,7 +9413,207 @@
 </p:sldLayout>
 </file>
 
-<file path=ppt/slideLayouts/slideLayout19.xml><?xml version="1.0" encoding="utf-8"?>
+<file path=ppt/slideLayouts/slideLayout2.xml><?xml version="1.0" encoding="utf-8"?>
+<p:sldLayout xmlns:a="http://schemas.openxmlformats.org/drawingml/2006/main" xmlns:r="http://schemas.openxmlformats.org/officeDocument/2006/relationships" xmlns:p="http://schemas.openxmlformats.org/presentationml/2006/main" type="obj" preserve="1">
+  <p:cSld name="Title and Content">
+    <p:spTree>
+      <p:nvGrpSpPr>
+        <p:cNvPr id="1" name=""/>
+        <p:cNvGrpSpPr/>
+        <p:nvPr/>
+      </p:nvGrpSpPr>
+      <p:grpSpPr>
+        <a:xfrm>
+          <a:off x="0" y="0"/>
+          <a:ext cx="0" cy="0"/>
+          <a:chOff x="0" y="0"/>
+          <a:chExt cx="0" cy="0"/>
+        </a:xfrm>
+      </p:grpSpPr>
+      <p:sp>
+        <p:nvSpPr>
+          <p:cNvPr id="2" name="Title 1">
+            <a:extLst>
+              <a:ext uri="{FF2B5EF4-FFF2-40B4-BE49-F238E27FC236}">
+                <a16:creationId xmlns:a16="http://schemas.microsoft.com/office/drawing/2014/main" id="{34BBAE90-CA21-4E1A-B8E4-29A6C965F61E}"/>
+              </a:ext>
+            </a:extLst>
+          </p:cNvPr>
+          <p:cNvSpPr>
+            <a:spLocks noGrp="1"/>
+          </p:cNvSpPr>
+          <p:nvPr>
+            <p:ph type="title"/>
+          </p:nvPr>
+        </p:nvSpPr>
+        <p:spPr/>
+        <p:txBody>
+          <a:bodyPr/>
+          <a:lstStyle/>
+          <a:p>
+            <a:r>
+              <a:rPr lang="en-US"/>
+              <a:t>Click to edit Master title style</a:t>
+            </a:r>
+            <a:endParaRPr lang="en-CA"/>
+          </a:p>
+        </p:txBody>
+      </p:sp>
+      <p:sp>
+        <p:nvSpPr>
+          <p:cNvPr id="3" name="Content Placeholder 2">
+            <a:extLst>
+              <a:ext uri="{FF2B5EF4-FFF2-40B4-BE49-F238E27FC236}">
+                <a16:creationId xmlns:a16="http://schemas.microsoft.com/office/drawing/2014/main" id="{B8D5AECF-A6D9-4C0D-9D15-3DE38F1453D9}"/>
+              </a:ext>
+            </a:extLst>
+          </p:cNvPr>
+          <p:cNvSpPr>
+            <a:spLocks noGrp="1"/>
+          </p:cNvSpPr>
+          <p:nvPr>
+            <p:ph idx="1"/>
+          </p:nvPr>
+        </p:nvSpPr>
+        <p:spPr/>
+        <p:txBody>
+          <a:bodyPr/>
+          <a:lstStyle/>
+          <a:p>
+            <a:pPr lvl="0"/>
+            <a:r>
+              <a:rPr lang="en-US"/>
+              <a:t>Click to edit Master text styles</a:t>
+            </a:r>
+          </a:p>
+          <a:p>
+            <a:pPr lvl="1"/>
+            <a:r>
+              <a:rPr lang="en-US"/>
+              <a:t>Second level</a:t>
+            </a:r>
+          </a:p>
+          <a:p>
+            <a:pPr lvl="2"/>
+            <a:r>
+              <a:rPr lang="en-US"/>
+              <a:t>Third level</a:t>
+            </a:r>
+          </a:p>
+          <a:p>
+            <a:pPr lvl="3"/>
+            <a:r>
+              <a:rPr lang="en-US"/>
+              <a:t>Fourth level</a:t>
+            </a:r>
+          </a:p>
+          <a:p>
+            <a:pPr lvl="4"/>
+            <a:r>
+              <a:rPr lang="en-US"/>
+              <a:t>Fifth level</a:t>
+            </a:r>
+            <a:endParaRPr lang="en-CA"/>
+          </a:p>
+        </p:txBody>
+      </p:sp>
+      <p:sp>
+        <p:nvSpPr>
+          <p:cNvPr id="4" name="Date Placeholder 3">
+            <a:extLst>
+              <a:ext uri="{FF2B5EF4-FFF2-40B4-BE49-F238E27FC236}">
+                <a16:creationId xmlns:a16="http://schemas.microsoft.com/office/drawing/2014/main" id="{57B92C01-7C44-41ED-BDE0-E39280ED01AE}"/>
+              </a:ext>
+            </a:extLst>
+          </p:cNvPr>
+          <p:cNvSpPr>
+            <a:spLocks noGrp="1"/>
+          </p:cNvSpPr>
+          <p:nvPr>
+            <p:ph type="dt" sz="half" idx="10"/>
+          </p:nvPr>
+        </p:nvSpPr>
+        <p:spPr/>
+        <p:txBody>
+          <a:bodyPr/>
+          <a:lstStyle/>
+          <a:p>
+            <a:fld id="{8D19A3AA-5CC1-4409-A3F5-5174B3C1B3E1}" type="datetimeFigureOut">
+              <a:rPr lang="en-CA" smtClean="0"/>
+              <a:t>2026-02-03</a:t>
+            </a:fld>
+            <a:endParaRPr lang="en-CA"/>
+          </a:p>
+        </p:txBody>
+      </p:sp>
+      <p:sp>
+        <p:nvSpPr>
+          <p:cNvPr id="5" name="Footer Placeholder 4">
+            <a:extLst>
+              <a:ext uri="{FF2B5EF4-FFF2-40B4-BE49-F238E27FC236}">
+                <a16:creationId xmlns:a16="http://schemas.microsoft.com/office/drawing/2014/main" id="{C67E81BA-7ACF-427B-9F08-23272728D1A0}"/>
+              </a:ext>
+            </a:extLst>
+          </p:cNvPr>
+          <p:cNvSpPr>
+            <a:spLocks noGrp="1"/>
+          </p:cNvSpPr>
+          <p:nvPr>
+            <p:ph type="ftr" sz="quarter" idx="11"/>
+          </p:nvPr>
+        </p:nvSpPr>
+        <p:spPr/>
+        <p:txBody>
+          <a:bodyPr/>
+          <a:lstStyle/>
+          <a:p>
+            <a:endParaRPr lang="en-CA"/>
+          </a:p>
+        </p:txBody>
+      </p:sp>
+      <p:sp>
+        <p:nvSpPr>
+          <p:cNvPr id="6" name="Slide Number Placeholder 5">
+            <a:extLst>
+              <a:ext uri="{FF2B5EF4-FFF2-40B4-BE49-F238E27FC236}">
+                <a16:creationId xmlns:a16="http://schemas.microsoft.com/office/drawing/2014/main" id="{0F4152B0-E8FF-4A99-8832-B5599837A0FB}"/>
+              </a:ext>
+            </a:extLst>
+          </p:cNvPr>
+          <p:cNvSpPr>
+            <a:spLocks noGrp="1"/>
+          </p:cNvSpPr>
+          <p:nvPr>
+            <p:ph type="sldNum" sz="quarter" idx="12"/>
+          </p:nvPr>
+        </p:nvSpPr>
+        <p:spPr/>
+        <p:txBody>
+          <a:bodyPr/>
+          <a:lstStyle/>
+          <a:p>
+            <a:fld id="{2927D708-D0CD-4292-9B9E-AB6E18DC2F1A}" type="slidenum">
+              <a:rPr lang="en-CA" smtClean="0"/>
+              <a:t>‹#›</a:t>
+            </a:fld>
+            <a:endParaRPr lang="en-CA"/>
+          </a:p>
+        </p:txBody>
+      </p:sp>
+    </p:spTree>
+    <p:extLst>
+      <p:ext uri="{BB962C8B-B14F-4D97-AF65-F5344CB8AC3E}">
+        <p14:creationId xmlns:p14="http://schemas.microsoft.com/office/powerpoint/2010/main" val="417791828"/>
+      </p:ext>
+    </p:extLst>
+  </p:cSld>
+  <p:clrMapOvr>
+    <a:masterClrMapping/>
+  </p:clrMapOvr>
+</p:sldLayout>
+</file>
+
+<file path=ppt/slideLayouts/slideLayout20.xml><?xml version="1.0" encoding="utf-8"?>
 <p:sldLayout xmlns:a="http://schemas.openxmlformats.org/drawingml/2006/main" xmlns:r="http://schemas.openxmlformats.org/officeDocument/2006/relationships" xmlns:p="http://schemas.openxmlformats.org/presentationml/2006/main" preserve="1" userDrawn="1">
   <p:cSld name="1_Custom Layout">
     <p:spTree>
@@ -9322,207 +10055,7 @@
 </p:sldLayout>
 </file>
 
-<file path=ppt/slideLayouts/slideLayout2.xml><?xml version="1.0" encoding="utf-8"?>
-<p:sldLayout xmlns:a="http://schemas.openxmlformats.org/drawingml/2006/main" xmlns:r="http://schemas.openxmlformats.org/officeDocument/2006/relationships" xmlns:p="http://schemas.openxmlformats.org/presentationml/2006/main" type="obj" preserve="1">
-  <p:cSld name="Title and Content">
-    <p:spTree>
-      <p:nvGrpSpPr>
-        <p:cNvPr id="1" name=""/>
-        <p:cNvGrpSpPr/>
-        <p:nvPr/>
-      </p:nvGrpSpPr>
-      <p:grpSpPr>
-        <a:xfrm>
-          <a:off x="0" y="0"/>
-          <a:ext cx="0" cy="0"/>
-          <a:chOff x="0" y="0"/>
-          <a:chExt cx="0" cy="0"/>
-        </a:xfrm>
-      </p:grpSpPr>
-      <p:sp>
-        <p:nvSpPr>
-          <p:cNvPr id="2" name="Title 1">
-            <a:extLst>
-              <a:ext uri="{FF2B5EF4-FFF2-40B4-BE49-F238E27FC236}">
-                <a16:creationId xmlns:a16="http://schemas.microsoft.com/office/drawing/2014/main" id="{34BBAE90-CA21-4E1A-B8E4-29A6C965F61E}"/>
-              </a:ext>
-            </a:extLst>
-          </p:cNvPr>
-          <p:cNvSpPr>
-            <a:spLocks noGrp="1"/>
-          </p:cNvSpPr>
-          <p:nvPr>
-            <p:ph type="title"/>
-          </p:nvPr>
-        </p:nvSpPr>
-        <p:spPr/>
-        <p:txBody>
-          <a:bodyPr/>
-          <a:lstStyle/>
-          <a:p>
-            <a:r>
-              <a:rPr lang="en-US"/>
-              <a:t>Click to edit Master title style</a:t>
-            </a:r>
-            <a:endParaRPr lang="en-CA"/>
-          </a:p>
-        </p:txBody>
-      </p:sp>
-      <p:sp>
-        <p:nvSpPr>
-          <p:cNvPr id="3" name="Content Placeholder 2">
-            <a:extLst>
-              <a:ext uri="{FF2B5EF4-FFF2-40B4-BE49-F238E27FC236}">
-                <a16:creationId xmlns:a16="http://schemas.microsoft.com/office/drawing/2014/main" id="{B8D5AECF-A6D9-4C0D-9D15-3DE38F1453D9}"/>
-              </a:ext>
-            </a:extLst>
-          </p:cNvPr>
-          <p:cNvSpPr>
-            <a:spLocks noGrp="1"/>
-          </p:cNvSpPr>
-          <p:nvPr>
-            <p:ph idx="1"/>
-          </p:nvPr>
-        </p:nvSpPr>
-        <p:spPr/>
-        <p:txBody>
-          <a:bodyPr/>
-          <a:lstStyle/>
-          <a:p>
-            <a:pPr lvl="0"/>
-            <a:r>
-              <a:rPr lang="en-US"/>
-              <a:t>Click to edit Master text styles</a:t>
-            </a:r>
-          </a:p>
-          <a:p>
-            <a:pPr lvl="1"/>
-            <a:r>
-              <a:rPr lang="en-US"/>
-              <a:t>Second level</a:t>
-            </a:r>
-          </a:p>
-          <a:p>
-            <a:pPr lvl="2"/>
-            <a:r>
-              <a:rPr lang="en-US"/>
-              <a:t>Third level</a:t>
-            </a:r>
-          </a:p>
-          <a:p>
-            <a:pPr lvl="3"/>
-            <a:r>
-              <a:rPr lang="en-US"/>
-              <a:t>Fourth level</a:t>
-            </a:r>
-          </a:p>
-          <a:p>
-            <a:pPr lvl="4"/>
-            <a:r>
-              <a:rPr lang="en-US"/>
-              <a:t>Fifth level</a:t>
-            </a:r>
-            <a:endParaRPr lang="en-CA"/>
-          </a:p>
-        </p:txBody>
-      </p:sp>
-      <p:sp>
-        <p:nvSpPr>
-          <p:cNvPr id="4" name="Date Placeholder 3">
-            <a:extLst>
-              <a:ext uri="{FF2B5EF4-FFF2-40B4-BE49-F238E27FC236}">
-                <a16:creationId xmlns:a16="http://schemas.microsoft.com/office/drawing/2014/main" id="{57B92C01-7C44-41ED-BDE0-E39280ED01AE}"/>
-              </a:ext>
-            </a:extLst>
-          </p:cNvPr>
-          <p:cNvSpPr>
-            <a:spLocks noGrp="1"/>
-          </p:cNvSpPr>
-          <p:nvPr>
-            <p:ph type="dt" sz="half" idx="10"/>
-          </p:nvPr>
-        </p:nvSpPr>
-        <p:spPr/>
-        <p:txBody>
-          <a:bodyPr/>
-          <a:lstStyle/>
-          <a:p>
-            <a:fld id="{8D19A3AA-5CC1-4409-A3F5-5174B3C1B3E1}" type="datetimeFigureOut">
-              <a:rPr lang="en-CA" smtClean="0"/>
-              <a:t>2025-11-25</a:t>
-            </a:fld>
-            <a:endParaRPr lang="en-CA"/>
-          </a:p>
-        </p:txBody>
-      </p:sp>
-      <p:sp>
-        <p:nvSpPr>
-          <p:cNvPr id="5" name="Footer Placeholder 4">
-            <a:extLst>
-              <a:ext uri="{FF2B5EF4-FFF2-40B4-BE49-F238E27FC236}">
-                <a16:creationId xmlns:a16="http://schemas.microsoft.com/office/drawing/2014/main" id="{C67E81BA-7ACF-427B-9F08-23272728D1A0}"/>
-              </a:ext>
-            </a:extLst>
-          </p:cNvPr>
-          <p:cNvSpPr>
-            <a:spLocks noGrp="1"/>
-          </p:cNvSpPr>
-          <p:nvPr>
-            <p:ph type="ftr" sz="quarter" idx="11"/>
-          </p:nvPr>
-        </p:nvSpPr>
-        <p:spPr/>
-        <p:txBody>
-          <a:bodyPr/>
-          <a:lstStyle/>
-          <a:p>
-            <a:endParaRPr lang="en-CA"/>
-          </a:p>
-        </p:txBody>
-      </p:sp>
-      <p:sp>
-        <p:nvSpPr>
-          <p:cNvPr id="6" name="Slide Number Placeholder 5">
-            <a:extLst>
-              <a:ext uri="{FF2B5EF4-FFF2-40B4-BE49-F238E27FC236}">
-                <a16:creationId xmlns:a16="http://schemas.microsoft.com/office/drawing/2014/main" id="{0F4152B0-E8FF-4A99-8832-B5599837A0FB}"/>
-              </a:ext>
-            </a:extLst>
-          </p:cNvPr>
-          <p:cNvSpPr>
-            <a:spLocks noGrp="1"/>
-          </p:cNvSpPr>
-          <p:nvPr>
-            <p:ph type="sldNum" sz="quarter" idx="12"/>
-          </p:nvPr>
-        </p:nvSpPr>
-        <p:spPr/>
-        <p:txBody>
-          <a:bodyPr/>
-          <a:lstStyle/>
-          <a:p>
-            <a:fld id="{2927D708-D0CD-4292-9B9E-AB6E18DC2F1A}" type="slidenum">
-              <a:rPr lang="en-CA" smtClean="0"/>
-              <a:t>‹#›</a:t>
-            </a:fld>
-            <a:endParaRPr lang="en-CA"/>
-          </a:p>
-        </p:txBody>
-      </p:sp>
-    </p:spTree>
-    <p:extLst>
-      <p:ext uri="{BB962C8B-B14F-4D97-AF65-F5344CB8AC3E}">
-        <p14:creationId xmlns:p14="http://schemas.microsoft.com/office/powerpoint/2010/main" val="417791828"/>
-      </p:ext>
-    </p:extLst>
-  </p:cSld>
-  <p:clrMapOvr>
-    <a:masterClrMapping/>
-  </p:clrMapOvr>
-</p:sldLayout>
-</file>
-
-<file path=ppt/slideLayouts/slideLayout20.xml><?xml version="1.0" encoding="utf-8"?>
+<file path=ppt/slideLayouts/slideLayout21.xml><?xml version="1.0" encoding="utf-8"?>
 <p:sldLayout xmlns:a="http://schemas.openxmlformats.org/drawingml/2006/main" xmlns:r="http://schemas.openxmlformats.org/officeDocument/2006/relationships" xmlns:p="http://schemas.openxmlformats.org/presentationml/2006/main" type="blank" preserve="1">
   <p:cSld name="Blank">
     <p:spTree>
@@ -9555,7 +10088,7 @@
 </p:sldLayout>
 </file>
 
-<file path=ppt/slideLayouts/slideLayout21.xml><?xml version="1.0" encoding="utf-8"?>
+<file path=ppt/slideLayouts/slideLayout22.xml><?xml version="1.0" encoding="utf-8"?>
 <p:sldLayout xmlns:a="http://schemas.openxmlformats.org/drawingml/2006/main" xmlns:r="http://schemas.openxmlformats.org/officeDocument/2006/relationships" xmlns:p="http://schemas.openxmlformats.org/presentationml/2006/main" preserve="1" userDrawn="1">
   <p:cSld name="2_Custom Layout">
     <p:spTree>
@@ -9856,7 +10389,7 @@
 </p:sldLayout>
 </file>
 
-<file path=ppt/slideLayouts/slideLayout22.xml><?xml version="1.0" encoding="utf-8"?>
+<file path=ppt/slideLayouts/slideLayout23.xml><?xml version="1.0" encoding="utf-8"?>
 <p:sldLayout xmlns:a="http://schemas.openxmlformats.org/drawingml/2006/main" xmlns:r="http://schemas.openxmlformats.org/officeDocument/2006/relationships" xmlns:p="http://schemas.openxmlformats.org/presentationml/2006/main" preserve="1" userDrawn="1">
   <p:cSld name="Custom Layout">
     <p:bg>
@@ -9899,7 +10432,7 @@
 </p:sldLayout>
 </file>
 
-<file path=ppt/slideLayouts/slideLayout23.xml><?xml version="1.0" encoding="utf-8"?>
+<file path=ppt/slideLayouts/slideLayout24.xml><?xml version="1.0" encoding="utf-8"?>
 <p:sldLayout xmlns:a="http://schemas.openxmlformats.org/drawingml/2006/main" xmlns:r="http://schemas.openxmlformats.org/officeDocument/2006/relationships" xmlns:p="http://schemas.openxmlformats.org/presentationml/2006/main" type="obj">
   <p:cSld name="Title and Content">
     <p:spTree>
@@ -10021,7 +10554,7 @@
 </p:sldLayout>
 </file>
 
-<file path=ppt/slideLayouts/slideLayout24.xml><?xml version="1.0" encoding="utf-8"?>
+<file path=ppt/slideLayouts/slideLayout25.xml><?xml version="1.0" encoding="utf-8"?>
 <p:sldLayout xmlns:a="http://schemas.openxmlformats.org/drawingml/2006/main" xmlns:r="http://schemas.openxmlformats.org/officeDocument/2006/relationships" xmlns:p="http://schemas.openxmlformats.org/presentationml/2006/main" type="title">
   <p:cSld name="Title Slide">
     <p:spTree>
@@ -10168,7 +10701,7 @@
           <a:p>
             <a:fld id="{47B90D53-9087-43D8-A0E6-B303F1F516E5}" type="datetimeFigureOut">
               <a:rPr lang="en-US" smtClean="0"/>
-              <a:t>11/25/2025</a:t>
+              <a:t>2/3/2026</a:t>
             </a:fld>
             <a:endParaRPr lang="en-US"/>
           </a:p>
@@ -10241,7 +10774,7 @@
 </p:sldLayout>
 </file>
 
-<file path=ppt/slideLayouts/slideLayout25.xml><?xml version="1.0" encoding="utf-8"?>
+<file path=ppt/slideLayouts/slideLayout26.xml><?xml version="1.0" encoding="utf-8"?>
 <p:sldLayout xmlns:a="http://schemas.openxmlformats.org/drawingml/2006/main" xmlns:r="http://schemas.openxmlformats.org/officeDocument/2006/relationships" xmlns:p="http://schemas.openxmlformats.org/presentationml/2006/main" preserve="1" userDrawn="1">
   <p:cSld name="3_Custom Layout">
     <p:spTree>
@@ -10333,7 +10866,7 @@
 </p:sldLayout>
 </file>
 
-<file path=ppt/slideLayouts/slideLayout26.xml><?xml version="1.0" encoding="utf-8"?>
+<file path=ppt/slideLayouts/slideLayout27.xml><?xml version="1.0" encoding="utf-8"?>
 <p:sldLayout xmlns:a="http://schemas.openxmlformats.org/drawingml/2006/main" xmlns:r="http://schemas.openxmlformats.org/officeDocument/2006/relationships" xmlns:p="http://schemas.openxmlformats.org/presentationml/2006/main" preserve="1" userDrawn="1">
   <p:cSld name="1_Title Only">
     <p:spTree>
@@ -11420,7 +11953,7 @@
 </p:sldLayout>
 </file>
 
-<file path=ppt/slideLayouts/slideLayout27.xml><?xml version="1.0" encoding="utf-8"?>
+<file path=ppt/slideLayouts/slideLayout28.xml><?xml version="1.0" encoding="utf-8"?>
 <p:sldLayout xmlns:a="http://schemas.openxmlformats.org/drawingml/2006/main" xmlns:r="http://schemas.openxmlformats.org/officeDocument/2006/relationships" xmlns:p="http://schemas.openxmlformats.org/presentationml/2006/main" showMasterSp="0" preserve="1" userDrawn="1">
   <p:cSld name="3_Divider Slide A [TOC Source]">
     <p:spTree>
@@ -11958,7 +12491,7 @@
 </p:sldLayout>
 </file>
 
-<file path=ppt/slideLayouts/slideLayout28.xml><?xml version="1.0" encoding="utf-8"?>
+<file path=ppt/slideLayouts/slideLayout29.xml><?xml version="1.0" encoding="utf-8"?>
 <p:sldLayout xmlns:a="http://schemas.openxmlformats.org/drawingml/2006/main" xmlns:r="http://schemas.openxmlformats.org/officeDocument/2006/relationships" xmlns:p="http://schemas.openxmlformats.org/presentationml/2006/main" showMasterSp="0" preserve="1" userDrawn="1">
   <p:cSld name="2_Divider Slide A [TOC Source]">
     <p:spTree>
@@ -12347,7 +12880,283 @@
 </p:sldLayout>
 </file>
 
-<file path=ppt/slideLayouts/slideLayout29.xml><?xml version="1.0" encoding="utf-8"?>
+<file path=ppt/slideLayouts/slideLayout3.xml><?xml version="1.0" encoding="utf-8"?>
+<p:sldLayout xmlns:a="http://schemas.openxmlformats.org/drawingml/2006/main" xmlns:r="http://schemas.openxmlformats.org/officeDocument/2006/relationships" xmlns:p="http://schemas.openxmlformats.org/presentationml/2006/main" type="secHead" preserve="1">
+  <p:cSld name="Section Header">
+    <p:spTree>
+      <p:nvGrpSpPr>
+        <p:cNvPr id="1" name=""/>
+        <p:cNvGrpSpPr/>
+        <p:nvPr/>
+      </p:nvGrpSpPr>
+      <p:grpSpPr>
+        <a:xfrm>
+          <a:off x="0" y="0"/>
+          <a:ext cx="0" cy="0"/>
+          <a:chOff x="0" y="0"/>
+          <a:chExt cx="0" cy="0"/>
+        </a:xfrm>
+      </p:grpSpPr>
+      <p:sp>
+        <p:nvSpPr>
+          <p:cNvPr id="2" name="Title 1">
+            <a:extLst>
+              <a:ext uri="{FF2B5EF4-FFF2-40B4-BE49-F238E27FC236}">
+                <a16:creationId xmlns:a16="http://schemas.microsoft.com/office/drawing/2014/main" id="{6020288E-FB62-4A15-94C8-63F77ECC49CC}"/>
+              </a:ext>
+            </a:extLst>
+          </p:cNvPr>
+          <p:cNvSpPr>
+            <a:spLocks noGrp="1"/>
+          </p:cNvSpPr>
+          <p:nvPr>
+            <p:ph type="title"/>
+          </p:nvPr>
+        </p:nvSpPr>
+        <p:spPr>
+          <a:xfrm>
+            <a:off x="831850" y="1709738"/>
+            <a:ext cx="10515600" cy="2852737"/>
+          </a:xfrm>
+        </p:spPr>
+        <p:txBody>
+          <a:bodyPr anchor="b"/>
+          <a:lstStyle>
+            <a:lvl1pPr>
+              <a:defRPr sz="6000"/>
+            </a:lvl1pPr>
+          </a:lstStyle>
+          <a:p>
+            <a:r>
+              <a:rPr lang="en-US"/>
+              <a:t>Click to edit Master title style</a:t>
+            </a:r>
+            <a:endParaRPr lang="en-CA"/>
+          </a:p>
+        </p:txBody>
+      </p:sp>
+      <p:sp>
+        <p:nvSpPr>
+          <p:cNvPr id="3" name="Text Placeholder 2">
+            <a:extLst>
+              <a:ext uri="{FF2B5EF4-FFF2-40B4-BE49-F238E27FC236}">
+                <a16:creationId xmlns:a16="http://schemas.microsoft.com/office/drawing/2014/main" id="{BDEF8E08-A354-40F5-9F5E-5114E7107447}"/>
+              </a:ext>
+            </a:extLst>
+          </p:cNvPr>
+          <p:cNvSpPr>
+            <a:spLocks noGrp="1"/>
+          </p:cNvSpPr>
+          <p:nvPr>
+            <p:ph type="body" idx="1"/>
+          </p:nvPr>
+        </p:nvSpPr>
+        <p:spPr>
+          <a:xfrm>
+            <a:off x="831850" y="4589463"/>
+            <a:ext cx="10515600" cy="1500187"/>
+          </a:xfrm>
+        </p:spPr>
+        <p:txBody>
+          <a:bodyPr/>
+          <a:lstStyle>
+            <a:lvl1pPr marL="0" indent="0">
+              <a:buNone/>
+              <a:defRPr sz="2400">
+                <a:solidFill>
+                  <a:schemeClr val="tx1">
+                    <a:tint val="75000"/>
+                  </a:schemeClr>
+                </a:solidFill>
+              </a:defRPr>
+            </a:lvl1pPr>
+            <a:lvl2pPr marL="457200" indent="0">
+              <a:buNone/>
+              <a:defRPr sz="2000">
+                <a:solidFill>
+                  <a:schemeClr val="tx1">
+                    <a:tint val="75000"/>
+                  </a:schemeClr>
+                </a:solidFill>
+              </a:defRPr>
+            </a:lvl2pPr>
+            <a:lvl3pPr marL="914400" indent="0">
+              <a:buNone/>
+              <a:defRPr sz="1800">
+                <a:solidFill>
+                  <a:schemeClr val="tx1">
+                    <a:tint val="75000"/>
+                  </a:schemeClr>
+                </a:solidFill>
+              </a:defRPr>
+            </a:lvl3pPr>
+            <a:lvl4pPr marL="1371600" indent="0">
+              <a:buNone/>
+              <a:defRPr sz="1600">
+                <a:solidFill>
+                  <a:schemeClr val="tx1">
+                    <a:tint val="75000"/>
+                  </a:schemeClr>
+                </a:solidFill>
+              </a:defRPr>
+            </a:lvl4pPr>
+            <a:lvl5pPr marL="1828800" indent="0">
+              <a:buNone/>
+              <a:defRPr sz="1600">
+                <a:solidFill>
+                  <a:schemeClr val="tx1">
+                    <a:tint val="75000"/>
+                  </a:schemeClr>
+                </a:solidFill>
+              </a:defRPr>
+            </a:lvl5pPr>
+            <a:lvl6pPr marL="2286000" indent="0">
+              <a:buNone/>
+              <a:defRPr sz="1600">
+                <a:solidFill>
+                  <a:schemeClr val="tx1">
+                    <a:tint val="75000"/>
+                  </a:schemeClr>
+                </a:solidFill>
+              </a:defRPr>
+            </a:lvl6pPr>
+            <a:lvl7pPr marL="2743200" indent="0">
+              <a:buNone/>
+              <a:defRPr sz="1600">
+                <a:solidFill>
+                  <a:schemeClr val="tx1">
+                    <a:tint val="75000"/>
+                  </a:schemeClr>
+                </a:solidFill>
+              </a:defRPr>
+            </a:lvl7pPr>
+            <a:lvl8pPr marL="3200400" indent="0">
+              <a:buNone/>
+              <a:defRPr sz="1600">
+                <a:solidFill>
+                  <a:schemeClr val="tx1">
+                    <a:tint val="75000"/>
+                  </a:schemeClr>
+                </a:solidFill>
+              </a:defRPr>
+            </a:lvl8pPr>
+            <a:lvl9pPr marL="3657600" indent="0">
+              <a:buNone/>
+              <a:defRPr sz="1600">
+                <a:solidFill>
+                  <a:schemeClr val="tx1">
+                    <a:tint val="75000"/>
+                  </a:schemeClr>
+                </a:solidFill>
+              </a:defRPr>
+            </a:lvl9pPr>
+          </a:lstStyle>
+          <a:p>
+            <a:pPr lvl="0"/>
+            <a:r>
+              <a:rPr lang="en-US"/>
+              <a:t>Click to edit Master text styles</a:t>
+            </a:r>
+          </a:p>
+        </p:txBody>
+      </p:sp>
+      <p:sp>
+        <p:nvSpPr>
+          <p:cNvPr id="4" name="Date Placeholder 3">
+            <a:extLst>
+              <a:ext uri="{FF2B5EF4-FFF2-40B4-BE49-F238E27FC236}">
+                <a16:creationId xmlns:a16="http://schemas.microsoft.com/office/drawing/2014/main" id="{5EDCA05D-DCDF-45DD-BCD1-FA76FBFAFFC4}"/>
+              </a:ext>
+            </a:extLst>
+          </p:cNvPr>
+          <p:cNvSpPr>
+            <a:spLocks noGrp="1"/>
+          </p:cNvSpPr>
+          <p:nvPr>
+            <p:ph type="dt" sz="half" idx="10"/>
+          </p:nvPr>
+        </p:nvSpPr>
+        <p:spPr/>
+        <p:txBody>
+          <a:bodyPr/>
+          <a:lstStyle/>
+          <a:p>
+            <a:fld id="{8D19A3AA-5CC1-4409-A3F5-5174B3C1B3E1}" type="datetimeFigureOut">
+              <a:rPr lang="en-CA" smtClean="0"/>
+              <a:t>2026-02-03</a:t>
+            </a:fld>
+            <a:endParaRPr lang="en-CA"/>
+          </a:p>
+        </p:txBody>
+      </p:sp>
+      <p:sp>
+        <p:nvSpPr>
+          <p:cNvPr id="5" name="Footer Placeholder 4">
+            <a:extLst>
+              <a:ext uri="{FF2B5EF4-FFF2-40B4-BE49-F238E27FC236}">
+                <a16:creationId xmlns:a16="http://schemas.microsoft.com/office/drawing/2014/main" id="{EA9868E7-28A8-4F80-93E6-EE002CE70286}"/>
+              </a:ext>
+            </a:extLst>
+          </p:cNvPr>
+          <p:cNvSpPr>
+            <a:spLocks noGrp="1"/>
+          </p:cNvSpPr>
+          <p:nvPr>
+            <p:ph type="ftr" sz="quarter" idx="11"/>
+          </p:nvPr>
+        </p:nvSpPr>
+        <p:spPr/>
+        <p:txBody>
+          <a:bodyPr/>
+          <a:lstStyle/>
+          <a:p>
+            <a:endParaRPr lang="en-CA"/>
+          </a:p>
+        </p:txBody>
+      </p:sp>
+      <p:sp>
+        <p:nvSpPr>
+          <p:cNvPr id="6" name="Slide Number Placeholder 5">
+            <a:extLst>
+              <a:ext uri="{FF2B5EF4-FFF2-40B4-BE49-F238E27FC236}">
+                <a16:creationId xmlns:a16="http://schemas.microsoft.com/office/drawing/2014/main" id="{ACBFFEC5-0C59-4F65-9448-6B0D0596167D}"/>
+              </a:ext>
+            </a:extLst>
+          </p:cNvPr>
+          <p:cNvSpPr>
+            <a:spLocks noGrp="1"/>
+          </p:cNvSpPr>
+          <p:nvPr>
+            <p:ph type="sldNum" sz="quarter" idx="12"/>
+          </p:nvPr>
+        </p:nvSpPr>
+        <p:spPr/>
+        <p:txBody>
+          <a:bodyPr/>
+          <a:lstStyle/>
+          <a:p>
+            <a:fld id="{2927D708-D0CD-4292-9B9E-AB6E18DC2F1A}" type="slidenum">
+              <a:rPr lang="en-CA" smtClean="0"/>
+              <a:t>‹#›</a:t>
+            </a:fld>
+            <a:endParaRPr lang="en-CA"/>
+          </a:p>
+        </p:txBody>
+      </p:sp>
+    </p:spTree>
+    <p:extLst>
+      <p:ext uri="{BB962C8B-B14F-4D97-AF65-F5344CB8AC3E}">
+        <p14:creationId xmlns:p14="http://schemas.microsoft.com/office/powerpoint/2010/main" val="3747130161"/>
+      </p:ext>
+    </p:extLst>
+  </p:cSld>
+  <p:clrMapOvr>
+    <a:masterClrMapping/>
+  </p:clrMapOvr>
+</p:sldLayout>
+</file>
+
+<file path=ppt/slideLayouts/slideLayout30.xml><?xml version="1.0" encoding="utf-8"?>
 <p:sldLayout xmlns:a="http://schemas.openxmlformats.org/drawingml/2006/main" xmlns:r="http://schemas.openxmlformats.org/officeDocument/2006/relationships" xmlns:p="http://schemas.openxmlformats.org/presentationml/2006/main" preserve="1" userDrawn="1">
   <p:cSld name="1_One Column Text">
     <p:spTree>
@@ -12872,283 +13681,7 @@
 </p:sldLayout>
 </file>
 
-<file path=ppt/slideLayouts/slideLayout3.xml><?xml version="1.0" encoding="utf-8"?>
-<p:sldLayout xmlns:a="http://schemas.openxmlformats.org/drawingml/2006/main" xmlns:r="http://schemas.openxmlformats.org/officeDocument/2006/relationships" xmlns:p="http://schemas.openxmlformats.org/presentationml/2006/main" type="secHead" preserve="1">
-  <p:cSld name="Section Header">
-    <p:spTree>
-      <p:nvGrpSpPr>
-        <p:cNvPr id="1" name=""/>
-        <p:cNvGrpSpPr/>
-        <p:nvPr/>
-      </p:nvGrpSpPr>
-      <p:grpSpPr>
-        <a:xfrm>
-          <a:off x="0" y="0"/>
-          <a:ext cx="0" cy="0"/>
-          <a:chOff x="0" y="0"/>
-          <a:chExt cx="0" cy="0"/>
-        </a:xfrm>
-      </p:grpSpPr>
-      <p:sp>
-        <p:nvSpPr>
-          <p:cNvPr id="2" name="Title 1">
-            <a:extLst>
-              <a:ext uri="{FF2B5EF4-FFF2-40B4-BE49-F238E27FC236}">
-                <a16:creationId xmlns:a16="http://schemas.microsoft.com/office/drawing/2014/main" id="{6020288E-FB62-4A15-94C8-63F77ECC49CC}"/>
-              </a:ext>
-            </a:extLst>
-          </p:cNvPr>
-          <p:cNvSpPr>
-            <a:spLocks noGrp="1"/>
-          </p:cNvSpPr>
-          <p:nvPr>
-            <p:ph type="title"/>
-          </p:nvPr>
-        </p:nvSpPr>
-        <p:spPr>
-          <a:xfrm>
-            <a:off x="831850" y="1709738"/>
-            <a:ext cx="10515600" cy="2852737"/>
-          </a:xfrm>
-        </p:spPr>
-        <p:txBody>
-          <a:bodyPr anchor="b"/>
-          <a:lstStyle>
-            <a:lvl1pPr>
-              <a:defRPr sz="6000"/>
-            </a:lvl1pPr>
-          </a:lstStyle>
-          <a:p>
-            <a:r>
-              <a:rPr lang="en-US"/>
-              <a:t>Click to edit Master title style</a:t>
-            </a:r>
-            <a:endParaRPr lang="en-CA"/>
-          </a:p>
-        </p:txBody>
-      </p:sp>
-      <p:sp>
-        <p:nvSpPr>
-          <p:cNvPr id="3" name="Text Placeholder 2">
-            <a:extLst>
-              <a:ext uri="{FF2B5EF4-FFF2-40B4-BE49-F238E27FC236}">
-                <a16:creationId xmlns:a16="http://schemas.microsoft.com/office/drawing/2014/main" id="{BDEF8E08-A354-40F5-9F5E-5114E7107447}"/>
-              </a:ext>
-            </a:extLst>
-          </p:cNvPr>
-          <p:cNvSpPr>
-            <a:spLocks noGrp="1"/>
-          </p:cNvSpPr>
-          <p:nvPr>
-            <p:ph type="body" idx="1"/>
-          </p:nvPr>
-        </p:nvSpPr>
-        <p:spPr>
-          <a:xfrm>
-            <a:off x="831850" y="4589463"/>
-            <a:ext cx="10515600" cy="1500187"/>
-          </a:xfrm>
-        </p:spPr>
-        <p:txBody>
-          <a:bodyPr/>
-          <a:lstStyle>
-            <a:lvl1pPr marL="0" indent="0">
-              <a:buNone/>
-              <a:defRPr sz="2400">
-                <a:solidFill>
-                  <a:schemeClr val="tx1">
-                    <a:tint val="75000"/>
-                  </a:schemeClr>
-                </a:solidFill>
-              </a:defRPr>
-            </a:lvl1pPr>
-            <a:lvl2pPr marL="457200" indent="0">
-              <a:buNone/>
-              <a:defRPr sz="2000">
-                <a:solidFill>
-                  <a:schemeClr val="tx1">
-                    <a:tint val="75000"/>
-                  </a:schemeClr>
-                </a:solidFill>
-              </a:defRPr>
-            </a:lvl2pPr>
-            <a:lvl3pPr marL="914400" indent="0">
-              <a:buNone/>
-              <a:defRPr sz="1800">
-                <a:solidFill>
-                  <a:schemeClr val="tx1">
-                    <a:tint val="75000"/>
-                  </a:schemeClr>
-                </a:solidFill>
-              </a:defRPr>
-            </a:lvl3pPr>
-            <a:lvl4pPr marL="1371600" indent="0">
-              <a:buNone/>
-              <a:defRPr sz="1600">
-                <a:solidFill>
-                  <a:schemeClr val="tx1">
-                    <a:tint val="75000"/>
-                  </a:schemeClr>
-                </a:solidFill>
-              </a:defRPr>
-            </a:lvl4pPr>
-            <a:lvl5pPr marL="1828800" indent="0">
-              <a:buNone/>
-              <a:defRPr sz="1600">
-                <a:solidFill>
-                  <a:schemeClr val="tx1">
-                    <a:tint val="75000"/>
-                  </a:schemeClr>
-                </a:solidFill>
-              </a:defRPr>
-            </a:lvl5pPr>
-            <a:lvl6pPr marL="2286000" indent="0">
-              <a:buNone/>
-              <a:defRPr sz="1600">
-                <a:solidFill>
-                  <a:schemeClr val="tx1">
-                    <a:tint val="75000"/>
-                  </a:schemeClr>
-                </a:solidFill>
-              </a:defRPr>
-            </a:lvl6pPr>
-            <a:lvl7pPr marL="2743200" indent="0">
-              <a:buNone/>
-              <a:defRPr sz="1600">
-                <a:solidFill>
-                  <a:schemeClr val="tx1">
-                    <a:tint val="75000"/>
-                  </a:schemeClr>
-                </a:solidFill>
-              </a:defRPr>
-            </a:lvl7pPr>
-            <a:lvl8pPr marL="3200400" indent="0">
-              <a:buNone/>
-              <a:defRPr sz="1600">
-                <a:solidFill>
-                  <a:schemeClr val="tx1">
-                    <a:tint val="75000"/>
-                  </a:schemeClr>
-                </a:solidFill>
-              </a:defRPr>
-            </a:lvl8pPr>
-            <a:lvl9pPr marL="3657600" indent="0">
-              <a:buNone/>
-              <a:defRPr sz="1600">
-                <a:solidFill>
-                  <a:schemeClr val="tx1">
-                    <a:tint val="75000"/>
-                  </a:schemeClr>
-                </a:solidFill>
-              </a:defRPr>
-            </a:lvl9pPr>
-          </a:lstStyle>
-          <a:p>
-            <a:pPr lvl="0"/>
-            <a:r>
-              <a:rPr lang="en-US"/>
-              <a:t>Click to edit Master text styles</a:t>
-            </a:r>
-          </a:p>
-        </p:txBody>
-      </p:sp>
-      <p:sp>
-        <p:nvSpPr>
-          <p:cNvPr id="4" name="Date Placeholder 3">
-            <a:extLst>
-              <a:ext uri="{FF2B5EF4-FFF2-40B4-BE49-F238E27FC236}">
-                <a16:creationId xmlns:a16="http://schemas.microsoft.com/office/drawing/2014/main" id="{5EDCA05D-DCDF-45DD-BCD1-FA76FBFAFFC4}"/>
-              </a:ext>
-            </a:extLst>
-          </p:cNvPr>
-          <p:cNvSpPr>
-            <a:spLocks noGrp="1"/>
-          </p:cNvSpPr>
-          <p:nvPr>
-            <p:ph type="dt" sz="half" idx="10"/>
-          </p:nvPr>
-        </p:nvSpPr>
-        <p:spPr/>
-        <p:txBody>
-          <a:bodyPr/>
-          <a:lstStyle/>
-          <a:p>
-            <a:fld id="{8D19A3AA-5CC1-4409-A3F5-5174B3C1B3E1}" type="datetimeFigureOut">
-              <a:rPr lang="en-CA" smtClean="0"/>
-              <a:t>2025-11-25</a:t>
-            </a:fld>
-            <a:endParaRPr lang="en-CA"/>
-          </a:p>
-        </p:txBody>
-      </p:sp>
-      <p:sp>
-        <p:nvSpPr>
-          <p:cNvPr id="5" name="Footer Placeholder 4">
-            <a:extLst>
-              <a:ext uri="{FF2B5EF4-FFF2-40B4-BE49-F238E27FC236}">
-                <a16:creationId xmlns:a16="http://schemas.microsoft.com/office/drawing/2014/main" id="{EA9868E7-28A8-4F80-93E6-EE002CE70286}"/>
-              </a:ext>
-            </a:extLst>
-          </p:cNvPr>
-          <p:cNvSpPr>
-            <a:spLocks noGrp="1"/>
-          </p:cNvSpPr>
-          <p:nvPr>
-            <p:ph type="ftr" sz="quarter" idx="11"/>
-          </p:nvPr>
-        </p:nvSpPr>
-        <p:spPr/>
-        <p:txBody>
-          <a:bodyPr/>
-          <a:lstStyle/>
-          <a:p>
-            <a:endParaRPr lang="en-CA"/>
-          </a:p>
-        </p:txBody>
-      </p:sp>
-      <p:sp>
-        <p:nvSpPr>
-          <p:cNvPr id="6" name="Slide Number Placeholder 5">
-            <a:extLst>
-              <a:ext uri="{FF2B5EF4-FFF2-40B4-BE49-F238E27FC236}">
-                <a16:creationId xmlns:a16="http://schemas.microsoft.com/office/drawing/2014/main" id="{ACBFFEC5-0C59-4F65-9448-6B0D0596167D}"/>
-              </a:ext>
-            </a:extLst>
-          </p:cNvPr>
-          <p:cNvSpPr>
-            <a:spLocks noGrp="1"/>
-          </p:cNvSpPr>
-          <p:nvPr>
-            <p:ph type="sldNum" sz="quarter" idx="12"/>
-          </p:nvPr>
-        </p:nvSpPr>
-        <p:spPr/>
-        <p:txBody>
-          <a:bodyPr/>
-          <a:lstStyle/>
-          <a:p>
-            <a:fld id="{2927D708-D0CD-4292-9B9E-AB6E18DC2F1A}" type="slidenum">
-              <a:rPr lang="en-CA" smtClean="0"/>
-              <a:t>‹#›</a:t>
-            </a:fld>
-            <a:endParaRPr lang="en-CA"/>
-          </a:p>
-        </p:txBody>
-      </p:sp>
-    </p:spTree>
-    <p:extLst>
-      <p:ext uri="{BB962C8B-B14F-4D97-AF65-F5344CB8AC3E}">
-        <p14:creationId xmlns:p14="http://schemas.microsoft.com/office/powerpoint/2010/main" val="3747130161"/>
-      </p:ext>
-    </p:extLst>
-  </p:cSld>
-  <p:clrMapOvr>
-    <a:masterClrMapping/>
-  </p:clrMapOvr>
-</p:sldLayout>
-</file>
-
-<file path=ppt/slideLayouts/slideLayout30.xml><?xml version="1.0" encoding="utf-8"?>
+<file path=ppt/slideLayouts/slideLayout31.xml><?xml version="1.0" encoding="utf-8"?>
 <p:sldLayout xmlns:a="http://schemas.openxmlformats.org/drawingml/2006/main" xmlns:r="http://schemas.openxmlformats.org/officeDocument/2006/relationships" xmlns:p="http://schemas.openxmlformats.org/presentationml/2006/main" preserve="1" userDrawn="1">
   <p:cSld name="1_Two Column Content A">
     <p:spTree>
@@ -13746,7 +14279,7 @@
 </p:sldLayout>
 </file>
 
-<file path=ppt/slideLayouts/slideLayout31.xml><?xml version="1.0" encoding="utf-8"?>
+<file path=ppt/slideLayouts/slideLayout32.xml><?xml version="1.0" encoding="utf-8"?>
 <p:sldLayout xmlns:a="http://schemas.openxmlformats.org/drawingml/2006/main" xmlns:r="http://schemas.openxmlformats.org/officeDocument/2006/relationships" xmlns:p="http://schemas.openxmlformats.org/presentationml/2006/main" preserve="1" userDrawn="1">
   <p:cSld name="1_Two Column Content B">
     <p:spTree>
@@ -14344,7 +14877,7 @@
 </p:sldLayout>
 </file>
 
-<file path=ppt/slideLayouts/slideLayout32.xml><?xml version="1.0" encoding="utf-8"?>
+<file path=ppt/slideLayouts/slideLayout33.xml><?xml version="1.0" encoding="utf-8"?>
 <p:sldLayout xmlns:a="http://schemas.openxmlformats.org/drawingml/2006/main" xmlns:r="http://schemas.openxmlformats.org/officeDocument/2006/relationships" xmlns:p="http://schemas.openxmlformats.org/presentationml/2006/main" preserve="1" userDrawn="1">
   <p:cSld name="1_Three Column Content">
     <p:spTree>
@@ -15020,7 +15553,7 @@
 </p:sldLayout>
 </file>
 
-<file path=ppt/slideLayouts/slideLayout33.xml><?xml version="1.0" encoding="utf-8"?>
+<file path=ppt/slideLayouts/slideLayout34.xml><?xml version="1.0" encoding="utf-8"?>
 <p:sldLayout xmlns:a="http://schemas.openxmlformats.org/drawingml/2006/main" xmlns:r="http://schemas.openxmlformats.org/officeDocument/2006/relationships" xmlns:p="http://schemas.openxmlformats.org/presentationml/2006/main" preserve="1" userDrawn="1">
   <p:cSld name="6_Custom Layout">
     <p:spTree>
@@ -15462,7 +15995,7 @@
 </p:sldLayout>
 </file>
 
-<file path=ppt/slideLayouts/slideLayout34.xml><?xml version="1.0" encoding="utf-8"?>
+<file path=ppt/slideLayouts/slideLayout35.xml><?xml version="1.0" encoding="utf-8"?>
 <p:sldLayout xmlns:a="http://schemas.openxmlformats.org/drawingml/2006/main" xmlns:r="http://schemas.openxmlformats.org/officeDocument/2006/relationships" xmlns:p="http://schemas.openxmlformats.org/presentationml/2006/main" preserve="1" userDrawn="1">
   <p:cSld name="5_Custom Layout">
     <p:spTree>
@@ -15763,7 +16296,7 @@
 </p:sldLayout>
 </file>
 
-<file path=ppt/slideLayouts/slideLayout35.xml><?xml version="1.0" encoding="utf-8"?>
+<file path=ppt/slideLayouts/slideLayout36.xml><?xml version="1.0" encoding="utf-8"?>
 <p:sldLayout xmlns:a="http://schemas.openxmlformats.org/drawingml/2006/main" xmlns:r="http://schemas.openxmlformats.org/officeDocument/2006/relationships" xmlns:p="http://schemas.openxmlformats.org/presentationml/2006/main" type="title">
   <p:cSld name="1_Title Slide">
     <p:spTree>
@@ -15910,7 +16443,7 @@
           <a:p>
             <a:fld id="{47B90D53-9087-43D8-A0E6-B303F1F516E5}" type="datetimeFigureOut">
               <a:rPr lang="en-US" smtClean="0"/>
-              <a:t>11/25/2025</a:t>
+              <a:t>2/3/2026</a:t>
             </a:fld>
             <a:endParaRPr lang="en-US"/>
           </a:p>
@@ -16178,7 +16711,7 @@
           <a:p>
             <a:fld id="{8D19A3AA-5CC1-4409-A3F5-5174B3C1B3E1}" type="datetimeFigureOut">
               <a:rPr lang="en-CA" smtClean="0"/>
-              <a:t>2025-11-25</a:t>
+              <a:t>2026-02-03</a:t>
             </a:fld>
             <a:endParaRPr lang="en-CA"/>
           </a:p>
@@ -16593,7 +17126,7 @@
           <a:p>
             <a:fld id="{8D19A3AA-5CC1-4409-A3F5-5174B3C1B3E1}" type="datetimeFigureOut">
               <a:rPr lang="en-CA" smtClean="0"/>
-              <a:t>2025-11-25</a:t>
+              <a:t>2026-02-03</a:t>
             </a:fld>
             <a:endParaRPr lang="en-CA"/>
           </a:p>
@@ -16735,7 +17268,7 @@
           <a:p>
             <a:fld id="{8D19A3AA-5CC1-4409-A3F5-5174B3C1B3E1}" type="datetimeFigureOut">
               <a:rPr lang="en-CA" smtClean="0"/>
-              <a:t>2025-11-25</a:t>
+              <a:t>2026-02-03</a:t>
             </a:fld>
             <a:endParaRPr lang="en-CA"/>
           </a:p>
@@ -16848,7 +17381,7 @@
           <a:p>
             <a:fld id="{8D19A3AA-5CC1-4409-A3F5-5174B3C1B3E1}" type="datetimeFigureOut">
               <a:rPr lang="en-CA" smtClean="0"/>
-              <a:t>2025-11-25</a:t>
+              <a:t>2026-02-03</a:t>
             </a:fld>
             <a:endParaRPr lang="en-CA"/>
           </a:p>
@@ -17161,7 +17694,7 @@
           <a:p>
             <a:fld id="{8D19A3AA-5CC1-4409-A3F5-5174B3C1B3E1}" type="datetimeFigureOut">
               <a:rPr lang="en-CA" smtClean="0"/>
-              <a:t>2025-11-25</a:t>
+              <a:t>2026-02-03</a:t>
             </a:fld>
             <a:endParaRPr lang="en-CA"/>
           </a:p>
@@ -17450,7 +17983,7 @@
           <a:p>
             <a:fld id="{8D19A3AA-5CC1-4409-A3F5-5174B3C1B3E1}" type="datetimeFigureOut">
               <a:rPr lang="en-CA" smtClean="0"/>
-              <a:t>2025-11-25</a:t>
+              <a:t>2026-02-03</a:t>
             </a:fld>
             <a:endParaRPr lang="en-CA"/>
           </a:p>
@@ -17693,7 +18226,7 @@
           <a:p>
             <a:fld id="{8D19A3AA-5CC1-4409-A3F5-5174B3C1B3E1}" type="datetimeFigureOut">
               <a:rPr lang="en-CA" smtClean="0"/>
-              <a:t>2025-11-25</a:t>
+              <a:t>2026-02-03</a:t>
             </a:fld>
             <a:endParaRPr lang="en-CA"/>
           </a:p>
@@ -17809,6 +18342,7 @@
     <p:sldLayoutId id="2147483657" r:id="rId9"/>
     <p:sldLayoutId id="2147483658" r:id="rId10"/>
     <p:sldLayoutId id="2147483659" r:id="rId11"/>
+    <p:sldLayoutId id="2147483685" r:id="rId12"/>
   </p:sldLayoutIdLst>
   <p:txStyles>
     <p:titleStyle>
@@ -18918,6 +19452,2622 @@
 </p:sld>
 </file>
 
+<file path=ppt/slides/slide10.xml><?xml version="1.0" encoding="utf-8"?>
+<p:sld xmlns:a="http://schemas.openxmlformats.org/drawingml/2006/main" xmlns:r="http://schemas.openxmlformats.org/officeDocument/2006/relationships" xmlns:p="http://schemas.openxmlformats.org/presentationml/2006/main">
+  <p:cSld>
+    <p:spTree>
+      <p:nvGrpSpPr>
+        <p:cNvPr id="1" name="">
+          <a:extLst>
+            <a:ext uri="{FF2B5EF4-FFF2-40B4-BE49-F238E27FC236}">
+              <a16:creationId xmlns:a16="http://schemas.microsoft.com/office/drawing/2014/main" id="{F647A574-50C2-E8E8-ADDF-05EDDB31C00C}"/>
+            </a:ext>
+          </a:extLst>
+        </p:cNvPr>
+        <p:cNvGrpSpPr/>
+        <p:nvPr/>
+      </p:nvGrpSpPr>
+      <p:grpSpPr>
+        <a:xfrm>
+          <a:off x="0" y="0"/>
+          <a:ext cx="0" cy="0"/>
+          <a:chOff x="0" y="0"/>
+          <a:chExt cx="0" cy="0"/>
+        </a:xfrm>
+      </p:grpSpPr>
+      <p:pic>
+        <p:nvPicPr>
+          <p:cNvPr id="62" name="Picture 61" descr="Tip of iceberg submerged in water">
+            <a:extLst>
+              <a:ext uri="{FF2B5EF4-FFF2-40B4-BE49-F238E27FC236}">
+                <a16:creationId xmlns:a16="http://schemas.microsoft.com/office/drawing/2014/main" id="{884E8506-40BD-6D92-4B8D-900BC166B869}"/>
+              </a:ext>
+            </a:extLst>
+          </p:cNvPr>
+          <p:cNvPicPr>
+            <a:picLocks noChangeAspect="1"/>
+          </p:cNvPicPr>
+          <p:nvPr/>
+        </p:nvPicPr>
+        <p:blipFill>
+          <a:blip r:embed="rId3" cstate="print">
+            <a:extLst>
+              <a:ext uri="{28A0092B-C50C-407E-A947-70E740481C1C}">
+                <a14:useLocalDpi xmlns:a14="http://schemas.microsoft.com/office/drawing/2010/main" val="0"/>
+              </a:ext>
+            </a:extLst>
+          </a:blip>
+          <a:stretch>
+            <a:fillRect/>
+          </a:stretch>
+        </p:blipFill>
+        <p:spPr>
+          <a:xfrm>
+            <a:off x="-28961" y="0"/>
+            <a:ext cx="12254061" cy="6858000"/>
+          </a:xfrm>
+          <a:prstGeom prst="rect">
+            <a:avLst/>
+          </a:prstGeom>
+          <a:solidFill>
+            <a:schemeClr val="accent6">
+              <a:alpha val="50000"/>
+            </a:schemeClr>
+          </a:solidFill>
+          <a:ln w="28575">
+            <a:solidFill>
+              <a:schemeClr val="tx2">
+                <a:lumMod val="75000"/>
+              </a:schemeClr>
+            </a:solidFill>
+          </a:ln>
+          <a:effectLst/>
+        </p:spPr>
+      </p:pic>
+      <p:sp>
+        <p:nvSpPr>
+          <p:cNvPr id="95" name="Rectangle 94">
+            <a:extLst>
+              <a:ext uri="{FF2B5EF4-FFF2-40B4-BE49-F238E27FC236}">
+                <a16:creationId xmlns:a16="http://schemas.microsoft.com/office/drawing/2014/main" id="{30811924-8A9B-D87E-6603-56CEFAD40D23}"/>
+              </a:ext>
+            </a:extLst>
+          </p:cNvPr>
+          <p:cNvSpPr/>
+          <p:nvPr/>
+        </p:nvSpPr>
+        <p:spPr>
+          <a:xfrm>
+            <a:off x="5512808" y="3502773"/>
+            <a:ext cx="1812130" cy="360587"/>
+          </a:xfrm>
+          <a:prstGeom prst="rect">
+            <a:avLst/>
+          </a:prstGeom>
+          <a:solidFill>
+            <a:schemeClr val="accent6">
+              <a:lumMod val="90000"/>
+              <a:alpha val="80000"/>
+            </a:schemeClr>
+          </a:solidFill>
+          <a:ln w="28575">
+            <a:solidFill>
+              <a:schemeClr val="tx2">
+                <a:lumMod val="75000"/>
+              </a:schemeClr>
+            </a:solidFill>
+          </a:ln>
+          <a:effectLst>
+            <a:outerShdw blurRad="76200" dist="12700" dir="8100000" sy="-23000" kx="800400" algn="br" rotWithShape="0">
+              <a:prstClr val="black">
+                <a:alpha val="20000"/>
+              </a:prstClr>
+            </a:outerShdw>
+          </a:effectLst>
+        </p:spPr>
+        <p:style>
+          <a:lnRef idx="0">
+            <a:scrgbClr r="0" g="0" b="0"/>
+          </a:lnRef>
+          <a:fillRef idx="0">
+            <a:scrgbClr r="0" g="0" b="0"/>
+          </a:fillRef>
+          <a:effectRef idx="0">
+            <a:scrgbClr r="0" g="0" b="0"/>
+          </a:effectRef>
+          <a:fontRef idx="minor">
+            <a:schemeClr val="lt1"/>
+          </a:fontRef>
+        </p:style>
+        <p:txBody>
+          <a:bodyPr rtlCol="0" anchor="ctr"/>
+          <a:lstStyle/>
+          <a:p>
+            <a:pPr algn="ctr"/>
+            <a:r>
+              <a:rPr lang="en-US" sz="1100">
+                <a:solidFill>
+                  <a:srgbClr val="0C2126"/>
+                </a:solidFill>
+                <a:latin typeface="Arial" panose="020B0604020202020204"/>
+              </a:rPr>
+              <a:t>Expedited Recruitment</a:t>
+            </a:r>
+          </a:p>
+        </p:txBody>
+      </p:sp>
+      <p:sp>
+        <p:nvSpPr>
+          <p:cNvPr id="96" name="Rectangle 95">
+            <a:extLst>
+              <a:ext uri="{FF2B5EF4-FFF2-40B4-BE49-F238E27FC236}">
+                <a16:creationId xmlns:a16="http://schemas.microsoft.com/office/drawing/2014/main" id="{E219C75F-E836-DEDC-F267-EE4E11218843}"/>
+              </a:ext>
+            </a:extLst>
+          </p:cNvPr>
+          <p:cNvSpPr/>
+          <p:nvPr/>
+        </p:nvSpPr>
+        <p:spPr>
+          <a:xfrm>
+            <a:off x="2903301" y="4783410"/>
+            <a:ext cx="1039511" cy="619923"/>
+          </a:xfrm>
+          <a:prstGeom prst="rect">
+            <a:avLst/>
+          </a:prstGeom>
+          <a:solidFill>
+            <a:schemeClr val="accent6">
+              <a:lumMod val="90000"/>
+              <a:alpha val="80000"/>
+            </a:schemeClr>
+          </a:solidFill>
+          <a:ln w="28575">
+            <a:solidFill>
+              <a:schemeClr val="tx2">
+                <a:lumMod val="75000"/>
+              </a:schemeClr>
+            </a:solidFill>
+          </a:ln>
+          <a:effectLst>
+            <a:outerShdw blurRad="76200" dist="12700" dir="8100000" sy="-23000" kx="800400" algn="br" rotWithShape="0">
+              <a:prstClr val="black">
+                <a:alpha val="20000"/>
+              </a:prstClr>
+            </a:outerShdw>
+          </a:effectLst>
+        </p:spPr>
+        <p:style>
+          <a:lnRef idx="0">
+            <a:scrgbClr r="0" g="0" b="0"/>
+          </a:lnRef>
+          <a:fillRef idx="0">
+            <a:scrgbClr r="0" g="0" b="0"/>
+          </a:fillRef>
+          <a:effectRef idx="0">
+            <a:scrgbClr r="0" g="0" b="0"/>
+          </a:effectRef>
+          <a:fontRef idx="minor">
+            <a:schemeClr val="lt1"/>
+          </a:fontRef>
+        </p:style>
+        <p:txBody>
+          <a:bodyPr rtlCol="0" anchor="ctr"/>
+          <a:lstStyle/>
+          <a:p>
+            <a:pPr marL="0" marR="0" lvl="0" indent="0" algn="ctr" defTabSz="914400" rtl="0" eaLnBrk="1" fontAlgn="auto" latinLnBrk="0" hangingPunct="1">
+              <a:lnSpc>
+                <a:spcPct val="100000"/>
+              </a:lnSpc>
+              <a:spcBef>
+                <a:spcPts val="0"/>
+              </a:spcBef>
+              <a:spcAft>
+                <a:spcPts val="0"/>
+              </a:spcAft>
+              <a:buClrTx/>
+              <a:buSzTx/>
+              <a:buFontTx/>
+              <a:buNone/>
+              <a:tabLst/>
+              <a:defRPr/>
+            </a:pPr>
+            <a:r>
+              <a:rPr kumimoji="0" lang="en-US" sz="1100" b="0" i="0" u="none" strike="noStrike" kern="1200" cap="none" spc="0" normalizeH="0" baseline="0" noProof="0">
+                <a:ln>
+                  <a:noFill/>
+                </a:ln>
+                <a:solidFill>
+                  <a:srgbClr val="0C2126"/>
+                </a:solidFill>
+                <a:effectLst/>
+                <a:uLnTx/>
+                <a:uFillTx/>
+                <a:latin typeface="Arial" panose="020B0604020202020204"/>
+                <a:ea typeface="+mn-ea"/>
+                <a:cs typeface="+mn-cs"/>
+              </a:rPr>
+              <a:t>Improved Operational Efficiency</a:t>
+            </a:r>
+          </a:p>
+        </p:txBody>
+      </p:sp>
+      <p:sp>
+        <p:nvSpPr>
+          <p:cNvPr id="98" name="Rectangle 97">
+            <a:extLst>
+              <a:ext uri="{FF2B5EF4-FFF2-40B4-BE49-F238E27FC236}">
+                <a16:creationId xmlns:a16="http://schemas.microsoft.com/office/drawing/2014/main" id="{4A56ABB3-AB4A-A84E-6A16-226A6D5038D5}"/>
+              </a:ext>
+            </a:extLst>
+          </p:cNvPr>
+          <p:cNvSpPr/>
+          <p:nvPr/>
+        </p:nvSpPr>
+        <p:spPr>
+          <a:xfrm>
+            <a:off x="4703215" y="4300590"/>
+            <a:ext cx="2214009" cy="278464"/>
+          </a:xfrm>
+          <a:prstGeom prst="rect">
+            <a:avLst/>
+          </a:prstGeom>
+          <a:solidFill>
+            <a:schemeClr val="accent6">
+              <a:lumMod val="90000"/>
+              <a:alpha val="80000"/>
+            </a:schemeClr>
+          </a:solidFill>
+          <a:ln w="28575">
+            <a:solidFill>
+              <a:schemeClr val="tx2">
+                <a:lumMod val="75000"/>
+              </a:schemeClr>
+            </a:solidFill>
+          </a:ln>
+          <a:effectLst>
+            <a:outerShdw blurRad="76200" dist="12700" dir="8100000" sy="-23000" kx="800400" algn="br" rotWithShape="0">
+              <a:prstClr val="black">
+                <a:alpha val="20000"/>
+              </a:prstClr>
+            </a:outerShdw>
+          </a:effectLst>
+        </p:spPr>
+        <p:style>
+          <a:lnRef idx="0">
+            <a:scrgbClr r="0" g="0" b="0"/>
+          </a:lnRef>
+          <a:fillRef idx="0">
+            <a:scrgbClr r="0" g="0" b="0"/>
+          </a:fillRef>
+          <a:effectRef idx="0">
+            <a:scrgbClr r="0" g="0" b="0"/>
+          </a:effectRef>
+          <a:fontRef idx="minor">
+            <a:schemeClr val="lt1"/>
+          </a:fontRef>
+        </p:style>
+        <p:txBody>
+          <a:bodyPr rtlCol="0" anchor="ctr"/>
+          <a:lstStyle/>
+          <a:p>
+            <a:pPr marL="0" marR="0" lvl="0" indent="0" algn="ctr" defTabSz="914400" rtl="0" eaLnBrk="1" fontAlgn="auto" latinLnBrk="0" hangingPunct="1">
+              <a:lnSpc>
+                <a:spcPct val="100000"/>
+              </a:lnSpc>
+              <a:spcBef>
+                <a:spcPts val="0"/>
+              </a:spcBef>
+              <a:spcAft>
+                <a:spcPts val="0"/>
+              </a:spcAft>
+              <a:buClrTx/>
+              <a:buSzTx/>
+              <a:buFontTx/>
+              <a:buNone/>
+              <a:tabLst/>
+              <a:defRPr/>
+            </a:pPr>
+            <a:r>
+              <a:rPr kumimoji="0" lang="en-US" sz="1100" b="0" i="0" u="none" strike="noStrike" kern="1200" cap="none" spc="0" normalizeH="0" baseline="0" noProof="0">
+                <a:ln>
+                  <a:noFill/>
+                </a:ln>
+                <a:solidFill>
+                  <a:srgbClr val="0C2126"/>
+                </a:solidFill>
+                <a:effectLst/>
+                <a:uLnTx/>
+                <a:uFillTx/>
+                <a:latin typeface="Arial" panose="020B0604020202020204"/>
+                <a:ea typeface="+mn-ea"/>
+                <a:cs typeface="+mn-cs"/>
+              </a:rPr>
+              <a:t>Budgeting and Forecasting</a:t>
+            </a:r>
+          </a:p>
+        </p:txBody>
+      </p:sp>
+      <p:sp>
+        <p:nvSpPr>
+          <p:cNvPr id="107" name="Rectangle 106">
+            <a:extLst>
+              <a:ext uri="{FF2B5EF4-FFF2-40B4-BE49-F238E27FC236}">
+                <a16:creationId xmlns:a16="http://schemas.microsoft.com/office/drawing/2014/main" id="{939331B1-D5F7-B9CF-9444-842BA592F703}"/>
+              </a:ext>
+            </a:extLst>
+          </p:cNvPr>
+          <p:cNvSpPr/>
+          <p:nvPr/>
+        </p:nvSpPr>
+        <p:spPr>
+          <a:xfrm>
+            <a:off x="2380486" y="2393850"/>
+            <a:ext cx="3526760" cy="391131"/>
+          </a:xfrm>
+          <a:prstGeom prst="rect">
+            <a:avLst/>
+          </a:prstGeom>
+          <a:solidFill>
+            <a:srgbClr val="E9EFF6">
+              <a:alpha val="85098"/>
+            </a:srgbClr>
+          </a:solidFill>
+          <a:ln w="28575">
+            <a:solidFill>
+              <a:schemeClr val="tx2">
+                <a:lumMod val="75000"/>
+              </a:schemeClr>
+            </a:solidFill>
+          </a:ln>
+        </p:spPr>
+        <p:style>
+          <a:lnRef idx="0">
+            <a:scrgbClr r="0" g="0" b="0"/>
+          </a:lnRef>
+          <a:fillRef idx="0">
+            <a:scrgbClr r="0" g="0" b="0"/>
+          </a:fillRef>
+          <a:effectRef idx="0">
+            <a:scrgbClr r="0" g="0" b="0"/>
+          </a:effectRef>
+          <a:fontRef idx="minor">
+            <a:schemeClr val="lt1"/>
+          </a:fontRef>
+        </p:style>
+        <p:txBody>
+          <a:bodyPr rtlCol="0" anchor="ctr"/>
+          <a:lstStyle/>
+          <a:p>
+            <a:pPr marL="0" marR="0" lvl="0" indent="0" algn="ctr" defTabSz="914400" rtl="0" eaLnBrk="1" fontAlgn="auto" latinLnBrk="0" hangingPunct="1">
+              <a:lnSpc>
+                <a:spcPct val="100000"/>
+              </a:lnSpc>
+              <a:spcBef>
+                <a:spcPts val="0"/>
+              </a:spcBef>
+              <a:spcAft>
+                <a:spcPts val="0"/>
+              </a:spcAft>
+              <a:buClrTx/>
+              <a:buSzTx/>
+              <a:buFontTx/>
+              <a:buNone/>
+              <a:tabLst/>
+              <a:defRPr/>
+            </a:pPr>
+            <a:r>
+              <a:rPr kumimoji="0" lang="en-US" sz="1100" b="0" i="0" u="none" strike="noStrike" kern="1200" cap="none" spc="0" normalizeH="0" baseline="0" noProof="0">
+                <a:ln>
+                  <a:noFill/>
+                </a:ln>
+                <a:solidFill>
+                  <a:srgbClr val="0C2126"/>
+                </a:solidFill>
+                <a:effectLst/>
+                <a:uLnTx/>
+                <a:uFillTx/>
+                <a:latin typeface="Arial" panose="020B0604020202020204"/>
+                <a:ea typeface="+mn-ea"/>
+                <a:cs typeface="+mn-cs"/>
+              </a:rPr>
+              <a:t>Efficiencies, Automation, and Analytics</a:t>
+            </a:r>
+          </a:p>
+        </p:txBody>
+      </p:sp>
+      <p:sp>
+        <p:nvSpPr>
+          <p:cNvPr id="108" name="Rectangle: Rounded Corners 107">
+            <a:extLst>
+              <a:ext uri="{FF2B5EF4-FFF2-40B4-BE49-F238E27FC236}">
+                <a16:creationId xmlns:a16="http://schemas.microsoft.com/office/drawing/2014/main" id="{97952A40-7D1B-A35D-C4E4-1EE08B5307DB}"/>
+              </a:ext>
+            </a:extLst>
+          </p:cNvPr>
+          <p:cNvSpPr/>
+          <p:nvPr/>
+        </p:nvSpPr>
+        <p:spPr>
+          <a:xfrm>
+            <a:off x="8701427" y="3040982"/>
+            <a:ext cx="2999607" cy="1484440"/>
+          </a:xfrm>
+          <a:prstGeom prst="roundRect">
+            <a:avLst/>
+          </a:prstGeom>
+          <a:solidFill>
+            <a:schemeClr val="bg1">
+              <a:lumMod val="95000"/>
+            </a:schemeClr>
+          </a:solidFill>
+          <a:ln w="28575">
+            <a:solidFill>
+              <a:srgbClr val="FFFF00"/>
+            </a:solidFill>
+          </a:ln>
+        </p:spPr>
+        <p:style>
+          <a:lnRef idx="2">
+            <a:schemeClr val="accent1">
+              <a:shade val="50000"/>
+            </a:schemeClr>
+          </a:lnRef>
+          <a:fillRef idx="1">
+            <a:schemeClr val="accent1"/>
+          </a:fillRef>
+          <a:effectRef idx="0">
+            <a:schemeClr val="accent1"/>
+          </a:effectRef>
+          <a:fontRef idx="minor">
+            <a:schemeClr val="lt1"/>
+          </a:fontRef>
+        </p:style>
+        <p:txBody>
+          <a:bodyPr rtlCol="0" anchor="ctr"/>
+          <a:lstStyle/>
+          <a:p>
+            <a:pPr marL="0" marR="0" lvl="0" indent="0" algn="ctr" defTabSz="914400" rtl="0" eaLnBrk="1" fontAlgn="auto" latinLnBrk="0" hangingPunct="1">
+              <a:lnSpc>
+                <a:spcPts val="1100"/>
+              </a:lnSpc>
+              <a:spcBef>
+                <a:spcPts val="0"/>
+              </a:spcBef>
+              <a:spcAft>
+                <a:spcPts val="0"/>
+              </a:spcAft>
+              <a:buClrTx/>
+              <a:buSzTx/>
+              <a:buFontTx/>
+              <a:buNone/>
+              <a:tabLst/>
+              <a:defRPr/>
+            </a:pPr>
+            <a:r>
+              <a:rPr kumimoji="0" lang="en-US" sz="1400" b="1" i="0" u="none" strike="noStrike" kern="1200" cap="none" spc="0" normalizeH="0" baseline="0" noProof="0" dirty="0">
+                <a:ln>
+                  <a:noFill/>
+                </a:ln>
+                <a:solidFill>
+                  <a:srgbClr val="5D707F">
+                    <a:lumMod val="75000"/>
+                  </a:srgbClr>
+                </a:solidFill>
+                <a:effectLst/>
+                <a:uLnTx/>
+                <a:uFillTx/>
+                <a:latin typeface="Arial" panose="020B0604020202020204"/>
+              </a:rPr>
+              <a:t>Above the waterline are use cases currently addressed by this Implementation</a:t>
+            </a:r>
+            <a:r>
+              <a:rPr kumimoji="0" lang="en-US" sz="1400" b="1" i="0" u="none" strike="noStrike" kern="1200" cap="none" spc="0" normalizeH="0" noProof="0" dirty="0">
+                <a:ln>
+                  <a:noFill/>
+                </a:ln>
+                <a:solidFill>
+                  <a:srgbClr val="5D707F">
+                    <a:lumMod val="75000"/>
+                  </a:srgbClr>
+                </a:solidFill>
+                <a:effectLst/>
+                <a:uLnTx/>
+                <a:uFillTx/>
+                <a:latin typeface="Arial" panose="020B0604020202020204"/>
+              </a:rPr>
+              <a:t> guide.</a:t>
+            </a:r>
+          </a:p>
+          <a:p>
+            <a:pPr marL="0" marR="0" lvl="0" indent="0" algn="ctr" defTabSz="914400" rtl="0" eaLnBrk="1" fontAlgn="auto" latinLnBrk="0" hangingPunct="1">
+              <a:lnSpc>
+                <a:spcPts val="1100"/>
+              </a:lnSpc>
+              <a:spcBef>
+                <a:spcPts val="0"/>
+              </a:spcBef>
+              <a:spcAft>
+                <a:spcPts val="0"/>
+              </a:spcAft>
+              <a:buClrTx/>
+              <a:buSzTx/>
+              <a:buFontTx/>
+              <a:buNone/>
+              <a:tabLst/>
+              <a:defRPr/>
+            </a:pPr>
+            <a:endParaRPr lang="en-US" sz="1400" b="1" baseline="0" dirty="0">
+              <a:solidFill>
+                <a:srgbClr val="5D707F">
+                  <a:lumMod val="75000"/>
+                </a:srgbClr>
+              </a:solidFill>
+              <a:latin typeface="Arial" panose="020B0604020202020204"/>
+            </a:endParaRPr>
+          </a:p>
+          <a:p>
+            <a:pPr marL="0" marR="0" lvl="0" indent="0" algn="ctr" defTabSz="914400" rtl="0" eaLnBrk="1" fontAlgn="auto" latinLnBrk="0" hangingPunct="1">
+              <a:lnSpc>
+                <a:spcPts val="1100"/>
+              </a:lnSpc>
+              <a:spcBef>
+                <a:spcPts val="0"/>
+              </a:spcBef>
+              <a:spcAft>
+                <a:spcPts val="0"/>
+              </a:spcAft>
+              <a:buClrTx/>
+              <a:buSzTx/>
+              <a:buFontTx/>
+              <a:buNone/>
+              <a:tabLst/>
+              <a:defRPr/>
+            </a:pPr>
+            <a:r>
+              <a:rPr kumimoji="0" lang="en-US" sz="1400" b="1" i="0" u="none" strike="noStrike" kern="1200" cap="none" spc="0" normalizeH="0" noProof="0" dirty="0">
+                <a:ln>
+                  <a:noFill/>
+                </a:ln>
+                <a:solidFill>
+                  <a:srgbClr val="5D707F">
+                    <a:lumMod val="75000"/>
+                  </a:srgbClr>
+                </a:solidFill>
+                <a:effectLst/>
+                <a:uLnTx/>
+                <a:uFillTx/>
+                <a:latin typeface="Arial" panose="020B0604020202020204"/>
+              </a:rPr>
+              <a:t>Below the waterline </a:t>
+            </a:r>
+            <a:r>
+              <a:rPr kumimoji="0" lang="en-US" sz="1400" b="1" i="0" u="none" strike="noStrike" kern="1200" cap="none" spc="0" normalizeH="0" baseline="0" noProof="0" dirty="0">
+                <a:ln>
+                  <a:noFill/>
+                </a:ln>
+                <a:solidFill>
+                  <a:srgbClr val="5D707F">
+                    <a:lumMod val="75000"/>
+                  </a:srgbClr>
+                </a:solidFill>
+                <a:effectLst/>
+                <a:uLnTx/>
+                <a:uFillTx/>
+                <a:latin typeface="Arial" panose="020B0604020202020204"/>
+              </a:rPr>
+              <a:t>are an illustration of future use cases for which UDP may develop an</a:t>
+            </a:r>
+            <a:r>
+              <a:rPr kumimoji="0" lang="en-US" sz="1400" b="1" i="0" u="none" strike="noStrike" kern="1200" cap="none" spc="0" normalizeH="0" noProof="0" dirty="0">
+                <a:ln>
+                  <a:noFill/>
+                </a:ln>
+                <a:solidFill>
+                  <a:srgbClr val="5D707F">
+                    <a:lumMod val="75000"/>
+                  </a:srgbClr>
+                </a:solidFill>
+                <a:effectLst/>
+                <a:uLnTx/>
+                <a:uFillTx/>
+                <a:latin typeface="Arial" panose="020B0604020202020204"/>
+              </a:rPr>
+              <a:t> implementation guide</a:t>
+            </a:r>
+            <a:endParaRPr kumimoji="0" lang="en-US" sz="1400" b="1" i="0" u="none" strike="noStrike" kern="1200" cap="none" spc="0" normalizeH="0" baseline="0" noProof="0" dirty="0">
+              <a:ln>
+                <a:noFill/>
+              </a:ln>
+              <a:solidFill>
+                <a:srgbClr val="5D707F">
+                  <a:lumMod val="75000"/>
+                </a:srgbClr>
+              </a:solidFill>
+              <a:effectLst/>
+              <a:uLnTx/>
+              <a:uFillTx/>
+              <a:latin typeface="Arial" panose="020B0604020202020204"/>
+            </a:endParaRPr>
+          </a:p>
+        </p:txBody>
+      </p:sp>
+      <p:sp>
+        <p:nvSpPr>
+          <p:cNvPr id="171" name="Rectangle 170">
+            <a:extLst>
+              <a:ext uri="{FF2B5EF4-FFF2-40B4-BE49-F238E27FC236}">
+                <a16:creationId xmlns:a16="http://schemas.microsoft.com/office/drawing/2014/main" id="{4E5AA768-A19D-E866-2AC7-106A8AB416F1}"/>
+              </a:ext>
+            </a:extLst>
+          </p:cNvPr>
+          <p:cNvSpPr/>
+          <p:nvPr/>
+        </p:nvSpPr>
+        <p:spPr>
+          <a:xfrm>
+            <a:off x="3033480" y="646791"/>
+            <a:ext cx="2147182" cy="433738"/>
+          </a:xfrm>
+          <a:prstGeom prst="rect">
+            <a:avLst/>
+          </a:prstGeom>
+          <a:solidFill>
+            <a:schemeClr val="accent5">
+              <a:alpha val="73000"/>
+            </a:schemeClr>
+          </a:solidFill>
+          <a:ln w="28575">
+            <a:solidFill>
+              <a:srgbClr val="972727"/>
+            </a:solidFill>
+          </a:ln>
+          <a:effectLst>
+            <a:outerShdw blurRad="76200" dist="12700" dir="8100000" sy="-23000" kx="800400" algn="br" rotWithShape="0">
+              <a:prstClr val="black">
+                <a:alpha val="20000"/>
+              </a:prstClr>
+            </a:outerShdw>
+          </a:effectLst>
+        </p:spPr>
+        <p:style>
+          <a:lnRef idx="0">
+            <a:scrgbClr r="0" g="0" b="0"/>
+          </a:lnRef>
+          <a:fillRef idx="0">
+            <a:scrgbClr r="0" g="0" b="0"/>
+          </a:fillRef>
+          <a:effectRef idx="0">
+            <a:scrgbClr r="0" g="0" b="0"/>
+          </a:effectRef>
+          <a:fontRef idx="minor">
+            <a:schemeClr val="lt1"/>
+          </a:fontRef>
+        </p:style>
+        <p:txBody>
+          <a:bodyPr rtlCol="0" anchor="ctr"/>
+          <a:lstStyle/>
+          <a:p>
+            <a:pPr marL="0" marR="0" lvl="0" indent="0" algn="ctr" defTabSz="914400" rtl="0" eaLnBrk="1" fontAlgn="auto" latinLnBrk="0" hangingPunct="1">
+              <a:lnSpc>
+                <a:spcPct val="100000"/>
+              </a:lnSpc>
+              <a:spcBef>
+                <a:spcPts val="0"/>
+              </a:spcBef>
+              <a:spcAft>
+                <a:spcPts val="0"/>
+              </a:spcAft>
+              <a:buClrTx/>
+              <a:buSzTx/>
+              <a:buFontTx/>
+              <a:buNone/>
+              <a:tabLst/>
+              <a:defRPr/>
+            </a:pPr>
+            <a:r>
+              <a:rPr kumimoji="0" lang="en-US" sz="1100" b="0" i="0" u="none" strike="noStrike" kern="1200" cap="none" spc="0" normalizeH="0" baseline="0" noProof="0">
+                <a:ln>
+                  <a:noFill/>
+                </a:ln>
+                <a:solidFill>
+                  <a:srgbClr val="0C2126"/>
+                </a:solidFill>
+                <a:effectLst/>
+                <a:uLnTx/>
+                <a:uFillTx/>
+                <a:latin typeface="Arial" panose="020B0604020202020204"/>
+                <a:ea typeface="+mn-ea"/>
+                <a:cs typeface="+mn-cs"/>
+              </a:rPr>
+              <a:t>Streamlined Structured Document Creation</a:t>
+            </a:r>
+          </a:p>
+        </p:txBody>
+      </p:sp>
+      <p:sp>
+        <p:nvSpPr>
+          <p:cNvPr id="172" name="Rectangle: Rounded Corners 171">
+            <a:extLst>
+              <a:ext uri="{FF2B5EF4-FFF2-40B4-BE49-F238E27FC236}">
+                <a16:creationId xmlns:a16="http://schemas.microsoft.com/office/drawing/2014/main" id="{4857F154-B859-0F22-D307-B07E800D6BD3}"/>
+              </a:ext>
+            </a:extLst>
+          </p:cNvPr>
+          <p:cNvSpPr/>
+          <p:nvPr/>
+        </p:nvSpPr>
+        <p:spPr>
+          <a:xfrm>
+            <a:off x="6494003" y="1008795"/>
+            <a:ext cx="3520620" cy="967107"/>
+          </a:xfrm>
+          <a:prstGeom prst="roundRect">
+            <a:avLst/>
+          </a:prstGeom>
+          <a:solidFill>
+            <a:schemeClr val="bg1"/>
+          </a:solidFill>
+          <a:ln w="28575">
+            <a:solidFill>
+              <a:srgbClr val="972727"/>
+            </a:solidFill>
+          </a:ln>
+          <a:effectLst/>
+        </p:spPr>
+        <p:style>
+          <a:lnRef idx="0">
+            <a:scrgbClr r="0" g="0" b="0"/>
+          </a:lnRef>
+          <a:fillRef idx="0">
+            <a:scrgbClr r="0" g="0" b="0"/>
+          </a:fillRef>
+          <a:effectRef idx="0">
+            <a:scrgbClr r="0" g="0" b="0"/>
+          </a:effectRef>
+          <a:fontRef idx="minor">
+            <a:schemeClr val="lt1"/>
+          </a:fontRef>
+        </p:style>
+        <p:txBody>
+          <a:bodyPr rtlCol="0" anchor="ctr"/>
+          <a:lstStyle/>
+          <a:p>
+            <a:pPr marL="78358" marR="0" lvl="0" indent="-78358" algn="l" defTabSz="914400" rtl="0" eaLnBrk="1" fontAlgn="auto" latinLnBrk="0" hangingPunct="1">
+              <a:lnSpc>
+                <a:spcPts val="1100"/>
+              </a:lnSpc>
+              <a:spcBef>
+                <a:spcPts val="0"/>
+              </a:spcBef>
+              <a:spcAft>
+                <a:spcPts val="0"/>
+              </a:spcAft>
+              <a:buClrTx/>
+              <a:buSzTx/>
+              <a:buFont typeface="Arial" panose="020B0604020202020204" pitchFamily="34" charset="0"/>
+              <a:buChar char="•"/>
+              <a:tabLst/>
+              <a:defRPr/>
+            </a:pPr>
+            <a:r>
+              <a:rPr kumimoji="0" lang="en-US" sz="1100" b="0" i="0" u="none" strike="noStrike" kern="1200" cap="none" spc="0" normalizeH="0" baseline="0" noProof="0">
+                <a:ln>
+                  <a:noFill/>
+                </a:ln>
+                <a:solidFill>
+                  <a:srgbClr val="5D707F">
+                    <a:lumMod val="75000"/>
+                  </a:srgbClr>
+                </a:solidFill>
+                <a:effectLst/>
+                <a:uLnTx/>
+                <a:uFillTx/>
+                <a:latin typeface="Arial" panose="020B0604020202020204"/>
+                <a:ea typeface="+mn-ea"/>
+                <a:cs typeface="+mn-cs"/>
+              </a:rPr>
+              <a:t>Standardized templates for protocols</a:t>
+            </a:r>
+          </a:p>
+          <a:p>
+            <a:pPr marL="78358" marR="0" lvl="0" indent="-78358" algn="l" defTabSz="914400" rtl="0" eaLnBrk="1" fontAlgn="auto" latinLnBrk="0" hangingPunct="1">
+              <a:lnSpc>
+                <a:spcPts val="1100"/>
+              </a:lnSpc>
+              <a:spcBef>
+                <a:spcPts val="0"/>
+              </a:spcBef>
+              <a:spcAft>
+                <a:spcPts val="0"/>
+              </a:spcAft>
+              <a:buClrTx/>
+              <a:buSzTx/>
+              <a:buFont typeface="Arial" panose="020B0604020202020204" pitchFamily="34" charset="0"/>
+              <a:buChar char="•"/>
+              <a:tabLst/>
+              <a:defRPr/>
+            </a:pPr>
+            <a:r>
+              <a:rPr kumimoji="0" lang="en-US" sz="1100" b="0" i="0" u="none" strike="noStrike" kern="1200" cap="none" spc="0" normalizeH="0" baseline="0" noProof="0">
+                <a:ln>
+                  <a:noFill/>
+                </a:ln>
+                <a:solidFill>
+                  <a:srgbClr val="5D707F">
+                    <a:lumMod val="75000"/>
+                  </a:srgbClr>
+                </a:solidFill>
+                <a:effectLst/>
+                <a:uLnTx/>
+                <a:uFillTx/>
+                <a:latin typeface="Arial" panose="020B0604020202020204"/>
+                <a:ea typeface="+mn-ea"/>
+                <a:cs typeface="+mn-cs"/>
+              </a:rPr>
+              <a:t>Automated population of key fields using metadata</a:t>
+            </a:r>
+          </a:p>
+          <a:p>
+            <a:pPr marL="78358" marR="0" lvl="0" indent="-78358" algn="l" defTabSz="914400" rtl="0" eaLnBrk="1" fontAlgn="auto" latinLnBrk="0" hangingPunct="1">
+              <a:lnSpc>
+                <a:spcPts val="1100"/>
+              </a:lnSpc>
+              <a:spcBef>
+                <a:spcPts val="0"/>
+              </a:spcBef>
+              <a:spcAft>
+                <a:spcPts val="0"/>
+              </a:spcAft>
+              <a:buClrTx/>
+              <a:buSzTx/>
+              <a:buFont typeface="Arial" panose="020B0604020202020204" pitchFamily="34" charset="0"/>
+              <a:buChar char="•"/>
+              <a:tabLst/>
+              <a:defRPr/>
+            </a:pPr>
+            <a:r>
+              <a:rPr kumimoji="0" lang="en-US" sz="1100" b="0" i="0" u="none" strike="noStrike" kern="1200" cap="none" spc="0" normalizeH="0" baseline="0" noProof="0">
+                <a:ln>
+                  <a:noFill/>
+                </a:ln>
+                <a:solidFill>
+                  <a:srgbClr val="5D707F">
+                    <a:lumMod val="75000"/>
+                  </a:srgbClr>
+                </a:solidFill>
+                <a:effectLst/>
+                <a:uLnTx/>
+                <a:uFillTx/>
+                <a:latin typeface="Arial" panose="020B0604020202020204"/>
+                <a:ea typeface="+mn-ea"/>
+                <a:cs typeface="+mn-cs"/>
+              </a:rPr>
+              <a:t>Reduced human errors</a:t>
+            </a:r>
+          </a:p>
+          <a:p>
+            <a:pPr marL="78358" marR="0" lvl="0" indent="-78358" algn="l" defTabSz="914400" rtl="0" eaLnBrk="1" fontAlgn="auto" latinLnBrk="0" hangingPunct="1">
+              <a:lnSpc>
+                <a:spcPts val="1100"/>
+              </a:lnSpc>
+              <a:spcBef>
+                <a:spcPts val="0"/>
+              </a:spcBef>
+              <a:spcAft>
+                <a:spcPts val="0"/>
+              </a:spcAft>
+              <a:buClrTx/>
+              <a:buSzTx/>
+              <a:buFont typeface="Arial" panose="020B0604020202020204" pitchFamily="34" charset="0"/>
+              <a:buChar char="•"/>
+              <a:tabLst/>
+              <a:defRPr/>
+            </a:pPr>
+            <a:r>
+              <a:rPr kumimoji="0" lang="en-US" sz="1100" b="0" i="0" u="none" strike="noStrike" kern="1200" cap="none" spc="0" normalizeH="0" baseline="0" noProof="0">
+                <a:ln>
+                  <a:noFill/>
+                </a:ln>
+                <a:solidFill>
+                  <a:srgbClr val="5D707F">
+                    <a:lumMod val="75000"/>
+                  </a:srgbClr>
+                </a:solidFill>
+                <a:effectLst/>
+                <a:uLnTx/>
+                <a:uFillTx/>
+                <a:latin typeface="Arial" panose="020B0604020202020204"/>
+                <a:ea typeface="+mn-ea"/>
+                <a:cs typeface="+mn-cs"/>
+              </a:rPr>
+              <a:t>Real time updates/input</a:t>
+            </a:r>
+          </a:p>
+          <a:p>
+            <a:pPr marL="78358" marR="0" lvl="0" indent="-78358" algn="l" defTabSz="914400" rtl="0" eaLnBrk="1" fontAlgn="auto" latinLnBrk="0" hangingPunct="1">
+              <a:lnSpc>
+                <a:spcPts val="1100"/>
+              </a:lnSpc>
+              <a:spcBef>
+                <a:spcPts val="0"/>
+              </a:spcBef>
+              <a:spcAft>
+                <a:spcPts val="0"/>
+              </a:spcAft>
+              <a:buClrTx/>
+              <a:buSzTx/>
+              <a:buFont typeface="Arial" panose="020B0604020202020204" pitchFamily="34" charset="0"/>
+              <a:buChar char="•"/>
+              <a:tabLst/>
+              <a:defRPr/>
+            </a:pPr>
+            <a:r>
+              <a:rPr kumimoji="0" lang="en-US" sz="1100" b="0" i="0" u="none" strike="noStrike" kern="1200" cap="none" spc="0" normalizeH="0" baseline="0" noProof="0">
+                <a:ln>
+                  <a:noFill/>
+                </a:ln>
+                <a:solidFill>
+                  <a:srgbClr val="5D707F">
+                    <a:lumMod val="75000"/>
+                  </a:srgbClr>
+                </a:solidFill>
+                <a:effectLst/>
+                <a:uLnTx/>
+                <a:uFillTx/>
+                <a:latin typeface="Arial" panose="020B0604020202020204"/>
+                <a:ea typeface="+mn-ea"/>
+                <a:cs typeface="+mn-cs"/>
+              </a:rPr>
+              <a:t>Improved collaboration/version control</a:t>
+            </a:r>
+          </a:p>
+          <a:p>
+            <a:pPr marL="78358" marR="0" lvl="0" indent="-78358" algn="l" defTabSz="914400" rtl="0" eaLnBrk="1" fontAlgn="auto" latinLnBrk="0" hangingPunct="1">
+              <a:lnSpc>
+                <a:spcPts val="1100"/>
+              </a:lnSpc>
+              <a:spcBef>
+                <a:spcPts val="0"/>
+              </a:spcBef>
+              <a:spcAft>
+                <a:spcPts val="0"/>
+              </a:spcAft>
+              <a:buClrTx/>
+              <a:buSzTx/>
+              <a:buFont typeface="Arial" panose="020B0604020202020204" pitchFamily="34" charset="0"/>
+              <a:buChar char="•"/>
+              <a:tabLst/>
+              <a:defRPr/>
+            </a:pPr>
+            <a:r>
+              <a:rPr kumimoji="0" lang="en-US" sz="1100" b="0" i="0" u="none" strike="noStrike" kern="1200" cap="none" spc="0" normalizeH="0" baseline="0" noProof="0">
+                <a:ln>
+                  <a:noFill/>
+                </a:ln>
+                <a:solidFill>
+                  <a:srgbClr val="5D707F">
+                    <a:lumMod val="75000"/>
+                  </a:srgbClr>
+                </a:solidFill>
+                <a:effectLst/>
+                <a:uLnTx/>
+                <a:uFillTx/>
+                <a:latin typeface="Arial" panose="020B0604020202020204"/>
+                <a:ea typeface="+mn-ea"/>
+                <a:cs typeface="+mn-cs"/>
+              </a:rPr>
+              <a:t>Reduced time spent drafting protocols</a:t>
+            </a:r>
+          </a:p>
+        </p:txBody>
+      </p:sp>
+      <p:sp>
+        <p:nvSpPr>
+          <p:cNvPr id="173" name="Rectangle 172">
+            <a:extLst>
+              <a:ext uri="{FF2B5EF4-FFF2-40B4-BE49-F238E27FC236}">
+                <a16:creationId xmlns:a16="http://schemas.microsoft.com/office/drawing/2014/main" id="{36F6FC59-3F2C-A5B2-E57E-A064D4C71A33}"/>
+              </a:ext>
+            </a:extLst>
+          </p:cNvPr>
+          <p:cNvSpPr/>
+          <p:nvPr/>
+        </p:nvSpPr>
+        <p:spPr>
+          <a:xfrm>
+            <a:off x="3033480" y="154711"/>
+            <a:ext cx="2147182" cy="429158"/>
+          </a:xfrm>
+          <a:prstGeom prst="rect">
+            <a:avLst/>
+          </a:prstGeom>
+          <a:solidFill>
+            <a:schemeClr val="accent5">
+              <a:alpha val="73000"/>
+            </a:schemeClr>
+          </a:solidFill>
+          <a:ln w="28575">
+            <a:solidFill>
+              <a:srgbClr val="972727"/>
+            </a:solidFill>
+          </a:ln>
+          <a:effectLst>
+            <a:outerShdw blurRad="76200" dist="12700" dir="8100000" sy="-23000" kx="800400" algn="br" rotWithShape="0">
+              <a:prstClr val="black">
+                <a:alpha val="20000"/>
+              </a:prstClr>
+            </a:outerShdw>
+          </a:effectLst>
+        </p:spPr>
+        <p:style>
+          <a:lnRef idx="0">
+            <a:scrgbClr r="0" g="0" b="0"/>
+          </a:lnRef>
+          <a:fillRef idx="0">
+            <a:scrgbClr r="0" g="0" b="0"/>
+          </a:fillRef>
+          <a:effectRef idx="0">
+            <a:scrgbClr r="0" g="0" b="0"/>
+          </a:effectRef>
+          <a:fontRef idx="minor">
+            <a:schemeClr val="lt1"/>
+          </a:fontRef>
+        </p:style>
+        <p:txBody>
+          <a:bodyPr rtlCol="0" anchor="ctr"/>
+          <a:lstStyle/>
+          <a:p>
+            <a:pPr marL="0" marR="0" lvl="0" indent="0" algn="ctr" defTabSz="914400" rtl="0" eaLnBrk="1" fontAlgn="auto" latinLnBrk="0" hangingPunct="1">
+              <a:lnSpc>
+                <a:spcPct val="100000"/>
+              </a:lnSpc>
+              <a:spcBef>
+                <a:spcPts val="0"/>
+              </a:spcBef>
+              <a:spcAft>
+                <a:spcPts val="0"/>
+              </a:spcAft>
+              <a:buClrTx/>
+              <a:buSzTx/>
+              <a:buFontTx/>
+              <a:buNone/>
+              <a:tabLst/>
+              <a:defRPr/>
+            </a:pPr>
+            <a:r>
+              <a:rPr kumimoji="0" lang="en-US" sz="1100" b="0" i="0" u="none" strike="noStrike" kern="1200" cap="none" spc="0" normalizeH="0" baseline="0" noProof="0">
+                <a:ln>
+                  <a:noFill/>
+                </a:ln>
+                <a:solidFill>
+                  <a:srgbClr val="0C2126"/>
+                </a:solidFill>
+                <a:effectLst/>
+                <a:uLnTx/>
+                <a:uFillTx/>
+                <a:latin typeface="Arial" panose="020B0604020202020204"/>
+                <a:ea typeface="+mn-ea"/>
+                <a:cs typeface="+mn-cs"/>
+              </a:rPr>
+              <a:t>ICH M11 Aligned Document Transmission </a:t>
+            </a:r>
+          </a:p>
+        </p:txBody>
+      </p:sp>
+      <p:sp>
+        <p:nvSpPr>
+          <p:cNvPr id="174" name="Rectangle: Rounded Corners 173">
+            <a:extLst>
+              <a:ext uri="{FF2B5EF4-FFF2-40B4-BE49-F238E27FC236}">
+                <a16:creationId xmlns:a16="http://schemas.microsoft.com/office/drawing/2014/main" id="{FA962685-B0EF-BCDC-7F5B-42E9BEABDFBB}"/>
+              </a:ext>
+            </a:extLst>
+          </p:cNvPr>
+          <p:cNvSpPr/>
+          <p:nvPr/>
+        </p:nvSpPr>
+        <p:spPr>
+          <a:xfrm>
+            <a:off x="6494003" y="73126"/>
+            <a:ext cx="3520620" cy="586353"/>
+          </a:xfrm>
+          <a:prstGeom prst="roundRect">
+            <a:avLst/>
+          </a:prstGeom>
+          <a:solidFill>
+            <a:schemeClr val="bg1"/>
+          </a:solidFill>
+          <a:ln w="28575">
+            <a:solidFill>
+              <a:srgbClr val="972727"/>
+            </a:solidFill>
+          </a:ln>
+          <a:effectLst/>
+        </p:spPr>
+        <p:style>
+          <a:lnRef idx="0">
+            <a:scrgbClr r="0" g="0" b="0"/>
+          </a:lnRef>
+          <a:fillRef idx="0">
+            <a:scrgbClr r="0" g="0" b="0"/>
+          </a:fillRef>
+          <a:effectRef idx="0">
+            <a:scrgbClr r="0" g="0" b="0"/>
+          </a:effectRef>
+          <a:fontRef idx="minor">
+            <a:schemeClr val="lt1"/>
+          </a:fontRef>
+        </p:style>
+        <p:txBody>
+          <a:bodyPr rtlCol="0" anchor="ctr"/>
+          <a:lstStyle/>
+          <a:p>
+            <a:pPr marL="78358" marR="0" lvl="0" indent="-78358" algn="l" defTabSz="914400" rtl="0" eaLnBrk="1" fontAlgn="auto" latinLnBrk="0" hangingPunct="1">
+              <a:lnSpc>
+                <a:spcPts val="1100"/>
+              </a:lnSpc>
+              <a:spcBef>
+                <a:spcPts val="0"/>
+              </a:spcBef>
+              <a:spcAft>
+                <a:spcPts val="0"/>
+              </a:spcAft>
+              <a:buClrTx/>
+              <a:buSzTx/>
+              <a:buFont typeface="Arial" panose="020B0604020202020204" pitchFamily="34" charset="0"/>
+              <a:buChar char="•"/>
+              <a:tabLst/>
+              <a:defRPr/>
+            </a:pPr>
+            <a:r>
+              <a:rPr kumimoji="0" lang="en-US" sz="1100" b="0" i="0" u="none" strike="noStrike" kern="1200" cap="none" spc="0" normalizeH="0" baseline="0" noProof="0">
+                <a:ln>
+                  <a:noFill/>
+                </a:ln>
+                <a:solidFill>
+                  <a:srgbClr val="5D707F">
+                    <a:lumMod val="75000"/>
+                  </a:srgbClr>
+                </a:solidFill>
+                <a:effectLst/>
+                <a:uLnTx/>
+                <a:uFillTx/>
+                <a:latin typeface="Arial" panose="020B0604020202020204"/>
+                <a:ea typeface="+mn-ea"/>
+                <a:cs typeface="+mn-cs"/>
+              </a:rPr>
+              <a:t>Align with evolving regulatory requirements</a:t>
+            </a:r>
+          </a:p>
+          <a:p>
+            <a:pPr marL="78358" marR="0" lvl="0" indent="-78358" algn="l" defTabSz="914400" rtl="0" eaLnBrk="1" fontAlgn="auto" latinLnBrk="0" hangingPunct="1">
+              <a:lnSpc>
+                <a:spcPts val="1100"/>
+              </a:lnSpc>
+              <a:spcBef>
+                <a:spcPts val="0"/>
+              </a:spcBef>
+              <a:spcAft>
+                <a:spcPts val="0"/>
+              </a:spcAft>
+              <a:buClrTx/>
+              <a:buSzTx/>
+              <a:buFont typeface="Arial" panose="020B0604020202020204" pitchFamily="34" charset="0"/>
+              <a:buChar char="•"/>
+              <a:tabLst/>
+              <a:defRPr/>
+            </a:pPr>
+            <a:r>
+              <a:rPr kumimoji="0" lang="en-US" sz="1100" b="0" i="0" u="none" strike="noStrike" kern="1200" cap="none" spc="0" normalizeH="0" baseline="0" noProof="0">
+                <a:ln>
+                  <a:noFill/>
+                </a:ln>
+                <a:solidFill>
+                  <a:srgbClr val="5D707F">
+                    <a:lumMod val="75000"/>
+                  </a:srgbClr>
+                </a:solidFill>
+                <a:effectLst/>
+                <a:uLnTx/>
+                <a:uFillTx/>
+                <a:latin typeface="Arial" panose="020B0604020202020204"/>
+                <a:ea typeface="+mn-ea"/>
+                <a:cs typeface="+mn-cs"/>
+              </a:rPr>
+              <a:t>Secure transfer of sensitive information</a:t>
+            </a:r>
+          </a:p>
+          <a:p>
+            <a:pPr marL="78358" marR="0" lvl="0" indent="-78358" algn="l" defTabSz="914400" rtl="0" eaLnBrk="1" fontAlgn="auto" latinLnBrk="0" hangingPunct="1">
+              <a:lnSpc>
+                <a:spcPts val="1100"/>
+              </a:lnSpc>
+              <a:spcBef>
+                <a:spcPts val="0"/>
+              </a:spcBef>
+              <a:spcAft>
+                <a:spcPts val="0"/>
+              </a:spcAft>
+              <a:buClrTx/>
+              <a:buSzTx/>
+              <a:buFont typeface="Arial" panose="020B0604020202020204" pitchFamily="34" charset="0"/>
+              <a:buChar char="•"/>
+              <a:tabLst/>
+              <a:defRPr/>
+            </a:pPr>
+            <a:r>
+              <a:rPr kumimoji="0" lang="en-US" sz="1100" b="0" i="0" u="none" strike="noStrike" kern="1200" cap="none" spc="0" normalizeH="0" baseline="0" noProof="0">
+                <a:ln>
+                  <a:noFill/>
+                </a:ln>
+                <a:solidFill>
+                  <a:srgbClr val="5D707F">
+                    <a:lumMod val="75000"/>
+                  </a:srgbClr>
+                </a:solidFill>
+                <a:effectLst/>
+                <a:uLnTx/>
+                <a:uFillTx/>
+                <a:latin typeface="Arial" panose="020B0604020202020204"/>
+                <a:ea typeface="+mn-ea"/>
+                <a:cs typeface="+mn-cs"/>
+              </a:rPr>
+              <a:t>Efficient exchange with additional stakeholders</a:t>
+            </a:r>
+          </a:p>
+        </p:txBody>
+      </p:sp>
+      <p:cxnSp>
+        <p:nvCxnSpPr>
+          <p:cNvPr id="177" name="Straight Connector 176">
+            <a:extLst>
+              <a:ext uri="{FF2B5EF4-FFF2-40B4-BE49-F238E27FC236}">
+                <a16:creationId xmlns:a16="http://schemas.microsoft.com/office/drawing/2014/main" id="{D69A06CF-E346-2F89-B5B1-1D6228591B18}"/>
+              </a:ext>
+            </a:extLst>
+          </p:cNvPr>
+          <p:cNvCxnSpPr>
+            <a:cxnSpLocks/>
+            <a:stCxn id="173" idx="3"/>
+            <a:endCxn id="174" idx="1"/>
+          </p:cNvCxnSpPr>
+          <p:nvPr/>
+        </p:nvCxnSpPr>
+        <p:spPr>
+          <a:xfrm flipV="1">
+            <a:off x="5180662" y="366303"/>
+            <a:ext cx="1313341" cy="2987"/>
+          </a:xfrm>
+          <a:prstGeom prst="line">
+            <a:avLst/>
+          </a:prstGeom>
+          <a:solidFill>
+            <a:schemeClr val="accent5">
+              <a:alpha val="50000"/>
+            </a:schemeClr>
+          </a:solidFill>
+          <a:ln w="28575">
+            <a:solidFill>
+              <a:srgbClr val="972727"/>
+            </a:solidFill>
+          </a:ln>
+          <a:effectLst>
+            <a:outerShdw blurRad="76200" dist="12700" dir="8100000" sy="-23000" kx="800400" algn="br" rotWithShape="0">
+              <a:prstClr val="black">
+                <a:alpha val="20000"/>
+              </a:prstClr>
+            </a:outerShdw>
+          </a:effectLst>
+        </p:spPr>
+        <p:style>
+          <a:lnRef idx="0">
+            <a:scrgbClr r="0" g="0" b="0"/>
+          </a:lnRef>
+          <a:fillRef idx="0">
+            <a:scrgbClr r="0" g="0" b="0"/>
+          </a:fillRef>
+          <a:effectRef idx="0">
+            <a:scrgbClr r="0" g="0" b="0"/>
+          </a:effectRef>
+          <a:fontRef idx="minor">
+            <a:schemeClr val="lt1"/>
+          </a:fontRef>
+        </p:style>
+      </p:cxnSp>
+      <p:pic>
+        <p:nvPicPr>
+          <p:cNvPr id="4" name="Graphic 3" descr="Badge Question Mark with solid fill">
+            <a:extLst>
+              <a:ext uri="{FF2B5EF4-FFF2-40B4-BE49-F238E27FC236}">
+                <a16:creationId xmlns:a16="http://schemas.microsoft.com/office/drawing/2014/main" id="{929C3D56-5E84-BE3F-31D0-44F74284DE2F}"/>
+              </a:ext>
+            </a:extLst>
+          </p:cNvPr>
+          <p:cNvPicPr>
+            <a:picLocks noChangeAspect="1"/>
+          </p:cNvPicPr>
+          <p:nvPr/>
+        </p:nvPicPr>
+        <p:blipFill>
+          <a:blip r:embed="rId4">
+            <a:extLst>
+              <a:ext uri="{96DAC541-7B7A-43D3-8B79-37D633B846F1}">
+                <asvg:svgBlip xmlns:asvg="http://schemas.microsoft.com/office/drawing/2016/SVG/main" r:embed="rId5"/>
+              </a:ext>
+            </a:extLst>
+          </a:blip>
+          <a:stretch>
+            <a:fillRect/>
+          </a:stretch>
+        </p:blipFill>
+        <p:spPr>
+          <a:xfrm>
+            <a:off x="4547772" y="3537335"/>
+            <a:ext cx="479715" cy="479715"/>
+          </a:xfrm>
+          <a:prstGeom prst="rect">
+            <a:avLst/>
+          </a:prstGeom>
+        </p:spPr>
+      </p:pic>
+      <p:pic>
+        <p:nvPicPr>
+          <p:cNvPr id="5" name="Graphic 4" descr="Badge Question Mark with solid fill">
+            <a:extLst>
+              <a:ext uri="{FF2B5EF4-FFF2-40B4-BE49-F238E27FC236}">
+                <a16:creationId xmlns:a16="http://schemas.microsoft.com/office/drawing/2014/main" id="{AB5DA4FF-100B-0885-67D8-264F9E5287EE}"/>
+              </a:ext>
+            </a:extLst>
+          </p:cNvPr>
+          <p:cNvPicPr>
+            <a:picLocks noChangeAspect="1"/>
+          </p:cNvPicPr>
+          <p:nvPr/>
+        </p:nvPicPr>
+        <p:blipFill>
+          <a:blip r:embed="rId4">
+            <a:extLst>
+              <a:ext uri="{96DAC541-7B7A-43D3-8B79-37D633B846F1}">
+                <asvg:svgBlip xmlns:asvg="http://schemas.microsoft.com/office/drawing/2016/SVG/main" r:embed="rId5"/>
+              </a:ext>
+            </a:extLst>
+          </a:blip>
+          <a:stretch>
+            <a:fillRect/>
+          </a:stretch>
+        </p:blipFill>
+        <p:spPr>
+          <a:xfrm>
+            <a:off x="2965751" y="3532253"/>
+            <a:ext cx="438912" cy="438912"/>
+          </a:xfrm>
+          <a:prstGeom prst="rect">
+            <a:avLst/>
+          </a:prstGeom>
+        </p:spPr>
+      </p:pic>
+      <p:pic>
+        <p:nvPicPr>
+          <p:cNvPr id="6" name="Graphic 5" descr="Badge Question Mark with solid fill">
+            <a:extLst>
+              <a:ext uri="{FF2B5EF4-FFF2-40B4-BE49-F238E27FC236}">
+                <a16:creationId xmlns:a16="http://schemas.microsoft.com/office/drawing/2014/main" id="{216A03DB-B8FA-2F75-5577-373B05B221FD}"/>
+              </a:ext>
+            </a:extLst>
+          </p:cNvPr>
+          <p:cNvPicPr>
+            <a:picLocks noChangeAspect="1"/>
+          </p:cNvPicPr>
+          <p:nvPr/>
+        </p:nvPicPr>
+        <p:blipFill>
+          <a:blip r:embed="rId4">
+            <a:extLst>
+              <a:ext uri="{96DAC541-7B7A-43D3-8B79-37D633B846F1}">
+                <asvg:svgBlip xmlns:asvg="http://schemas.microsoft.com/office/drawing/2016/SVG/main" r:embed="rId5"/>
+              </a:ext>
+            </a:extLst>
+          </a:blip>
+          <a:stretch>
+            <a:fillRect/>
+          </a:stretch>
+        </p:blipFill>
+        <p:spPr>
+          <a:xfrm>
+            <a:off x="3559242" y="3973770"/>
+            <a:ext cx="365760" cy="365760"/>
+          </a:xfrm>
+          <a:prstGeom prst="rect">
+            <a:avLst/>
+          </a:prstGeom>
+        </p:spPr>
+      </p:pic>
+      <p:pic>
+        <p:nvPicPr>
+          <p:cNvPr id="7" name="Graphic 6" descr="Badge Question Mark with solid fill">
+            <a:extLst>
+              <a:ext uri="{FF2B5EF4-FFF2-40B4-BE49-F238E27FC236}">
+                <a16:creationId xmlns:a16="http://schemas.microsoft.com/office/drawing/2014/main" id="{7C2D088D-5448-F5BD-3221-2936E8A5B0D9}"/>
+              </a:ext>
+            </a:extLst>
+          </p:cNvPr>
+          <p:cNvPicPr>
+            <a:picLocks noChangeAspect="1"/>
+          </p:cNvPicPr>
+          <p:nvPr/>
+        </p:nvPicPr>
+        <p:blipFill>
+          <a:blip r:embed="rId4">
+            <a:extLst>
+              <a:ext uri="{96DAC541-7B7A-43D3-8B79-37D633B846F1}">
+                <asvg:svgBlip xmlns:asvg="http://schemas.microsoft.com/office/drawing/2016/SVG/main" r:embed="rId5"/>
+              </a:ext>
+            </a:extLst>
+          </a:blip>
+          <a:stretch>
+            <a:fillRect/>
+          </a:stretch>
+        </p:blipFill>
+        <p:spPr>
+          <a:xfrm>
+            <a:off x="5158389" y="4783235"/>
+            <a:ext cx="274320" cy="274320"/>
+          </a:xfrm>
+          <a:prstGeom prst="rect">
+            <a:avLst/>
+          </a:prstGeom>
+        </p:spPr>
+      </p:pic>
+      <p:pic>
+        <p:nvPicPr>
+          <p:cNvPr id="8" name="Graphic 7" descr="Badge Question Mark with solid fill">
+            <a:extLst>
+              <a:ext uri="{FF2B5EF4-FFF2-40B4-BE49-F238E27FC236}">
+                <a16:creationId xmlns:a16="http://schemas.microsoft.com/office/drawing/2014/main" id="{6D1F8E4F-3D61-1506-D2E2-95D8369CAB85}"/>
+              </a:ext>
+            </a:extLst>
+          </p:cNvPr>
+          <p:cNvPicPr>
+            <a:picLocks noChangeAspect="1"/>
+          </p:cNvPicPr>
+          <p:nvPr/>
+        </p:nvPicPr>
+        <p:blipFill>
+          <a:blip r:embed="rId4">
+            <a:extLst>
+              <a:ext uri="{96DAC541-7B7A-43D3-8B79-37D633B846F1}">
+                <asvg:svgBlip xmlns:asvg="http://schemas.microsoft.com/office/drawing/2016/SVG/main" r:embed="rId5"/>
+              </a:ext>
+            </a:extLst>
+          </a:blip>
+          <a:stretch>
+            <a:fillRect/>
+          </a:stretch>
+        </p:blipFill>
+        <p:spPr>
+          <a:xfrm>
+            <a:off x="3388313" y="5633592"/>
+            <a:ext cx="182880" cy="182880"/>
+          </a:xfrm>
+          <a:prstGeom prst="rect">
+            <a:avLst/>
+          </a:prstGeom>
+        </p:spPr>
+      </p:pic>
+      <p:sp>
+        <p:nvSpPr>
+          <p:cNvPr id="2" name="TextBox 1">
+            <a:extLst>
+              <a:ext uri="{FF2B5EF4-FFF2-40B4-BE49-F238E27FC236}">
+                <a16:creationId xmlns:a16="http://schemas.microsoft.com/office/drawing/2014/main" id="{334C3948-4533-8E0F-A51B-969F47C1AA72}"/>
+              </a:ext>
+            </a:extLst>
+          </p:cNvPr>
+          <p:cNvSpPr txBox="1"/>
+          <p:nvPr/>
+        </p:nvSpPr>
+        <p:spPr>
+          <a:xfrm>
+            <a:off x="-28961" y="0"/>
+            <a:ext cx="414337" cy="266700"/>
+          </a:xfrm>
+          <a:prstGeom prst="rect">
+            <a:avLst/>
+          </a:prstGeom>
+          <a:noFill/>
+        </p:spPr>
+        <p:txBody>
+          <a:bodyPr wrap="none" rtlCol="0">
+            <a:noAutofit/>
+          </a:bodyPr>
+          <a:lstStyle/>
+          <a:p>
+            <a:pPr marL="0" marR="0" lvl="0" indent="0" algn="l" defTabSz="914400" rtl="0" eaLnBrk="1" fontAlgn="auto" latinLnBrk="0" hangingPunct="1">
+              <a:lnSpc>
+                <a:spcPct val="100000"/>
+              </a:lnSpc>
+              <a:spcBef>
+                <a:spcPts val="0"/>
+              </a:spcBef>
+              <a:spcAft>
+                <a:spcPts val="0"/>
+              </a:spcAft>
+              <a:buClrTx/>
+              <a:buSzTx/>
+              <a:buFontTx/>
+              <a:buNone/>
+              <a:tabLst/>
+              <a:defRPr/>
+            </a:pPr>
+            <a:r>
+              <a:rPr kumimoji="0" lang="en-GB" sz="1400" b="1" i="0" u="none" strike="noStrike" kern="1200" cap="none" spc="0" normalizeH="0" baseline="0" noProof="0">
+                <a:ln>
+                  <a:noFill/>
+                </a:ln>
+                <a:solidFill>
+                  <a:srgbClr val="FFFFFF">
+                    <a:lumMod val="85000"/>
+                  </a:srgbClr>
+                </a:solidFill>
+                <a:effectLst/>
+                <a:uLnTx/>
+                <a:uFillTx/>
+                <a:latin typeface="Arial" panose="020B0604020202020204"/>
+                <a:ea typeface="+mn-ea"/>
+                <a:cs typeface="+mn-cs"/>
+              </a:rPr>
+              <a:t>*</a:t>
+            </a:r>
+          </a:p>
+        </p:txBody>
+      </p:sp>
+      <p:cxnSp>
+        <p:nvCxnSpPr>
+          <p:cNvPr id="14" name="Connector: Elbow 13">
+            <a:extLst>
+              <a:ext uri="{FF2B5EF4-FFF2-40B4-BE49-F238E27FC236}">
+                <a16:creationId xmlns:a16="http://schemas.microsoft.com/office/drawing/2014/main" id="{9CF9A57F-A5EC-6D37-F59D-6D1A263CF345}"/>
+              </a:ext>
+            </a:extLst>
+          </p:cNvPr>
+          <p:cNvCxnSpPr>
+            <a:cxnSpLocks/>
+            <a:stCxn id="171" idx="3"/>
+            <a:endCxn id="172" idx="1"/>
+          </p:cNvCxnSpPr>
+          <p:nvPr/>
+        </p:nvCxnSpPr>
+        <p:spPr>
+          <a:xfrm>
+            <a:off x="5180662" y="863660"/>
+            <a:ext cx="1313341" cy="628689"/>
+          </a:xfrm>
+          <a:prstGeom prst="bentConnector3">
+            <a:avLst/>
+          </a:prstGeom>
+          <a:solidFill>
+            <a:schemeClr val="accent5">
+              <a:alpha val="50000"/>
+            </a:schemeClr>
+          </a:solidFill>
+          <a:ln w="28575">
+            <a:solidFill>
+              <a:srgbClr val="972727"/>
+            </a:solidFill>
+          </a:ln>
+          <a:effectLst>
+            <a:outerShdw blurRad="76200" dist="12700" dir="8100000" sy="-23000" kx="800400" algn="br" rotWithShape="0">
+              <a:prstClr val="black">
+                <a:alpha val="20000"/>
+              </a:prstClr>
+            </a:outerShdw>
+          </a:effectLst>
+        </p:spPr>
+        <p:style>
+          <a:lnRef idx="0">
+            <a:scrgbClr r="0" g="0" b="0"/>
+          </a:lnRef>
+          <a:fillRef idx="0">
+            <a:scrgbClr r="0" g="0" b="0"/>
+          </a:fillRef>
+          <a:effectRef idx="0">
+            <a:scrgbClr r="0" g="0" b="0"/>
+          </a:effectRef>
+          <a:fontRef idx="minor">
+            <a:schemeClr val="lt1"/>
+          </a:fontRef>
+        </p:style>
+      </p:cxnSp>
+      <p:sp>
+        <p:nvSpPr>
+          <p:cNvPr id="17" name="Rectangle 16">
+            <a:extLst>
+              <a:ext uri="{FF2B5EF4-FFF2-40B4-BE49-F238E27FC236}">
+                <a16:creationId xmlns:a16="http://schemas.microsoft.com/office/drawing/2014/main" id="{F6A2FD47-1988-8C01-E380-B7DCAA1FF2F6}"/>
+              </a:ext>
+            </a:extLst>
+          </p:cNvPr>
+          <p:cNvSpPr/>
+          <p:nvPr/>
+        </p:nvSpPr>
+        <p:spPr>
+          <a:xfrm>
+            <a:off x="2224512" y="4112468"/>
+            <a:ext cx="1003931" cy="412954"/>
+          </a:xfrm>
+          <a:prstGeom prst="rect">
+            <a:avLst/>
+          </a:prstGeom>
+          <a:solidFill>
+            <a:schemeClr val="accent6">
+              <a:lumMod val="90000"/>
+              <a:alpha val="80000"/>
+            </a:schemeClr>
+          </a:solidFill>
+          <a:ln w="28575">
+            <a:solidFill>
+              <a:schemeClr val="tx2">
+                <a:lumMod val="75000"/>
+              </a:schemeClr>
+            </a:solidFill>
+          </a:ln>
+          <a:effectLst>
+            <a:outerShdw blurRad="76200" dist="12700" dir="8100000" sy="-23000" kx="800400" algn="br" rotWithShape="0">
+              <a:prstClr val="black">
+                <a:alpha val="20000"/>
+              </a:prstClr>
+            </a:outerShdw>
+          </a:effectLst>
+        </p:spPr>
+        <p:style>
+          <a:lnRef idx="0">
+            <a:scrgbClr r="0" g="0" b="0"/>
+          </a:lnRef>
+          <a:fillRef idx="0">
+            <a:scrgbClr r="0" g="0" b="0"/>
+          </a:fillRef>
+          <a:effectRef idx="0">
+            <a:scrgbClr r="0" g="0" b="0"/>
+          </a:effectRef>
+          <a:fontRef idx="minor">
+            <a:schemeClr val="lt1"/>
+          </a:fontRef>
+        </p:style>
+        <p:txBody>
+          <a:bodyPr rtlCol="0" anchor="ctr"/>
+          <a:lstStyle/>
+          <a:p>
+            <a:pPr marL="0" marR="0" lvl="0" indent="0" algn="ctr" defTabSz="914400" rtl="0" eaLnBrk="1" fontAlgn="auto" latinLnBrk="0" hangingPunct="1">
+              <a:lnSpc>
+                <a:spcPct val="100000"/>
+              </a:lnSpc>
+              <a:spcBef>
+                <a:spcPts val="0"/>
+              </a:spcBef>
+              <a:spcAft>
+                <a:spcPts val="0"/>
+              </a:spcAft>
+              <a:buClrTx/>
+              <a:buSzTx/>
+              <a:buFontTx/>
+              <a:buNone/>
+              <a:tabLst/>
+              <a:defRPr/>
+            </a:pPr>
+            <a:r>
+              <a:rPr kumimoji="0" lang="en-US" sz="1100" b="0" i="0" u="none" strike="noStrike" kern="1200" cap="none" spc="0" normalizeH="0" baseline="0" noProof="0">
+                <a:ln>
+                  <a:noFill/>
+                </a:ln>
+                <a:solidFill>
+                  <a:srgbClr val="0C2126"/>
+                </a:solidFill>
+                <a:effectLst/>
+                <a:uLnTx/>
+                <a:uFillTx/>
+                <a:latin typeface="Arial" panose="020B0604020202020204"/>
+                <a:ea typeface="+mn-ea"/>
+                <a:cs typeface="+mn-cs"/>
+              </a:rPr>
+              <a:t>Site System Integration</a:t>
+            </a:r>
+          </a:p>
+        </p:txBody>
+      </p:sp>
+      <p:sp>
+        <p:nvSpPr>
+          <p:cNvPr id="18" name="Rectangle 17">
+            <a:extLst>
+              <a:ext uri="{FF2B5EF4-FFF2-40B4-BE49-F238E27FC236}">
+                <a16:creationId xmlns:a16="http://schemas.microsoft.com/office/drawing/2014/main" id="{CE4761DD-3577-637C-208B-708373DCCB1D}"/>
+              </a:ext>
+            </a:extLst>
+          </p:cNvPr>
+          <p:cNvSpPr/>
+          <p:nvPr/>
+        </p:nvSpPr>
+        <p:spPr>
+          <a:xfrm>
+            <a:off x="4787630" y="5169315"/>
+            <a:ext cx="1290157" cy="619923"/>
+          </a:xfrm>
+          <a:prstGeom prst="rect">
+            <a:avLst/>
+          </a:prstGeom>
+          <a:solidFill>
+            <a:schemeClr val="accent6">
+              <a:lumMod val="90000"/>
+              <a:alpha val="80000"/>
+            </a:schemeClr>
+          </a:solidFill>
+          <a:ln w="28575">
+            <a:solidFill>
+              <a:schemeClr val="tx2">
+                <a:lumMod val="75000"/>
+              </a:schemeClr>
+            </a:solidFill>
+          </a:ln>
+          <a:effectLst>
+            <a:outerShdw blurRad="76200" dist="12700" dir="8100000" sy="-23000" kx="800400" algn="br" rotWithShape="0">
+              <a:prstClr val="black">
+                <a:alpha val="20000"/>
+              </a:prstClr>
+            </a:outerShdw>
+          </a:effectLst>
+        </p:spPr>
+        <p:style>
+          <a:lnRef idx="0">
+            <a:scrgbClr r="0" g="0" b="0"/>
+          </a:lnRef>
+          <a:fillRef idx="0">
+            <a:scrgbClr r="0" g="0" b="0"/>
+          </a:fillRef>
+          <a:effectRef idx="0">
+            <a:scrgbClr r="0" g="0" b="0"/>
+          </a:effectRef>
+          <a:fontRef idx="minor">
+            <a:schemeClr val="lt1"/>
+          </a:fontRef>
+        </p:style>
+        <p:txBody>
+          <a:bodyPr rtlCol="0" anchor="ctr"/>
+          <a:lstStyle/>
+          <a:p>
+            <a:pPr marL="0" marR="0" lvl="0" indent="0" algn="ctr" defTabSz="914400" rtl="0" eaLnBrk="1" fontAlgn="auto" latinLnBrk="0" hangingPunct="1">
+              <a:lnSpc>
+                <a:spcPct val="100000"/>
+              </a:lnSpc>
+              <a:spcBef>
+                <a:spcPts val="0"/>
+              </a:spcBef>
+              <a:spcAft>
+                <a:spcPts val="0"/>
+              </a:spcAft>
+              <a:buClrTx/>
+              <a:buSzTx/>
+              <a:buFontTx/>
+              <a:buNone/>
+              <a:tabLst/>
+              <a:defRPr/>
+            </a:pPr>
+            <a:r>
+              <a:rPr kumimoji="0" lang="en-US" sz="1100" b="0" i="0" u="none" strike="noStrike" kern="1200" cap="none" spc="0" normalizeH="0" baseline="0" noProof="0">
+                <a:ln>
+                  <a:noFill/>
+                </a:ln>
+                <a:solidFill>
+                  <a:srgbClr val="0C2126"/>
+                </a:solidFill>
+                <a:effectLst/>
+                <a:uLnTx/>
+                <a:uFillTx/>
+                <a:latin typeface="Arial" panose="020B0604020202020204"/>
+                <a:ea typeface="+mn-ea"/>
+                <a:cs typeface="+mn-cs"/>
+              </a:rPr>
+              <a:t>Pooled Analysis of Protocols</a:t>
+            </a:r>
+          </a:p>
+        </p:txBody>
+      </p:sp>
+      <p:cxnSp>
+        <p:nvCxnSpPr>
+          <p:cNvPr id="19" name="Connector: Elbow 18">
+            <a:extLst>
+              <a:ext uri="{FF2B5EF4-FFF2-40B4-BE49-F238E27FC236}">
+                <a16:creationId xmlns:a16="http://schemas.microsoft.com/office/drawing/2014/main" id="{E393A675-2A7F-A25A-27C4-619292920B0F}"/>
+              </a:ext>
+            </a:extLst>
+          </p:cNvPr>
+          <p:cNvCxnSpPr>
+            <a:cxnSpLocks/>
+            <a:stCxn id="107" idx="2"/>
+            <a:endCxn id="96" idx="0"/>
+          </p:cNvCxnSpPr>
+          <p:nvPr/>
+        </p:nvCxnSpPr>
+        <p:spPr>
+          <a:xfrm rot="5400000">
+            <a:off x="2784248" y="3423791"/>
+            <a:ext cx="1998429" cy="720809"/>
+          </a:xfrm>
+          <a:prstGeom prst="bentConnector3">
+            <a:avLst>
+              <a:gd name="adj1" fmla="val 50000"/>
+            </a:avLst>
+          </a:prstGeom>
+          <a:ln w="28575">
+            <a:solidFill>
+              <a:schemeClr val="tx2">
+                <a:lumMod val="75000"/>
+              </a:schemeClr>
+            </a:solidFill>
+          </a:ln>
+        </p:spPr>
+        <p:style>
+          <a:lnRef idx="1">
+            <a:schemeClr val="accent1"/>
+          </a:lnRef>
+          <a:fillRef idx="0">
+            <a:schemeClr val="accent1"/>
+          </a:fillRef>
+          <a:effectRef idx="0">
+            <a:schemeClr val="accent1"/>
+          </a:effectRef>
+          <a:fontRef idx="minor">
+            <a:schemeClr val="tx1"/>
+          </a:fontRef>
+        </p:style>
+      </p:cxnSp>
+      <p:cxnSp>
+        <p:nvCxnSpPr>
+          <p:cNvPr id="22" name="Connector: Elbow 21">
+            <a:extLst>
+              <a:ext uri="{FF2B5EF4-FFF2-40B4-BE49-F238E27FC236}">
+                <a16:creationId xmlns:a16="http://schemas.microsoft.com/office/drawing/2014/main" id="{BFF565E7-4A33-6211-6513-CE27A432BFDB}"/>
+              </a:ext>
+            </a:extLst>
+          </p:cNvPr>
+          <p:cNvCxnSpPr>
+            <a:cxnSpLocks/>
+            <a:stCxn id="107" idx="2"/>
+            <a:endCxn id="95" idx="0"/>
+          </p:cNvCxnSpPr>
+          <p:nvPr/>
+        </p:nvCxnSpPr>
+        <p:spPr>
+          <a:xfrm rot="16200000" flipH="1">
+            <a:off x="4922473" y="2006373"/>
+            <a:ext cx="717792" cy="2275007"/>
+          </a:xfrm>
+          <a:prstGeom prst="bentConnector3">
+            <a:avLst>
+              <a:gd name="adj1" fmla="val 64013"/>
+            </a:avLst>
+          </a:prstGeom>
+          <a:ln w="28575">
+            <a:solidFill>
+              <a:schemeClr val="tx2">
+                <a:lumMod val="75000"/>
+              </a:schemeClr>
+            </a:solidFill>
+          </a:ln>
+        </p:spPr>
+        <p:style>
+          <a:lnRef idx="1">
+            <a:schemeClr val="accent1"/>
+          </a:lnRef>
+          <a:fillRef idx="0">
+            <a:schemeClr val="accent1"/>
+          </a:fillRef>
+          <a:effectRef idx="0">
+            <a:schemeClr val="accent1"/>
+          </a:effectRef>
+          <a:fontRef idx="minor">
+            <a:schemeClr val="tx1"/>
+          </a:fontRef>
+        </p:style>
+      </p:cxnSp>
+      <p:cxnSp>
+        <p:nvCxnSpPr>
+          <p:cNvPr id="25" name="Connector: Elbow 24">
+            <a:extLst>
+              <a:ext uri="{FF2B5EF4-FFF2-40B4-BE49-F238E27FC236}">
+                <a16:creationId xmlns:a16="http://schemas.microsoft.com/office/drawing/2014/main" id="{A8EAE58B-6A33-46D3-1537-C0F6CD186FB9}"/>
+              </a:ext>
+            </a:extLst>
+          </p:cNvPr>
+          <p:cNvCxnSpPr>
+            <a:cxnSpLocks/>
+            <a:stCxn id="107" idx="2"/>
+            <a:endCxn id="98" idx="1"/>
+          </p:cNvCxnSpPr>
+          <p:nvPr/>
+        </p:nvCxnSpPr>
+        <p:spPr>
+          <a:xfrm rot="16200000" flipH="1">
+            <a:off x="3596120" y="3332726"/>
+            <a:ext cx="1654841" cy="559349"/>
+          </a:xfrm>
+          <a:prstGeom prst="bentConnector2">
+            <a:avLst/>
+          </a:prstGeom>
+          <a:ln w="28575">
+            <a:solidFill>
+              <a:schemeClr val="tx2">
+                <a:lumMod val="75000"/>
+              </a:schemeClr>
+            </a:solidFill>
+          </a:ln>
+        </p:spPr>
+        <p:style>
+          <a:lnRef idx="1">
+            <a:schemeClr val="accent1"/>
+          </a:lnRef>
+          <a:fillRef idx="0">
+            <a:schemeClr val="accent1"/>
+          </a:fillRef>
+          <a:effectRef idx="0">
+            <a:schemeClr val="accent1"/>
+          </a:effectRef>
+          <a:fontRef idx="minor">
+            <a:schemeClr val="tx1"/>
+          </a:fontRef>
+        </p:style>
+      </p:cxnSp>
+      <p:cxnSp>
+        <p:nvCxnSpPr>
+          <p:cNvPr id="31" name="Connector: Elbow 30">
+            <a:extLst>
+              <a:ext uri="{FF2B5EF4-FFF2-40B4-BE49-F238E27FC236}">
+                <a16:creationId xmlns:a16="http://schemas.microsoft.com/office/drawing/2014/main" id="{F59590E6-EA33-5AC1-2AD3-16A46ED31115}"/>
+              </a:ext>
+            </a:extLst>
+          </p:cNvPr>
+          <p:cNvCxnSpPr>
+            <a:cxnSpLocks/>
+            <a:stCxn id="107" idx="2"/>
+            <a:endCxn id="18" idx="1"/>
+          </p:cNvCxnSpPr>
+          <p:nvPr/>
+        </p:nvCxnSpPr>
+        <p:spPr>
+          <a:xfrm rot="16200000" flipH="1">
+            <a:off x="3118600" y="3810247"/>
+            <a:ext cx="2694296" cy="643764"/>
+          </a:xfrm>
+          <a:prstGeom prst="bentConnector2">
+            <a:avLst/>
+          </a:prstGeom>
+          <a:ln w="28575">
+            <a:solidFill>
+              <a:schemeClr val="tx2">
+                <a:lumMod val="75000"/>
+              </a:schemeClr>
+            </a:solidFill>
+          </a:ln>
+        </p:spPr>
+        <p:style>
+          <a:lnRef idx="1">
+            <a:schemeClr val="accent1"/>
+          </a:lnRef>
+          <a:fillRef idx="0">
+            <a:schemeClr val="accent1"/>
+          </a:fillRef>
+          <a:effectRef idx="0">
+            <a:schemeClr val="accent1"/>
+          </a:effectRef>
+          <a:fontRef idx="minor">
+            <a:schemeClr val="tx1"/>
+          </a:fontRef>
+        </p:style>
+      </p:cxnSp>
+      <p:cxnSp>
+        <p:nvCxnSpPr>
+          <p:cNvPr id="34" name="Connector: Elbow 33">
+            <a:extLst>
+              <a:ext uri="{FF2B5EF4-FFF2-40B4-BE49-F238E27FC236}">
+                <a16:creationId xmlns:a16="http://schemas.microsoft.com/office/drawing/2014/main" id="{EB04E4D4-AC36-14DA-B49E-4DA0E07CB369}"/>
+              </a:ext>
+            </a:extLst>
+          </p:cNvPr>
+          <p:cNvCxnSpPr>
+            <a:cxnSpLocks/>
+            <a:stCxn id="107" idx="2"/>
+            <a:endCxn id="17" idx="0"/>
+          </p:cNvCxnSpPr>
+          <p:nvPr/>
+        </p:nvCxnSpPr>
+        <p:spPr>
+          <a:xfrm rot="5400000">
+            <a:off x="2771429" y="2740030"/>
+            <a:ext cx="1327487" cy="1417388"/>
+          </a:xfrm>
+          <a:prstGeom prst="bentConnector3">
+            <a:avLst>
+              <a:gd name="adj1" fmla="val 50000"/>
+            </a:avLst>
+          </a:prstGeom>
+          <a:ln w="28575">
+            <a:solidFill>
+              <a:schemeClr val="tx2">
+                <a:lumMod val="75000"/>
+              </a:schemeClr>
+            </a:solidFill>
+          </a:ln>
+        </p:spPr>
+        <p:style>
+          <a:lnRef idx="1">
+            <a:schemeClr val="accent1"/>
+          </a:lnRef>
+          <a:fillRef idx="0">
+            <a:schemeClr val="accent1"/>
+          </a:fillRef>
+          <a:effectRef idx="0">
+            <a:schemeClr val="accent1"/>
+          </a:effectRef>
+          <a:fontRef idx="minor">
+            <a:schemeClr val="tx1"/>
+          </a:fontRef>
+        </p:style>
+      </p:cxnSp>
+      <p:sp>
+        <p:nvSpPr>
+          <p:cNvPr id="51" name="Rectangle 50">
+            <a:extLst>
+              <a:ext uri="{FF2B5EF4-FFF2-40B4-BE49-F238E27FC236}">
+                <a16:creationId xmlns:a16="http://schemas.microsoft.com/office/drawing/2014/main" id="{E9A1C3D7-CCFD-F144-9CFC-FAC296F5A852}"/>
+              </a:ext>
+            </a:extLst>
+          </p:cNvPr>
+          <p:cNvSpPr/>
+          <p:nvPr/>
+        </p:nvSpPr>
+        <p:spPr>
+          <a:xfrm>
+            <a:off x="1332550" y="3390950"/>
+            <a:ext cx="1059008" cy="412954"/>
+          </a:xfrm>
+          <a:prstGeom prst="rect">
+            <a:avLst/>
+          </a:prstGeom>
+          <a:solidFill>
+            <a:schemeClr val="accent6">
+              <a:lumMod val="90000"/>
+              <a:alpha val="80000"/>
+            </a:schemeClr>
+          </a:solidFill>
+          <a:ln w="28575">
+            <a:solidFill>
+              <a:schemeClr val="tx2">
+                <a:lumMod val="75000"/>
+              </a:schemeClr>
+            </a:solidFill>
+          </a:ln>
+          <a:effectLst>
+            <a:outerShdw blurRad="76200" dist="12700" dir="8100000" sy="-23000" kx="800400" algn="br" rotWithShape="0">
+              <a:prstClr val="black">
+                <a:alpha val="20000"/>
+              </a:prstClr>
+            </a:outerShdw>
+          </a:effectLst>
+        </p:spPr>
+        <p:style>
+          <a:lnRef idx="0">
+            <a:scrgbClr r="0" g="0" b="0"/>
+          </a:lnRef>
+          <a:fillRef idx="0">
+            <a:scrgbClr r="0" g="0" b="0"/>
+          </a:fillRef>
+          <a:effectRef idx="0">
+            <a:scrgbClr r="0" g="0" b="0"/>
+          </a:effectRef>
+          <a:fontRef idx="minor">
+            <a:schemeClr val="lt1"/>
+          </a:fontRef>
+        </p:style>
+        <p:txBody>
+          <a:bodyPr rtlCol="0" anchor="ctr"/>
+          <a:lstStyle/>
+          <a:p>
+            <a:pPr marL="0" marR="0" lvl="0" indent="0" algn="ctr" defTabSz="914400" rtl="0" eaLnBrk="1" fontAlgn="auto" latinLnBrk="0" hangingPunct="1">
+              <a:lnSpc>
+                <a:spcPct val="100000"/>
+              </a:lnSpc>
+              <a:spcBef>
+                <a:spcPts val="0"/>
+              </a:spcBef>
+              <a:spcAft>
+                <a:spcPts val="0"/>
+              </a:spcAft>
+              <a:buClrTx/>
+              <a:buSzTx/>
+              <a:buFontTx/>
+              <a:buNone/>
+              <a:tabLst/>
+              <a:defRPr/>
+            </a:pPr>
+            <a:r>
+              <a:rPr kumimoji="0" lang="en-US" sz="1100" b="0" i="0" u="none" strike="noStrike" kern="1200" cap="none" spc="0" normalizeH="0" baseline="0" noProof="0">
+                <a:ln>
+                  <a:noFill/>
+                </a:ln>
+                <a:solidFill>
+                  <a:srgbClr val="0C2126"/>
+                </a:solidFill>
+                <a:effectLst/>
+                <a:uLnTx/>
+                <a:uFillTx/>
+                <a:latin typeface="Arial" panose="020B0604020202020204"/>
+                <a:ea typeface="+mn-ea"/>
+                <a:cs typeface="+mn-cs"/>
+              </a:rPr>
+              <a:t>EHR Integration</a:t>
+            </a:r>
+          </a:p>
+        </p:txBody>
+      </p:sp>
+      <p:sp>
+        <p:nvSpPr>
+          <p:cNvPr id="58" name="TextBox 57">
+            <a:extLst>
+              <a:ext uri="{FF2B5EF4-FFF2-40B4-BE49-F238E27FC236}">
+                <a16:creationId xmlns:a16="http://schemas.microsoft.com/office/drawing/2014/main" id="{0857D43D-2264-D821-F19C-A6936021D0BF}"/>
+              </a:ext>
+            </a:extLst>
+          </p:cNvPr>
+          <p:cNvSpPr txBox="1"/>
+          <p:nvPr/>
+        </p:nvSpPr>
+        <p:spPr>
+          <a:xfrm>
+            <a:off x="4139" y="251335"/>
+            <a:ext cx="2737251" cy="630942"/>
+          </a:xfrm>
+          <a:prstGeom prst="rect">
+            <a:avLst/>
+          </a:prstGeom>
+          <a:noFill/>
+        </p:spPr>
+        <p:txBody>
+          <a:bodyPr wrap="square">
+            <a:spAutoFit/>
+          </a:bodyPr>
+          <a:lstStyle/>
+          <a:p>
+            <a:pPr marL="0" marR="0" lvl="0" indent="0" algn="ctr" defTabSz="914400" rtl="0" eaLnBrk="1" fontAlgn="auto" latinLnBrk="0" hangingPunct="1">
+              <a:lnSpc>
+                <a:spcPts val="2100"/>
+              </a:lnSpc>
+              <a:spcBef>
+                <a:spcPts val="0"/>
+              </a:spcBef>
+              <a:spcAft>
+                <a:spcPts val="0"/>
+              </a:spcAft>
+              <a:buClrTx/>
+              <a:buSzTx/>
+              <a:buFontTx/>
+              <a:buNone/>
+              <a:tabLst/>
+              <a:defRPr/>
+            </a:pPr>
+            <a:r>
+              <a:rPr kumimoji="0" lang="en-US" sz="1800" b="1" i="0" u="none" strike="noStrike" kern="1200" cap="none" spc="0" normalizeH="0" baseline="0" noProof="0">
+                <a:ln>
+                  <a:noFill/>
+                </a:ln>
+                <a:solidFill>
+                  <a:srgbClr val="5D707F">
+                    <a:lumMod val="75000"/>
+                  </a:srgbClr>
+                </a:solidFill>
+                <a:effectLst/>
+                <a:uLnTx/>
+                <a:uFillTx/>
+                <a:latin typeface="Arial" panose="020B0604020202020204"/>
+                <a:ea typeface="+mn-ea"/>
+                <a:cs typeface="+mn-cs"/>
+              </a:rPr>
+              <a:t>The Power of the Digital Protocol</a:t>
+            </a:r>
+          </a:p>
+        </p:txBody>
+      </p:sp>
+      <p:cxnSp>
+        <p:nvCxnSpPr>
+          <p:cNvPr id="74" name="Connector: Elbow 73">
+            <a:extLst>
+              <a:ext uri="{FF2B5EF4-FFF2-40B4-BE49-F238E27FC236}">
+                <a16:creationId xmlns:a16="http://schemas.microsoft.com/office/drawing/2014/main" id="{0CDE0BD5-70F1-6E02-F204-9A7134441C64}"/>
+              </a:ext>
+            </a:extLst>
+          </p:cNvPr>
+          <p:cNvCxnSpPr>
+            <a:cxnSpLocks/>
+            <a:stCxn id="107" idx="2"/>
+            <a:endCxn id="51" idx="0"/>
+          </p:cNvCxnSpPr>
+          <p:nvPr/>
+        </p:nvCxnSpPr>
+        <p:spPr>
+          <a:xfrm rot="5400000">
+            <a:off x="2699976" y="1947059"/>
+            <a:ext cx="605969" cy="2281812"/>
+          </a:xfrm>
+          <a:prstGeom prst="bentConnector3">
+            <a:avLst>
+              <a:gd name="adj1" fmla="val 50000"/>
+            </a:avLst>
+          </a:prstGeom>
+          <a:ln w="28575">
+            <a:solidFill>
+              <a:schemeClr val="tx2">
+                <a:lumMod val="75000"/>
+              </a:schemeClr>
+            </a:solidFill>
+          </a:ln>
+        </p:spPr>
+        <p:style>
+          <a:lnRef idx="1">
+            <a:schemeClr val="accent1"/>
+          </a:lnRef>
+          <a:fillRef idx="0">
+            <a:schemeClr val="accent1"/>
+          </a:fillRef>
+          <a:effectRef idx="0">
+            <a:schemeClr val="accent1"/>
+          </a:effectRef>
+          <a:fontRef idx="minor">
+            <a:schemeClr val="tx1"/>
+          </a:fontRef>
+        </p:style>
+      </p:cxnSp>
+    </p:spTree>
+    <p:extLst>
+      <p:ext uri="{BB962C8B-B14F-4D97-AF65-F5344CB8AC3E}">
+        <p14:creationId xmlns:p14="http://schemas.microsoft.com/office/powerpoint/2010/main" val="374027254"/>
+      </p:ext>
+    </p:extLst>
+  </p:cSld>
+  <p:clrMapOvr>
+    <a:masterClrMapping/>
+  </p:clrMapOvr>
+  <p:transition>
+    <p:fade/>
+  </p:transition>
+</p:sld>
+</file>
+
+<file path=ppt/slides/slide11.xml><?xml version="1.0" encoding="utf-8"?>
+<p:sld xmlns:a="http://schemas.openxmlformats.org/drawingml/2006/main" xmlns:r="http://schemas.openxmlformats.org/officeDocument/2006/relationships" xmlns:p="http://schemas.openxmlformats.org/presentationml/2006/main">
+  <p:cSld>
+    <p:spTree>
+      <p:nvGrpSpPr>
+        <p:cNvPr id="1" name=""/>
+        <p:cNvGrpSpPr/>
+        <p:nvPr/>
+      </p:nvGrpSpPr>
+      <p:grpSpPr>
+        <a:xfrm>
+          <a:off x="0" y="0"/>
+          <a:ext cx="0" cy="0"/>
+          <a:chOff x="0" y="0"/>
+          <a:chExt cx="0" cy="0"/>
+        </a:xfrm>
+      </p:grpSpPr>
+      <p:sp>
+        <p:nvSpPr>
+          <p:cNvPr id="2" name="Rectangle 1">
+            <a:extLst>
+              <a:ext uri="{FF2B5EF4-FFF2-40B4-BE49-F238E27FC236}">
+                <a16:creationId xmlns:a16="http://schemas.microsoft.com/office/drawing/2014/main" id="{B862A6FC-53B7-BA68-1C65-ABB96FB757F1}"/>
+              </a:ext>
+            </a:extLst>
+          </p:cNvPr>
+          <p:cNvSpPr/>
+          <p:nvPr/>
+        </p:nvSpPr>
+        <p:spPr>
+          <a:xfrm>
+            <a:off x="3526302" y="2387850"/>
+            <a:ext cx="1928343" cy="1810340"/>
+          </a:xfrm>
+          <a:prstGeom prst="rect">
+            <a:avLst/>
+          </a:prstGeom>
+          <a:noFill/>
+          <a:ln w="28575">
+            <a:solidFill>
+              <a:schemeClr val="tx1"/>
+            </a:solidFill>
+          </a:ln>
+        </p:spPr>
+        <p:style>
+          <a:lnRef idx="2">
+            <a:schemeClr val="accent1">
+              <a:shade val="50000"/>
+            </a:schemeClr>
+          </a:lnRef>
+          <a:fillRef idx="1">
+            <a:schemeClr val="accent1"/>
+          </a:fillRef>
+          <a:effectRef idx="0">
+            <a:schemeClr val="accent1"/>
+          </a:effectRef>
+          <a:fontRef idx="minor">
+            <a:schemeClr val="lt1"/>
+          </a:fontRef>
+        </p:style>
+        <p:txBody>
+          <a:bodyPr rtlCol="0" anchor="t" anchorCtr="0"/>
+          <a:lstStyle/>
+          <a:p>
+            <a:pPr algn="ctr"/>
+            <a:r>
+              <a:rPr lang="en-GB" b="1" dirty="0">
+                <a:solidFill>
+                  <a:schemeClr val="bg2"/>
+                </a:solidFill>
+              </a:rPr>
+              <a:t>Resource</a:t>
+            </a:r>
+          </a:p>
+        </p:txBody>
+      </p:sp>
+      <p:sp>
+        <p:nvSpPr>
+          <p:cNvPr id="3" name="Rectangle: Rounded Corners 2">
+            <a:extLst>
+              <a:ext uri="{FF2B5EF4-FFF2-40B4-BE49-F238E27FC236}">
+                <a16:creationId xmlns:a16="http://schemas.microsoft.com/office/drawing/2014/main" id="{75DE5ACA-2181-3414-5DC4-FB6C2F4FD3DA}"/>
+              </a:ext>
+            </a:extLst>
+          </p:cNvPr>
+          <p:cNvSpPr/>
+          <p:nvPr/>
+        </p:nvSpPr>
+        <p:spPr>
+          <a:xfrm>
+            <a:off x="3774460" y="2821740"/>
+            <a:ext cx="1432026" cy="521548"/>
+          </a:xfrm>
+          <a:prstGeom prst="roundRect">
+            <a:avLst/>
+          </a:prstGeom>
+          <a:noFill/>
+          <a:ln w="28575">
+            <a:solidFill>
+              <a:schemeClr val="tx1"/>
+            </a:solidFill>
+          </a:ln>
+        </p:spPr>
+        <p:style>
+          <a:lnRef idx="2">
+            <a:schemeClr val="accent1">
+              <a:shade val="50000"/>
+            </a:schemeClr>
+          </a:lnRef>
+          <a:fillRef idx="1">
+            <a:schemeClr val="accent1"/>
+          </a:fillRef>
+          <a:effectRef idx="0">
+            <a:schemeClr val="accent1"/>
+          </a:effectRef>
+          <a:fontRef idx="minor">
+            <a:schemeClr val="lt1"/>
+          </a:fontRef>
+        </p:style>
+        <p:txBody>
+          <a:bodyPr rtlCol="0" anchor="t" anchorCtr="0"/>
+          <a:lstStyle/>
+          <a:p>
+            <a:pPr algn="ctr"/>
+            <a:r>
+              <a:rPr lang="en-GB" b="1" dirty="0">
+                <a:solidFill>
+                  <a:schemeClr val="bg2"/>
+                </a:solidFill>
+              </a:rPr>
+              <a:t>Datatype</a:t>
+            </a:r>
+          </a:p>
+        </p:txBody>
+      </p:sp>
+      <p:sp>
+        <p:nvSpPr>
+          <p:cNvPr id="4" name="Rectangle: Rounded Corners 3">
+            <a:extLst>
+              <a:ext uri="{FF2B5EF4-FFF2-40B4-BE49-F238E27FC236}">
+                <a16:creationId xmlns:a16="http://schemas.microsoft.com/office/drawing/2014/main" id="{970AD4FA-7BAF-C3B6-EB77-192B092F7C11}"/>
+              </a:ext>
+            </a:extLst>
+          </p:cNvPr>
+          <p:cNvSpPr/>
+          <p:nvPr/>
+        </p:nvSpPr>
+        <p:spPr>
+          <a:xfrm>
+            <a:off x="3624863" y="3561822"/>
+            <a:ext cx="1680629" cy="521548"/>
+          </a:xfrm>
+          <a:prstGeom prst="roundRect">
+            <a:avLst/>
+          </a:prstGeom>
+          <a:noFill/>
+          <a:ln w="28575">
+            <a:solidFill>
+              <a:schemeClr val="tx1"/>
+            </a:solidFill>
+          </a:ln>
+        </p:spPr>
+        <p:style>
+          <a:lnRef idx="2">
+            <a:schemeClr val="accent1">
+              <a:shade val="50000"/>
+            </a:schemeClr>
+          </a:lnRef>
+          <a:fillRef idx="1">
+            <a:schemeClr val="accent1"/>
+          </a:fillRef>
+          <a:effectRef idx="0">
+            <a:schemeClr val="accent1"/>
+          </a:effectRef>
+          <a:fontRef idx="minor">
+            <a:schemeClr val="lt1"/>
+          </a:fontRef>
+        </p:style>
+        <p:txBody>
+          <a:bodyPr rtlCol="0" anchor="t" anchorCtr="0"/>
+          <a:lstStyle/>
+          <a:p>
+            <a:pPr algn="ctr"/>
+            <a:r>
+              <a:rPr lang="en-GB" b="1" dirty="0">
+                <a:solidFill>
+                  <a:schemeClr val="bg2"/>
+                </a:solidFill>
+              </a:rPr>
+              <a:t>Terminology</a:t>
+            </a:r>
+          </a:p>
+        </p:txBody>
+      </p:sp>
+      <p:sp>
+        <p:nvSpPr>
+          <p:cNvPr id="5" name="Rectangle: Rounded Corners 4">
+            <a:extLst>
+              <a:ext uri="{FF2B5EF4-FFF2-40B4-BE49-F238E27FC236}">
+                <a16:creationId xmlns:a16="http://schemas.microsoft.com/office/drawing/2014/main" id="{9C027F00-138E-4739-D4CD-ABED55763924}"/>
+              </a:ext>
+            </a:extLst>
+          </p:cNvPr>
+          <p:cNvSpPr/>
+          <p:nvPr/>
+        </p:nvSpPr>
+        <p:spPr>
+          <a:xfrm>
+            <a:off x="5652123" y="2349372"/>
+            <a:ext cx="556801" cy="1848818"/>
+          </a:xfrm>
+          <a:prstGeom prst="roundRect">
+            <a:avLst/>
+          </a:prstGeom>
+          <a:noFill/>
+          <a:ln w="28575">
+            <a:solidFill>
+              <a:schemeClr val="tx1"/>
+            </a:solidFill>
+          </a:ln>
+        </p:spPr>
+        <p:style>
+          <a:lnRef idx="2">
+            <a:schemeClr val="accent1">
+              <a:shade val="50000"/>
+            </a:schemeClr>
+          </a:lnRef>
+          <a:fillRef idx="1">
+            <a:schemeClr val="accent1"/>
+          </a:fillRef>
+          <a:effectRef idx="0">
+            <a:schemeClr val="accent1"/>
+          </a:effectRef>
+          <a:fontRef idx="minor">
+            <a:schemeClr val="lt1"/>
+          </a:fontRef>
+        </p:style>
+        <p:txBody>
+          <a:bodyPr vert="vert270" rtlCol="0" anchor="t" anchorCtr="0"/>
+          <a:lstStyle/>
+          <a:p>
+            <a:pPr algn="ctr"/>
+            <a:r>
+              <a:rPr lang="en-GB" b="1" dirty="0">
+                <a:solidFill>
+                  <a:schemeClr val="bg2"/>
+                </a:solidFill>
+              </a:rPr>
+              <a:t>Extension</a:t>
+            </a:r>
+          </a:p>
+        </p:txBody>
+      </p:sp>
+      <p:sp>
+        <p:nvSpPr>
+          <p:cNvPr id="6" name="Rectangle 5">
+            <a:extLst>
+              <a:ext uri="{FF2B5EF4-FFF2-40B4-BE49-F238E27FC236}">
+                <a16:creationId xmlns:a16="http://schemas.microsoft.com/office/drawing/2014/main" id="{39C83F3C-6C56-6915-E5BA-CF646B6C8590}"/>
+              </a:ext>
+            </a:extLst>
+          </p:cNvPr>
+          <p:cNvSpPr/>
+          <p:nvPr/>
+        </p:nvSpPr>
+        <p:spPr>
+          <a:xfrm>
+            <a:off x="3220528" y="1811547"/>
+            <a:ext cx="3266536" cy="2605177"/>
+          </a:xfrm>
+          <a:prstGeom prst="rect">
+            <a:avLst/>
+          </a:prstGeom>
+          <a:noFill/>
+          <a:ln w="28575">
+            <a:solidFill>
+              <a:schemeClr val="tx1"/>
+            </a:solidFill>
+          </a:ln>
+        </p:spPr>
+        <p:style>
+          <a:lnRef idx="2">
+            <a:schemeClr val="accent1">
+              <a:shade val="50000"/>
+            </a:schemeClr>
+          </a:lnRef>
+          <a:fillRef idx="1">
+            <a:schemeClr val="accent1"/>
+          </a:fillRef>
+          <a:effectRef idx="0">
+            <a:schemeClr val="accent1"/>
+          </a:effectRef>
+          <a:fontRef idx="minor">
+            <a:schemeClr val="lt1"/>
+          </a:fontRef>
+        </p:style>
+        <p:txBody>
+          <a:bodyPr rtlCol="0" anchor="t" anchorCtr="0"/>
+          <a:lstStyle/>
+          <a:p>
+            <a:pPr algn="ctr"/>
+            <a:r>
+              <a:rPr lang="en-GB" b="1" dirty="0">
+                <a:solidFill>
+                  <a:schemeClr val="bg2"/>
+                </a:solidFill>
+              </a:rPr>
+              <a:t>Profile</a:t>
+            </a:r>
+          </a:p>
+        </p:txBody>
+      </p:sp>
+    </p:spTree>
+    <p:extLst>
+      <p:ext uri="{BB962C8B-B14F-4D97-AF65-F5344CB8AC3E}">
+        <p14:creationId xmlns:p14="http://schemas.microsoft.com/office/powerpoint/2010/main" val="2788318173"/>
+      </p:ext>
+    </p:extLst>
+  </p:cSld>
+  <p:clrMapOvr>
+    <a:masterClrMapping/>
+  </p:clrMapOvr>
+  <p:transition>
+    <p:fade/>
+  </p:transition>
+</p:sld>
+</file>
+
 <file path=ppt/slides/slide2.xml><?xml version="1.0" encoding="utf-8"?>
 <p:sld xmlns:a="http://schemas.openxmlformats.org/drawingml/2006/main" xmlns:r="http://schemas.openxmlformats.org/officeDocument/2006/relationships" xmlns:p="http://schemas.openxmlformats.org/presentationml/2006/main">
   <p:cSld>
@@ -19291,6 +22441,1478 @@
       </p:grpSpPr>
       <p:sp>
         <p:nvSpPr>
+          <p:cNvPr id="2" name="Text Placeholder 1">
+            <a:extLst>
+              <a:ext uri="{FF2B5EF4-FFF2-40B4-BE49-F238E27FC236}">
+                <a16:creationId xmlns:a16="http://schemas.microsoft.com/office/drawing/2014/main" id="{14E87614-484C-D493-07B7-2560D22A47D6}"/>
+              </a:ext>
+            </a:extLst>
+          </p:cNvPr>
+          <p:cNvSpPr>
+            <a:spLocks noGrp="1"/>
+          </p:cNvSpPr>
+          <p:nvPr>
+            <p:ph type="body" sz="quarter" idx="13"/>
+          </p:nvPr>
+        </p:nvSpPr>
+        <p:spPr/>
+        <p:txBody>
+          <a:bodyPr/>
+          <a:lstStyle/>
+          <a:p>
+            <a:r>
+              <a:rPr lang="en-GB" dirty="0"/>
+              <a:t>Narrative Content Representation</a:t>
+            </a:r>
+          </a:p>
+        </p:txBody>
+      </p:sp>
+      <p:sp>
+        <p:nvSpPr>
+          <p:cNvPr id="3" name="Rectangle 2">
+            <a:extLst>
+              <a:ext uri="{FF2B5EF4-FFF2-40B4-BE49-F238E27FC236}">
+                <a16:creationId xmlns:a16="http://schemas.microsoft.com/office/drawing/2014/main" id="{2F143776-E2C8-12AF-C726-1169F9FB5760}"/>
+              </a:ext>
+            </a:extLst>
+          </p:cNvPr>
+          <p:cNvSpPr/>
+          <p:nvPr/>
+        </p:nvSpPr>
+        <p:spPr>
+          <a:xfrm>
+            <a:off x="1769624" y="1125980"/>
+            <a:ext cx="1824866" cy="713822"/>
+          </a:xfrm>
+          <a:prstGeom prst="rect">
+            <a:avLst/>
+          </a:prstGeom>
+          <a:solidFill>
+            <a:srgbClr val="49BED8"/>
+          </a:solidFill>
+          <a:ln>
+            <a:noFill/>
+          </a:ln>
+        </p:spPr>
+        <p:style>
+          <a:lnRef idx="2">
+            <a:schemeClr val="accent1">
+              <a:shade val="50000"/>
+            </a:schemeClr>
+          </a:lnRef>
+          <a:fillRef idx="1">
+            <a:schemeClr val="accent1"/>
+          </a:fillRef>
+          <a:effectRef idx="0">
+            <a:schemeClr val="accent1"/>
+          </a:effectRef>
+          <a:fontRef idx="minor">
+            <a:schemeClr val="lt1"/>
+          </a:fontRef>
+        </p:style>
+        <p:txBody>
+          <a:bodyPr rtlCol="0" anchor="ctr"/>
+          <a:lstStyle/>
+          <a:p>
+            <a:pPr algn="ctr"/>
+            <a:r>
+              <a:rPr lang="en-GB" err="1">
+                <a:solidFill>
+                  <a:schemeClr val="bg1"/>
+                </a:solidFill>
+              </a:rPr>
+              <a:t>ResearchStudy</a:t>
+            </a:r>
+            <a:endParaRPr lang="en-GB">
+              <a:solidFill>
+                <a:schemeClr val="bg1"/>
+              </a:solidFill>
+            </a:endParaRPr>
+          </a:p>
+        </p:txBody>
+      </p:sp>
+      <p:sp>
+        <p:nvSpPr>
+          <p:cNvPr id="4" name="Rectangle 3">
+            <a:extLst>
+              <a:ext uri="{FF2B5EF4-FFF2-40B4-BE49-F238E27FC236}">
+                <a16:creationId xmlns:a16="http://schemas.microsoft.com/office/drawing/2014/main" id="{F636A34A-32B3-AE81-C1D0-C20CCA6D0AA9}"/>
+              </a:ext>
+            </a:extLst>
+          </p:cNvPr>
+          <p:cNvSpPr/>
+          <p:nvPr/>
+        </p:nvSpPr>
+        <p:spPr>
+          <a:xfrm>
+            <a:off x="1769624" y="2589410"/>
+            <a:ext cx="1824866" cy="594667"/>
+          </a:xfrm>
+          <a:prstGeom prst="rect">
+            <a:avLst/>
+          </a:prstGeom>
+          <a:solidFill>
+            <a:srgbClr val="49BED8"/>
+          </a:solidFill>
+          <a:ln>
+            <a:noFill/>
+          </a:ln>
+        </p:spPr>
+        <p:style>
+          <a:lnRef idx="2">
+            <a:schemeClr val="accent1">
+              <a:shade val="50000"/>
+            </a:schemeClr>
+          </a:lnRef>
+          <a:fillRef idx="1">
+            <a:schemeClr val="accent1"/>
+          </a:fillRef>
+          <a:effectRef idx="0">
+            <a:schemeClr val="accent1"/>
+          </a:effectRef>
+          <a:fontRef idx="minor">
+            <a:schemeClr val="lt1"/>
+          </a:fontRef>
+        </p:style>
+        <p:txBody>
+          <a:bodyPr rtlCol="0" anchor="ctr"/>
+          <a:lstStyle/>
+          <a:p>
+            <a:pPr algn="ctr"/>
+            <a:r>
+              <a:rPr lang="en-GB">
+                <a:solidFill>
+                  <a:schemeClr val="bg1"/>
+                </a:solidFill>
+              </a:rPr>
+              <a:t>Composition</a:t>
+            </a:r>
+          </a:p>
+        </p:txBody>
+      </p:sp>
+      <p:sp>
+        <p:nvSpPr>
+          <p:cNvPr id="5" name="TextBox 4">
+            <a:extLst>
+              <a:ext uri="{FF2B5EF4-FFF2-40B4-BE49-F238E27FC236}">
+                <a16:creationId xmlns:a16="http://schemas.microsoft.com/office/drawing/2014/main" id="{E4931C0A-D36E-4946-372C-F2F357E5E2C1}"/>
+              </a:ext>
+            </a:extLst>
+          </p:cNvPr>
+          <p:cNvSpPr txBox="1"/>
+          <p:nvPr/>
+        </p:nvSpPr>
+        <p:spPr>
+          <a:xfrm>
+            <a:off x="4762561" y="1113537"/>
+            <a:ext cx="6595479" cy="914400"/>
+          </a:xfrm>
+          <a:prstGeom prst="rect">
+            <a:avLst/>
+          </a:prstGeom>
+          <a:noFill/>
+        </p:spPr>
+        <p:txBody>
+          <a:bodyPr wrap="square" rtlCol="0">
+            <a:noAutofit/>
+          </a:bodyPr>
+          <a:lstStyle/>
+          <a:p>
+            <a:r>
+              <a:rPr lang="en-GB" b="1" dirty="0" err="1">
+                <a:solidFill>
+                  <a:srgbClr val="C00000"/>
+                </a:solidFill>
+              </a:rPr>
+              <a:t>ResearchStudy</a:t>
+            </a:r>
+            <a:r>
+              <a:rPr lang="en-GB" dirty="0"/>
+              <a:t> has many structured attributes to describe a protocol and it is the correct starting point to use. </a:t>
+            </a:r>
+          </a:p>
+          <a:p>
+            <a:r>
+              <a:rPr lang="en-GB" dirty="0"/>
+              <a:t>BUT It does not have provision to carry narrative text</a:t>
+            </a:r>
+          </a:p>
+        </p:txBody>
+      </p:sp>
+      <p:sp>
+        <p:nvSpPr>
+          <p:cNvPr id="6" name="TextBox 5">
+            <a:extLst>
+              <a:ext uri="{FF2B5EF4-FFF2-40B4-BE49-F238E27FC236}">
+                <a16:creationId xmlns:a16="http://schemas.microsoft.com/office/drawing/2014/main" id="{00464EAF-6002-EA02-DB43-8FCD1522CF5F}"/>
+              </a:ext>
+            </a:extLst>
+          </p:cNvPr>
+          <p:cNvSpPr txBox="1"/>
+          <p:nvPr/>
+        </p:nvSpPr>
+        <p:spPr>
+          <a:xfrm>
+            <a:off x="4762560" y="2529248"/>
+            <a:ext cx="6595479" cy="914400"/>
+          </a:xfrm>
+          <a:prstGeom prst="rect">
+            <a:avLst/>
+          </a:prstGeom>
+          <a:noFill/>
+        </p:spPr>
+        <p:txBody>
+          <a:bodyPr wrap="square" rtlCol="0">
+            <a:noAutofit/>
+          </a:bodyPr>
+          <a:lstStyle/>
+          <a:p>
+            <a:r>
+              <a:rPr lang="en-GB" b="1" dirty="0">
+                <a:solidFill>
+                  <a:srgbClr val="C00000"/>
+                </a:solidFill>
+              </a:rPr>
+              <a:t>Composition</a:t>
+            </a:r>
+            <a:r>
+              <a:rPr lang="en-GB" b="1" dirty="0"/>
+              <a:t> </a:t>
+            </a:r>
+            <a:r>
+              <a:rPr lang="en-GB" dirty="0"/>
+              <a:t>is designed to carry narrative content and the content can have sections, sub-sections, sub-sub-sections etc.</a:t>
+            </a:r>
+          </a:p>
+        </p:txBody>
+      </p:sp>
+      <p:sp>
+        <p:nvSpPr>
+          <p:cNvPr id="7" name="TextBox 6">
+            <a:extLst>
+              <a:ext uri="{FF2B5EF4-FFF2-40B4-BE49-F238E27FC236}">
+                <a16:creationId xmlns:a16="http://schemas.microsoft.com/office/drawing/2014/main" id="{1AC28AA8-A818-DA72-1EF1-C8FA79E44F6E}"/>
+              </a:ext>
+            </a:extLst>
+          </p:cNvPr>
+          <p:cNvSpPr txBox="1"/>
+          <p:nvPr/>
+        </p:nvSpPr>
+        <p:spPr>
+          <a:xfrm>
+            <a:off x="4762559" y="3822410"/>
+            <a:ext cx="6827889" cy="914400"/>
+          </a:xfrm>
+          <a:prstGeom prst="rect">
+            <a:avLst/>
+          </a:prstGeom>
+          <a:noFill/>
+        </p:spPr>
+        <p:txBody>
+          <a:bodyPr wrap="square" rtlCol="0">
+            <a:noAutofit/>
+          </a:bodyPr>
+          <a:lstStyle/>
+          <a:p>
+            <a:r>
+              <a:rPr lang="en-GB" dirty="0"/>
+              <a:t>We created a </a:t>
+            </a:r>
+            <a:r>
+              <a:rPr lang="en-GB" b="1" dirty="0" err="1">
+                <a:solidFill>
+                  <a:srgbClr val="C00000"/>
+                </a:solidFill>
+              </a:rPr>
+              <a:t>NarrativeElements</a:t>
+            </a:r>
+            <a:r>
+              <a:rPr lang="en-GB" dirty="0"/>
+              <a:t> extension to </a:t>
+            </a:r>
+            <a:r>
+              <a:rPr lang="en-GB" b="1" dirty="0" err="1">
+                <a:solidFill>
+                  <a:srgbClr val="C00000"/>
+                </a:solidFill>
+              </a:rPr>
+              <a:t>ResearchStudy</a:t>
+            </a:r>
+            <a:r>
+              <a:rPr lang="en-GB" b="1" dirty="0"/>
+              <a:t> </a:t>
+            </a:r>
+            <a:r>
+              <a:rPr lang="en-GB" dirty="0"/>
+              <a:t>which is essentially a pointer to a </a:t>
+            </a:r>
+            <a:r>
+              <a:rPr lang="en-GB" b="1" dirty="0">
+                <a:solidFill>
+                  <a:srgbClr val="C00000"/>
+                </a:solidFill>
+              </a:rPr>
+              <a:t>Composition</a:t>
+            </a:r>
+            <a:r>
+              <a:rPr lang="en-GB" dirty="0"/>
+              <a:t>.</a:t>
+            </a:r>
+          </a:p>
+        </p:txBody>
+      </p:sp>
+      <p:sp>
+        <p:nvSpPr>
+          <p:cNvPr id="8" name="Rectangle 7">
+            <a:extLst>
+              <a:ext uri="{FF2B5EF4-FFF2-40B4-BE49-F238E27FC236}">
+                <a16:creationId xmlns:a16="http://schemas.microsoft.com/office/drawing/2014/main" id="{5592DDE3-10A7-EBD1-F4AA-8BF594D897EF}"/>
+              </a:ext>
+            </a:extLst>
+          </p:cNvPr>
+          <p:cNvSpPr/>
+          <p:nvPr/>
+        </p:nvSpPr>
+        <p:spPr>
+          <a:xfrm>
+            <a:off x="2337927" y="3918871"/>
+            <a:ext cx="2194561" cy="1017640"/>
+          </a:xfrm>
+          <a:prstGeom prst="rect">
+            <a:avLst/>
+          </a:prstGeom>
+          <a:solidFill>
+            <a:srgbClr val="89CFDF"/>
+          </a:solidFill>
+          <a:ln>
+            <a:noFill/>
+          </a:ln>
+        </p:spPr>
+        <p:style>
+          <a:lnRef idx="2">
+            <a:schemeClr val="accent1">
+              <a:shade val="50000"/>
+            </a:schemeClr>
+          </a:lnRef>
+          <a:fillRef idx="1">
+            <a:schemeClr val="accent1"/>
+          </a:fillRef>
+          <a:effectRef idx="0">
+            <a:schemeClr val="accent1"/>
+          </a:effectRef>
+          <a:fontRef idx="minor">
+            <a:schemeClr val="lt1"/>
+          </a:fontRef>
+        </p:style>
+        <p:txBody>
+          <a:bodyPr rtlCol="0" anchor="t" anchorCtr="0"/>
+          <a:lstStyle/>
+          <a:p>
+            <a:pPr algn="ctr"/>
+            <a:r>
+              <a:rPr lang="en-GB" dirty="0">
+                <a:solidFill>
+                  <a:schemeClr val="bg1"/>
+                </a:solidFill>
+              </a:rPr>
+              <a:t>+ </a:t>
+            </a:r>
+            <a:r>
+              <a:rPr lang="en-GB" dirty="0" err="1">
+                <a:solidFill>
+                  <a:schemeClr val="bg1"/>
+                </a:solidFill>
+              </a:rPr>
+              <a:t>NarrativeElements</a:t>
+            </a:r>
+            <a:endParaRPr lang="en-GB" dirty="0">
+              <a:solidFill>
+                <a:schemeClr val="bg1"/>
+              </a:solidFill>
+            </a:endParaRPr>
+          </a:p>
+        </p:txBody>
+      </p:sp>
+      <p:sp>
+        <p:nvSpPr>
+          <p:cNvPr id="9" name="Rectangle 8">
+            <a:extLst>
+              <a:ext uri="{FF2B5EF4-FFF2-40B4-BE49-F238E27FC236}">
+                <a16:creationId xmlns:a16="http://schemas.microsoft.com/office/drawing/2014/main" id="{C0456C93-1B28-F745-1C21-4F5B5766F18C}"/>
+              </a:ext>
+            </a:extLst>
+          </p:cNvPr>
+          <p:cNvSpPr/>
+          <p:nvPr/>
+        </p:nvSpPr>
+        <p:spPr>
+          <a:xfrm>
+            <a:off x="2601310" y="4260829"/>
+            <a:ext cx="1824866" cy="594667"/>
+          </a:xfrm>
+          <a:prstGeom prst="rect">
+            <a:avLst/>
+          </a:prstGeom>
+          <a:solidFill>
+            <a:srgbClr val="49BED8"/>
+          </a:solidFill>
+          <a:ln>
+            <a:solidFill>
+              <a:schemeClr val="tx1"/>
+            </a:solidFill>
+          </a:ln>
+        </p:spPr>
+        <p:style>
+          <a:lnRef idx="2">
+            <a:schemeClr val="accent1">
+              <a:shade val="50000"/>
+            </a:schemeClr>
+          </a:lnRef>
+          <a:fillRef idx="1">
+            <a:schemeClr val="accent1"/>
+          </a:fillRef>
+          <a:effectRef idx="0">
+            <a:schemeClr val="accent1"/>
+          </a:effectRef>
+          <a:fontRef idx="minor">
+            <a:schemeClr val="lt1"/>
+          </a:fontRef>
+        </p:style>
+        <p:txBody>
+          <a:bodyPr rtlCol="0" anchor="ctr"/>
+          <a:lstStyle/>
+          <a:p>
+            <a:pPr algn="ctr"/>
+            <a:r>
+              <a:rPr lang="en-GB">
+                <a:solidFill>
+                  <a:schemeClr val="bg1"/>
+                </a:solidFill>
+              </a:rPr>
+              <a:t>Composition</a:t>
+            </a:r>
+          </a:p>
+        </p:txBody>
+      </p:sp>
+      <p:sp>
+        <p:nvSpPr>
+          <p:cNvPr id="10" name="Rectangle 9">
+            <a:extLst>
+              <a:ext uri="{FF2B5EF4-FFF2-40B4-BE49-F238E27FC236}">
+                <a16:creationId xmlns:a16="http://schemas.microsoft.com/office/drawing/2014/main" id="{0B96AA49-2186-1E26-9ECF-834D5BD6BEDA}"/>
+              </a:ext>
+            </a:extLst>
+          </p:cNvPr>
+          <p:cNvSpPr/>
+          <p:nvPr/>
+        </p:nvSpPr>
+        <p:spPr>
+          <a:xfrm>
+            <a:off x="601552" y="3918871"/>
+            <a:ext cx="1824866" cy="713822"/>
+          </a:xfrm>
+          <a:prstGeom prst="rect">
+            <a:avLst/>
+          </a:prstGeom>
+          <a:solidFill>
+            <a:srgbClr val="49BED8"/>
+          </a:solidFill>
+          <a:ln>
+            <a:noFill/>
+          </a:ln>
+        </p:spPr>
+        <p:style>
+          <a:lnRef idx="2">
+            <a:schemeClr val="accent1">
+              <a:shade val="50000"/>
+            </a:schemeClr>
+          </a:lnRef>
+          <a:fillRef idx="1">
+            <a:schemeClr val="accent1"/>
+          </a:fillRef>
+          <a:effectRef idx="0">
+            <a:schemeClr val="accent1"/>
+          </a:effectRef>
+          <a:fontRef idx="minor">
+            <a:schemeClr val="lt1"/>
+          </a:fontRef>
+        </p:style>
+        <p:txBody>
+          <a:bodyPr rtlCol="0" anchor="ctr"/>
+          <a:lstStyle/>
+          <a:p>
+            <a:pPr algn="ctr"/>
+            <a:r>
+              <a:rPr lang="en-GB" err="1">
+                <a:solidFill>
+                  <a:schemeClr val="bg1"/>
+                </a:solidFill>
+              </a:rPr>
+              <a:t>ResearchStudy</a:t>
+            </a:r>
+            <a:endParaRPr lang="en-GB">
+              <a:solidFill>
+                <a:schemeClr val="bg1"/>
+              </a:solidFill>
+            </a:endParaRPr>
+          </a:p>
+        </p:txBody>
+      </p:sp>
+    </p:spTree>
+    <p:extLst>
+      <p:ext uri="{BB962C8B-B14F-4D97-AF65-F5344CB8AC3E}">
+        <p14:creationId xmlns:p14="http://schemas.microsoft.com/office/powerpoint/2010/main" val="94121562"/>
+      </p:ext>
+    </p:extLst>
+  </p:cSld>
+  <p:clrMapOvr>
+    <a:masterClrMapping/>
+  </p:clrMapOvr>
+  <p:transition>
+    <p:fade/>
+  </p:transition>
+</p:sld>
+</file>
+
+<file path=ppt/slides/slide6.xml><?xml version="1.0" encoding="utf-8"?>
+<p:sld xmlns:a="http://schemas.openxmlformats.org/drawingml/2006/main" xmlns:r="http://schemas.openxmlformats.org/officeDocument/2006/relationships" xmlns:p="http://schemas.openxmlformats.org/presentationml/2006/main">
+  <p:cSld>
+    <p:spTree>
+      <p:nvGrpSpPr>
+        <p:cNvPr id="1" name=""/>
+        <p:cNvGrpSpPr/>
+        <p:nvPr/>
+      </p:nvGrpSpPr>
+      <p:grpSpPr>
+        <a:xfrm>
+          <a:off x="0" y="0"/>
+          <a:ext cx="0" cy="0"/>
+          <a:chOff x="0" y="0"/>
+          <a:chExt cx="0" cy="0"/>
+        </a:xfrm>
+      </p:grpSpPr>
+      <p:sp>
+        <p:nvSpPr>
+          <p:cNvPr id="2" name="Text Placeholder 1">
+            <a:extLst>
+              <a:ext uri="{FF2B5EF4-FFF2-40B4-BE49-F238E27FC236}">
+                <a16:creationId xmlns:a16="http://schemas.microsoft.com/office/drawing/2014/main" id="{65FB21AD-533C-B019-0399-5519C017DA2B}"/>
+              </a:ext>
+            </a:extLst>
+          </p:cNvPr>
+          <p:cNvSpPr>
+            <a:spLocks noGrp="1"/>
+          </p:cNvSpPr>
+          <p:nvPr>
+            <p:ph type="body" sz="quarter" idx="13"/>
+          </p:nvPr>
+        </p:nvSpPr>
+        <p:spPr/>
+        <p:txBody>
+          <a:bodyPr/>
+          <a:lstStyle/>
+          <a:p>
+            <a:r>
+              <a:rPr lang="en-GB" dirty="0"/>
+              <a:t>Content Hierarchy and Context (Outline) Representation</a:t>
+            </a:r>
+          </a:p>
+        </p:txBody>
+      </p:sp>
+      <p:pic>
+        <p:nvPicPr>
+          <p:cNvPr id="6" name="Picture 5">
+            <a:extLst>
+              <a:ext uri="{FF2B5EF4-FFF2-40B4-BE49-F238E27FC236}">
+                <a16:creationId xmlns:a16="http://schemas.microsoft.com/office/drawing/2014/main" id="{BE34916E-5771-8BD4-4599-A28DDE5B1DCD}"/>
+              </a:ext>
+            </a:extLst>
+          </p:cNvPr>
+          <p:cNvPicPr>
+            <a:picLocks noChangeAspect="1"/>
+          </p:cNvPicPr>
+          <p:nvPr/>
+        </p:nvPicPr>
+        <p:blipFill>
+          <a:blip r:embed="rId2"/>
+          <a:stretch>
+            <a:fillRect/>
+          </a:stretch>
+        </p:blipFill>
+        <p:spPr>
+          <a:xfrm>
+            <a:off x="433282" y="1127557"/>
+            <a:ext cx="3715268" cy="2467319"/>
+          </a:xfrm>
+          <a:prstGeom prst="rect">
+            <a:avLst/>
+          </a:prstGeom>
+          <a:ln>
+            <a:solidFill>
+              <a:schemeClr val="tx1"/>
+            </a:solidFill>
+          </a:ln>
+        </p:spPr>
+      </p:pic>
+      <p:sp>
+        <p:nvSpPr>
+          <p:cNvPr id="7" name="TextBox 6">
+            <a:extLst>
+              <a:ext uri="{FF2B5EF4-FFF2-40B4-BE49-F238E27FC236}">
+                <a16:creationId xmlns:a16="http://schemas.microsoft.com/office/drawing/2014/main" id="{3FD63771-9EB4-1259-2420-3F76B1989053}"/>
+              </a:ext>
+            </a:extLst>
+          </p:cNvPr>
+          <p:cNvSpPr txBox="1"/>
+          <p:nvPr/>
+        </p:nvSpPr>
+        <p:spPr>
+          <a:xfrm>
+            <a:off x="4589695" y="1127557"/>
+            <a:ext cx="6595479" cy="914400"/>
+          </a:xfrm>
+          <a:prstGeom prst="rect">
+            <a:avLst/>
+          </a:prstGeom>
+          <a:noFill/>
+        </p:spPr>
+        <p:txBody>
+          <a:bodyPr wrap="square" rtlCol="0">
+            <a:noAutofit/>
+          </a:bodyPr>
+          <a:lstStyle/>
+          <a:p>
+            <a:r>
+              <a:rPr lang="en-GB" dirty="0"/>
+              <a:t>To properly reflect the M11 template, the sections and sub-sections in the </a:t>
+            </a:r>
+            <a:r>
+              <a:rPr lang="en-GB" b="1" dirty="0">
+                <a:solidFill>
+                  <a:srgbClr val="C00000"/>
+                </a:solidFill>
+              </a:rPr>
+              <a:t>Composition</a:t>
+            </a:r>
+            <a:r>
+              <a:rPr lang="en-GB" b="1" dirty="0"/>
+              <a:t> </a:t>
+            </a:r>
+            <a:r>
+              <a:rPr lang="en-GB" dirty="0"/>
+              <a:t>need to match those in the template.  </a:t>
+            </a:r>
+          </a:p>
+          <a:p>
+            <a:endParaRPr lang="en-GB" dirty="0"/>
+          </a:p>
+          <a:p>
+            <a:r>
+              <a:rPr lang="en-GB" dirty="0"/>
+              <a:t>The template sections can be defined in terminology</a:t>
+            </a:r>
+          </a:p>
+          <a:p>
+            <a:endParaRPr lang="en-GB" dirty="0"/>
+          </a:p>
+          <a:p>
+            <a:r>
+              <a:rPr lang="en-GB" dirty="0"/>
+              <a:t>Specific narrative instances can then use the codes to specify which parts of the M11 Template they represent</a:t>
+            </a:r>
+          </a:p>
+        </p:txBody>
+      </p:sp>
+      <p:sp>
+        <p:nvSpPr>
+          <p:cNvPr id="8" name="Rectangle 7">
+            <a:extLst>
+              <a:ext uri="{FF2B5EF4-FFF2-40B4-BE49-F238E27FC236}">
+                <a16:creationId xmlns:a16="http://schemas.microsoft.com/office/drawing/2014/main" id="{7A06CEB3-9E8E-FDD6-6CFC-92CA31741581}"/>
+              </a:ext>
+            </a:extLst>
+          </p:cNvPr>
+          <p:cNvSpPr/>
+          <p:nvPr/>
+        </p:nvSpPr>
+        <p:spPr>
+          <a:xfrm>
+            <a:off x="2011680" y="3841077"/>
+            <a:ext cx="3439324" cy="1017640"/>
+          </a:xfrm>
+          <a:prstGeom prst="rect">
+            <a:avLst/>
+          </a:prstGeom>
+          <a:solidFill>
+            <a:srgbClr val="C3D669"/>
+          </a:solidFill>
+          <a:ln>
+            <a:noFill/>
+          </a:ln>
+        </p:spPr>
+        <p:style>
+          <a:lnRef idx="2">
+            <a:schemeClr val="accent1">
+              <a:shade val="50000"/>
+            </a:schemeClr>
+          </a:lnRef>
+          <a:fillRef idx="1">
+            <a:schemeClr val="accent1"/>
+          </a:fillRef>
+          <a:effectRef idx="0">
+            <a:schemeClr val="accent1"/>
+          </a:effectRef>
+          <a:fontRef idx="minor">
+            <a:schemeClr val="lt1"/>
+          </a:fontRef>
+        </p:style>
+        <p:txBody>
+          <a:bodyPr rtlCol="0" anchor="t" anchorCtr="0"/>
+          <a:lstStyle/>
+          <a:p>
+            <a:pPr algn="ctr"/>
+            <a:r>
+              <a:rPr lang="en-GB" dirty="0">
+                <a:solidFill>
+                  <a:schemeClr val="bg1"/>
+                </a:solidFill>
+              </a:rPr>
+              <a:t>+ </a:t>
+            </a:r>
+            <a:r>
+              <a:rPr lang="en-GB" dirty="0" err="1">
+                <a:solidFill>
+                  <a:schemeClr val="bg1"/>
+                </a:solidFill>
+              </a:rPr>
+              <a:t>NarrativeElements</a:t>
+            </a:r>
+            <a:r>
+              <a:rPr lang="en-GB" dirty="0">
+                <a:solidFill>
+                  <a:schemeClr val="bg1"/>
+                </a:solidFill>
+              </a:rPr>
+              <a:t> a004</a:t>
+            </a:r>
+          </a:p>
+        </p:txBody>
+      </p:sp>
+      <p:sp>
+        <p:nvSpPr>
+          <p:cNvPr id="9" name="Rectangle 8">
+            <a:extLst>
+              <a:ext uri="{FF2B5EF4-FFF2-40B4-BE49-F238E27FC236}">
+                <a16:creationId xmlns:a16="http://schemas.microsoft.com/office/drawing/2014/main" id="{82EE51CB-99D3-DC56-E3B2-EF07B0EF317B}"/>
+              </a:ext>
+            </a:extLst>
+          </p:cNvPr>
+          <p:cNvSpPr/>
+          <p:nvPr/>
+        </p:nvSpPr>
+        <p:spPr>
+          <a:xfrm>
+            <a:off x="2764829" y="4197102"/>
+            <a:ext cx="1824866" cy="594667"/>
+          </a:xfrm>
+          <a:prstGeom prst="rect">
+            <a:avLst/>
+          </a:prstGeom>
+          <a:solidFill>
+            <a:srgbClr val="A5BD35"/>
+          </a:solidFill>
+          <a:ln>
+            <a:solidFill>
+              <a:schemeClr val="tx1"/>
+            </a:solidFill>
+          </a:ln>
+        </p:spPr>
+        <p:style>
+          <a:lnRef idx="2">
+            <a:schemeClr val="accent1">
+              <a:shade val="50000"/>
+            </a:schemeClr>
+          </a:lnRef>
+          <a:fillRef idx="1">
+            <a:schemeClr val="accent1"/>
+          </a:fillRef>
+          <a:effectRef idx="0">
+            <a:schemeClr val="accent1"/>
+          </a:effectRef>
+          <a:fontRef idx="minor">
+            <a:schemeClr val="lt1"/>
+          </a:fontRef>
+        </p:style>
+        <p:txBody>
+          <a:bodyPr rtlCol="0" anchor="ctr"/>
+          <a:lstStyle/>
+          <a:p>
+            <a:pPr algn="ctr"/>
+            <a:r>
+              <a:rPr lang="en-GB">
+                <a:solidFill>
+                  <a:schemeClr val="bg1"/>
+                </a:solidFill>
+              </a:rPr>
+              <a:t>Composition</a:t>
+            </a:r>
+          </a:p>
+        </p:txBody>
+      </p:sp>
+      <p:sp>
+        <p:nvSpPr>
+          <p:cNvPr id="10" name="Rectangle 9">
+            <a:extLst>
+              <a:ext uri="{FF2B5EF4-FFF2-40B4-BE49-F238E27FC236}">
+                <a16:creationId xmlns:a16="http://schemas.microsoft.com/office/drawing/2014/main" id="{10430670-F080-F6CE-8FB0-F0342FB51A55}"/>
+              </a:ext>
+            </a:extLst>
+          </p:cNvPr>
+          <p:cNvSpPr/>
+          <p:nvPr/>
+        </p:nvSpPr>
+        <p:spPr>
+          <a:xfrm>
+            <a:off x="275305" y="3841077"/>
+            <a:ext cx="1824866" cy="713822"/>
+          </a:xfrm>
+          <a:prstGeom prst="rect">
+            <a:avLst/>
+          </a:prstGeom>
+          <a:solidFill>
+            <a:srgbClr val="A5BD35"/>
+          </a:solidFill>
+          <a:ln>
+            <a:noFill/>
+          </a:ln>
+        </p:spPr>
+        <p:style>
+          <a:lnRef idx="2">
+            <a:schemeClr val="accent1">
+              <a:shade val="50000"/>
+            </a:schemeClr>
+          </a:lnRef>
+          <a:fillRef idx="1">
+            <a:schemeClr val="accent1"/>
+          </a:fillRef>
+          <a:effectRef idx="0">
+            <a:schemeClr val="accent1"/>
+          </a:effectRef>
+          <a:fontRef idx="minor">
+            <a:schemeClr val="lt1"/>
+          </a:fontRef>
+        </p:style>
+        <p:txBody>
+          <a:bodyPr rtlCol="0" anchor="ctr"/>
+          <a:lstStyle/>
+          <a:p>
+            <a:pPr algn="ctr"/>
+            <a:r>
+              <a:rPr lang="en-GB" err="1">
+                <a:solidFill>
+                  <a:schemeClr val="bg1"/>
+                </a:solidFill>
+              </a:rPr>
+              <a:t>ResearchStudy</a:t>
+            </a:r>
+            <a:endParaRPr lang="en-GB">
+              <a:solidFill>
+                <a:schemeClr val="bg1"/>
+              </a:solidFill>
+            </a:endParaRPr>
+          </a:p>
+        </p:txBody>
+      </p:sp>
+      <p:sp>
+        <p:nvSpPr>
+          <p:cNvPr id="11" name="Rectangle 10">
+            <a:extLst>
+              <a:ext uri="{FF2B5EF4-FFF2-40B4-BE49-F238E27FC236}">
+                <a16:creationId xmlns:a16="http://schemas.microsoft.com/office/drawing/2014/main" id="{34893E7A-1677-BBCF-0C26-9FD229E39E31}"/>
+              </a:ext>
+            </a:extLst>
+          </p:cNvPr>
+          <p:cNvSpPr/>
+          <p:nvPr/>
+        </p:nvSpPr>
+        <p:spPr>
+          <a:xfrm>
+            <a:off x="2011680" y="4858717"/>
+            <a:ext cx="3439324" cy="1017640"/>
+          </a:xfrm>
+          <a:prstGeom prst="rect">
+            <a:avLst/>
+          </a:prstGeom>
+          <a:solidFill>
+            <a:srgbClr val="C3D669"/>
+          </a:solidFill>
+          <a:ln>
+            <a:noFill/>
+          </a:ln>
+        </p:spPr>
+        <p:style>
+          <a:lnRef idx="2">
+            <a:schemeClr val="accent1">
+              <a:shade val="50000"/>
+            </a:schemeClr>
+          </a:lnRef>
+          <a:fillRef idx="1">
+            <a:schemeClr val="accent1"/>
+          </a:fillRef>
+          <a:effectRef idx="0">
+            <a:schemeClr val="accent1"/>
+          </a:effectRef>
+          <a:fontRef idx="minor">
+            <a:schemeClr val="lt1"/>
+          </a:fontRef>
+        </p:style>
+        <p:txBody>
+          <a:bodyPr rtlCol="0" anchor="t" anchorCtr="0"/>
+          <a:lstStyle/>
+          <a:p>
+            <a:pPr algn="ctr"/>
+            <a:r>
+              <a:rPr lang="en-GB" dirty="0">
+                <a:solidFill>
+                  <a:schemeClr val="bg1"/>
+                </a:solidFill>
+              </a:rPr>
+              <a:t>+ </a:t>
+            </a:r>
+            <a:r>
+              <a:rPr lang="en-GB" dirty="0" err="1">
+                <a:solidFill>
+                  <a:schemeClr val="bg1"/>
+                </a:solidFill>
+              </a:rPr>
+              <a:t>NarrativeElements</a:t>
+            </a:r>
+            <a:r>
+              <a:rPr lang="en-GB" dirty="0">
+                <a:solidFill>
+                  <a:schemeClr val="bg1"/>
+                </a:solidFill>
+              </a:rPr>
+              <a:t> a007</a:t>
+            </a:r>
+          </a:p>
+        </p:txBody>
+      </p:sp>
+      <p:sp>
+        <p:nvSpPr>
+          <p:cNvPr id="12" name="Rectangle 11">
+            <a:extLst>
+              <a:ext uri="{FF2B5EF4-FFF2-40B4-BE49-F238E27FC236}">
+                <a16:creationId xmlns:a16="http://schemas.microsoft.com/office/drawing/2014/main" id="{4668AEE2-4EB4-65D4-11BD-F121D42DEDC9}"/>
+              </a:ext>
+            </a:extLst>
+          </p:cNvPr>
+          <p:cNvSpPr/>
+          <p:nvPr/>
+        </p:nvSpPr>
+        <p:spPr>
+          <a:xfrm>
+            <a:off x="2764829" y="5214742"/>
+            <a:ext cx="1824866" cy="594667"/>
+          </a:xfrm>
+          <a:prstGeom prst="rect">
+            <a:avLst/>
+          </a:prstGeom>
+          <a:solidFill>
+            <a:srgbClr val="A5BD35"/>
+          </a:solidFill>
+          <a:ln>
+            <a:solidFill>
+              <a:schemeClr val="tx1"/>
+            </a:solidFill>
+          </a:ln>
+        </p:spPr>
+        <p:style>
+          <a:lnRef idx="2">
+            <a:schemeClr val="accent1">
+              <a:shade val="50000"/>
+            </a:schemeClr>
+          </a:lnRef>
+          <a:fillRef idx="1">
+            <a:schemeClr val="accent1"/>
+          </a:fillRef>
+          <a:effectRef idx="0">
+            <a:schemeClr val="accent1"/>
+          </a:effectRef>
+          <a:fontRef idx="minor">
+            <a:schemeClr val="lt1"/>
+          </a:fontRef>
+        </p:style>
+        <p:txBody>
+          <a:bodyPr rtlCol="0" anchor="ctr"/>
+          <a:lstStyle/>
+          <a:p>
+            <a:pPr algn="ctr"/>
+            <a:r>
+              <a:rPr lang="en-GB">
+                <a:solidFill>
+                  <a:schemeClr val="bg1"/>
+                </a:solidFill>
+              </a:rPr>
+              <a:t>Composition</a:t>
+            </a:r>
+          </a:p>
+        </p:txBody>
+      </p:sp>
+      <p:sp>
+        <p:nvSpPr>
+          <p:cNvPr id="13" name="TextBox 12">
+            <a:extLst>
+              <a:ext uri="{FF2B5EF4-FFF2-40B4-BE49-F238E27FC236}">
+                <a16:creationId xmlns:a16="http://schemas.microsoft.com/office/drawing/2014/main" id="{D93921D5-A7B9-B362-464B-9BE5433EAA6D}"/>
+              </a:ext>
+            </a:extLst>
+          </p:cNvPr>
+          <p:cNvSpPr txBox="1"/>
+          <p:nvPr/>
+        </p:nvSpPr>
+        <p:spPr>
+          <a:xfrm>
+            <a:off x="5751869" y="3841077"/>
+            <a:ext cx="6018374" cy="914400"/>
+          </a:xfrm>
+          <a:prstGeom prst="rect">
+            <a:avLst/>
+          </a:prstGeom>
+          <a:noFill/>
+        </p:spPr>
+        <p:txBody>
+          <a:bodyPr wrap="square" rtlCol="0">
+            <a:noAutofit/>
+          </a:bodyPr>
+          <a:lstStyle/>
+          <a:p>
+            <a:r>
+              <a:rPr lang="en-GB" dirty="0"/>
+              <a:t>In the illustration here </a:t>
+            </a:r>
+            <a:r>
+              <a:rPr lang="en-GB" b="1" dirty="0" err="1">
+                <a:solidFill>
+                  <a:srgbClr val="C00000"/>
+                </a:solidFill>
+              </a:rPr>
+              <a:t>ResearchStudy</a:t>
+            </a:r>
+            <a:r>
+              <a:rPr lang="en-GB" dirty="0"/>
+              <a:t> has two </a:t>
+            </a:r>
+            <a:r>
+              <a:rPr lang="en-GB" b="1" dirty="0" err="1">
+                <a:solidFill>
+                  <a:srgbClr val="C00000"/>
+                </a:solidFill>
+              </a:rPr>
+              <a:t>NarrativeElements</a:t>
+            </a:r>
+            <a:r>
+              <a:rPr lang="en-GB" dirty="0"/>
+              <a:t> sections attached.  One with code </a:t>
+            </a:r>
+            <a:r>
+              <a:rPr lang="en-GB" i="1" dirty="0"/>
+              <a:t>a004</a:t>
+            </a:r>
+            <a:r>
+              <a:rPr lang="en-GB" dirty="0"/>
+              <a:t> which is </a:t>
+            </a:r>
+            <a:r>
+              <a:rPr lang="en-GB" i="1" dirty="0"/>
+              <a:t>1.1.2 Overall Design</a:t>
+            </a:r>
+            <a:r>
+              <a:rPr lang="en-GB" dirty="0"/>
+              <a:t> and one with code </a:t>
+            </a:r>
+            <a:r>
+              <a:rPr lang="en-GB" i="1" dirty="0"/>
+              <a:t>a007</a:t>
+            </a:r>
+            <a:r>
+              <a:rPr lang="en-GB" dirty="0"/>
+              <a:t> which is </a:t>
+            </a:r>
+            <a:r>
+              <a:rPr lang="en-GB" i="1" dirty="0"/>
+              <a:t>2 INTRODUCTION</a:t>
+            </a:r>
+            <a:r>
+              <a:rPr lang="en-GB" dirty="0"/>
+              <a:t> and this would then have all the sub-sections within the </a:t>
+            </a:r>
+            <a:r>
+              <a:rPr lang="en-GB" i="1" dirty="0"/>
+              <a:t>INTRODUCTION</a:t>
+            </a:r>
+            <a:r>
+              <a:rPr lang="en-GB" dirty="0"/>
+              <a:t>.</a:t>
+            </a:r>
+          </a:p>
+        </p:txBody>
+      </p:sp>
+    </p:spTree>
+    <p:extLst>
+      <p:ext uri="{BB962C8B-B14F-4D97-AF65-F5344CB8AC3E}">
+        <p14:creationId xmlns:p14="http://schemas.microsoft.com/office/powerpoint/2010/main" val="3686416481"/>
+      </p:ext>
+    </p:extLst>
+  </p:cSld>
+  <p:clrMapOvr>
+    <a:masterClrMapping/>
+  </p:clrMapOvr>
+  <p:transition>
+    <p:fade/>
+  </p:transition>
+</p:sld>
+</file>
+
+<file path=ppt/slides/slide7.xml><?xml version="1.0" encoding="utf-8"?>
+<p:sld xmlns:a="http://schemas.openxmlformats.org/drawingml/2006/main" xmlns:r="http://schemas.openxmlformats.org/officeDocument/2006/relationships" xmlns:p="http://schemas.openxmlformats.org/presentationml/2006/main">
+  <p:cSld>
+    <p:spTree>
+      <p:nvGrpSpPr>
+        <p:cNvPr id="1" name=""/>
+        <p:cNvGrpSpPr/>
+        <p:nvPr/>
+      </p:nvGrpSpPr>
+      <p:grpSpPr>
+        <a:xfrm>
+          <a:off x="0" y="0"/>
+          <a:ext cx="0" cy="0"/>
+          <a:chOff x="0" y="0"/>
+          <a:chExt cx="0" cy="0"/>
+        </a:xfrm>
+      </p:grpSpPr>
+      <p:sp>
+        <p:nvSpPr>
+          <p:cNvPr id="2" name="Text Placeholder 1">
+            <a:extLst>
+              <a:ext uri="{FF2B5EF4-FFF2-40B4-BE49-F238E27FC236}">
+                <a16:creationId xmlns:a16="http://schemas.microsoft.com/office/drawing/2014/main" id="{40096E3A-8EEC-A24E-7D52-D1EBF0767A69}"/>
+              </a:ext>
+            </a:extLst>
+          </p:cNvPr>
+          <p:cNvSpPr>
+            <a:spLocks noGrp="1"/>
+          </p:cNvSpPr>
+          <p:nvPr>
+            <p:ph type="body" sz="quarter" idx="13"/>
+          </p:nvPr>
+        </p:nvSpPr>
+        <p:spPr/>
+        <p:txBody>
+          <a:bodyPr/>
+          <a:lstStyle/>
+          <a:p>
+            <a:r>
+              <a:rPr lang="en-GB" dirty="0"/>
+              <a:t>Structured Representation</a:t>
+            </a:r>
+          </a:p>
+        </p:txBody>
+      </p:sp>
+      <p:sp>
+        <p:nvSpPr>
+          <p:cNvPr id="3" name="Rectangle 2">
+            <a:extLst>
+              <a:ext uri="{FF2B5EF4-FFF2-40B4-BE49-F238E27FC236}">
+                <a16:creationId xmlns:a16="http://schemas.microsoft.com/office/drawing/2014/main" id="{5800DC42-0CB0-395F-2471-9219A29F6CAB}"/>
+              </a:ext>
+            </a:extLst>
+          </p:cNvPr>
+          <p:cNvSpPr/>
+          <p:nvPr/>
+        </p:nvSpPr>
+        <p:spPr>
+          <a:xfrm>
+            <a:off x="2358809" y="2582387"/>
+            <a:ext cx="4005662" cy="713822"/>
+          </a:xfrm>
+          <a:prstGeom prst="rect">
+            <a:avLst/>
+          </a:prstGeom>
+          <a:solidFill>
+            <a:srgbClr val="89CFDF"/>
+          </a:solidFill>
+          <a:ln>
+            <a:noFill/>
+          </a:ln>
+        </p:spPr>
+        <p:style>
+          <a:lnRef idx="2">
+            <a:schemeClr val="accent1">
+              <a:shade val="50000"/>
+            </a:schemeClr>
+          </a:lnRef>
+          <a:fillRef idx="1">
+            <a:schemeClr val="accent1"/>
+          </a:fillRef>
+          <a:effectRef idx="0">
+            <a:schemeClr val="accent1"/>
+          </a:effectRef>
+          <a:fontRef idx="minor">
+            <a:schemeClr val="lt1"/>
+          </a:fontRef>
+        </p:style>
+        <p:txBody>
+          <a:bodyPr rtlCol="0" anchor="t" anchorCtr="0"/>
+          <a:lstStyle/>
+          <a:p>
+            <a:pPr algn="ctr"/>
+            <a:r>
+              <a:rPr lang="en-GB" dirty="0">
+                <a:solidFill>
+                  <a:schemeClr val="bg1"/>
+                </a:solidFill>
+              </a:rPr>
+              <a:t>+ </a:t>
+            </a:r>
+            <a:r>
+              <a:rPr lang="en-GB" dirty="0" err="1"/>
+              <a:t>ResearchStudyStudyAmendment</a:t>
+            </a:r>
+            <a:endParaRPr lang="en-GB" dirty="0"/>
+          </a:p>
+          <a:p>
+            <a:pPr marL="285750" indent="-285750" algn="ctr">
+              <a:buFont typeface="Arial" panose="020B0604020202020204" pitchFamily="34" charset="0"/>
+              <a:buChar char="•"/>
+            </a:pPr>
+            <a:r>
+              <a:rPr lang="en-GB" dirty="0"/>
+              <a:t>scope</a:t>
+            </a:r>
+          </a:p>
+          <a:p>
+            <a:pPr algn="ctr"/>
+            <a:endParaRPr lang="en-GB" dirty="0">
+              <a:solidFill>
+                <a:schemeClr val="bg1"/>
+              </a:solidFill>
+            </a:endParaRPr>
+          </a:p>
+        </p:txBody>
+      </p:sp>
+      <p:sp>
+        <p:nvSpPr>
+          <p:cNvPr id="5" name="Rectangle 4">
+            <a:extLst>
+              <a:ext uri="{FF2B5EF4-FFF2-40B4-BE49-F238E27FC236}">
+                <a16:creationId xmlns:a16="http://schemas.microsoft.com/office/drawing/2014/main" id="{D9176464-14D2-BBE5-0548-6A5284A06650}"/>
+              </a:ext>
+            </a:extLst>
+          </p:cNvPr>
+          <p:cNvSpPr/>
+          <p:nvPr/>
+        </p:nvSpPr>
+        <p:spPr>
+          <a:xfrm>
+            <a:off x="622434" y="2582387"/>
+            <a:ext cx="1824866" cy="713822"/>
+          </a:xfrm>
+          <a:prstGeom prst="rect">
+            <a:avLst/>
+          </a:prstGeom>
+          <a:solidFill>
+            <a:srgbClr val="49BED8"/>
+          </a:solidFill>
+          <a:ln>
+            <a:noFill/>
+          </a:ln>
+        </p:spPr>
+        <p:style>
+          <a:lnRef idx="2">
+            <a:schemeClr val="accent1">
+              <a:shade val="50000"/>
+            </a:schemeClr>
+          </a:lnRef>
+          <a:fillRef idx="1">
+            <a:schemeClr val="accent1"/>
+          </a:fillRef>
+          <a:effectRef idx="0">
+            <a:schemeClr val="accent1"/>
+          </a:effectRef>
+          <a:fontRef idx="minor">
+            <a:schemeClr val="lt1"/>
+          </a:fontRef>
+        </p:style>
+        <p:txBody>
+          <a:bodyPr rtlCol="0" anchor="ctr"/>
+          <a:lstStyle/>
+          <a:p>
+            <a:pPr algn="ctr"/>
+            <a:r>
+              <a:rPr lang="en-GB" err="1">
+                <a:solidFill>
+                  <a:schemeClr val="bg1"/>
+                </a:solidFill>
+              </a:rPr>
+              <a:t>ResearchStudy</a:t>
+            </a:r>
+            <a:endParaRPr lang="en-GB">
+              <a:solidFill>
+                <a:schemeClr val="bg1"/>
+              </a:solidFill>
+            </a:endParaRPr>
+          </a:p>
+        </p:txBody>
+      </p:sp>
+      <p:sp>
+        <p:nvSpPr>
+          <p:cNvPr id="6" name="TextBox 5">
+            <a:extLst>
+              <a:ext uri="{FF2B5EF4-FFF2-40B4-BE49-F238E27FC236}">
+                <a16:creationId xmlns:a16="http://schemas.microsoft.com/office/drawing/2014/main" id="{2601D59C-702C-CBE3-8CF7-4ABB2045323B}"/>
+              </a:ext>
+            </a:extLst>
+          </p:cNvPr>
+          <p:cNvSpPr txBox="1"/>
+          <p:nvPr/>
+        </p:nvSpPr>
+        <p:spPr>
+          <a:xfrm>
+            <a:off x="6655981" y="1187966"/>
+            <a:ext cx="5183779" cy="914400"/>
+          </a:xfrm>
+          <a:prstGeom prst="rect">
+            <a:avLst/>
+          </a:prstGeom>
+          <a:noFill/>
+        </p:spPr>
+        <p:txBody>
+          <a:bodyPr wrap="square" rtlCol="0">
+            <a:noAutofit/>
+          </a:bodyPr>
+          <a:lstStyle/>
+          <a:p>
+            <a:r>
+              <a:rPr lang="en-GB" b="1" dirty="0" err="1">
+                <a:solidFill>
+                  <a:srgbClr val="C00000"/>
+                </a:solidFill>
+              </a:rPr>
+              <a:t>ResearchStudy</a:t>
+            </a:r>
+            <a:r>
+              <a:rPr lang="en-GB" dirty="0"/>
+              <a:t> already has many attributes to describe a protocol but not everything required by M11 is present.  </a:t>
+            </a:r>
+            <a:br>
+              <a:rPr lang="en-GB" dirty="0"/>
+            </a:br>
+            <a:endParaRPr lang="en-GB" dirty="0"/>
+          </a:p>
+          <a:p>
+            <a:r>
+              <a:rPr lang="en-GB" dirty="0"/>
+              <a:t>For example M11 requires a field to describe Amendment Scope.</a:t>
+            </a:r>
+          </a:p>
+        </p:txBody>
+      </p:sp>
+      <p:sp>
+        <p:nvSpPr>
+          <p:cNvPr id="7" name="TextBox 6">
+            <a:extLst>
+              <a:ext uri="{FF2B5EF4-FFF2-40B4-BE49-F238E27FC236}">
+                <a16:creationId xmlns:a16="http://schemas.microsoft.com/office/drawing/2014/main" id="{17569B28-AD26-AFB7-CE46-4DE6CA8326F2}"/>
+              </a:ext>
+            </a:extLst>
+          </p:cNvPr>
+          <p:cNvSpPr txBox="1"/>
+          <p:nvPr/>
+        </p:nvSpPr>
+        <p:spPr>
+          <a:xfrm>
+            <a:off x="6702561" y="3068904"/>
+            <a:ext cx="5137199" cy="1875236"/>
+          </a:xfrm>
+          <a:prstGeom prst="rect">
+            <a:avLst/>
+          </a:prstGeom>
+          <a:noFill/>
+        </p:spPr>
+        <p:txBody>
+          <a:bodyPr wrap="square" rtlCol="0">
+            <a:noAutofit/>
+          </a:bodyPr>
+          <a:lstStyle>
+            <a:defPPr>
+              <a:defRPr lang="en-US"/>
+            </a:defPPr>
+            <a:lvl1pPr>
+              <a:defRPr sz="1600"/>
+            </a:lvl1pPr>
+          </a:lstStyle>
+          <a:p>
+            <a:r>
+              <a:rPr lang="en-GB" sz="1800" dirty="0"/>
+              <a:t>To accommodate this, we create another extension called </a:t>
+            </a:r>
+            <a:r>
+              <a:rPr lang="en-GB" sz="1800" b="1" dirty="0" err="1">
+                <a:solidFill>
+                  <a:srgbClr val="C00000"/>
+                </a:solidFill>
+              </a:rPr>
+              <a:t>ResearchStudyStudyAmendment</a:t>
+            </a:r>
+            <a:r>
+              <a:rPr lang="en-GB" sz="1800" dirty="0"/>
+              <a:t> </a:t>
+            </a:r>
+          </a:p>
+          <a:p>
+            <a:r>
+              <a:rPr lang="en-GB" sz="1800" dirty="0"/>
+              <a:t>and amongst the attributes present in this extension we have one called scope</a:t>
+            </a:r>
+          </a:p>
+        </p:txBody>
+      </p:sp>
+    </p:spTree>
+    <p:extLst>
+      <p:ext uri="{BB962C8B-B14F-4D97-AF65-F5344CB8AC3E}">
+        <p14:creationId xmlns:p14="http://schemas.microsoft.com/office/powerpoint/2010/main" val="3970238077"/>
+      </p:ext>
+    </p:extLst>
+  </p:cSld>
+  <p:clrMapOvr>
+    <a:masterClrMapping/>
+  </p:clrMapOvr>
+  <p:transition>
+    <p:fade/>
+  </p:transition>
+</p:sld>
+</file>
+
+<file path=ppt/slides/slide8.xml><?xml version="1.0" encoding="utf-8"?>
+<p:sld xmlns:a="http://schemas.openxmlformats.org/drawingml/2006/main" xmlns:r="http://schemas.openxmlformats.org/officeDocument/2006/relationships" xmlns:p="http://schemas.openxmlformats.org/presentationml/2006/main">
+  <p:cSld>
+    <p:spTree>
+      <p:nvGrpSpPr>
+        <p:cNvPr id="1" name=""/>
+        <p:cNvGrpSpPr/>
+        <p:nvPr/>
+      </p:nvGrpSpPr>
+      <p:grpSpPr>
+        <a:xfrm>
+          <a:off x="0" y="0"/>
+          <a:ext cx="0" cy="0"/>
+          <a:chOff x="0" y="0"/>
+          <a:chExt cx="0" cy="0"/>
+        </a:xfrm>
+      </p:grpSpPr>
+      <p:sp>
+        <p:nvSpPr>
           <p:cNvPr id="3" name="TextBox 2">
             <a:extLst>
               <a:ext uri="{FF2B5EF4-FFF2-40B4-BE49-F238E27FC236}">
@@ -20213,7 +24835,7 @@
 </p:sld>
 </file>
 
-<file path=ppt/slides/slide6.xml><?xml version="1.0" encoding="utf-8"?>
+<file path=ppt/slides/slide9.xml><?xml version="1.0" encoding="utf-8"?>
 <p:sld xmlns:a="http://schemas.openxmlformats.org/drawingml/2006/main" xmlns:r="http://schemas.openxmlformats.org/officeDocument/2006/relationships" xmlns:p="http://schemas.openxmlformats.org/presentationml/2006/main">
   <p:cSld>
     <p:spTree>
@@ -21316,2294 +25938,6 @@
   <p:clrMapOvr>
     <a:masterClrMapping/>
   </p:clrMapOvr>
-</p:sld>
-</file>
-
-<file path=ppt/slides/slide7.xml><?xml version="1.0" encoding="utf-8"?>
-<p:sld xmlns:a="http://schemas.openxmlformats.org/drawingml/2006/main" xmlns:r="http://schemas.openxmlformats.org/officeDocument/2006/relationships" xmlns:p="http://schemas.openxmlformats.org/presentationml/2006/main">
-  <p:cSld>
-    <p:spTree>
-      <p:nvGrpSpPr>
-        <p:cNvPr id="1" name="">
-          <a:extLst>
-            <a:ext uri="{FF2B5EF4-FFF2-40B4-BE49-F238E27FC236}">
-              <a16:creationId xmlns:a16="http://schemas.microsoft.com/office/drawing/2014/main" id="{F647A574-50C2-E8E8-ADDF-05EDDB31C00C}"/>
-            </a:ext>
-          </a:extLst>
-        </p:cNvPr>
-        <p:cNvGrpSpPr/>
-        <p:nvPr/>
-      </p:nvGrpSpPr>
-      <p:grpSpPr>
-        <a:xfrm>
-          <a:off x="0" y="0"/>
-          <a:ext cx="0" cy="0"/>
-          <a:chOff x="0" y="0"/>
-          <a:chExt cx="0" cy="0"/>
-        </a:xfrm>
-      </p:grpSpPr>
-      <p:pic>
-        <p:nvPicPr>
-          <p:cNvPr id="62" name="Picture 61" descr="Tip of iceberg submerged in water">
-            <a:extLst>
-              <a:ext uri="{FF2B5EF4-FFF2-40B4-BE49-F238E27FC236}">
-                <a16:creationId xmlns:a16="http://schemas.microsoft.com/office/drawing/2014/main" id="{884E8506-40BD-6D92-4B8D-900BC166B869}"/>
-              </a:ext>
-            </a:extLst>
-          </p:cNvPr>
-          <p:cNvPicPr>
-            <a:picLocks noChangeAspect="1"/>
-          </p:cNvPicPr>
-          <p:nvPr/>
-        </p:nvPicPr>
-        <p:blipFill>
-          <a:blip r:embed="rId3" cstate="print">
-            <a:extLst>
-              <a:ext uri="{28A0092B-C50C-407E-A947-70E740481C1C}">
-                <a14:useLocalDpi xmlns:a14="http://schemas.microsoft.com/office/drawing/2010/main" val="0"/>
-              </a:ext>
-            </a:extLst>
-          </a:blip>
-          <a:stretch>
-            <a:fillRect/>
-          </a:stretch>
-        </p:blipFill>
-        <p:spPr>
-          <a:xfrm>
-            <a:off x="-28961" y="0"/>
-            <a:ext cx="12254061" cy="6858000"/>
-          </a:xfrm>
-          <a:prstGeom prst="rect">
-            <a:avLst/>
-          </a:prstGeom>
-          <a:solidFill>
-            <a:schemeClr val="accent6">
-              <a:alpha val="50000"/>
-            </a:schemeClr>
-          </a:solidFill>
-          <a:ln w="28575">
-            <a:solidFill>
-              <a:schemeClr val="tx2">
-                <a:lumMod val="75000"/>
-              </a:schemeClr>
-            </a:solidFill>
-          </a:ln>
-          <a:effectLst/>
-        </p:spPr>
-      </p:pic>
-      <p:sp>
-        <p:nvSpPr>
-          <p:cNvPr id="95" name="Rectangle 94">
-            <a:extLst>
-              <a:ext uri="{FF2B5EF4-FFF2-40B4-BE49-F238E27FC236}">
-                <a16:creationId xmlns:a16="http://schemas.microsoft.com/office/drawing/2014/main" id="{30811924-8A9B-D87E-6603-56CEFAD40D23}"/>
-              </a:ext>
-            </a:extLst>
-          </p:cNvPr>
-          <p:cNvSpPr/>
-          <p:nvPr/>
-        </p:nvSpPr>
-        <p:spPr>
-          <a:xfrm>
-            <a:off x="5512808" y="3502773"/>
-            <a:ext cx="1812130" cy="360587"/>
-          </a:xfrm>
-          <a:prstGeom prst="rect">
-            <a:avLst/>
-          </a:prstGeom>
-          <a:solidFill>
-            <a:schemeClr val="accent6">
-              <a:lumMod val="90000"/>
-              <a:alpha val="80000"/>
-            </a:schemeClr>
-          </a:solidFill>
-          <a:ln w="28575">
-            <a:solidFill>
-              <a:schemeClr val="tx2">
-                <a:lumMod val="75000"/>
-              </a:schemeClr>
-            </a:solidFill>
-          </a:ln>
-          <a:effectLst>
-            <a:outerShdw blurRad="76200" dist="12700" dir="8100000" sy="-23000" kx="800400" algn="br" rotWithShape="0">
-              <a:prstClr val="black">
-                <a:alpha val="20000"/>
-              </a:prstClr>
-            </a:outerShdw>
-          </a:effectLst>
-        </p:spPr>
-        <p:style>
-          <a:lnRef idx="0">
-            <a:scrgbClr r="0" g="0" b="0"/>
-          </a:lnRef>
-          <a:fillRef idx="0">
-            <a:scrgbClr r="0" g="0" b="0"/>
-          </a:fillRef>
-          <a:effectRef idx="0">
-            <a:scrgbClr r="0" g="0" b="0"/>
-          </a:effectRef>
-          <a:fontRef idx="minor">
-            <a:schemeClr val="lt1"/>
-          </a:fontRef>
-        </p:style>
-        <p:txBody>
-          <a:bodyPr rtlCol="0" anchor="ctr"/>
-          <a:lstStyle/>
-          <a:p>
-            <a:pPr algn="ctr"/>
-            <a:r>
-              <a:rPr lang="en-US" sz="1100">
-                <a:solidFill>
-                  <a:srgbClr val="0C2126"/>
-                </a:solidFill>
-                <a:latin typeface="Arial" panose="020B0604020202020204"/>
-              </a:rPr>
-              <a:t>Expedited Recruitment</a:t>
-            </a:r>
-          </a:p>
-        </p:txBody>
-      </p:sp>
-      <p:sp>
-        <p:nvSpPr>
-          <p:cNvPr id="96" name="Rectangle 95">
-            <a:extLst>
-              <a:ext uri="{FF2B5EF4-FFF2-40B4-BE49-F238E27FC236}">
-                <a16:creationId xmlns:a16="http://schemas.microsoft.com/office/drawing/2014/main" id="{E219C75F-E836-DEDC-F267-EE4E11218843}"/>
-              </a:ext>
-            </a:extLst>
-          </p:cNvPr>
-          <p:cNvSpPr/>
-          <p:nvPr/>
-        </p:nvSpPr>
-        <p:spPr>
-          <a:xfrm>
-            <a:off x="2903301" y="4783410"/>
-            <a:ext cx="1039511" cy="619923"/>
-          </a:xfrm>
-          <a:prstGeom prst="rect">
-            <a:avLst/>
-          </a:prstGeom>
-          <a:solidFill>
-            <a:schemeClr val="accent6">
-              <a:lumMod val="90000"/>
-              <a:alpha val="80000"/>
-            </a:schemeClr>
-          </a:solidFill>
-          <a:ln w="28575">
-            <a:solidFill>
-              <a:schemeClr val="tx2">
-                <a:lumMod val="75000"/>
-              </a:schemeClr>
-            </a:solidFill>
-          </a:ln>
-          <a:effectLst>
-            <a:outerShdw blurRad="76200" dist="12700" dir="8100000" sy="-23000" kx="800400" algn="br" rotWithShape="0">
-              <a:prstClr val="black">
-                <a:alpha val="20000"/>
-              </a:prstClr>
-            </a:outerShdw>
-          </a:effectLst>
-        </p:spPr>
-        <p:style>
-          <a:lnRef idx="0">
-            <a:scrgbClr r="0" g="0" b="0"/>
-          </a:lnRef>
-          <a:fillRef idx="0">
-            <a:scrgbClr r="0" g="0" b="0"/>
-          </a:fillRef>
-          <a:effectRef idx="0">
-            <a:scrgbClr r="0" g="0" b="0"/>
-          </a:effectRef>
-          <a:fontRef idx="minor">
-            <a:schemeClr val="lt1"/>
-          </a:fontRef>
-        </p:style>
-        <p:txBody>
-          <a:bodyPr rtlCol="0" anchor="ctr"/>
-          <a:lstStyle/>
-          <a:p>
-            <a:pPr marL="0" marR="0" lvl="0" indent="0" algn="ctr" defTabSz="914400" rtl="0" eaLnBrk="1" fontAlgn="auto" latinLnBrk="0" hangingPunct="1">
-              <a:lnSpc>
-                <a:spcPct val="100000"/>
-              </a:lnSpc>
-              <a:spcBef>
-                <a:spcPts val="0"/>
-              </a:spcBef>
-              <a:spcAft>
-                <a:spcPts val="0"/>
-              </a:spcAft>
-              <a:buClrTx/>
-              <a:buSzTx/>
-              <a:buFontTx/>
-              <a:buNone/>
-              <a:tabLst/>
-              <a:defRPr/>
-            </a:pPr>
-            <a:r>
-              <a:rPr kumimoji="0" lang="en-US" sz="1100" b="0" i="0" u="none" strike="noStrike" kern="1200" cap="none" spc="0" normalizeH="0" baseline="0" noProof="0">
-                <a:ln>
-                  <a:noFill/>
-                </a:ln>
-                <a:solidFill>
-                  <a:srgbClr val="0C2126"/>
-                </a:solidFill>
-                <a:effectLst/>
-                <a:uLnTx/>
-                <a:uFillTx/>
-                <a:latin typeface="Arial" panose="020B0604020202020204"/>
-                <a:ea typeface="+mn-ea"/>
-                <a:cs typeface="+mn-cs"/>
-              </a:rPr>
-              <a:t>Improved Operational Efficiency</a:t>
-            </a:r>
-          </a:p>
-        </p:txBody>
-      </p:sp>
-      <p:sp>
-        <p:nvSpPr>
-          <p:cNvPr id="98" name="Rectangle 97">
-            <a:extLst>
-              <a:ext uri="{FF2B5EF4-FFF2-40B4-BE49-F238E27FC236}">
-                <a16:creationId xmlns:a16="http://schemas.microsoft.com/office/drawing/2014/main" id="{4A56ABB3-AB4A-A84E-6A16-226A6D5038D5}"/>
-              </a:ext>
-            </a:extLst>
-          </p:cNvPr>
-          <p:cNvSpPr/>
-          <p:nvPr/>
-        </p:nvSpPr>
-        <p:spPr>
-          <a:xfrm>
-            <a:off x="4703215" y="4300590"/>
-            <a:ext cx="2214009" cy="278464"/>
-          </a:xfrm>
-          <a:prstGeom prst="rect">
-            <a:avLst/>
-          </a:prstGeom>
-          <a:solidFill>
-            <a:schemeClr val="accent6">
-              <a:lumMod val="90000"/>
-              <a:alpha val="80000"/>
-            </a:schemeClr>
-          </a:solidFill>
-          <a:ln w="28575">
-            <a:solidFill>
-              <a:schemeClr val="tx2">
-                <a:lumMod val="75000"/>
-              </a:schemeClr>
-            </a:solidFill>
-          </a:ln>
-          <a:effectLst>
-            <a:outerShdw blurRad="76200" dist="12700" dir="8100000" sy="-23000" kx="800400" algn="br" rotWithShape="0">
-              <a:prstClr val="black">
-                <a:alpha val="20000"/>
-              </a:prstClr>
-            </a:outerShdw>
-          </a:effectLst>
-        </p:spPr>
-        <p:style>
-          <a:lnRef idx="0">
-            <a:scrgbClr r="0" g="0" b="0"/>
-          </a:lnRef>
-          <a:fillRef idx="0">
-            <a:scrgbClr r="0" g="0" b="0"/>
-          </a:fillRef>
-          <a:effectRef idx="0">
-            <a:scrgbClr r="0" g="0" b="0"/>
-          </a:effectRef>
-          <a:fontRef idx="minor">
-            <a:schemeClr val="lt1"/>
-          </a:fontRef>
-        </p:style>
-        <p:txBody>
-          <a:bodyPr rtlCol="0" anchor="ctr"/>
-          <a:lstStyle/>
-          <a:p>
-            <a:pPr marL="0" marR="0" lvl="0" indent="0" algn="ctr" defTabSz="914400" rtl="0" eaLnBrk="1" fontAlgn="auto" latinLnBrk="0" hangingPunct="1">
-              <a:lnSpc>
-                <a:spcPct val="100000"/>
-              </a:lnSpc>
-              <a:spcBef>
-                <a:spcPts val="0"/>
-              </a:spcBef>
-              <a:spcAft>
-                <a:spcPts val="0"/>
-              </a:spcAft>
-              <a:buClrTx/>
-              <a:buSzTx/>
-              <a:buFontTx/>
-              <a:buNone/>
-              <a:tabLst/>
-              <a:defRPr/>
-            </a:pPr>
-            <a:r>
-              <a:rPr kumimoji="0" lang="en-US" sz="1100" b="0" i="0" u="none" strike="noStrike" kern="1200" cap="none" spc="0" normalizeH="0" baseline="0" noProof="0">
-                <a:ln>
-                  <a:noFill/>
-                </a:ln>
-                <a:solidFill>
-                  <a:srgbClr val="0C2126"/>
-                </a:solidFill>
-                <a:effectLst/>
-                <a:uLnTx/>
-                <a:uFillTx/>
-                <a:latin typeface="Arial" panose="020B0604020202020204"/>
-                <a:ea typeface="+mn-ea"/>
-                <a:cs typeface="+mn-cs"/>
-              </a:rPr>
-              <a:t>Budgeting and Forecasting</a:t>
-            </a:r>
-          </a:p>
-        </p:txBody>
-      </p:sp>
-      <p:sp>
-        <p:nvSpPr>
-          <p:cNvPr id="107" name="Rectangle 106">
-            <a:extLst>
-              <a:ext uri="{FF2B5EF4-FFF2-40B4-BE49-F238E27FC236}">
-                <a16:creationId xmlns:a16="http://schemas.microsoft.com/office/drawing/2014/main" id="{939331B1-D5F7-B9CF-9444-842BA592F703}"/>
-              </a:ext>
-            </a:extLst>
-          </p:cNvPr>
-          <p:cNvSpPr/>
-          <p:nvPr/>
-        </p:nvSpPr>
-        <p:spPr>
-          <a:xfrm>
-            <a:off x="2380486" y="2393850"/>
-            <a:ext cx="3526760" cy="391131"/>
-          </a:xfrm>
-          <a:prstGeom prst="rect">
-            <a:avLst/>
-          </a:prstGeom>
-          <a:solidFill>
-            <a:srgbClr val="E9EFF6">
-              <a:alpha val="85098"/>
-            </a:srgbClr>
-          </a:solidFill>
-          <a:ln w="28575">
-            <a:solidFill>
-              <a:schemeClr val="tx2">
-                <a:lumMod val="75000"/>
-              </a:schemeClr>
-            </a:solidFill>
-          </a:ln>
-        </p:spPr>
-        <p:style>
-          <a:lnRef idx="0">
-            <a:scrgbClr r="0" g="0" b="0"/>
-          </a:lnRef>
-          <a:fillRef idx="0">
-            <a:scrgbClr r="0" g="0" b="0"/>
-          </a:fillRef>
-          <a:effectRef idx="0">
-            <a:scrgbClr r="0" g="0" b="0"/>
-          </a:effectRef>
-          <a:fontRef idx="minor">
-            <a:schemeClr val="lt1"/>
-          </a:fontRef>
-        </p:style>
-        <p:txBody>
-          <a:bodyPr rtlCol="0" anchor="ctr"/>
-          <a:lstStyle/>
-          <a:p>
-            <a:pPr marL="0" marR="0" lvl="0" indent="0" algn="ctr" defTabSz="914400" rtl="0" eaLnBrk="1" fontAlgn="auto" latinLnBrk="0" hangingPunct="1">
-              <a:lnSpc>
-                <a:spcPct val="100000"/>
-              </a:lnSpc>
-              <a:spcBef>
-                <a:spcPts val="0"/>
-              </a:spcBef>
-              <a:spcAft>
-                <a:spcPts val="0"/>
-              </a:spcAft>
-              <a:buClrTx/>
-              <a:buSzTx/>
-              <a:buFontTx/>
-              <a:buNone/>
-              <a:tabLst/>
-              <a:defRPr/>
-            </a:pPr>
-            <a:r>
-              <a:rPr kumimoji="0" lang="en-US" sz="1100" b="0" i="0" u="none" strike="noStrike" kern="1200" cap="none" spc="0" normalizeH="0" baseline="0" noProof="0">
-                <a:ln>
-                  <a:noFill/>
-                </a:ln>
-                <a:solidFill>
-                  <a:srgbClr val="0C2126"/>
-                </a:solidFill>
-                <a:effectLst/>
-                <a:uLnTx/>
-                <a:uFillTx/>
-                <a:latin typeface="Arial" panose="020B0604020202020204"/>
-                <a:ea typeface="+mn-ea"/>
-                <a:cs typeface="+mn-cs"/>
-              </a:rPr>
-              <a:t>Efficiencies, Automation, and Analytics</a:t>
-            </a:r>
-          </a:p>
-        </p:txBody>
-      </p:sp>
-      <p:sp>
-        <p:nvSpPr>
-          <p:cNvPr id="108" name="Rectangle: Rounded Corners 107">
-            <a:extLst>
-              <a:ext uri="{FF2B5EF4-FFF2-40B4-BE49-F238E27FC236}">
-                <a16:creationId xmlns:a16="http://schemas.microsoft.com/office/drawing/2014/main" id="{97952A40-7D1B-A35D-C4E4-1EE08B5307DB}"/>
-              </a:ext>
-            </a:extLst>
-          </p:cNvPr>
-          <p:cNvSpPr/>
-          <p:nvPr/>
-        </p:nvSpPr>
-        <p:spPr>
-          <a:xfrm>
-            <a:off x="8701427" y="3040982"/>
-            <a:ext cx="2999607" cy="1484440"/>
-          </a:xfrm>
-          <a:prstGeom prst="roundRect">
-            <a:avLst/>
-          </a:prstGeom>
-          <a:solidFill>
-            <a:schemeClr val="bg1">
-              <a:lumMod val="95000"/>
-            </a:schemeClr>
-          </a:solidFill>
-          <a:ln w="28575">
-            <a:solidFill>
-              <a:srgbClr val="FFFF00"/>
-            </a:solidFill>
-          </a:ln>
-        </p:spPr>
-        <p:style>
-          <a:lnRef idx="2">
-            <a:schemeClr val="accent1">
-              <a:shade val="50000"/>
-            </a:schemeClr>
-          </a:lnRef>
-          <a:fillRef idx="1">
-            <a:schemeClr val="accent1"/>
-          </a:fillRef>
-          <a:effectRef idx="0">
-            <a:schemeClr val="accent1"/>
-          </a:effectRef>
-          <a:fontRef idx="minor">
-            <a:schemeClr val="lt1"/>
-          </a:fontRef>
-        </p:style>
-        <p:txBody>
-          <a:bodyPr rtlCol="0" anchor="ctr"/>
-          <a:lstStyle/>
-          <a:p>
-            <a:pPr marL="0" marR="0" lvl="0" indent="0" algn="ctr" defTabSz="914400" rtl="0" eaLnBrk="1" fontAlgn="auto" latinLnBrk="0" hangingPunct="1">
-              <a:lnSpc>
-                <a:spcPts val="1100"/>
-              </a:lnSpc>
-              <a:spcBef>
-                <a:spcPts val="0"/>
-              </a:spcBef>
-              <a:spcAft>
-                <a:spcPts val="0"/>
-              </a:spcAft>
-              <a:buClrTx/>
-              <a:buSzTx/>
-              <a:buFontTx/>
-              <a:buNone/>
-              <a:tabLst/>
-              <a:defRPr/>
-            </a:pPr>
-            <a:r>
-              <a:rPr kumimoji="0" lang="en-US" sz="1400" b="1" i="0" u="none" strike="noStrike" kern="1200" cap="none" spc="0" normalizeH="0" baseline="0" noProof="0" dirty="0">
-                <a:ln>
-                  <a:noFill/>
-                </a:ln>
-                <a:solidFill>
-                  <a:srgbClr val="5D707F">
-                    <a:lumMod val="75000"/>
-                  </a:srgbClr>
-                </a:solidFill>
-                <a:effectLst/>
-                <a:uLnTx/>
-                <a:uFillTx/>
-                <a:latin typeface="Arial" panose="020B0604020202020204"/>
-              </a:rPr>
-              <a:t>Above the waterline are use cases currently addressed by this Implementation</a:t>
-            </a:r>
-            <a:r>
-              <a:rPr kumimoji="0" lang="en-US" sz="1400" b="1" i="0" u="none" strike="noStrike" kern="1200" cap="none" spc="0" normalizeH="0" noProof="0" dirty="0">
-                <a:ln>
-                  <a:noFill/>
-                </a:ln>
-                <a:solidFill>
-                  <a:srgbClr val="5D707F">
-                    <a:lumMod val="75000"/>
-                  </a:srgbClr>
-                </a:solidFill>
-                <a:effectLst/>
-                <a:uLnTx/>
-                <a:uFillTx/>
-                <a:latin typeface="Arial" panose="020B0604020202020204"/>
-              </a:rPr>
-              <a:t> guide.</a:t>
-            </a:r>
-          </a:p>
-          <a:p>
-            <a:pPr marL="0" marR="0" lvl="0" indent="0" algn="ctr" defTabSz="914400" rtl="0" eaLnBrk="1" fontAlgn="auto" latinLnBrk="0" hangingPunct="1">
-              <a:lnSpc>
-                <a:spcPts val="1100"/>
-              </a:lnSpc>
-              <a:spcBef>
-                <a:spcPts val="0"/>
-              </a:spcBef>
-              <a:spcAft>
-                <a:spcPts val="0"/>
-              </a:spcAft>
-              <a:buClrTx/>
-              <a:buSzTx/>
-              <a:buFontTx/>
-              <a:buNone/>
-              <a:tabLst/>
-              <a:defRPr/>
-            </a:pPr>
-            <a:endParaRPr lang="en-US" sz="1400" b="1" baseline="0" dirty="0">
-              <a:solidFill>
-                <a:srgbClr val="5D707F">
-                  <a:lumMod val="75000"/>
-                </a:srgbClr>
-              </a:solidFill>
-              <a:latin typeface="Arial" panose="020B0604020202020204"/>
-            </a:endParaRPr>
-          </a:p>
-          <a:p>
-            <a:pPr marL="0" marR="0" lvl="0" indent="0" algn="ctr" defTabSz="914400" rtl="0" eaLnBrk="1" fontAlgn="auto" latinLnBrk="0" hangingPunct="1">
-              <a:lnSpc>
-                <a:spcPts val="1100"/>
-              </a:lnSpc>
-              <a:spcBef>
-                <a:spcPts val="0"/>
-              </a:spcBef>
-              <a:spcAft>
-                <a:spcPts val="0"/>
-              </a:spcAft>
-              <a:buClrTx/>
-              <a:buSzTx/>
-              <a:buFontTx/>
-              <a:buNone/>
-              <a:tabLst/>
-              <a:defRPr/>
-            </a:pPr>
-            <a:r>
-              <a:rPr kumimoji="0" lang="en-US" sz="1400" b="1" i="0" u="none" strike="noStrike" kern="1200" cap="none" spc="0" normalizeH="0" noProof="0" dirty="0">
-                <a:ln>
-                  <a:noFill/>
-                </a:ln>
-                <a:solidFill>
-                  <a:srgbClr val="5D707F">
-                    <a:lumMod val="75000"/>
-                  </a:srgbClr>
-                </a:solidFill>
-                <a:effectLst/>
-                <a:uLnTx/>
-                <a:uFillTx/>
-                <a:latin typeface="Arial" panose="020B0604020202020204"/>
-              </a:rPr>
-              <a:t>Below the waterline </a:t>
-            </a:r>
-            <a:r>
-              <a:rPr kumimoji="0" lang="en-US" sz="1400" b="1" i="0" u="none" strike="noStrike" kern="1200" cap="none" spc="0" normalizeH="0" baseline="0" noProof="0" dirty="0">
-                <a:ln>
-                  <a:noFill/>
-                </a:ln>
-                <a:solidFill>
-                  <a:srgbClr val="5D707F">
-                    <a:lumMod val="75000"/>
-                  </a:srgbClr>
-                </a:solidFill>
-                <a:effectLst/>
-                <a:uLnTx/>
-                <a:uFillTx/>
-                <a:latin typeface="Arial" panose="020B0604020202020204"/>
-              </a:rPr>
-              <a:t>are an illustration of future use cases for which UDP may develop an</a:t>
-            </a:r>
-            <a:r>
-              <a:rPr kumimoji="0" lang="en-US" sz="1400" b="1" i="0" u="none" strike="noStrike" kern="1200" cap="none" spc="0" normalizeH="0" noProof="0" dirty="0">
-                <a:ln>
-                  <a:noFill/>
-                </a:ln>
-                <a:solidFill>
-                  <a:srgbClr val="5D707F">
-                    <a:lumMod val="75000"/>
-                  </a:srgbClr>
-                </a:solidFill>
-                <a:effectLst/>
-                <a:uLnTx/>
-                <a:uFillTx/>
-                <a:latin typeface="Arial" panose="020B0604020202020204"/>
-              </a:rPr>
-              <a:t> implementation guide</a:t>
-            </a:r>
-            <a:endParaRPr kumimoji="0" lang="en-US" sz="1400" b="1" i="0" u="none" strike="noStrike" kern="1200" cap="none" spc="0" normalizeH="0" baseline="0" noProof="0" dirty="0">
-              <a:ln>
-                <a:noFill/>
-              </a:ln>
-              <a:solidFill>
-                <a:srgbClr val="5D707F">
-                  <a:lumMod val="75000"/>
-                </a:srgbClr>
-              </a:solidFill>
-              <a:effectLst/>
-              <a:uLnTx/>
-              <a:uFillTx/>
-              <a:latin typeface="Arial" panose="020B0604020202020204"/>
-            </a:endParaRPr>
-          </a:p>
-        </p:txBody>
-      </p:sp>
-      <p:sp>
-        <p:nvSpPr>
-          <p:cNvPr id="171" name="Rectangle 170">
-            <a:extLst>
-              <a:ext uri="{FF2B5EF4-FFF2-40B4-BE49-F238E27FC236}">
-                <a16:creationId xmlns:a16="http://schemas.microsoft.com/office/drawing/2014/main" id="{4E5AA768-A19D-E866-2AC7-106A8AB416F1}"/>
-              </a:ext>
-            </a:extLst>
-          </p:cNvPr>
-          <p:cNvSpPr/>
-          <p:nvPr/>
-        </p:nvSpPr>
-        <p:spPr>
-          <a:xfrm>
-            <a:off x="3033480" y="646791"/>
-            <a:ext cx="2147182" cy="433738"/>
-          </a:xfrm>
-          <a:prstGeom prst="rect">
-            <a:avLst/>
-          </a:prstGeom>
-          <a:solidFill>
-            <a:schemeClr val="accent5">
-              <a:alpha val="73000"/>
-            </a:schemeClr>
-          </a:solidFill>
-          <a:ln w="28575">
-            <a:solidFill>
-              <a:srgbClr val="972727"/>
-            </a:solidFill>
-          </a:ln>
-          <a:effectLst>
-            <a:outerShdw blurRad="76200" dist="12700" dir="8100000" sy="-23000" kx="800400" algn="br" rotWithShape="0">
-              <a:prstClr val="black">
-                <a:alpha val="20000"/>
-              </a:prstClr>
-            </a:outerShdw>
-          </a:effectLst>
-        </p:spPr>
-        <p:style>
-          <a:lnRef idx="0">
-            <a:scrgbClr r="0" g="0" b="0"/>
-          </a:lnRef>
-          <a:fillRef idx="0">
-            <a:scrgbClr r="0" g="0" b="0"/>
-          </a:fillRef>
-          <a:effectRef idx="0">
-            <a:scrgbClr r="0" g="0" b="0"/>
-          </a:effectRef>
-          <a:fontRef idx="minor">
-            <a:schemeClr val="lt1"/>
-          </a:fontRef>
-        </p:style>
-        <p:txBody>
-          <a:bodyPr rtlCol="0" anchor="ctr"/>
-          <a:lstStyle/>
-          <a:p>
-            <a:pPr marL="0" marR="0" lvl="0" indent="0" algn="ctr" defTabSz="914400" rtl="0" eaLnBrk="1" fontAlgn="auto" latinLnBrk="0" hangingPunct="1">
-              <a:lnSpc>
-                <a:spcPct val="100000"/>
-              </a:lnSpc>
-              <a:spcBef>
-                <a:spcPts val="0"/>
-              </a:spcBef>
-              <a:spcAft>
-                <a:spcPts val="0"/>
-              </a:spcAft>
-              <a:buClrTx/>
-              <a:buSzTx/>
-              <a:buFontTx/>
-              <a:buNone/>
-              <a:tabLst/>
-              <a:defRPr/>
-            </a:pPr>
-            <a:r>
-              <a:rPr kumimoji="0" lang="en-US" sz="1100" b="0" i="0" u="none" strike="noStrike" kern="1200" cap="none" spc="0" normalizeH="0" baseline="0" noProof="0">
-                <a:ln>
-                  <a:noFill/>
-                </a:ln>
-                <a:solidFill>
-                  <a:srgbClr val="0C2126"/>
-                </a:solidFill>
-                <a:effectLst/>
-                <a:uLnTx/>
-                <a:uFillTx/>
-                <a:latin typeface="Arial" panose="020B0604020202020204"/>
-                <a:ea typeface="+mn-ea"/>
-                <a:cs typeface="+mn-cs"/>
-              </a:rPr>
-              <a:t>Streamlined Structured Document Creation</a:t>
-            </a:r>
-          </a:p>
-        </p:txBody>
-      </p:sp>
-      <p:sp>
-        <p:nvSpPr>
-          <p:cNvPr id="172" name="Rectangle: Rounded Corners 171">
-            <a:extLst>
-              <a:ext uri="{FF2B5EF4-FFF2-40B4-BE49-F238E27FC236}">
-                <a16:creationId xmlns:a16="http://schemas.microsoft.com/office/drawing/2014/main" id="{4857F154-B859-0F22-D307-B07E800D6BD3}"/>
-              </a:ext>
-            </a:extLst>
-          </p:cNvPr>
-          <p:cNvSpPr/>
-          <p:nvPr/>
-        </p:nvSpPr>
-        <p:spPr>
-          <a:xfrm>
-            <a:off x="6494003" y="1008795"/>
-            <a:ext cx="3520620" cy="967107"/>
-          </a:xfrm>
-          <a:prstGeom prst="roundRect">
-            <a:avLst/>
-          </a:prstGeom>
-          <a:solidFill>
-            <a:schemeClr val="bg1"/>
-          </a:solidFill>
-          <a:ln w="28575">
-            <a:solidFill>
-              <a:srgbClr val="972727"/>
-            </a:solidFill>
-          </a:ln>
-          <a:effectLst/>
-        </p:spPr>
-        <p:style>
-          <a:lnRef idx="0">
-            <a:scrgbClr r="0" g="0" b="0"/>
-          </a:lnRef>
-          <a:fillRef idx="0">
-            <a:scrgbClr r="0" g="0" b="0"/>
-          </a:fillRef>
-          <a:effectRef idx="0">
-            <a:scrgbClr r="0" g="0" b="0"/>
-          </a:effectRef>
-          <a:fontRef idx="minor">
-            <a:schemeClr val="lt1"/>
-          </a:fontRef>
-        </p:style>
-        <p:txBody>
-          <a:bodyPr rtlCol="0" anchor="ctr"/>
-          <a:lstStyle/>
-          <a:p>
-            <a:pPr marL="78358" marR="0" lvl="0" indent="-78358" algn="l" defTabSz="914400" rtl="0" eaLnBrk="1" fontAlgn="auto" latinLnBrk="0" hangingPunct="1">
-              <a:lnSpc>
-                <a:spcPts val="1100"/>
-              </a:lnSpc>
-              <a:spcBef>
-                <a:spcPts val="0"/>
-              </a:spcBef>
-              <a:spcAft>
-                <a:spcPts val="0"/>
-              </a:spcAft>
-              <a:buClrTx/>
-              <a:buSzTx/>
-              <a:buFont typeface="Arial" panose="020B0604020202020204" pitchFamily="34" charset="0"/>
-              <a:buChar char="•"/>
-              <a:tabLst/>
-              <a:defRPr/>
-            </a:pPr>
-            <a:r>
-              <a:rPr kumimoji="0" lang="en-US" sz="1100" b="0" i="0" u="none" strike="noStrike" kern="1200" cap="none" spc="0" normalizeH="0" baseline="0" noProof="0">
-                <a:ln>
-                  <a:noFill/>
-                </a:ln>
-                <a:solidFill>
-                  <a:srgbClr val="5D707F">
-                    <a:lumMod val="75000"/>
-                  </a:srgbClr>
-                </a:solidFill>
-                <a:effectLst/>
-                <a:uLnTx/>
-                <a:uFillTx/>
-                <a:latin typeface="Arial" panose="020B0604020202020204"/>
-                <a:ea typeface="+mn-ea"/>
-                <a:cs typeface="+mn-cs"/>
-              </a:rPr>
-              <a:t>Standardized templates for protocols</a:t>
-            </a:r>
-          </a:p>
-          <a:p>
-            <a:pPr marL="78358" marR="0" lvl="0" indent="-78358" algn="l" defTabSz="914400" rtl="0" eaLnBrk="1" fontAlgn="auto" latinLnBrk="0" hangingPunct="1">
-              <a:lnSpc>
-                <a:spcPts val="1100"/>
-              </a:lnSpc>
-              <a:spcBef>
-                <a:spcPts val="0"/>
-              </a:spcBef>
-              <a:spcAft>
-                <a:spcPts val="0"/>
-              </a:spcAft>
-              <a:buClrTx/>
-              <a:buSzTx/>
-              <a:buFont typeface="Arial" panose="020B0604020202020204" pitchFamily="34" charset="0"/>
-              <a:buChar char="•"/>
-              <a:tabLst/>
-              <a:defRPr/>
-            </a:pPr>
-            <a:r>
-              <a:rPr kumimoji="0" lang="en-US" sz="1100" b="0" i="0" u="none" strike="noStrike" kern="1200" cap="none" spc="0" normalizeH="0" baseline="0" noProof="0">
-                <a:ln>
-                  <a:noFill/>
-                </a:ln>
-                <a:solidFill>
-                  <a:srgbClr val="5D707F">
-                    <a:lumMod val="75000"/>
-                  </a:srgbClr>
-                </a:solidFill>
-                <a:effectLst/>
-                <a:uLnTx/>
-                <a:uFillTx/>
-                <a:latin typeface="Arial" panose="020B0604020202020204"/>
-                <a:ea typeface="+mn-ea"/>
-                <a:cs typeface="+mn-cs"/>
-              </a:rPr>
-              <a:t>Automated population of key fields using metadata</a:t>
-            </a:r>
-          </a:p>
-          <a:p>
-            <a:pPr marL="78358" marR="0" lvl="0" indent="-78358" algn="l" defTabSz="914400" rtl="0" eaLnBrk="1" fontAlgn="auto" latinLnBrk="0" hangingPunct="1">
-              <a:lnSpc>
-                <a:spcPts val="1100"/>
-              </a:lnSpc>
-              <a:spcBef>
-                <a:spcPts val="0"/>
-              </a:spcBef>
-              <a:spcAft>
-                <a:spcPts val="0"/>
-              </a:spcAft>
-              <a:buClrTx/>
-              <a:buSzTx/>
-              <a:buFont typeface="Arial" panose="020B0604020202020204" pitchFamily="34" charset="0"/>
-              <a:buChar char="•"/>
-              <a:tabLst/>
-              <a:defRPr/>
-            </a:pPr>
-            <a:r>
-              <a:rPr kumimoji="0" lang="en-US" sz="1100" b="0" i="0" u="none" strike="noStrike" kern="1200" cap="none" spc="0" normalizeH="0" baseline="0" noProof="0">
-                <a:ln>
-                  <a:noFill/>
-                </a:ln>
-                <a:solidFill>
-                  <a:srgbClr val="5D707F">
-                    <a:lumMod val="75000"/>
-                  </a:srgbClr>
-                </a:solidFill>
-                <a:effectLst/>
-                <a:uLnTx/>
-                <a:uFillTx/>
-                <a:latin typeface="Arial" panose="020B0604020202020204"/>
-                <a:ea typeface="+mn-ea"/>
-                <a:cs typeface="+mn-cs"/>
-              </a:rPr>
-              <a:t>Reduced human errors</a:t>
-            </a:r>
-          </a:p>
-          <a:p>
-            <a:pPr marL="78358" marR="0" lvl="0" indent="-78358" algn="l" defTabSz="914400" rtl="0" eaLnBrk="1" fontAlgn="auto" latinLnBrk="0" hangingPunct="1">
-              <a:lnSpc>
-                <a:spcPts val="1100"/>
-              </a:lnSpc>
-              <a:spcBef>
-                <a:spcPts val="0"/>
-              </a:spcBef>
-              <a:spcAft>
-                <a:spcPts val="0"/>
-              </a:spcAft>
-              <a:buClrTx/>
-              <a:buSzTx/>
-              <a:buFont typeface="Arial" panose="020B0604020202020204" pitchFamily="34" charset="0"/>
-              <a:buChar char="•"/>
-              <a:tabLst/>
-              <a:defRPr/>
-            </a:pPr>
-            <a:r>
-              <a:rPr kumimoji="0" lang="en-US" sz="1100" b="0" i="0" u="none" strike="noStrike" kern="1200" cap="none" spc="0" normalizeH="0" baseline="0" noProof="0">
-                <a:ln>
-                  <a:noFill/>
-                </a:ln>
-                <a:solidFill>
-                  <a:srgbClr val="5D707F">
-                    <a:lumMod val="75000"/>
-                  </a:srgbClr>
-                </a:solidFill>
-                <a:effectLst/>
-                <a:uLnTx/>
-                <a:uFillTx/>
-                <a:latin typeface="Arial" panose="020B0604020202020204"/>
-                <a:ea typeface="+mn-ea"/>
-                <a:cs typeface="+mn-cs"/>
-              </a:rPr>
-              <a:t>Real time updates/input</a:t>
-            </a:r>
-          </a:p>
-          <a:p>
-            <a:pPr marL="78358" marR="0" lvl="0" indent="-78358" algn="l" defTabSz="914400" rtl="0" eaLnBrk="1" fontAlgn="auto" latinLnBrk="0" hangingPunct="1">
-              <a:lnSpc>
-                <a:spcPts val="1100"/>
-              </a:lnSpc>
-              <a:spcBef>
-                <a:spcPts val="0"/>
-              </a:spcBef>
-              <a:spcAft>
-                <a:spcPts val="0"/>
-              </a:spcAft>
-              <a:buClrTx/>
-              <a:buSzTx/>
-              <a:buFont typeface="Arial" panose="020B0604020202020204" pitchFamily="34" charset="0"/>
-              <a:buChar char="•"/>
-              <a:tabLst/>
-              <a:defRPr/>
-            </a:pPr>
-            <a:r>
-              <a:rPr kumimoji="0" lang="en-US" sz="1100" b="0" i="0" u="none" strike="noStrike" kern="1200" cap="none" spc="0" normalizeH="0" baseline="0" noProof="0">
-                <a:ln>
-                  <a:noFill/>
-                </a:ln>
-                <a:solidFill>
-                  <a:srgbClr val="5D707F">
-                    <a:lumMod val="75000"/>
-                  </a:srgbClr>
-                </a:solidFill>
-                <a:effectLst/>
-                <a:uLnTx/>
-                <a:uFillTx/>
-                <a:latin typeface="Arial" panose="020B0604020202020204"/>
-                <a:ea typeface="+mn-ea"/>
-                <a:cs typeface="+mn-cs"/>
-              </a:rPr>
-              <a:t>Improved collaboration/version control</a:t>
-            </a:r>
-          </a:p>
-          <a:p>
-            <a:pPr marL="78358" marR="0" lvl="0" indent="-78358" algn="l" defTabSz="914400" rtl="0" eaLnBrk="1" fontAlgn="auto" latinLnBrk="0" hangingPunct="1">
-              <a:lnSpc>
-                <a:spcPts val="1100"/>
-              </a:lnSpc>
-              <a:spcBef>
-                <a:spcPts val="0"/>
-              </a:spcBef>
-              <a:spcAft>
-                <a:spcPts val="0"/>
-              </a:spcAft>
-              <a:buClrTx/>
-              <a:buSzTx/>
-              <a:buFont typeface="Arial" panose="020B0604020202020204" pitchFamily="34" charset="0"/>
-              <a:buChar char="•"/>
-              <a:tabLst/>
-              <a:defRPr/>
-            </a:pPr>
-            <a:r>
-              <a:rPr kumimoji="0" lang="en-US" sz="1100" b="0" i="0" u="none" strike="noStrike" kern="1200" cap="none" spc="0" normalizeH="0" baseline="0" noProof="0">
-                <a:ln>
-                  <a:noFill/>
-                </a:ln>
-                <a:solidFill>
-                  <a:srgbClr val="5D707F">
-                    <a:lumMod val="75000"/>
-                  </a:srgbClr>
-                </a:solidFill>
-                <a:effectLst/>
-                <a:uLnTx/>
-                <a:uFillTx/>
-                <a:latin typeface="Arial" panose="020B0604020202020204"/>
-                <a:ea typeface="+mn-ea"/>
-                <a:cs typeface="+mn-cs"/>
-              </a:rPr>
-              <a:t>Reduced time spent drafting protocols</a:t>
-            </a:r>
-          </a:p>
-        </p:txBody>
-      </p:sp>
-      <p:sp>
-        <p:nvSpPr>
-          <p:cNvPr id="173" name="Rectangle 172">
-            <a:extLst>
-              <a:ext uri="{FF2B5EF4-FFF2-40B4-BE49-F238E27FC236}">
-                <a16:creationId xmlns:a16="http://schemas.microsoft.com/office/drawing/2014/main" id="{36F6FC59-3F2C-A5B2-E57E-A064D4C71A33}"/>
-              </a:ext>
-            </a:extLst>
-          </p:cNvPr>
-          <p:cNvSpPr/>
-          <p:nvPr/>
-        </p:nvSpPr>
-        <p:spPr>
-          <a:xfrm>
-            <a:off x="3033480" y="154711"/>
-            <a:ext cx="2147182" cy="429158"/>
-          </a:xfrm>
-          <a:prstGeom prst="rect">
-            <a:avLst/>
-          </a:prstGeom>
-          <a:solidFill>
-            <a:schemeClr val="accent5">
-              <a:alpha val="73000"/>
-            </a:schemeClr>
-          </a:solidFill>
-          <a:ln w="28575">
-            <a:solidFill>
-              <a:srgbClr val="972727"/>
-            </a:solidFill>
-          </a:ln>
-          <a:effectLst>
-            <a:outerShdw blurRad="76200" dist="12700" dir="8100000" sy="-23000" kx="800400" algn="br" rotWithShape="0">
-              <a:prstClr val="black">
-                <a:alpha val="20000"/>
-              </a:prstClr>
-            </a:outerShdw>
-          </a:effectLst>
-        </p:spPr>
-        <p:style>
-          <a:lnRef idx="0">
-            <a:scrgbClr r="0" g="0" b="0"/>
-          </a:lnRef>
-          <a:fillRef idx="0">
-            <a:scrgbClr r="0" g="0" b="0"/>
-          </a:fillRef>
-          <a:effectRef idx="0">
-            <a:scrgbClr r="0" g="0" b="0"/>
-          </a:effectRef>
-          <a:fontRef idx="minor">
-            <a:schemeClr val="lt1"/>
-          </a:fontRef>
-        </p:style>
-        <p:txBody>
-          <a:bodyPr rtlCol="0" anchor="ctr"/>
-          <a:lstStyle/>
-          <a:p>
-            <a:pPr marL="0" marR="0" lvl="0" indent="0" algn="ctr" defTabSz="914400" rtl="0" eaLnBrk="1" fontAlgn="auto" latinLnBrk="0" hangingPunct="1">
-              <a:lnSpc>
-                <a:spcPct val="100000"/>
-              </a:lnSpc>
-              <a:spcBef>
-                <a:spcPts val="0"/>
-              </a:spcBef>
-              <a:spcAft>
-                <a:spcPts val="0"/>
-              </a:spcAft>
-              <a:buClrTx/>
-              <a:buSzTx/>
-              <a:buFontTx/>
-              <a:buNone/>
-              <a:tabLst/>
-              <a:defRPr/>
-            </a:pPr>
-            <a:r>
-              <a:rPr kumimoji="0" lang="en-US" sz="1100" b="0" i="0" u="none" strike="noStrike" kern="1200" cap="none" spc="0" normalizeH="0" baseline="0" noProof="0">
-                <a:ln>
-                  <a:noFill/>
-                </a:ln>
-                <a:solidFill>
-                  <a:srgbClr val="0C2126"/>
-                </a:solidFill>
-                <a:effectLst/>
-                <a:uLnTx/>
-                <a:uFillTx/>
-                <a:latin typeface="Arial" panose="020B0604020202020204"/>
-                <a:ea typeface="+mn-ea"/>
-                <a:cs typeface="+mn-cs"/>
-              </a:rPr>
-              <a:t>ICH M11 Aligned Document Transmission </a:t>
-            </a:r>
-          </a:p>
-        </p:txBody>
-      </p:sp>
-      <p:sp>
-        <p:nvSpPr>
-          <p:cNvPr id="174" name="Rectangle: Rounded Corners 173">
-            <a:extLst>
-              <a:ext uri="{FF2B5EF4-FFF2-40B4-BE49-F238E27FC236}">
-                <a16:creationId xmlns:a16="http://schemas.microsoft.com/office/drawing/2014/main" id="{FA962685-B0EF-BCDC-7F5B-42E9BEABDFBB}"/>
-              </a:ext>
-            </a:extLst>
-          </p:cNvPr>
-          <p:cNvSpPr/>
-          <p:nvPr/>
-        </p:nvSpPr>
-        <p:spPr>
-          <a:xfrm>
-            <a:off x="6494003" y="73126"/>
-            <a:ext cx="3520620" cy="586353"/>
-          </a:xfrm>
-          <a:prstGeom prst="roundRect">
-            <a:avLst/>
-          </a:prstGeom>
-          <a:solidFill>
-            <a:schemeClr val="bg1"/>
-          </a:solidFill>
-          <a:ln w="28575">
-            <a:solidFill>
-              <a:srgbClr val="972727"/>
-            </a:solidFill>
-          </a:ln>
-          <a:effectLst/>
-        </p:spPr>
-        <p:style>
-          <a:lnRef idx="0">
-            <a:scrgbClr r="0" g="0" b="0"/>
-          </a:lnRef>
-          <a:fillRef idx="0">
-            <a:scrgbClr r="0" g="0" b="0"/>
-          </a:fillRef>
-          <a:effectRef idx="0">
-            <a:scrgbClr r="0" g="0" b="0"/>
-          </a:effectRef>
-          <a:fontRef idx="minor">
-            <a:schemeClr val="lt1"/>
-          </a:fontRef>
-        </p:style>
-        <p:txBody>
-          <a:bodyPr rtlCol="0" anchor="ctr"/>
-          <a:lstStyle/>
-          <a:p>
-            <a:pPr marL="78358" marR="0" lvl="0" indent="-78358" algn="l" defTabSz="914400" rtl="0" eaLnBrk="1" fontAlgn="auto" latinLnBrk="0" hangingPunct="1">
-              <a:lnSpc>
-                <a:spcPts val="1100"/>
-              </a:lnSpc>
-              <a:spcBef>
-                <a:spcPts val="0"/>
-              </a:spcBef>
-              <a:spcAft>
-                <a:spcPts val="0"/>
-              </a:spcAft>
-              <a:buClrTx/>
-              <a:buSzTx/>
-              <a:buFont typeface="Arial" panose="020B0604020202020204" pitchFamily="34" charset="0"/>
-              <a:buChar char="•"/>
-              <a:tabLst/>
-              <a:defRPr/>
-            </a:pPr>
-            <a:r>
-              <a:rPr kumimoji="0" lang="en-US" sz="1100" b="0" i="0" u="none" strike="noStrike" kern="1200" cap="none" spc="0" normalizeH="0" baseline="0" noProof="0">
-                <a:ln>
-                  <a:noFill/>
-                </a:ln>
-                <a:solidFill>
-                  <a:srgbClr val="5D707F">
-                    <a:lumMod val="75000"/>
-                  </a:srgbClr>
-                </a:solidFill>
-                <a:effectLst/>
-                <a:uLnTx/>
-                <a:uFillTx/>
-                <a:latin typeface="Arial" panose="020B0604020202020204"/>
-                <a:ea typeface="+mn-ea"/>
-                <a:cs typeface="+mn-cs"/>
-              </a:rPr>
-              <a:t>Align with evolving regulatory requirements</a:t>
-            </a:r>
-          </a:p>
-          <a:p>
-            <a:pPr marL="78358" marR="0" lvl="0" indent="-78358" algn="l" defTabSz="914400" rtl="0" eaLnBrk="1" fontAlgn="auto" latinLnBrk="0" hangingPunct="1">
-              <a:lnSpc>
-                <a:spcPts val="1100"/>
-              </a:lnSpc>
-              <a:spcBef>
-                <a:spcPts val="0"/>
-              </a:spcBef>
-              <a:spcAft>
-                <a:spcPts val="0"/>
-              </a:spcAft>
-              <a:buClrTx/>
-              <a:buSzTx/>
-              <a:buFont typeface="Arial" panose="020B0604020202020204" pitchFamily="34" charset="0"/>
-              <a:buChar char="•"/>
-              <a:tabLst/>
-              <a:defRPr/>
-            </a:pPr>
-            <a:r>
-              <a:rPr kumimoji="0" lang="en-US" sz="1100" b="0" i="0" u="none" strike="noStrike" kern="1200" cap="none" spc="0" normalizeH="0" baseline="0" noProof="0">
-                <a:ln>
-                  <a:noFill/>
-                </a:ln>
-                <a:solidFill>
-                  <a:srgbClr val="5D707F">
-                    <a:lumMod val="75000"/>
-                  </a:srgbClr>
-                </a:solidFill>
-                <a:effectLst/>
-                <a:uLnTx/>
-                <a:uFillTx/>
-                <a:latin typeface="Arial" panose="020B0604020202020204"/>
-                <a:ea typeface="+mn-ea"/>
-                <a:cs typeface="+mn-cs"/>
-              </a:rPr>
-              <a:t>Secure transfer of sensitive information</a:t>
-            </a:r>
-          </a:p>
-          <a:p>
-            <a:pPr marL="78358" marR="0" lvl="0" indent="-78358" algn="l" defTabSz="914400" rtl="0" eaLnBrk="1" fontAlgn="auto" latinLnBrk="0" hangingPunct="1">
-              <a:lnSpc>
-                <a:spcPts val="1100"/>
-              </a:lnSpc>
-              <a:spcBef>
-                <a:spcPts val="0"/>
-              </a:spcBef>
-              <a:spcAft>
-                <a:spcPts val="0"/>
-              </a:spcAft>
-              <a:buClrTx/>
-              <a:buSzTx/>
-              <a:buFont typeface="Arial" panose="020B0604020202020204" pitchFamily="34" charset="0"/>
-              <a:buChar char="•"/>
-              <a:tabLst/>
-              <a:defRPr/>
-            </a:pPr>
-            <a:r>
-              <a:rPr kumimoji="0" lang="en-US" sz="1100" b="0" i="0" u="none" strike="noStrike" kern="1200" cap="none" spc="0" normalizeH="0" baseline="0" noProof="0">
-                <a:ln>
-                  <a:noFill/>
-                </a:ln>
-                <a:solidFill>
-                  <a:srgbClr val="5D707F">
-                    <a:lumMod val="75000"/>
-                  </a:srgbClr>
-                </a:solidFill>
-                <a:effectLst/>
-                <a:uLnTx/>
-                <a:uFillTx/>
-                <a:latin typeface="Arial" panose="020B0604020202020204"/>
-                <a:ea typeface="+mn-ea"/>
-                <a:cs typeface="+mn-cs"/>
-              </a:rPr>
-              <a:t>Efficient exchange with additional stakeholders</a:t>
-            </a:r>
-          </a:p>
-        </p:txBody>
-      </p:sp>
-      <p:cxnSp>
-        <p:nvCxnSpPr>
-          <p:cNvPr id="177" name="Straight Connector 176">
-            <a:extLst>
-              <a:ext uri="{FF2B5EF4-FFF2-40B4-BE49-F238E27FC236}">
-                <a16:creationId xmlns:a16="http://schemas.microsoft.com/office/drawing/2014/main" id="{D69A06CF-E346-2F89-B5B1-1D6228591B18}"/>
-              </a:ext>
-            </a:extLst>
-          </p:cNvPr>
-          <p:cNvCxnSpPr>
-            <a:cxnSpLocks/>
-            <a:stCxn id="173" idx="3"/>
-            <a:endCxn id="174" idx="1"/>
-          </p:cNvCxnSpPr>
-          <p:nvPr/>
-        </p:nvCxnSpPr>
-        <p:spPr>
-          <a:xfrm flipV="1">
-            <a:off x="5180662" y="366303"/>
-            <a:ext cx="1313341" cy="2987"/>
-          </a:xfrm>
-          <a:prstGeom prst="line">
-            <a:avLst/>
-          </a:prstGeom>
-          <a:solidFill>
-            <a:schemeClr val="accent5">
-              <a:alpha val="50000"/>
-            </a:schemeClr>
-          </a:solidFill>
-          <a:ln w="28575">
-            <a:solidFill>
-              <a:srgbClr val="972727"/>
-            </a:solidFill>
-          </a:ln>
-          <a:effectLst>
-            <a:outerShdw blurRad="76200" dist="12700" dir="8100000" sy="-23000" kx="800400" algn="br" rotWithShape="0">
-              <a:prstClr val="black">
-                <a:alpha val="20000"/>
-              </a:prstClr>
-            </a:outerShdw>
-          </a:effectLst>
-        </p:spPr>
-        <p:style>
-          <a:lnRef idx="0">
-            <a:scrgbClr r="0" g="0" b="0"/>
-          </a:lnRef>
-          <a:fillRef idx="0">
-            <a:scrgbClr r="0" g="0" b="0"/>
-          </a:fillRef>
-          <a:effectRef idx="0">
-            <a:scrgbClr r="0" g="0" b="0"/>
-          </a:effectRef>
-          <a:fontRef idx="minor">
-            <a:schemeClr val="lt1"/>
-          </a:fontRef>
-        </p:style>
-      </p:cxnSp>
-      <p:pic>
-        <p:nvPicPr>
-          <p:cNvPr id="4" name="Graphic 3" descr="Badge Question Mark with solid fill">
-            <a:extLst>
-              <a:ext uri="{FF2B5EF4-FFF2-40B4-BE49-F238E27FC236}">
-                <a16:creationId xmlns:a16="http://schemas.microsoft.com/office/drawing/2014/main" id="{929C3D56-5E84-BE3F-31D0-44F74284DE2F}"/>
-              </a:ext>
-            </a:extLst>
-          </p:cNvPr>
-          <p:cNvPicPr>
-            <a:picLocks noChangeAspect="1"/>
-          </p:cNvPicPr>
-          <p:nvPr/>
-        </p:nvPicPr>
-        <p:blipFill>
-          <a:blip r:embed="rId4">
-            <a:extLst>
-              <a:ext uri="{96DAC541-7B7A-43D3-8B79-37D633B846F1}">
-                <asvg:svgBlip xmlns:asvg="http://schemas.microsoft.com/office/drawing/2016/SVG/main" r:embed="rId5"/>
-              </a:ext>
-            </a:extLst>
-          </a:blip>
-          <a:stretch>
-            <a:fillRect/>
-          </a:stretch>
-        </p:blipFill>
-        <p:spPr>
-          <a:xfrm>
-            <a:off x="4547772" y="3537335"/>
-            <a:ext cx="479715" cy="479715"/>
-          </a:xfrm>
-          <a:prstGeom prst="rect">
-            <a:avLst/>
-          </a:prstGeom>
-        </p:spPr>
-      </p:pic>
-      <p:pic>
-        <p:nvPicPr>
-          <p:cNvPr id="5" name="Graphic 4" descr="Badge Question Mark with solid fill">
-            <a:extLst>
-              <a:ext uri="{FF2B5EF4-FFF2-40B4-BE49-F238E27FC236}">
-                <a16:creationId xmlns:a16="http://schemas.microsoft.com/office/drawing/2014/main" id="{AB5DA4FF-100B-0885-67D8-264F9E5287EE}"/>
-              </a:ext>
-            </a:extLst>
-          </p:cNvPr>
-          <p:cNvPicPr>
-            <a:picLocks noChangeAspect="1"/>
-          </p:cNvPicPr>
-          <p:nvPr/>
-        </p:nvPicPr>
-        <p:blipFill>
-          <a:blip r:embed="rId4">
-            <a:extLst>
-              <a:ext uri="{96DAC541-7B7A-43D3-8B79-37D633B846F1}">
-                <asvg:svgBlip xmlns:asvg="http://schemas.microsoft.com/office/drawing/2016/SVG/main" r:embed="rId5"/>
-              </a:ext>
-            </a:extLst>
-          </a:blip>
-          <a:stretch>
-            <a:fillRect/>
-          </a:stretch>
-        </p:blipFill>
-        <p:spPr>
-          <a:xfrm>
-            <a:off x="2965751" y="3532253"/>
-            <a:ext cx="438912" cy="438912"/>
-          </a:xfrm>
-          <a:prstGeom prst="rect">
-            <a:avLst/>
-          </a:prstGeom>
-        </p:spPr>
-      </p:pic>
-      <p:pic>
-        <p:nvPicPr>
-          <p:cNvPr id="6" name="Graphic 5" descr="Badge Question Mark with solid fill">
-            <a:extLst>
-              <a:ext uri="{FF2B5EF4-FFF2-40B4-BE49-F238E27FC236}">
-                <a16:creationId xmlns:a16="http://schemas.microsoft.com/office/drawing/2014/main" id="{216A03DB-B8FA-2F75-5577-373B05B221FD}"/>
-              </a:ext>
-            </a:extLst>
-          </p:cNvPr>
-          <p:cNvPicPr>
-            <a:picLocks noChangeAspect="1"/>
-          </p:cNvPicPr>
-          <p:nvPr/>
-        </p:nvPicPr>
-        <p:blipFill>
-          <a:blip r:embed="rId4">
-            <a:extLst>
-              <a:ext uri="{96DAC541-7B7A-43D3-8B79-37D633B846F1}">
-                <asvg:svgBlip xmlns:asvg="http://schemas.microsoft.com/office/drawing/2016/SVG/main" r:embed="rId5"/>
-              </a:ext>
-            </a:extLst>
-          </a:blip>
-          <a:stretch>
-            <a:fillRect/>
-          </a:stretch>
-        </p:blipFill>
-        <p:spPr>
-          <a:xfrm>
-            <a:off x="3559242" y="3973770"/>
-            <a:ext cx="365760" cy="365760"/>
-          </a:xfrm>
-          <a:prstGeom prst="rect">
-            <a:avLst/>
-          </a:prstGeom>
-        </p:spPr>
-      </p:pic>
-      <p:pic>
-        <p:nvPicPr>
-          <p:cNvPr id="7" name="Graphic 6" descr="Badge Question Mark with solid fill">
-            <a:extLst>
-              <a:ext uri="{FF2B5EF4-FFF2-40B4-BE49-F238E27FC236}">
-                <a16:creationId xmlns:a16="http://schemas.microsoft.com/office/drawing/2014/main" id="{7C2D088D-5448-F5BD-3221-2936E8A5B0D9}"/>
-              </a:ext>
-            </a:extLst>
-          </p:cNvPr>
-          <p:cNvPicPr>
-            <a:picLocks noChangeAspect="1"/>
-          </p:cNvPicPr>
-          <p:nvPr/>
-        </p:nvPicPr>
-        <p:blipFill>
-          <a:blip r:embed="rId4">
-            <a:extLst>
-              <a:ext uri="{96DAC541-7B7A-43D3-8B79-37D633B846F1}">
-                <asvg:svgBlip xmlns:asvg="http://schemas.microsoft.com/office/drawing/2016/SVG/main" r:embed="rId5"/>
-              </a:ext>
-            </a:extLst>
-          </a:blip>
-          <a:stretch>
-            <a:fillRect/>
-          </a:stretch>
-        </p:blipFill>
-        <p:spPr>
-          <a:xfrm>
-            <a:off x="5158389" y="4783235"/>
-            <a:ext cx="274320" cy="274320"/>
-          </a:xfrm>
-          <a:prstGeom prst="rect">
-            <a:avLst/>
-          </a:prstGeom>
-        </p:spPr>
-      </p:pic>
-      <p:pic>
-        <p:nvPicPr>
-          <p:cNvPr id="8" name="Graphic 7" descr="Badge Question Mark with solid fill">
-            <a:extLst>
-              <a:ext uri="{FF2B5EF4-FFF2-40B4-BE49-F238E27FC236}">
-                <a16:creationId xmlns:a16="http://schemas.microsoft.com/office/drawing/2014/main" id="{6D1F8E4F-3D61-1506-D2E2-95D8369CAB85}"/>
-              </a:ext>
-            </a:extLst>
-          </p:cNvPr>
-          <p:cNvPicPr>
-            <a:picLocks noChangeAspect="1"/>
-          </p:cNvPicPr>
-          <p:nvPr/>
-        </p:nvPicPr>
-        <p:blipFill>
-          <a:blip r:embed="rId4">
-            <a:extLst>
-              <a:ext uri="{96DAC541-7B7A-43D3-8B79-37D633B846F1}">
-                <asvg:svgBlip xmlns:asvg="http://schemas.microsoft.com/office/drawing/2016/SVG/main" r:embed="rId5"/>
-              </a:ext>
-            </a:extLst>
-          </a:blip>
-          <a:stretch>
-            <a:fillRect/>
-          </a:stretch>
-        </p:blipFill>
-        <p:spPr>
-          <a:xfrm>
-            <a:off x="3388313" y="5633592"/>
-            <a:ext cx="182880" cy="182880"/>
-          </a:xfrm>
-          <a:prstGeom prst="rect">
-            <a:avLst/>
-          </a:prstGeom>
-        </p:spPr>
-      </p:pic>
-      <p:sp>
-        <p:nvSpPr>
-          <p:cNvPr id="2" name="TextBox 1">
-            <a:extLst>
-              <a:ext uri="{FF2B5EF4-FFF2-40B4-BE49-F238E27FC236}">
-                <a16:creationId xmlns:a16="http://schemas.microsoft.com/office/drawing/2014/main" id="{334C3948-4533-8E0F-A51B-969F47C1AA72}"/>
-              </a:ext>
-            </a:extLst>
-          </p:cNvPr>
-          <p:cNvSpPr txBox="1"/>
-          <p:nvPr/>
-        </p:nvSpPr>
-        <p:spPr>
-          <a:xfrm>
-            <a:off x="-28961" y="0"/>
-            <a:ext cx="414337" cy="266700"/>
-          </a:xfrm>
-          <a:prstGeom prst="rect">
-            <a:avLst/>
-          </a:prstGeom>
-          <a:noFill/>
-        </p:spPr>
-        <p:txBody>
-          <a:bodyPr wrap="none" rtlCol="0">
-            <a:noAutofit/>
-          </a:bodyPr>
-          <a:lstStyle/>
-          <a:p>
-            <a:pPr marL="0" marR="0" lvl="0" indent="0" algn="l" defTabSz="914400" rtl="0" eaLnBrk="1" fontAlgn="auto" latinLnBrk="0" hangingPunct="1">
-              <a:lnSpc>
-                <a:spcPct val="100000"/>
-              </a:lnSpc>
-              <a:spcBef>
-                <a:spcPts val="0"/>
-              </a:spcBef>
-              <a:spcAft>
-                <a:spcPts val="0"/>
-              </a:spcAft>
-              <a:buClrTx/>
-              <a:buSzTx/>
-              <a:buFontTx/>
-              <a:buNone/>
-              <a:tabLst/>
-              <a:defRPr/>
-            </a:pPr>
-            <a:r>
-              <a:rPr kumimoji="0" lang="en-GB" sz="1400" b="1" i="0" u="none" strike="noStrike" kern="1200" cap="none" spc="0" normalizeH="0" baseline="0" noProof="0">
-                <a:ln>
-                  <a:noFill/>
-                </a:ln>
-                <a:solidFill>
-                  <a:srgbClr val="FFFFFF">
-                    <a:lumMod val="85000"/>
-                  </a:srgbClr>
-                </a:solidFill>
-                <a:effectLst/>
-                <a:uLnTx/>
-                <a:uFillTx/>
-                <a:latin typeface="Arial" panose="020B0604020202020204"/>
-                <a:ea typeface="+mn-ea"/>
-                <a:cs typeface="+mn-cs"/>
-              </a:rPr>
-              <a:t>*</a:t>
-            </a:r>
-          </a:p>
-        </p:txBody>
-      </p:sp>
-      <p:cxnSp>
-        <p:nvCxnSpPr>
-          <p:cNvPr id="14" name="Connector: Elbow 13">
-            <a:extLst>
-              <a:ext uri="{FF2B5EF4-FFF2-40B4-BE49-F238E27FC236}">
-                <a16:creationId xmlns:a16="http://schemas.microsoft.com/office/drawing/2014/main" id="{9CF9A57F-A5EC-6D37-F59D-6D1A263CF345}"/>
-              </a:ext>
-            </a:extLst>
-          </p:cNvPr>
-          <p:cNvCxnSpPr>
-            <a:cxnSpLocks/>
-            <a:stCxn id="171" idx="3"/>
-            <a:endCxn id="172" idx="1"/>
-          </p:cNvCxnSpPr>
-          <p:nvPr/>
-        </p:nvCxnSpPr>
-        <p:spPr>
-          <a:xfrm>
-            <a:off x="5180662" y="863660"/>
-            <a:ext cx="1313341" cy="628689"/>
-          </a:xfrm>
-          <a:prstGeom prst="bentConnector3">
-            <a:avLst/>
-          </a:prstGeom>
-          <a:solidFill>
-            <a:schemeClr val="accent5">
-              <a:alpha val="50000"/>
-            </a:schemeClr>
-          </a:solidFill>
-          <a:ln w="28575">
-            <a:solidFill>
-              <a:srgbClr val="972727"/>
-            </a:solidFill>
-          </a:ln>
-          <a:effectLst>
-            <a:outerShdw blurRad="76200" dist="12700" dir="8100000" sy="-23000" kx="800400" algn="br" rotWithShape="0">
-              <a:prstClr val="black">
-                <a:alpha val="20000"/>
-              </a:prstClr>
-            </a:outerShdw>
-          </a:effectLst>
-        </p:spPr>
-        <p:style>
-          <a:lnRef idx="0">
-            <a:scrgbClr r="0" g="0" b="0"/>
-          </a:lnRef>
-          <a:fillRef idx="0">
-            <a:scrgbClr r="0" g="0" b="0"/>
-          </a:fillRef>
-          <a:effectRef idx="0">
-            <a:scrgbClr r="0" g="0" b="0"/>
-          </a:effectRef>
-          <a:fontRef idx="minor">
-            <a:schemeClr val="lt1"/>
-          </a:fontRef>
-        </p:style>
-      </p:cxnSp>
-      <p:sp>
-        <p:nvSpPr>
-          <p:cNvPr id="17" name="Rectangle 16">
-            <a:extLst>
-              <a:ext uri="{FF2B5EF4-FFF2-40B4-BE49-F238E27FC236}">
-                <a16:creationId xmlns:a16="http://schemas.microsoft.com/office/drawing/2014/main" id="{F6A2FD47-1988-8C01-E380-B7DCAA1FF2F6}"/>
-              </a:ext>
-            </a:extLst>
-          </p:cNvPr>
-          <p:cNvSpPr/>
-          <p:nvPr/>
-        </p:nvSpPr>
-        <p:spPr>
-          <a:xfrm>
-            <a:off x="2224512" y="4112468"/>
-            <a:ext cx="1003931" cy="412954"/>
-          </a:xfrm>
-          <a:prstGeom prst="rect">
-            <a:avLst/>
-          </a:prstGeom>
-          <a:solidFill>
-            <a:schemeClr val="accent6">
-              <a:lumMod val="90000"/>
-              <a:alpha val="80000"/>
-            </a:schemeClr>
-          </a:solidFill>
-          <a:ln w="28575">
-            <a:solidFill>
-              <a:schemeClr val="tx2">
-                <a:lumMod val="75000"/>
-              </a:schemeClr>
-            </a:solidFill>
-          </a:ln>
-          <a:effectLst>
-            <a:outerShdw blurRad="76200" dist="12700" dir="8100000" sy="-23000" kx="800400" algn="br" rotWithShape="0">
-              <a:prstClr val="black">
-                <a:alpha val="20000"/>
-              </a:prstClr>
-            </a:outerShdw>
-          </a:effectLst>
-        </p:spPr>
-        <p:style>
-          <a:lnRef idx="0">
-            <a:scrgbClr r="0" g="0" b="0"/>
-          </a:lnRef>
-          <a:fillRef idx="0">
-            <a:scrgbClr r="0" g="0" b="0"/>
-          </a:fillRef>
-          <a:effectRef idx="0">
-            <a:scrgbClr r="0" g="0" b="0"/>
-          </a:effectRef>
-          <a:fontRef idx="minor">
-            <a:schemeClr val="lt1"/>
-          </a:fontRef>
-        </p:style>
-        <p:txBody>
-          <a:bodyPr rtlCol="0" anchor="ctr"/>
-          <a:lstStyle/>
-          <a:p>
-            <a:pPr marL="0" marR="0" lvl="0" indent="0" algn="ctr" defTabSz="914400" rtl="0" eaLnBrk="1" fontAlgn="auto" latinLnBrk="0" hangingPunct="1">
-              <a:lnSpc>
-                <a:spcPct val="100000"/>
-              </a:lnSpc>
-              <a:spcBef>
-                <a:spcPts val="0"/>
-              </a:spcBef>
-              <a:spcAft>
-                <a:spcPts val="0"/>
-              </a:spcAft>
-              <a:buClrTx/>
-              <a:buSzTx/>
-              <a:buFontTx/>
-              <a:buNone/>
-              <a:tabLst/>
-              <a:defRPr/>
-            </a:pPr>
-            <a:r>
-              <a:rPr kumimoji="0" lang="en-US" sz="1100" b="0" i="0" u="none" strike="noStrike" kern="1200" cap="none" spc="0" normalizeH="0" baseline="0" noProof="0">
-                <a:ln>
-                  <a:noFill/>
-                </a:ln>
-                <a:solidFill>
-                  <a:srgbClr val="0C2126"/>
-                </a:solidFill>
-                <a:effectLst/>
-                <a:uLnTx/>
-                <a:uFillTx/>
-                <a:latin typeface="Arial" panose="020B0604020202020204"/>
-                <a:ea typeface="+mn-ea"/>
-                <a:cs typeface="+mn-cs"/>
-              </a:rPr>
-              <a:t>Site System Integration</a:t>
-            </a:r>
-          </a:p>
-        </p:txBody>
-      </p:sp>
-      <p:sp>
-        <p:nvSpPr>
-          <p:cNvPr id="18" name="Rectangle 17">
-            <a:extLst>
-              <a:ext uri="{FF2B5EF4-FFF2-40B4-BE49-F238E27FC236}">
-                <a16:creationId xmlns:a16="http://schemas.microsoft.com/office/drawing/2014/main" id="{CE4761DD-3577-637C-208B-708373DCCB1D}"/>
-              </a:ext>
-            </a:extLst>
-          </p:cNvPr>
-          <p:cNvSpPr/>
-          <p:nvPr/>
-        </p:nvSpPr>
-        <p:spPr>
-          <a:xfrm>
-            <a:off x="4787630" y="5169315"/>
-            <a:ext cx="1290157" cy="619923"/>
-          </a:xfrm>
-          <a:prstGeom prst="rect">
-            <a:avLst/>
-          </a:prstGeom>
-          <a:solidFill>
-            <a:schemeClr val="accent6">
-              <a:lumMod val="90000"/>
-              <a:alpha val="80000"/>
-            </a:schemeClr>
-          </a:solidFill>
-          <a:ln w="28575">
-            <a:solidFill>
-              <a:schemeClr val="tx2">
-                <a:lumMod val="75000"/>
-              </a:schemeClr>
-            </a:solidFill>
-          </a:ln>
-          <a:effectLst>
-            <a:outerShdw blurRad="76200" dist="12700" dir="8100000" sy="-23000" kx="800400" algn="br" rotWithShape="0">
-              <a:prstClr val="black">
-                <a:alpha val="20000"/>
-              </a:prstClr>
-            </a:outerShdw>
-          </a:effectLst>
-        </p:spPr>
-        <p:style>
-          <a:lnRef idx="0">
-            <a:scrgbClr r="0" g="0" b="0"/>
-          </a:lnRef>
-          <a:fillRef idx="0">
-            <a:scrgbClr r="0" g="0" b="0"/>
-          </a:fillRef>
-          <a:effectRef idx="0">
-            <a:scrgbClr r="0" g="0" b="0"/>
-          </a:effectRef>
-          <a:fontRef idx="minor">
-            <a:schemeClr val="lt1"/>
-          </a:fontRef>
-        </p:style>
-        <p:txBody>
-          <a:bodyPr rtlCol="0" anchor="ctr"/>
-          <a:lstStyle/>
-          <a:p>
-            <a:pPr marL="0" marR="0" lvl="0" indent="0" algn="ctr" defTabSz="914400" rtl="0" eaLnBrk="1" fontAlgn="auto" latinLnBrk="0" hangingPunct="1">
-              <a:lnSpc>
-                <a:spcPct val="100000"/>
-              </a:lnSpc>
-              <a:spcBef>
-                <a:spcPts val="0"/>
-              </a:spcBef>
-              <a:spcAft>
-                <a:spcPts val="0"/>
-              </a:spcAft>
-              <a:buClrTx/>
-              <a:buSzTx/>
-              <a:buFontTx/>
-              <a:buNone/>
-              <a:tabLst/>
-              <a:defRPr/>
-            </a:pPr>
-            <a:r>
-              <a:rPr kumimoji="0" lang="en-US" sz="1100" b="0" i="0" u="none" strike="noStrike" kern="1200" cap="none" spc="0" normalizeH="0" baseline="0" noProof="0">
-                <a:ln>
-                  <a:noFill/>
-                </a:ln>
-                <a:solidFill>
-                  <a:srgbClr val="0C2126"/>
-                </a:solidFill>
-                <a:effectLst/>
-                <a:uLnTx/>
-                <a:uFillTx/>
-                <a:latin typeface="Arial" panose="020B0604020202020204"/>
-                <a:ea typeface="+mn-ea"/>
-                <a:cs typeface="+mn-cs"/>
-              </a:rPr>
-              <a:t>Pooled Analysis of Protocols</a:t>
-            </a:r>
-          </a:p>
-        </p:txBody>
-      </p:sp>
-      <p:cxnSp>
-        <p:nvCxnSpPr>
-          <p:cNvPr id="19" name="Connector: Elbow 18">
-            <a:extLst>
-              <a:ext uri="{FF2B5EF4-FFF2-40B4-BE49-F238E27FC236}">
-                <a16:creationId xmlns:a16="http://schemas.microsoft.com/office/drawing/2014/main" id="{E393A675-2A7F-A25A-27C4-619292920B0F}"/>
-              </a:ext>
-            </a:extLst>
-          </p:cNvPr>
-          <p:cNvCxnSpPr>
-            <a:cxnSpLocks/>
-            <a:stCxn id="107" idx="2"/>
-            <a:endCxn id="96" idx="0"/>
-          </p:cNvCxnSpPr>
-          <p:nvPr/>
-        </p:nvCxnSpPr>
-        <p:spPr>
-          <a:xfrm rot="5400000">
-            <a:off x="2784248" y="3423791"/>
-            <a:ext cx="1998429" cy="720809"/>
-          </a:xfrm>
-          <a:prstGeom prst="bentConnector3">
-            <a:avLst>
-              <a:gd name="adj1" fmla="val 50000"/>
-            </a:avLst>
-          </a:prstGeom>
-          <a:ln w="28575">
-            <a:solidFill>
-              <a:schemeClr val="tx2">
-                <a:lumMod val="75000"/>
-              </a:schemeClr>
-            </a:solidFill>
-          </a:ln>
-        </p:spPr>
-        <p:style>
-          <a:lnRef idx="1">
-            <a:schemeClr val="accent1"/>
-          </a:lnRef>
-          <a:fillRef idx="0">
-            <a:schemeClr val="accent1"/>
-          </a:fillRef>
-          <a:effectRef idx="0">
-            <a:schemeClr val="accent1"/>
-          </a:effectRef>
-          <a:fontRef idx="minor">
-            <a:schemeClr val="tx1"/>
-          </a:fontRef>
-        </p:style>
-      </p:cxnSp>
-      <p:cxnSp>
-        <p:nvCxnSpPr>
-          <p:cNvPr id="22" name="Connector: Elbow 21">
-            <a:extLst>
-              <a:ext uri="{FF2B5EF4-FFF2-40B4-BE49-F238E27FC236}">
-                <a16:creationId xmlns:a16="http://schemas.microsoft.com/office/drawing/2014/main" id="{BFF565E7-4A33-6211-6513-CE27A432BFDB}"/>
-              </a:ext>
-            </a:extLst>
-          </p:cNvPr>
-          <p:cNvCxnSpPr>
-            <a:cxnSpLocks/>
-            <a:stCxn id="107" idx="2"/>
-            <a:endCxn id="95" idx="0"/>
-          </p:cNvCxnSpPr>
-          <p:nvPr/>
-        </p:nvCxnSpPr>
-        <p:spPr>
-          <a:xfrm rot="16200000" flipH="1">
-            <a:off x="4922473" y="2006373"/>
-            <a:ext cx="717792" cy="2275007"/>
-          </a:xfrm>
-          <a:prstGeom prst="bentConnector3">
-            <a:avLst>
-              <a:gd name="adj1" fmla="val 64013"/>
-            </a:avLst>
-          </a:prstGeom>
-          <a:ln w="28575">
-            <a:solidFill>
-              <a:schemeClr val="tx2">
-                <a:lumMod val="75000"/>
-              </a:schemeClr>
-            </a:solidFill>
-          </a:ln>
-        </p:spPr>
-        <p:style>
-          <a:lnRef idx="1">
-            <a:schemeClr val="accent1"/>
-          </a:lnRef>
-          <a:fillRef idx="0">
-            <a:schemeClr val="accent1"/>
-          </a:fillRef>
-          <a:effectRef idx="0">
-            <a:schemeClr val="accent1"/>
-          </a:effectRef>
-          <a:fontRef idx="minor">
-            <a:schemeClr val="tx1"/>
-          </a:fontRef>
-        </p:style>
-      </p:cxnSp>
-      <p:cxnSp>
-        <p:nvCxnSpPr>
-          <p:cNvPr id="25" name="Connector: Elbow 24">
-            <a:extLst>
-              <a:ext uri="{FF2B5EF4-FFF2-40B4-BE49-F238E27FC236}">
-                <a16:creationId xmlns:a16="http://schemas.microsoft.com/office/drawing/2014/main" id="{A8EAE58B-6A33-46D3-1537-C0F6CD186FB9}"/>
-              </a:ext>
-            </a:extLst>
-          </p:cNvPr>
-          <p:cNvCxnSpPr>
-            <a:cxnSpLocks/>
-            <a:stCxn id="107" idx="2"/>
-            <a:endCxn id="98" idx="1"/>
-          </p:cNvCxnSpPr>
-          <p:nvPr/>
-        </p:nvCxnSpPr>
-        <p:spPr>
-          <a:xfrm rot="16200000" flipH="1">
-            <a:off x="3596120" y="3332726"/>
-            <a:ext cx="1654841" cy="559349"/>
-          </a:xfrm>
-          <a:prstGeom prst="bentConnector2">
-            <a:avLst/>
-          </a:prstGeom>
-          <a:ln w="28575">
-            <a:solidFill>
-              <a:schemeClr val="tx2">
-                <a:lumMod val="75000"/>
-              </a:schemeClr>
-            </a:solidFill>
-          </a:ln>
-        </p:spPr>
-        <p:style>
-          <a:lnRef idx="1">
-            <a:schemeClr val="accent1"/>
-          </a:lnRef>
-          <a:fillRef idx="0">
-            <a:schemeClr val="accent1"/>
-          </a:fillRef>
-          <a:effectRef idx="0">
-            <a:schemeClr val="accent1"/>
-          </a:effectRef>
-          <a:fontRef idx="minor">
-            <a:schemeClr val="tx1"/>
-          </a:fontRef>
-        </p:style>
-      </p:cxnSp>
-      <p:cxnSp>
-        <p:nvCxnSpPr>
-          <p:cNvPr id="31" name="Connector: Elbow 30">
-            <a:extLst>
-              <a:ext uri="{FF2B5EF4-FFF2-40B4-BE49-F238E27FC236}">
-                <a16:creationId xmlns:a16="http://schemas.microsoft.com/office/drawing/2014/main" id="{F59590E6-EA33-5AC1-2AD3-16A46ED31115}"/>
-              </a:ext>
-            </a:extLst>
-          </p:cNvPr>
-          <p:cNvCxnSpPr>
-            <a:cxnSpLocks/>
-            <a:stCxn id="107" idx="2"/>
-            <a:endCxn id="18" idx="1"/>
-          </p:cNvCxnSpPr>
-          <p:nvPr/>
-        </p:nvCxnSpPr>
-        <p:spPr>
-          <a:xfrm rot="16200000" flipH="1">
-            <a:off x="3118600" y="3810247"/>
-            <a:ext cx="2694296" cy="643764"/>
-          </a:xfrm>
-          <a:prstGeom prst="bentConnector2">
-            <a:avLst/>
-          </a:prstGeom>
-          <a:ln w="28575">
-            <a:solidFill>
-              <a:schemeClr val="tx2">
-                <a:lumMod val="75000"/>
-              </a:schemeClr>
-            </a:solidFill>
-          </a:ln>
-        </p:spPr>
-        <p:style>
-          <a:lnRef idx="1">
-            <a:schemeClr val="accent1"/>
-          </a:lnRef>
-          <a:fillRef idx="0">
-            <a:schemeClr val="accent1"/>
-          </a:fillRef>
-          <a:effectRef idx="0">
-            <a:schemeClr val="accent1"/>
-          </a:effectRef>
-          <a:fontRef idx="minor">
-            <a:schemeClr val="tx1"/>
-          </a:fontRef>
-        </p:style>
-      </p:cxnSp>
-      <p:cxnSp>
-        <p:nvCxnSpPr>
-          <p:cNvPr id="34" name="Connector: Elbow 33">
-            <a:extLst>
-              <a:ext uri="{FF2B5EF4-FFF2-40B4-BE49-F238E27FC236}">
-                <a16:creationId xmlns:a16="http://schemas.microsoft.com/office/drawing/2014/main" id="{EB04E4D4-AC36-14DA-B49E-4DA0E07CB369}"/>
-              </a:ext>
-            </a:extLst>
-          </p:cNvPr>
-          <p:cNvCxnSpPr>
-            <a:cxnSpLocks/>
-            <a:stCxn id="107" idx="2"/>
-            <a:endCxn id="17" idx="0"/>
-          </p:cNvCxnSpPr>
-          <p:nvPr/>
-        </p:nvCxnSpPr>
-        <p:spPr>
-          <a:xfrm rot="5400000">
-            <a:off x="2771429" y="2740030"/>
-            <a:ext cx="1327487" cy="1417388"/>
-          </a:xfrm>
-          <a:prstGeom prst="bentConnector3">
-            <a:avLst>
-              <a:gd name="adj1" fmla="val 50000"/>
-            </a:avLst>
-          </a:prstGeom>
-          <a:ln w="28575">
-            <a:solidFill>
-              <a:schemeClr val="tx2">
-                <a:lumMod val="75000"/>
-              </a:schemeClr>
-            </a:solidFill>
-          </a:ln>
-        </p:spPr>
-        <p:style>
-          <a:lnRef idx="1">
-            <a:schemeClr val="accent1"/>
-          </a:lnRef>
-          <a:fillRef idx="0">
-            <a:schemeClr val="accent1"/>
-          </a:fillRef>
-          <a:effectRef idx="0">
-            <a:schemeClr val="accent1"/>
-          </a:effectRef>
-          <a:fontRef idx="minor">
-            <a:schemeClr val="tx1"/>
-          </a:fontRef>
-        </p:style>
-      </p:cxnSp>
-      <p:sp>
-        <p:nvSpPr>
-          <p:cNvPr id="51" name="Rectangle 50">
-            <a:extLst>
-              <a:ext uri="{FF2B5EF4-FFF2-40B4-BE49-F238E27FC236}">
-                <a16:creationId xmlns:a16="http://schemas.microsoft.com/office/drawing/2014/main" id="{E9A1C3D7-CCFD-F144-9CFC-FAC296F5A852}"/>
-              </a:ext>
-            </a:extLst>
-          </p:cNvPr>
-          <p:cNvSpPr/>
-          <p:nvPr/>
-        </p:nvSpPr>
-        <p:spPr>
-          <a:xfrm>
-            <a:off x="1332550" y="3390950"/>
-            <a:ext cx="1059008" cy="412954"/>
-          </a:xfrm>
-          <a:prstGeom prst="rect">
-            <a:avLst/>
-          </a:prstGeom>
-          <a:solidFill>
-            <a:schemeClr val="accent6">
-              <a:lumMod val="90000"/>
-              <a:alpha val="80000"/>
-            </a:schemeClr>
-          </a:solidFill>
-          <a:ln w="28575">
-            <a:solidFill>
-              <a:schemeClr val="tx2">
-                <a:lumMod val="75000"/>
-              </a:schemeClr>
-            </a:solidFill>
-          </a:ln>
-          <a:effectLst>
-            <a:outerShdw blurRad="76200" dist="12700" dir="8100000" sy="-23000" kx="800400" algn="br" rotWithShape="0">
-              <a:prstClr val="black">
-                <a:alpha val="20000"/>
-              </a:prstClr>
-            </a:outerShdw>
-          </a:effectLst>
-        </p:spPr>
-        <p:style>
-          <a:lnRef idx="0">
-            <a:scrgbClr r="0" g="0" b="0"/>
-          </a:lnRef>
-          <a:fillRef idx="0">
-            <a:scrgbClr r="0" g="0" b="0"/>
-          </a:fillRef>
-          <a:effectRef idx="0">
-            <a:scrgbClr r="0" g="0" b="0"/>
-          </a:effectRef>
-          <a:fontRef idx="minor">
-            <a:schemeClr val="lt1"/>
-          </a:fontRef>
-        </p:style>
-        <p:txBody>
-          <a:bodyPr rtlCol="0" anchor="ctr"/>
-          <a:lstStyle/>
-          <a:p>
-            <a:pPr marL="0" marR="0" lvl="0" indent="0" algn="ctr" defTabSz="914400" rtl="0" eaLnBrk="1" fontAlgn="auto" latinLnBrk="0" hangingPunct="1">
-              <a:lnSpc>
-                <a:spcPct val="100000"/>
-              </a:lnSpc>
-              <a:spcBef>
-                <a:spcPts val="0"/>
-              </a:spcBef>
-              <a:spcAft>
-                <a:spcPts val="0"/>
-              </a:spcAft>
-              <a:buClrTx/>
-              <a:buSzTx/>
-              <a:buFontTx/>
-              <a:buNone/>
-              <a:tabLst/>
-              <a:defRPr/>
-            </a:pPr>
-            <a:r>
-              <a:rPr kumimoji="0" lang="en-US" sz="1100" b="0" i="0" u="none" strike="noStrike" kern="1200" cap="none" spc="0" normalizeH="0" baseline="0" noProof="0">
-                <a:ln>
-                  <a:noFill/>
-                </a:ln>
-                <a:solidFill>
-                  <a:srgbClr val="0C2126"/>
-                </a:solidFill>
-                <a:effectLst/>
-                <a:uLnTx/>
-                <a:uFillTx/>
-                <a:latin typeface="Arial" panose="020B0604020202020204"/>
-                <a:ea typeface="+mn-ea"/>
-                <a:cs typeface="+mn-cs"/>
-              </a:rPr>
-              <a:t>EHR Integration</a:t>
-            </a:r>
-          </a:p>
-        </p:txBody>
-      </p:sp>
-      <p:sp>
-        <p:nvSpPr>
-          <p:cNvPr id="58" name="TextBox 57">
-            <a:extLst>
-              <a:ext uri="{FF2B5EF4-FFF2-40B4-BE49-F238E27FC236}">
-                <a16:creationId xmlns:a16="http://schemas.microsoft.com/office/drawing/2014/main" id="{0857D43D-2264-D821-F19C-A6936021D0BF}"/>
-              </a:ext>
-            </a:extLst>
-          </p:cNvPr>
-          <p:cNvSpPr txBox="1"/>
-          <p:nvPr/>
-        </p:nvSpPr>
-        <p:spPr>
-          <a:xfrm>
-            <a:off x="4139" y="251335"/>
-            <a:ext cx="2737251" cy="630942"/>
-          </a:xfrm>
-          <a:prstGeom prst="rect">
-            <a:avLst/>
-          </a:prstGeom>
-          <a:noFill/>
-        </p:spPr>
-        <p:txBody>
-          <a:bodyPr wrap="square">
-            <a:spAutoFit/>
-          </a:bodyPr>
-          <a:lstStyle/>
-          <a:p>
-            <a:pPr marL="0" marR="0" lvl="0" indent="0" algn="ctr" defTabSz="914400" rtl="0" eaLnBrk="1" fontAlgn="auto" latinLnBrk="0" hangingPunct="1">
-              <a:lnSpc>
-                <a:spcPts val="2100"/>
-              </a:lnSpc>
-              <a:spcBef>
-                <a:spcPts val="0"/>
-              </a:spcBef>
-              <a:spcAft>
-                <a:spcPts val="0"/>
-              </a:spcAft>
-              <a:buClrTx/>
-              <a:buSzTx/>
-              <a:buFontTx/>
-              <a:buNone/>
-              <a:tabLst/>
-              <a:defRPr/>
-            </a:pPr>
-            <a:r>
-              <a:rPr kumimoji="0" lang="en-US" sz="1800" b="1" i="0" u="none" strike="noStrike" kern="1200" cap="none" spc="0" normalizeH="0" baseline="0" noProof="0">
-                <a:ln>
-                  <a:noFill/>
-                </a:ln>
-                <a:solidFill>
-                  <a:srgbClr val="5D707F">
-                    <a:lumMod val="75000"/>
-                  </a:srgbClr>
-                </a:solidFill>
-                <a:effectLst/>
-                <a:uLnTx/>
-                <a:uFillTx/>
-                <a:latin typeface="Arial" panose="020B0604020202020204"/>
-                <a:ea typeface="+mn-ea"/>
-                <a:cs typeface="+mn-cs"/>
-              </a:rPr>
-              <a:t>The Power of the Digital Protocol</a:t>
-            </a:r>
-          </a:p>
-        </p:txBody>
-      </p:sp>
-      <p:cxnSp>
-        <p:nvCxnSpPr>
-          <p:cNvPr id="74" name="Connector: Elbow 73">
-            <a:extLst>
-              <a:ext uri="{FF2B5EF4-FFF2-40B4-BE49-F238E27FC236}">
-                <a16:creationId xmlns:a16="http://schemas.microsoft.com/office/drawing/2014/main" id="{0CDE0BD5-70F1-6E02-F204-9A7134441C64}"/>
-              </a:ext>
-            </a:extLst>
-          </p:cNvPr>
-          <p:cNvCxnSpPr>
-            <a:cxnSpLocks/>
-            <a:stCxn id="107" idx="2"/>
-            <a:endCxn id="51" idx="0"/>
-          </p:cNvCxnSpPr>
-          <p:nvPr/>
-        </p:nvCxnSpPr>
-        <p:spPr>
-          <a:xfrm rot="5400000">
-            <a:off x="2699976" y="1947059"/>
-            <a:ext cx="605969" cy="2281812"/>
-          </a:xfrm>
-          <a:prstGeom prst="bentConnector3">
-            <a:avLst>
-              <a:gd name="adj1" fmla="val 50000"/>
-            </a:avLst>
-          </a:prstGeom>
-          <a:ln w="28575">
-            <a:solidFill>
-              <a:schemeClr val="tx2">
-                <a:lumMod val="75000"/>
-              </a:schemeClr>
-            </a:solidFill>
-          </a:ln>
-        </p:spPr>
-        <p:style>
-          <a:lnRef idx="1">
-            <a:schemeClr val="accent1"/>
-          </a:lnRef>
-          <a:fillRef idx="0">
-            <a:schemeClr val="accent1"/>
-          </a:fillRef>
-          <a:effectRef idx="0">
-            <a:schemeClr val="accent1"/>
-          </a:effectRef>
-          <a:fontRef idx="minor">
-            <a:schemeClr val="tx1"/>
-          </a:fontRef>
-        </p:style>
-      </p:cxnSp>
-    </p:spTree>
-    <p:extLst>
-      <p:ext uri="{BB962C8B-B14F-4D97-AF65-F5344CB8AC3E}">
-        <p14:creationId xmlns:p14="http://schemas.microsoft.com/office/powerpoint/2010/main" val="374027254"/>
-      </p:ext>
-    </p:extLst>
-  </p:cSld>
-  <p:clrMapOvr>
-    <a:masterClrMapping/>
-  </p:clrMapOvr>
-  <p:transition>
-    <p:fade/>
-  </p:transition>
 </p:sld>
 </file>
 

--- a/input/images-source/Images.pptx
+++ b/input/images-source/Images.pptx
@@ -6,20 +6,22 @@
     <p:sldMasterId id="2147483660" r:id="rId2"/>
   </p:sldMasterIdLst>
   <p:notesMasterIdLst>
-    <p:notesMasterId r:id="rId14"/>
+    <p:notesMasterId r:id="rId16"/>
   </p:notesMasterIdLst>
   <p:sldIdLst>
     <p:sldId id="256" r:id="rId3"/>
     <p:sldId id="257" r:id="rId4"/>
     <p:sldId id="258" r:id="rId5"/>
     <p:sldId id="259" r:id="rId6"/>
-    <p:sldId id="2147483237" r:id="rId7"/>
-    <p:sldId id="2147483238" r:id="rId8"/>
-    <p:sldId id="2147483239" r:id="rId9"/>
-    <p:sldId id="260" r:id="rId10"/>
-    <p:sldId id="261" r:id="rId11"/>
-    <p:sldId id="2147483637" r:id="rId12"/>
-    <p:sldId id="2147483639" r:id="rId13"/>
+    <p:sldId id="2147483640" r:id="rId7"/>
+    <p:sldId id="2147483237" r:id="rId8"/>
+    <p:sldId id="2147483238" r:id="rId9"/>
+    <p:sldId id="2147483239" r:id="rId10"/>
+    <p:sldId id="260" r:id="rId11"/>
+    <p:sldId id="2147483641" r:id="rId12"/>
+    <p:sldId id="261" r:id="rId13"/>
+    <p:sldId id="2147483637" r:id="rId14"/>
+    <p:sldId id="2147483639" r:id="rId15"/>
   </p:sldIdLst>
   <p:sldSz cx="12192000" cy="6858000"/>
   <p:notesSz cx="6858000" cy="9144000"/>
@@ -3408,7 +3410,7 @@
           <a:p>
             <a:fld id="{721C5D9B-510E-445E-AF2D-731917B2632C}" type="datetimeFigureOut">
               <a:rPr lang="en-GB" smtClean="0"/>
-              <a:t>03/02/2026</a:t>
+              <a:t>05/02/2026</a:t>
             </a:fld>
             <a:endParaRPr lang="en-GB"/>
           </a:p>
@@ -3744,7 +3746,7 @@
           <a:p>
             <a:fld id="{4398B954-2888-4EEA-BC75-22288D66EB13}" type="slidenum">
               <a:rPr lang="en-GB" smtClean="0"/>
-              <a:t>5</a:t>
+              <a:t>6</a:t>
             </a:fld>
             <a:endParaRPr lang="en-GB"/>
           </a:p>
@@ -3896,7 +3898,7 @@
                 <a:tabLst/>
                 <a:defRPr/>
               </a:pPr>
-              <a:t>10</a:t>
+              <a:t>12</a:t>
             </a:fld>
             <a:endParaRPr kumimoji="0" lang="en-GB" sz="1300" b="0" i="0" u="none" strike="noStrike" kern="1200" cap="none" spc="0" normalizeH="0" baseline="0" noProof="0">
               <a:ln>
@@ -4077,7 +4079,7 @@
           <a:p>
             <a:fld id="{8D19A3AA-5CC1-4409-A3F5-5174B3C1B3E1}" type="datetimeFigureOut">
               <a:rPr lang="en-CA" smtClean="0"/>
-              <a:t>2026-02-03</a:t>
+              <a:t>2026-02-05</a:t>
             </a:fld>
             <a:endParaRPr lang="en-CA"/>
           </a:p>
@@ -4277,7 +4279,7 @@
           <a:p>
             <a:fld id="{8D19A3AA-5CC1-4409-A3F5-5174B3C1B3E1}" type="datetimeFigureOut">
               <a:rPr lang="en-CA" smtClean="0"/>
-              <a:t>2026-02-03</a:t>
+              <a:t>2026-02-05</a:t>
             </a:fld>
             <a:endParaRPr lang="en-CA"/>
           </a:p>
@@ -4487,7 +4489,7 @@
           <a:p>
             <a:fld id="{8D19A3AA-5CC1-4409-A3F5-5174B3C1B3E1}" type="datetimeFigureOut">
               <a:rPr lang="en-CA" smtClean="0"/>
-              <a:t>2026-02-03</a:t>
+              <a:t>2026-02-05</a:t>
             </a:fld>
             <a:endParaRPr lang="en-CA"/>
           </a:p>
@@ -9540,7 +9542,7 @@
           <a:p>
             <a:fld id="{8D19A3AA-5CC1-4409-A3F5-5174B3C1B3E1}" type="datetimeFigureOut">
               <a:rPr lang="en-CA" smtClean="0"/>
-              <a:t>2026-02-03</a:t>
+              <a:t>2026-02-05</a:t>
             </a:fld>
             <a:endParaRPr lang="en-CA"/>
           </a:p>
@@ -10701,7 +10703,7 @@
           <a:p>
             <a:fld id="{47B90D53-9087-43D8-A0E6-B303F1F516E5}" type="datetimeFigureOut">
               <a:rPr lang="en-US" smtClean="0"/>
-              <a:t>2/3/2026</a:t>
+              <a:t>2/5/2026</a:t>
             </a:fld>
             <a:endParaRPr lang="en-US"/>
           </a:p>
@@ -13083,7 +13085,7 @@
           <a:p>
             <a:fld id="{8D19A3AA-5CC1-4409-A3F5-5174B3C1B3E1}" type="datetimeFigureOut">
               <a:rPr lang="en-CA" smtClean="0"/>
-              <a:t>2026-02-03</a:t>
+              <a:t>2026-02-05</a:t>
             </a:fld>
             <a:endParaRPr lang="en-CA"/>
           </a:p>
@@ -16443,7 +16445,7 @@
           <a:p>
             <a:fld id="{47B90D53-9087-43D8-A0E6-B303F1F516E5}" type="datetimeFigureOut">
               <a:rPr lang="en-US" smtClean="0"/>
-              <a:t>2/3/2026</a:t>
+              <a:t>2/5/2026</a:t>
             </a:fld>
             <a:endParaRPr lang="en-US"/>
           </a:p>
@@ -16711,7 +16713,7 @@
           <a:p>
             <a:fld id="{8D19A3AA-5CC1-4409-A3F5-5174B3C1B3E1}" type="datetimeFigureOut">
               <a:rPr lang="en-CA" smtClean="0"/>
-              <a:t>2026-02-03</a:t>
+              <a:t>2026-02-05</a:t>
             </a:fld>
             <a:endParaRPr lang="en-CA"/>
           </a:p>
@@ -17126,7 +17128,7 @@
           <a:p>
             <a:fld id="{8D19A3AA-5CC1-4409-A3F5-5174B3C1B3E1}" type="datetimeFigureOut">
               <a:rPr lang="en-CA" smtClean="0"/>
-              <a:t>2026-02-03</a:t>
+              <a:t>2026-02-05</a:t>
             </a:fld>
             <a:endParaRPr lang="en-CA"/>
           </a:p>
@@ -17268,7 +17270,7 @@
           <a:p>
             <a:fld id="{8D19A3AA-5CC1-4409-A3F5-5174B3C1B3E1}" type="datetimeFigureOut">
               <a:rPr lang="en-CA" smtClean="0"/>
-              <a:t>2026-02-03</a:t>
+              <a:t>2026-02-05</a:t>
             </a:fld>
             <a:endParaRPr lang="en-CA"/>
           </a:p>
@@ -17381,7 +17383,7 @@
           <a:p>
             <a:fld id="{8D19A3AA-5CC1-4409-A3F5-5174B3C1B3E1}" type="datetimeFigureOut">
               <a:rPr lang="en-CA" smtClean="0"/>
-              <a:t>2026-02-03</a:t>
+              <a:t>2026-02-05</a:t>
             </a:fld>
             <a:endParaRPr lang="en-CA"/>
           </a:p>
@@ -17694,7 +17696,7 @@
           <a:p>
             <a:fld id="{8D19A3AA-5CC1-4409-A3F5-5174B3C1B3E1}" type="datetimeFigureOut">
               <a:rPr lang="en-CA" smtClean="0"/>
-              <a:t>2026-02-03</a:t>
+              <a:t>2026-02-05</a:t>
             </a:fld>
             <a:endParaRPr lang="en-CA"/>
           </a:p>
@@ -17983,7 +17985,7 @@
           <a:p>
             <a:fld id="{8D19A3AA-5CC1-4409-A3F5-5174B3C1B3E1}" type="datetimeFigureOut">
               <a:rPr lang="en-CA" smtClean="0"/>
-              <a:t>2026-02-03</a:t>
+              <a:t>2026-02-05</a:t>
             </a:fld>
             <a:endParaRPr lang="en-CA"/>
           </a:p>
@@ -18226,7 +18228,7 @@
           <a:p>
             <a:fld id="{8D19A3AA-5CC1-4409-A3F5-5174B3C1B3E1}" type="datetimeFigureOut">
               <a:rPr lang="en-CA" smtClean="0"/>
-              <a:t>2026-02-03</a:t>
+              <a:t>2026-02-05</a:t>
             </a:fld>
             <a:endParaRPr lang="en-CA"/>
           </a:p>
@@ -19460,6 +19462,1739 @@
         <p:cNvPr id="1" name="">
           <a:extLst>
             <a:ext uri="{FF2B5EF4-FFF2-40B4-BE49-F238E27FC236}">
+              <a16:creationId xmlns:a16="http://schemas.microsoft.com/office/drawing/2014/main" id="{9182B0F4-9C15-FB0A-C552-A20E85F4B910}"/>
+            </a:ext>
+          </a:extLst>
+        </p:cNvPr>
+        <p:cNvGrpSpPr/>
+        <p:nvPr/>
+      </p:nvGrpSpPr>
+      <p:grpSpPr>
+        <a:xfrm>
+          <a:off x="0" y="0"/>
+          <a:ext cx="0" cy="0"/>
+          <a:chOff x="0" y="0"/>
+          <a:chExt cx="0" cy="0"/>
+        </a:xfrm>
+      </p:grpSpPr>
+      <p:sp>
+        <p:nvSpPr>
+          <p:cNvPr id="14" name="Rectangle 13">
+            <a:extLst>
+              <a:ext uri="{FF2B5EF4-FFF2-40B4-BE49-F238E27FC236}">
+                <a16:creationId xmlns:a16="http://schemas.microsoft.com/office/drawing/2014/main" id="{211DAB97-55AA-F06F-65CF-78239B1FC567}"/>
+              </a:ext>
+            </a:extLst>
+          </p:cNvPr>
+          <p:cNvSpPr/>
+          <p:nvPr/>
+        </p:nvSpPr>
+        <p:spPr>
+          <a:xfrm>
+            <a:off x="366438" y="320876"/>
+            <a:ext cx="5546682" cy="4246435"/>
+          </a:xfrm>
+          <a:prstGeom prst="rect">
+            <a:avLst/>
+          </a:prstGeom>
+          <a:solidFill>
+            <a:schemeClr val="accent2"/>
+          </a:solidFill>
+          <a:ln>
+            <a:solidFill>
+              <a:schemeClr val="bg1"/>
+            </a:solidFill>
+          </a:ln>
+        </p:spPr>
+        <p:style>
+          <a:lnRef idx="2">
+            <a:schemeClr val="accent1">
+              <a:shade val="15000"/>
+            </a:schemeClr>
+          </a:lnRef>
+          <a:fillRef idx="1">
+            <a:schemeClr val="accent1"/>
+          </a:fillRef>
+          <a:effectRef idx="0">
+            <a:schemeClr val="accent1"/>
+          </a:effectRef>
+          <a:fontRef idx="minor">
+            <a:schemeClr val="lt1"/>
+          </a:fontRef>
+        </p:style>
+        <p:txBody>
+          <a:bodyPr wrap="none" rtlCol="0" anchor="t" anchorCtr="0"/>
+          <a:lstStyle/>
+          <a:p>
+            <a:r>
+              <a:rPr lang="en-GB" dirty="0"/>
+              <a:t>M11_ResearchStudyProfile (</a:t>
+            </a:r>
+            <a:r>
+              <a:rPr lang="en-GB" dirty="0" err="1">
+                <a:solidFill>
+                  <a:schemeClr val="tx1"/>
+                </a:solidFill>
+                <a:highlight>
+                  <a:srgbClr val="C0C0C0"/>
+                </a:highlight>
+              </a:rPr>
+              <a:t>ResearchStudy</a:t>
+            </a:r>
+            <a:r>
+              <a:rPr lang="en-GB" dirty="0"/>
+              <a:t>)</a:t>
+            </a:r>
+          </a:p>
+        </p:txBody>
+      </p:sp>
+      <p:sp>
+        <p:nvSpPr>
+          <p:cNvPr id="7" name="Rectangle 6">
+            <a:extLst>
+              <a:ext uri="{FF2B5EF4-FFF2-40B4-BE49-F238E27FC236}">
+                <a16:creationId xmlns:a16="http://schemas.microsoft.com/office/drawing/2014/main" id="{B908D295-BD1B-CC6A-C8FB-062391DCA8D6}"/>
+              </a:ext>
+            </a:extLst>
+          </p:cNvPr>
+          <p:cNvSpPr/>
+          <p:nvPr/>
+        </p:nvSpPr>
+        <p:spPr>
+          <a:xfrm>
+            <a:off x="661041" y="820934"/>
+            <a:ext cx="4970098" cy="1134655"/>
+          </a:xfrm>
+          <a:prstGeom prst="rect">
+            <a:avLst/>
+          </a:prstGeom>
+          <a:ln>
+            <a:solidFill>
+              <a:schemeClr val="bg1"/>
+            </a:solidFill>
+          </a:ln>
+        </p:spPr>
+        <p:style>
+          <a:lnRef idx="2">
+            <a:schemeClr val="accent1">
+              <a:shade val="15000"/>
+            </a:schemeClr>
+          </a:lnRef>
+          <a:fillRef idx="1">
+            <a:schemeClr val="accent1"/>
+          </a:fillRef>
+          <a:effectRef idx="0">
+            <a:schemeClr val="accent1"/>
+          </a:effectRef>
+          <a:fontRef idx="minor">
+            <a:schemeClr val="lt1"/>
+          </a:fontRef>
+        </p:style>
+        <p:txBody>
+          <a:bodyPr wrap="none" rtlCol="0" anchor="t" anchorCtr="0"/>
+          <a:lstStyle/>
+          <a:p>
+            <a:r>
+              <a:rPr lang="en-GB" dirty="0" err="1"/>
+              <a:t>NarrativeElements</a:t>
+            </a:r>
+            <a:endParaRPr lang="en-GB" dirty="0"/>
+          </a:p>
+        </p:txBody>
+      </p:sp>
+      <p:sp>
+        <p:nvSpPr>
+          <p:cNvPr id="9" name="Rectangle 8">
+            <a:extLst>
+              <a:ext uri="{FF2B5EF4-FFF2-40B4-BE49-F238E27FC236}">
+                <a16:creationId xmlns:a16="http://schemas.microsoft.com/office/drawing/2014/main" id="{9F9BA8FF-CDD3-3610-EF45-76F221732C5E}"/>
+              </a:ext>
+            </a:extLst>
+          </p:cNvPr>
+          <p:cNvSpPr/>
+          <p:nvPr/>
+        </p:nvSpPr>
+        <p:spPr>
+          <a:xfrm>
+            <a:off x="661041" y="2050406"/>
+            <a:ext cx="4970099" cy="1785385"/>
+          </a:xfrm>
+          <a:prstGeom prst="rect">
+            <a:avLst/>
+          </a:prstGeom>
+          <a:ln>
+            <a:solidFill>
+              <a:schemeClr val="bg1"/>
+            </a:solidFill>
+          </a:ln>
+        </p:spPr>
+        <p:style>
+          <a:lnRef idx="2">
+            <a:schemeClr val="accent1">
+              <a:shade val="15000"/>
+            </a:schemeClr>
+          </a:lnRef>
+          <a:fillRef idx="1">
+            <a:schemeClr val="accent1"/>
+          </a:fillRef>
+          <a:effectRef idx="0">
+            <a:schemeClr val="accent1"/>
+          </a:effectRef>
+          <a:fontRef idx="minor">
+            <a:schemeClr val="lt1"/>
+          </a:fontRef>
+        </p:style>
+        <p:txBody>
+          <a:bodyPr wrap="none" rtlCol="0" anchor="t" anchorCtr="0"/>
+          <a:lstStyle/>
+          <a:p>
+            <a:r>
+              <a:rPr lang="en-GB" dirty="0"/>
+              <a:t>M11_ProtocolAmendment </a:t>
+            </a:r>
+          </a:p>
+          <a:p>
+            <a:endParaRPr lang="en-GB" dirty="0"/>
+          </a:p>
+        </p:txBody>
+      </p:sp>
+      <p:sp>
+        <p:nvSpPr>
+          <p:cNvPr id="10" name="Rectangle 9">
+            <a:extLst>
+              <a:ext uri="{FF2B5EF4-FFF2-40B4-BE49-F238E27FC236}">
+                <a16:creationId xmlns:a16="http://schemas.microsoft.com/office/drawing/2014/main" id="{0E5684ED-BA3F-9545-A3DC-B86F04E101B9}"/>
+              </a:ext>
+            </a:extLst>
+          </p:cNvPr>
+          <p:cNvSpPr/>
+          <p:nvPr/>
+        </p:nvSpPr>
+        <p:spPr>
+          <a:xfrm>
+            <a:off x="1090975" y="3212914"/>
+            <a:ext cx="4424553" cy="417024"/>
+          </a:xfrm>
+          <a:prstGeom prst="rect">
+            <a:avLst/>
+          </a:prstGeom>
+          <a:ln>
+            <a:solidFill>
+              <a:schemeClr val="bg1"/>
+            </a:solidFill>
+          </a:ln>
+        </p:spPr>
+        <p:style>
+          <a:lnRef idx="2">
+            <a:schemeClr val="accent1">
+              <a:shade val="15000"/>
+            </a:schemeClr>
+          </a:lnRef>
+          <a:fillRef idx="1">
+            <a:schemeClr val="accent1"/>
+          </a:fillRef>
+          <a:effectRef idx="0">
+            <a:schemeClr val="accent1"/>
+          </a:effectRef>
+          <a:fontRef idx="minor">
+            <a:schemeClr val="lt1"/>
+          </a:fontRef>
+        </p:style>
+        <p:txBody>
+          <a:bodyPr wrap="none" rtlCol="0" anchor="t" anchorCtr="0"/>
+          <a:lstStyle/>
+          <a:p>
+            <a:r>
+              <a:rPr lang="en-GB" dirty="0" err="1"/>
+              <a:t>ResearchStudyStudyAmendmentDetails</a:t>
+            </a:r>
+            <a:r>
+              <a:rPr lang="en-GB" dirty="0"/>
+              <a:t> </a:t>
+            </a:r>
+          </a:p>
+          <a:p>
+            <a:endParaRPr lang="en-GB" dirty="0"/>
+          </a:p>
+        </p:txBody>
+      </p:sp>
+      <p:sp>
+        <p:nvSpPr>
+          <p:cNvPr id="11" name="Rectangle 10">
+            <a:extLst>
+              <a:ext uri="{FF2B5EF4-FFF2-40B4-BE49-F238E27FC236}">
+                <a16:creationId xmlns:a16="http://schemas.microsoft.com/office/drawing/2014/main" id="{2CAFB03E-72CD-EEAB-97E3-5046786A088D}"/>
+              </a:ext>
+            </a:extLst>
+          </p:cNvPr>
+          <p:cNvSpPr/>
+          <p:nvPr/>
+        </p:nvSpPr>
+        <p:spPr>
+          <a:xfrm>
+            <a:off x="1095953" y="2553940"/>
+            <a:ext cx="4424553" cy="481193"/>
+          </a:xfrm>
+          <a:prstGeom prst="rect">
+            <a:avLst/>
+          </a:prstGeom>
+          <a:ln>
+            <a:solidFill>
+              <a:schemeClr val="bg1"/>
+            </a:solidFill>
+          </a:ln>
+        </p:spPr>
+        <p:style>
+          <a:lnRef idx="2">
+            <a:schemeClr val="accent1">
+              <a:shade val="15000"/>
+            </a:schemeClr>
+          </a:lnRef>
+          <a:fillRef idx="1">
+            <a:schemeClr val="accent1"/>
+          </a:fillRef>
+          <a:effectRef idx="0">
+            <a:schemeClr val="accent1"/>
+          </a:effectRef>
+          <a:fontRef idx="minor">
+            <a:schemeClr val="lt1"/>
+          </a:fontRef>
+        </p:style>
+        <p:txBody>
+          <a:bodyPr wrap="none" rtlCol="0" anchor="t" anchorCtr="0"/>
+          <a:lstStyle/>
+          <a:p>
+            <a:r>
+              <a:rPr lang="en-GB" dirty="0" err="1"/>
+              <a:t>ResearchStudyStudyAmendmentScopeImpact</a:t>
+            </a:r>
+            <a:endParaRPr lang="en-GB" dirty="0"/>
+          </a:p>
+          <a:p>
+            <a:r>
+              <a:rPr lang="en-GB" dirty="0"/>
+              <a:t> </a:t>
+            </a:r>
+          </a:p>
+          <a:p>
+            <a:endParaRPr lang="en-GB" dirty="0"/>
+          </a:p>
+        </p:txBody>
+      </p:sp>
+      <p:sp>
+        <p:nvSpPr>
+          <p:cNvPr id="8" name="Rectangle 7">
+            <a:extLst>
+              <a:ext uri="{FF2B5EF4-FFF2-40B4-BE49-F238E27FC236}">
+                <a16:creationId xmlns:a16="http://schemas.microsoft.com/office/drawing/2014/main" id="{B2C18148-8C4F-1720-023C-3AB0B047EDCE}"/>
+              </a:ext>
+            </a:extLst>
+          </p:cNvPr>
+          <p:cNvSpPr/>
+          <p:nvPr/>
+        </p:nvSpPr>
+        <p:spPr>
+          <a:xfrm>
+            <a:off x="1090975" y="1318886"/>
+            <a:ext cx="4424553" cy="422676"/>
+          </a:xfrm>
+          <a:prstGeom prst="rect">
+            <a:avLst/>
+          </a:prstGeom>
+          <a:solidFill>
+            <a:schemeClr val="accent2"/>
+          </a:solidFill>
+          <a:ln>
+            <a:solidFill>
+              <a:schemeClr val="bg1"/>
+            </a:solidFill>
+          </a:ln>
+        </p:spPr>
+        <p:style>
+          <a:lnRef idx="2">
+            <a:schemeClr val="accent1">
+              <a:shade val="15000"/>
+            </a:schemeClr>
+          </a:lnRef>
+          <a:fillRef idx="1">
+            <a:schemeClr val="accent1"/>
+          </a:fillRef>
+          <a:effectRef idx="0">
+            <a:schemeClr val="accent1"/>
+          </a:effectRef>
+          <a:fontRef idx="minor">
+            <a:schemeClr val="lt1"/>
+          </a:fontRef>
+        </p:style>
+        <p:txBody>
+          <a:bodyPr wrap="none" rtlCol="0" anchor="t" anchorCtr="0"/>
+          <a:lstStyle/>
+          <a:p>
+            <a:r>
+              <a:rPr lang="en-GB" dirty="0"/>
+              <a:t>M11ResearchStudyNarratives (</a:t>
+            </a:r>
+            <a:r>
+              <a:rPr lang="en-GB" dirty="0">
+                <a:solidFill>
+                  <a:schemeClr val="tx1"/>
+                </a:solidFill>
+                <a:highlight>
+                  <a:srgbClr val="C0C0C0"/>
+                </a:highlight>
+              </a:rPr>
+              <a:t>Composition</a:t>
+            </a:r>
+            <a:r>
+              <a:rPr lang="en-GB" dirty="0"/>
+              <a:t>)</a:t>
+            </a:r>
+          </a:p>
+        </p:txBody>
+      </p:sp>
+      <p:sp>
+        <p:nvSpPr>
+          <p:cNvPr id="17" name="Rectangle 16">
+            <a:extLst>
+              <a:ext uri="{FF2B5EF4-FFF2-40B4-BE49-F238E27FC236}">
+                <a16:creationId xmlns:a16="http://schemas.microsoft.com/office/drawing/2014/main" id="{DA660AAD-15D4-AF40-B3C3-5B784245E88E}"/>
+              </a:ext>
+            </a:extLst>
+          </p:cNvPr>
+          <p:cNvSpPr/>
+          <p:nvPr/>
+        </p:nvSpPr>
+        <p:spPr>
+          <a:xfrm>
+            <a:off x="661040" y="3967992"/>
+            <a:ext cx="4970097" cy="371333"/>
+          </a:xfrm>
+          <a:prstGeom prst="rect">
+            <a:avLst/>
+          </a:prstGeom>
+          <a:solidFill>
+            <a:srgbClr val="4472C4"/>
+          </a:solidFill>
+          <a:ln>
+            <a:solidFill>
+              <a:schemeClr val="bg1"/>
+            </a:solidFill>
+          </a:ln>
+        </p:spPr>
+        <p:style>
+          <a:lnRef idx="2">
+            <a:schemeClr val="accent1">
+              <a:shade val="15000"/>
+            </a:schemeClr>
+          </a:lnRef>
+          <a:fillRef idx="1">
+            <a:schemeClr val="accent1"/>
+          </a:fillRef>
+          <a:effectRef idx="0">
+            <a:schemeClr val="accent1"/>
+          </a:effectRef>
+          <a:fontRef idx="minor">
+            <a:schemeClr val="lt1"/>
+          </a:fontRef>
+        </p:style>
+        <p:txBody>
+          <a:bodyPr wrap="none" rtlCol="0" anchor="t" anchorCtr="0"/>
+          <a:lstStyle/>
+          <a:p>
+            <a:r>
+              <a:rPr lang="en-GB" dirty="0" err="1"/>
+              <a:t>ResearchStudySponsorConfidentialityStatement</a:t>
+            </a:r>
+            <a:endParaRPr lang="en-GB" dirty="0"/>
+          </a:p>
+        </p:txBody>
+      </p:sp>
+      <p:sp>
+        <p:nvSpPr>
+          <p:cNvPr id="3" name="Rectangle 2">
+            <a:extLst>
+              <a:ext uri="{FF2B5EF4-FFF2-40B4-BE49-F238E27FC236}">
+                <a16:creationId xmlns:a16="http://schemas.microsoft.com/office/drawing/2014/main" id="{0DFC55D2-24C2-C0EC-441E-4A326DF9A8B8}"/>
+              </a:ext>
+            </a:extLst>
+          </p:cNvPr>
+          <p:cNvSpPr/>
+          <p:nvPr/>
+        </p:nvSpPr>
+        <p:spPr>
+          <a:xfrm>
+            <a:off x="823760" y="4679269"/>
+            <a:ext cx="1835033" cy="304974"/>
+          </a:xfrm>
+          <a:prstGeom prst="rect">
+            <a:avLst/>
+          </a:prstGeom>
+          <a:solidFill>
+            <a:schemeClr val="accent2"/>
+          </a:solidFill>
+          <a:ln>
+            <a:solidFill>
+              <a:schemeClr val="bg1"/>
+            </a:solidFill>
+          </a:ln>
+        </p:spPr>
+        <p:style>
+          <a:lnRef idx="2">
+            <a:schemeClr val="accent1">
+              <a:shade val="15000"/>
+            </a:schemeClr>
+          </a:lnRef>
+          <a:fillRef idx="1">
+            <a:schemeClr val="accent1"/>
+          </a:fillRef>
+          <a:effectRef idx="0">
+            <a:schemeClr val="accent1"/>
+          </a:effectRef>
+          <a:fontRef idx="minor">
+            <a:schemeClr val="lt1"/>
+          </a:fontRef>
+        </p:style>
+        <p:txBody>
+          <a:bodyPr wrap="none" rtlCol="0" anchor="t" anchorCtr="0"/>
+          <a:lstStyle/>
+          <a:p>
+            <a:r>
+              <a:rPr lang="en-GB" sz="1400" dirty="0"/>
+              <a:t>Profile (</a:t>
+            </a:r>
+            <a:r>
+              <a:rPr lang="en-GB" sz="1400" dirty="0">
+                <a:solidFill>
+                  <a:schemeClr val="tx1"/>
+                </a:solidFill>
+                <a:highlight>
+                  <a:srgbClr val="C0C0C0"/>
+                </a:highlight>
+              </a:rPr>
+              <a:t>Base Resource</a:t>
+            </a:r>
+            <a:r>
+              <a:rPr lang="en-GB" sz="1400" dirty="0"/>
+              <a:t>)</a:t>
+            </a:r>
+          </a:p>
+        </p:txBody>
+      </p:sp>
+      <p:sp>
+        <p:nvSpPr>
+          <p:cNvPr id="5" name="TextBox 4">
+            <a:extLst>
+              <a:ext uri="{FF2B5EF4-FFF2-40B4-BE49-F238E27FC236}">
+                <a16:creationId xmlns:a16="http://schemas.microsoft.com/office/drawing/2014/main" id="{8E70C799-3AD0-F500-A89D-A1602F427344}"/>
+              </a:ext>
+            </a:extLst>
+          </p:cNvPr>
+          <p:cNvSpPr txBox="1"/>
+          <p:nvPr/>
+        </p:nvSpPr>
+        <p:spPr>
+          <a:xfrm>
+            <a:off x="330934" y="4688939"/>
+            <a:ext cx="492827" cy="307777"/>
+          </a:xfrm>
+          <a:prstGeom prst="rect">
+            <a:avLst/>
+          </a:prstGeom>
+          <a:noFill/>
+        </p:spPr>
+        <p:txBody>
+          <a:bodyPr wrap="none" rtlCol="0">
+            <a:spAutoFit/>
+          </a:bodyPr>
+          <a:lstStyle/>
+          <a:p>
+            <a:r>
+              <a:rPr lang="en-GB" sz="1400" dirty="0"/>
+              <a:t>Key:</a:t>
+            </a:r>
+          </a:p>
+        </p:txBody>
+      </p:sp>
+      <p:sp>
+        <p:nvSpPr>
+          <p:cNvPr id="18" name="Rectangle 17">
+            <a:extLst>
+              <a:ext uri="{FF2B5EF4-FFF2-40B4-BE49-F238E27FC236}">
+                <a16:creationId xmlns:a16="http://schemas.microsoft.com/office/drawing/2014/main" id="{989D97B6-66EC-9AEE-3F62-696E5E4DB9FA}"/>
+              </a:ext>
+            </a:extLst>
+          </p:cNvPr>
+          <p:cNvSpPr/>
+          <p:nvPr/>
+        </p:nvSpPr>
+        <p:spPr>
+          <a:xfrm>
+            <a:off x="2734142" y="4679269"/>
+            <a:ext cx="896901" cy="307777"/>
+          </a:xfrm>
+          <a:prstGeom prst="rect">
+            <a:avLst/>
+          </a:prstGeom>
+          <a:ln>
+            <a:solidFill>
+              <a:schemeClr val="bg1"/>
+            </a:solidFill>
+          </a:ln>
+        </p:spPr>
+        <p:style>
+          <a:lnRef idx="2">
+            <a:schemeClr val="accent1">
+              <a:shade val="15000"/>
+            </a:schemeClr>
+          </a:lnRef>
+          <a:fillRef idx="1">
+            <a:schemeClr val="accent1"/>
+          </a:fillRef>
+          <a:effectRef idx="0">
+            <a:schemeClr val="accent1"/>
+          </a:effectRef>
+          <a:fontRef idx="minor">
+            <a:schemeClr val="lt1"/>
+          </a:fontRef>
+        </p:style>
+        <p:txBody>
+          <a:bodyPr wrap="none" rtlCol="0" anchor="t" anchorCtr="0"/>
+          <a:lstStyle/>
+          <a:p>
+            <a:r>
+              <a:rPr lang="en-GB" sz="1400" dirty="0"/>
+              <a:t>Extension</a:t>
+            </a:r>
+          </a:p>
+        </p:txBody>
+      </p:sp>
+    </p:spTree>
+    <p:extLst>
+      <p:ext uri="{BB962C8B-B14F-4D97-AF65-F5344CB8AC3E}">
+        <p14:creationId xmlns:p14="http://schemas.microsoft.com/office/powerpoint/2010/main" val="374457431"/>
+      </p:ext>
+    </p:extLst>
+  </p:cSld>
+  <p:clrMapOvr>
+    <a:masterClrMapping/>
+  </p:clrMapOvr>
+</p:sld>
+</file>
+
+<file path=ppt/slides/slide11.xml><?xml version="1.0" encoding="utf-8"?>
+<p:sld xmlns:a="http://schemas.openxmlformats.org/drawingml/2006/main" xmlns:r="http://schemas.openxmlformats.org/officeDocument/2006/relationships" xmlns:p="http://schemas.openxmlformats.org/presentationml/2006/main">
+  <p:cSld>
+    <p:spTree>
+      <p:nvGrpSpPr>
+        <p:cNvPr id="1" name=""/>
+        <p:cNvGrpSpPr/>
+        <p:nvPr/>
+      </p:nvGrpSpPr>
+      <p:grpSpPr>
+        <a:xfrm>
+          <a:off x="0" y="0"/>
+          <a:ext cx="0" cy="0"/>
+          <a:chOff x="0" y="0"/>
+          <a:chExt cx="0" cy="0"/>
+        </a:xfrm>
+      </p:grpSpPr>
+      <p:sp>
+        <p:nvSpPr>
+          <p:cNvPr id="2" name="Rectangle 1">
+            <a:extLst>
+              <a:ext uri="{FF2B5EF4-FFF2-40B4-BE49-F238E27FC236}">
+                <a16:creationId xmlns:a16="http://schemas.microsoft.com/office/drawing/2014/main" id="{A428D5B9-DFF1-3C84-B3E4-3F581C93F88C}"/>
+              </a:ext>
+            </a:extLst>
+          </p:cNvPr>
+          <p:cNvSpPr/>
+          <p:nvPr/>
+        </p:nvSpPr>
+        <p:spPr>
+          <a:xfrm>
+            <a:off x="156691" y="206326"/>
+            <a:ext cx="3219113" cy="4273660"/>
+          </a:xfrm>
+          <a:prstGeom prst="rect">
+            <a:avLst/>
+          </a:prstGeom>
+          <a:solidFill>
+            <a:schemeClr val="accent3"/>
+          </a:solidFill>
+          <a:ln>
+            <a:solidFill>
+              <a:schemeClr val="bg1"/>
+            </a:solidFill>
+          </a:ln>
+        </p:spPr>
+        <p:style>
+          <a:lnRef idx="2">
+            <a:schemeClr val="accent1">
+              <a:shade val="15000"/>
+            </a:schemeClr>
+          </a:lnRef>
+          <a:fillRef idx="1">
+            <a:schemeClr val="accent1"/>
+          </a:fillRef>
+          <a:effectRef idx="0">
+            <a:schemeClr val="accent1"/>
+          </a:effectRef>
+          <a:fontRef idx="minor">
+            <a:schemeClr val="lt1"/>
+          </a:fontRef>
+        </p:style>
+        <p:txBody>
+          <a:bodyPr wrap="none" rtlCol="0" anchor="t" anchorCtr="0"/>
+          <a:lstStyle/>
+          <a:p>
+            <a:r>
+              <a:rPr lang="en-GB" dirty="0" err="1"/>
+              <a:t>ResearchStudy</a:t>
+            </a:r>
+            <a:endParaRPr lang="en-GB" dirty="0"/>
+          </a:p>
+        </p:txBody>
+      </p:sp>
+      <p:sp>
+        <p:nvSpPr>
+          <p:cNvPr id="19" name="Rectangle 18">
+            <a:extLst>
+              <a:ext uri="{FF2B5EF4-FFF2-40B4-BE49-F238E27FC236}">
+                <a16:creationId xmlns:a16="http://schemas.microsoft.com/office/drawing/2014/main" id="{B7926905-7703-0C5E-9D04-9004D7806E73}"/>
+              </a:ext>
+            </a:extLst>
+          </p:cNvPr>
+          <p:cNvSpPr/>
+          <p:nvPr/>
+        </p:nvSpPr>
+        <p:spPr>
+          <a:xfrm>
+            <a:off x="288111" y="641116"/>
+            <a:ext cx="2961172" cy="3585827"/>
+          </a:xfrm>
+          <a:prstGeom prst="rect">
+            <a:avLst/>
+          </a:prstGeom>
+          <a:solidFill>
+            <a:schemeClr val="accent6"/>
+          </a:solidFill>
+          <a:ln w="38100">
+            <a:solidFill>
+              <a:schemeClr val="bg1"/>
+            </a:solidFill>
+          </a:ln>
+        </p:spPr>
+        <p:style>
+          <a:lnRef idx="2">
+            <a:schemeClr val="accent1">
+              <a:shade val="15000"/>
+            </a:schemeClr>
+          </a:lnRef>
+          <a:fillRef idx="1">
+            <a:schemeClr val="accent1"/>
+          </a:fillRef>
+          <a:effectRef idx="0">
+            <a:schemeClr val="accent1"/>
+          </a:effectRef>
+          <a:fontRef idx="minor">
+            <a:schemeClr val="lt1"/>
+          </a:fontRef>
+        </p:style>
+        <p:txBody>
+          <a:bodyPr wrap="none" rtlCol="0" anchor="t" anchorCtr="0"/>
+          <a:lstStyle/>
+          <a:p>
+            <a:r>
+              <a:rPr lang="en-GB" dirty="0" err="1"/>
+              <a:t>StudyDesign</a:t>
+            </a:r>
+            <a:endParaRPr lang="en-GB" dirty="0"/>
+          </a:p>
+        </p:txBody>
+      </p:sp>
+      <p:sp>
+        <p:nvSpPr>
+          <p:cNvPr id="4" name="Rectangle 3">
+            <a:extLst>
+              <a:ext uri="{FF2B5EF4-FFF2-40B4-BE49-F238E27FC236}">
+                <a16:creationId xmlns:a16="http://schemas.microsoft.com/office/drawing/2014/main" id="{9C9A7485-1BDC-2014-DE43-CD8CBA6152E1}"/>
+              </a:ext>
+            </a:extLst>
+          </p:cNvPr>
+          <p:cNvSpPr/>
+          <p:nvPr/>
+        </p:nvSpPr>
+        <p:spPr>
+          <a:xfrm>
+            <a:off x="3853378" y="2587951"/>
+            <a:ext cx="2537130" cy="426561"/>
+          </a:xfrm>
+          <a:prstGeom prst="rect">
+            <a:avLst/>
+          </a:prstGeom>
+          <a:ln>
+            <a:solidFill>
+              <a:schemeClr val="bg1"/>
+            </a:solidFill>
+          </a:ln>
+        </p:spPr>
+        <p:style>
+          <a:lnRef idx="2">
+            <a:schemeClr val="accent1">
+              <a:shade val="15000"/>
+            </a:schemeClr>
+          </a:lnRef>
+          <a:fillRef idx="1">
+            <a:schemeClr val="accent1"/>
+          </a:fillRef>
+          <a:effectRef idx="0">
+            <a:schemeClr val="accent1"/>
+          </a:effectRef>
+          <a:fontRef idx="minor">
+            <a:schemeClr val="lt1"/>
+          </a:fontRef>
+        </p:style>
+        <p:txBody>
+          <a:bodyPr wrap="none" rtlCol="0" anchor="t" anchorCtr="0"/>
+          <a:lstStyle/>
+          <a:p>
+            <a:r>
+              <a:rPr lang="en-GB" dirty="0" err="1"/>
+              <a:t>NarrativeElements</a:t>
+            </a:r>
+            <a:endParaRPr lang="en-GB" dirty="0"/>
+          </a:p>
+        </p:txBody>
+      </p:sp>
+      <p:sp>
+        <p:nvSpPr>
+          <p:cNvPr id="8" name="Rectangle 7">
+            <a:extLst>
+              <a:ext uri="{FF2B5EF4-FFF2-40B4-BE49-F238E27FC236}">
+                <a16:creationId xmlns:a16="http://schemas.microsoft.com/office/drawing/2014/main" id="{77F97369-C434-94ED-4CC3-AB8B48EEB014}"/>
+              </a:ext>
+            </a:extLst>
+          </p:cNvPr>
+          <p:cNvSpPr/>
+          <p:nvPr/>
+        </p:nvSpPr>
+        <p:spPr>
+          <a:xfrm>
+            <a:off x="7229180" y="2190853"/>
+            <a:ext cx="3651849" cy="903306"/>
+          </a:xfrm>
+          <a:prstGeom prst="rect">
+            <a:avLst/>
+          </a:prstGeom>
+        </p:spPr>
+        <p:style>
+          <a:lnRef idx="2">
+            <a:schemeClr val="accent1">
+              <a:shade val="15000"/>
+            </a:schemeClr>
+          </a:lnRef>
+          <a:fillRef idx="1">
+            <a:schemeClr val="accent1"/>
+          </a:fillRef>
+          <a:effectRef idx="0">
+            <a:schemeClr val="accent1"/>
+          </a:effectRef>
+          <a:fontRef idx="minor">
+            <a:schemeClr val="lt1"/>
+          </a:fontRef>
+        </p:style>
+        <p:txBody>
+          <a:bodyPr wrap="none" rtlCol="0" anchor="t" anchorCtr="0"/>
+          <a:lstStyle/>
+          <a:p>
+            <a:r>
+              <a:rPr lang="en-GB" dirty="0"/>
+              <a:t>Composition</a:t>
+            </a:r>
+          </a:p>
+        </p:txBody>
+      </p:sp>
+      <p:sp>
+        <p:nvSpPr>
+          <p:cNvPr id="10" name="Rectangle 9">
+            <a:extLst>
+              <a:ext uri="{FF2B5EF4-FFF2-40B4-BE49-F238E27FC236}">
+                <a16:creationId xmlns:a16="http://schemas.microsoft.com/office/drawing/2014/main" id="{EF2A7B39-A5E1-3CBB-0881-01B24B25A54A}"/>
+              </a:ext>
+            </a:extLst>
+          </p:cNvPr>
+          <p:cNvSpPr/>
+          <p:nvPr/>
+        </p:nvSpPr>
+        <p:spPr>
+          <a:xfrm>
+            <a:off x="7504827" y="2556365"/>
+            <a:ext cx="3115994" cy="422676"/>
+          </a:xfrm>
+          <a:prstGeom prst="rect">
+            <a:avLst/>
+          </a:prstGeom>
+          <a:solidFill>
+            <a:schemeClr val="accent2"/>
+          </a:solidFill>
+          <a:ln>
+            <a:solidFill>
+              <a:schemeClr val="bg1"/>
+            </a:solidFill>
+          </a:ln>
+        </p:spPr>
+        <p:style>
+          <a:lnRef idx="2">
+            <a:schemeClr val="accent1">
+              <a:shade val="15000"/>
+            </a:schemeClr>
+          </a:lnRef>
+          <a:fillRef idx="1">
+            <a:schemeClr val="accent1"/>
+          </a:fillRef>
+          <a:effectRef idx="0">
+            <a:schemeClr val="accent1"/>
+          </a:effectRef>
+          <a:fontRef idx="minor">
+            <a:schemeClr val="lt1"/>
+          </a:fontRef>
+        </p:style>
+        <p:txBody>
+          <a:bodyPr wrap="none" rtlCol="0" anchor="t" anchorCtr="0"/>
+          <a:lstStyle/>
+          <a:p>
+            <a:r>
+              <a:rPr lang="en-GB" dirty="0"/>
+              <a:t>M11ResearchStudyNarratives</a:t>
+            </a:r>
+          </a:p>
+        </p:txBody>
+      </p:sp>
+      <p:sp>
+        <p:nvSpPr>
+          <p:cNvPr id="11" name="Rectangle 10">
+            <a:extLst>
+              <a:ext uri="{FF2B5EF4-FFF2-40B4-BE49-F238E27FC236}">
+                <a16:creationId xmlns:a16="http://schemas.microsoft.com/office/drawing/2014/main" id="{9022BB3E-490F-6A15-2F03-F2316EFEA2F9}"/>
+              </a:ext>
+            </a:extLst>
+          </p:cNvPr>
+          <p:cNvSpPr/>
+          <p:nvPr/>
+        </p:nvSpPr>
+        <p:spPr>
+          <a:xfrm>
+            <a:off x="491423" y="2265872"/>
+            <a:ext cx="2628032" cy="1871408"/>
+          </a:xfrm>
+          <a:prstGeom prst="rect">
+            <a:avLst/>
+          </a:prstGeom>
+          <a:solidFill>
+            <a:schemeClr val="accent2"/>
+          </a:solidFill>
+          <a:ln>
+            <a:solidFill>
+              <a:schemeClr val="bg1"/>
+            </a:solidFill>
+          </a:ln>
+        </p:spPr>
+        <p:style>
+          <a:lnRef idx="2">
+            <a:schemeClr val="accent1">
+              <a:shade val="15000"/>
+            </a:schemeClr>
+          </a:lnRef>
+          <a:fillRef idx="1">
+            <a:schemeClr val="accent1"/>
+          </a:fillRef>
+          <a:effectRef idx="0">
+            <a:schemeClr val="accent1"/>
+          </a:effectRef>
+          <a:fontRef idx="minor">
+            <a:schemeClr val="lt1"/>
+          </a:fontRef>
+        </p:style>
+        <p:txBody>
+          <a:bodyPr wrap="none" rtlCol="0" anchor="t" anchorCtr="0"/>
+          <a:lstStyle/>
+          <a:p>
+            <a:r>
+              <a:rPr lang="en-GB" dirty="0"/>
+              <a:t>M11_ResearchStudyProfile</a:t>
+            </a:r>
+          </a:p>
+        </p:txBody>
+      </p:sp>
+      <p:sp>
+        <p:nvSpPr>
+          <p:cNvPr id="12" name="Arrow: Right 11">
+            <a:extLst>
+              <a:ext uri="{FF2B5EF4-FFF2-40B4-BE49-F238E27FC236}">
+                <a16:creationId xmlns:a16="http://schemas.microsoft.com/office/drawing/2014/main" id="{A967A5DE-4FAD-EC35-648A-C432FBBB0ADB}"/>
+              </a:ext>
+            </a:extLst>
+          </p:cNvPr>
+          <p:cNvSpPr/>
+          <p:nvPr/>
+        </p:nvSpPr>
+        <p:spPr>
+          <a:xfrm>
+            <a:off x="5762690" y="2542934"/>
+            <a:ext cx="1817298" cy="471578"/>
+          </a:xfrm>
+          <a:prstGeom prst="rightArrow">
+            <a:avLst/>
+          </a:prstGeom>
+          <a:ln w="38100">
+            <a:solidFill>
+              <a:schemeClr val="bg1"/>
+            </a:solidFill>
+          </a:ln>
+        </p:spPr>
+        <p:style>
+          <a:lnRef idx="2">
+            <a:schemeClr val="accent1">
+              <a:shade val="15000"/>
+            </a:schemeClr>
+          </a:lnRef>
+          <a:fillRef idx="1">
+            <a:schemeClr val="accent1"/>
+          </a:fillRef>
+          <a:effectRef idx="0">
+            <a:schemeClr val="accent1"/>
+          </a:effectRef>
+          <a:fontRef idx="minor">
+            <a:schemeClr val="lt1"/>
+          </a:fontRef>
+        </p:style>
+        <p:txBody>
+          <a:bodyPr rtlCol="0" anchor="ctr"/>
+          <a:lstStyle/>
+          <a:p>
+            <a:pPr algn="ctr"/>
+            <a:endParaRPr lang="en-GB"/>
+          </a:p>
+        </p:txBody>
+      </p:sp>
+      <p:sp>
+        <p:nvSpPr>
+          <p:cNvPr id="13" name="Rectangle 12">
+            <a:extLst>
+              <a:ext uri="{FF2B5EF4-FFF2-40B4-BE49-F238E27FC236}">
+                <a16:creationId xmlns:a16="http://schemas.microsoft.com/office/drawing/2014/main" id="{1EE56262-80C5-C2A4-E012-DF54B533FA7B}"/>
+              </a:ext>
+            </a:extLst>
+          </p:cNvPr>
+          <p:cNvSpPr/>
+          <p:nvPr/>
+        </p:nvSpPr>
+        <p:spPr>
+          <a:xfrm>
+            <a:off x="3870800" y="992354"/>
+            <a:ext cx="1817298" cy="371333"/>
+          </a:xfrm>
+          <a:prstGeom prst="rect">
+            <a:avLst/>
+          </a:prstGeom>
+          <a:solidFill>
+            <a:schemeClr val="accent6"/>
+          </a:solidFill>
+          <a:ln>
+            <a:solidFill>
+              <a:schemeClr val="bg1"/>
+            </a:solidFill>
+          </a:ln>
+        </p:spPr>
+        <p:style>
+          <a:lnRef idx="2">
+            <a:schemeClr val="accent1">
+              <a:shade val="15000"/>
+            </a:schemeClr>
+          </a:lnRef>
+          <a:fillRef idx="1">
+            <a:schemeClr val="accent1"/>
+          </a:fillRef>
+          <a:effectRef idx="0">
+            <a:schemeClr val="accent1"/>
+          </a:effectRef>
+          <a:fontRef idx="minor">
+            <a:schemeClr val="lt1"/>
+          </a:fontRef>
+        </p:style>
+        <p:txBody>
+          <a:bodyPr wrap="none" rtlCol="0" anchor="t" anchorCtr="0"/>
+          <a:lstStyle/>
+          <a:p>
+            <a:r>
+              <a:rPr lang="en-GB" dirty="0" err="1"/>
+              <a:t>SAEReporting</a:t>
+            </a:r>
+            <a:endParaRPr lang="en-GB" dirty="0"/>
+          </a:p>
+        </p:txBody>
+      </p:sp>
+      <p:sp>
+        <p:nvSpPr>
+          <p:cNvPr id="14" name="Rectangle 13">
+            <a:extLst>
+              <a:ext uri="{FF2B5EF4-FFF2-40B4-BE49-F238E27FC236}">
+                <a16:creationId xmlns:a16="http://schemas.microsoft.com/office/drawing/2014/main" id="{0CEFD97E-F84D-8C6C-CE22-D1E84A99736E}"/>
+              </a:ext>
+            </a:extLst>
+          </p:cNvPr>
+          <p:cNvSpPr/>
+          <p:nvPr/>
+        </p:nvSpPr>
+        <p:spPr>
+          <a:xfrm>
+            <a:off x="3870799" y="1748034"/>
+            <a:ext cx="4424553" cy="371333"/>
+          </a:xfrm>
+          <a:prstGeom prst="rect">
+            <a:avLst/>
+          </a:prstGeom>
+          <a:solidFill>
+            <a:schemeClr val="accent6"/>
+          </a:solidFill>
+          <a:ln>
+            <a:solidFill>
+              <a:schemeClr val="bg1"/>
+            </a:solidFill>
+          </a:ln>
+        </p:spPr>
+        <p:style>
+          <a:lnRef idx="2">
+            <a:schemeClr val="accent1">
+              <a:shade val="15000"/>
+            </a:schemeClr>
+          </a:lnRef>
+          <a:fillRef idx="1">
+            <a:schemeClr val="accent1"/>
+          </a:fillRef>
+          <a:effectRef idx="0">
+            <a:schemeClr val="accent1"/>
+          </a:effectRef>
+          <a:fontRef idx="minor">
+            <a:schemeClr val="lt1"/>
+          </a:fontRef>
+        </p:style>
+        <p:txBody>
+          <a:bodyPr wrap="none" rtlCol="0" anchor="t" anchorCtr="0"/>
+          <a:lstStyle/>
+          <a:p>
+            <a:r>
+              <a:rPr lang="en-GB" dirty="0" err="1"/>
+              <a:t>ConfidentialityStatement</a:t>
+            </a:r>
+            <a:endParaRPr lang="en-GB" dirty="0"/>
+          </a:p>
+        </p:txBody>
+      </p:sp>
+      <p:sp>
+        <p:nvSpPr>
+          <p:cNvPr id="5" name="Rectangle 4">
+            <a:extLst>
+              <a:ext uri="{FF2B5EF4-FFF2-40B4-BE49-F238E27FC236}">
+                <a16:creationId xmlns:a16="http://schemas.microsoft.com/office/drawing/2014/main" id="{9DCA96B9-4082-71BF-98E0-378930518641}"/>
+              </a:ext>
+            </a:extLst>
+          </p:cNvPr>
+          <p:cNvSpPr/>
+          <p:nvPr/>
+        </p:nvSpPr>
+        <p:spPr>
+          <a:xfrm>
+            <a:off x="3797248" y="3308153"/>
+            <a:ext cx="4970099" cy="1574767"/>
+          </a:xfrm>
+          <a:prstGeom prst="rect">
+            <a:avLst/>
+          </a:prstGeom>
+          <a:ln>
+            <a:solidFill>
+              <a:schemeClr val="bg1"/>
+            </a:solidFill>
+          </a:ln>
+        </p:spPr>
+        <p:style>
+          <a:lnRef idx="2">
+            <a:schemeClr val="accent1">
+              <a:shade val="15000"/>
+            </a:schemeClr>
+          </a:lnRef>
+          <a:fillRef idx="1">
+            <a:schemeClr val="accent1"/>
+          </a:fillRef>
+          <a:effectRef idx="0">
+            <a:schemeClr val="accent1"/>
+          </a:effectRef>
+          <a:fontRef idx="minor">
+            <a:schemeClr val="lt1"/>
+          </a:fontRef>
+        </p:style>
+        <p:txBody>
+          <a:bodyPr wrap="none" rtlCol="0" anchor="t" anchorCtr="0"/>
+          <a:lstStyle/>
+          <a:p>
+            <a:r>
+              <a:rPr lang="en-GB" dirty="0"/>
+              <a:t>M11_ProtocolAmendment </a:t>
+            </a:r>
+          </a:p>
+          <a:p>
+            <a:endParaRPr lang="en-GB" dirty="0"/>
+          </a:p>
+        </p:txBody>
+      </p:sp>
+      <p:sp>
+        <p:nvSpPr>
+          <p:cNvPr id="6" name="Rectangle 5">
+            <a:extLst>
+              <a:ext uri="{FF2B5EF4-FFF2-40B4-BE49-F238E27FC236}">
+                <a16:creationId xmlns:a16="http://schemas.microsoft.com/office/drawing/2014/main" id="{DAE8DE3D-306A-A739-ABA1-26B8DD6012B1}"/>
+              </a:ext>
+            </a:extLst>
+          </p:cNvPr>
+          <p:cNvSpPr/>
+          <p:nvPr/>
+        </p:nvSpPr>
+        <p:spPr>
+          <a:xfrm>
+            <a:off x="4170263" y="3672267"/>
+            <a:ext cx="4424553" cy="417024"/>
+          </a:xfrm>
+          <a:prstGeom prst="rect">
+            <a:avLst/>
+          </a:prstGeom>
+          <a:ln>
+            <a:solidFill>
+              <a:schemeClr val="bg1"/>
+            </a:solidFill>
+          </a:ln>
+        </p:spPr>
+        <p:style>
+          <a:lnRef idx="2">
+            <a:schemeClr val="accent1">
+              <a:shade val="15000"/>
+            </a:schemeClr>
+          </a:lnRef>
+          <a:fillRef idx="1">
+            <a:schemeClr val="accent1"/>
+          </a:fillRef>
+          <a:effectRef idx="0">
+            <a:schemeClr val="accent1"/>
+          </a:effectRef>
+          <a:fontRef idx="minor">
+            <a:schemeClr val="lt1"/>
+          </a:fontRef>
+        </p:style>
+        <p:txBody>
+          <a:bodyPr wrap="none" rtlCol="0" anchor="t" anchorCtr="0"/>
+          <a:lstStyle/>
+          <a:p>
+            <a:r>
+              <a:rPr lang="en-GB" dirty="0" err="1"/>
+              <a:t>ResearchStudyStudyAmendmentDetails</a:t>
+            </a:r>
+            <a:r>
+              <a:rPr lang="en-GB" dirty="0"/>
+              <a:t> </a:t>
+            </a:r>
+          </a:p>
+          <a:p>
+            <a:endParaRPr lang="en-GB" dirty="0"/>
+          </a:p>
+        </p:txBody>
+      </p:sp>
+      <p:sp>
+        <p:nvSpPr>
+          <p:cNvPr id="7" name="Rectangle 6">
+            <a:extLst>
+              <a:ext uri="{FF2B5EF4-FFF2-40B4-BE49-F238E27FC236}">
+                <a16:creationId xmlns:a16="http://schemas.microsoft.com/office/drawing/2014/main" id="{B0A967C7-B667-BBC7-DCEF-14B5C47C58E6}"/>
+              </a:ext>
+            </a:extLst>
+          </p:cNvPr>
+          <p:cNvSpPr/>
+          <p:nvPr/>
+        </p:nvSpPr>
+        <p:spPr>
+          <a:xfrm>
+            <a:off x="4170263" y="4137280"/>
+            <a:ext cx="4424553" cy="481193"/>
+          </a:xfrm>
+          <a:prstGeom prst="rect">
+            <a:avLst/>
+          </a:prstGeom>
+          <a:ln>
+            <a:solidFill>
+              <a:schemeClr val="bg1"/>
+            </a:solidFill>
+          </a:ln>
+        </p:spPr>
+        <p:style>
+          <a:lnRef idx="2">
+            <a:schemeClr val="accent1">
+              <a:shade val="15000"/>
+            </a:schemeClr>
+          </a:lnRef>
+          <a:fillRef idx="1">
+            <a:schemeClr val="accent1"/>
+          </a:fillRef>
+          <a:effectRef idx="0">
+            <a:schemeClr val="accent1"/>
+          </a:effectRef>
+          <a:fontRef idx="minor">
+            <a:schemeClr val="lt1"/>
+          </a:fontRef>
+        </p:style>
+        <p:txBody>
+          <a:bodyPr wrap="none" rtlCol="0" anchor="t" anchorCtr="0"/>
+          <a:lstStyle/>
+          <a:p>
+            <a:r>
+              <a:rPr lang="en-GB" dirty="0" err="1"/>
+              <a:t>ResearchStudyStudyAmendmentScopeImpact</a:t>
+            </a:r>
+            <a:endParaRPr lang="en-GB" dirty="0"/>
+          </a:p>
+          <a:p>
+            <a:r>
+              <a:rPr lang="en-GB" dirty="0"/>
+              <a:t> </a:t>
+            </a:r>
+          </a:p>
+          <a:p>
+            <a:endParaRPr lang="en-GB" dirty="0"/>
+          </a:p>
+        </p:txBody>
+      </p:sp>
+      <p:sp>
+        <p:nvSpPr>
+          <p:cNvPr id="15" name="Arrow: Right 14">
+            <a:extLst>
+              <a:ext uri="{FF2B5EF4-FFF2-40B4-BE49-F238E27FC236}">
+                <a16:creationId xmlns:a16="http://schemas.microsoft.com/office/drawing/2014/main" id="{65263392-286B-6026-A5FD-036B9CE9C10F}"/>
+              </a:ext>
+            </a:extLst>
+          </p:cNvPr>
+          <p:cNvSpPr/>
+          <p:nvPr/>
+        </p:nvSpPr>
+        <p:spPr>
+          <a:xfrm>
+            <a:off x="2122098" y="952338"/>
+            <a:ext cx="1817298" cy="471578"/>
+          </a:xfrm>
+          <a:prstGeom prst="rightArrow">
+            <a:avLst/>
+          </a:prstGeom>
+          <a:ln w="38100">
+            <a:solidFill>
+              <a:schemeClr val="bg1"/>
+            </a:solidFill>
+          </a:ln>
+        </p:spPr>
+        <p:style>
+          <a:lnRef idx="2">
+            <a:schemeClr val="accent1">
+              <a:shade val="15000"/>
+            </a:schemeClr>
+          </a:lnRef>
+          <a:fillRef idx="1">
+            <a:schemeClr val="accent1"/>
+          </a:fillRef>
+          <a:effectRef idx="0">
+            <a:schemeClr val="accent1"/>
+          </a:effectRef>
+          <a:fontRef idx="minor">
+            <a:schemeClr val="lt1"/>
+          </a:fontRef>
+        </p:style>
+        <p:txBody>
+          <a:bodyPr rtlCol="0" anchor="ctr"/>
+          <a:lstStyle/>
+          <a:p>
+            <a:pPr algn="ctr"/>
+            <a:endParaRPr lang="en-GB"/>
+          </a:p>
+        </p:txBody>
+      </p:sp>
+      <p:sp>
+        <p:nvSpPr>
+          <p:cNvPr id="16" name="Arrow: Right 15">
+            <a:extLst>
+              <a:ext uri="{FF2B5EF4-FFF2-40B4-BE49-F238E27FC236}">
+                <a16:creationId xmlns:a16="http://schemas.microsoft.com/office/drawing/2014/main" id="{6B908D84-1C15-3D9F-5161-A002DC1B58C3}"/>
+              </a:ext>
+            </a:extLst>
+          </p:cNvPr>
+          <p:cNvSpPr/>
+          <p:nvPr/>
+        </p:nvSpPr>
+        <p:spPr>
+          <a:xfrm>
+            <a:off x="2122098" y="1647789"/>
+            <a:ext cx="1817298" cy="471578"/>
+          </a:xfrm>
+          <a:prstGeom prst="rightArrow">
+            <a:avLst/>
+          </a:prstGeom>
+          <a:ln w="38100">
+            <a:solidFill>
+              <a:schemeClr val="bg1"/>
+            </a:solidFill>
+          </a:ln>
+        </p:spPr>
+        <p:style>
+          <a:lnRef idx="2">
+            <a:schemeClr val="accent1">
+              <a:shade val="15000"/>
+            </a:schemeClr>
+          </a:lnRef>
+          <a:fillRef idx="1">
+            <a:schemeClr val="accent1"/>
+          </a:fillRef>
+          <a:effectRef idx="0">
+            <a:schemeClr val="accent1"/>
+          </a:effectRef>
+          <a:fontRef idx="minor">
+            <a:schemeClr val="lt1"/>
+          </a:fontRef>
+        </p:style>
+        <p:txBody>
+          <a:bodyPr rtlCol="0" anchor="ctr"/>
+          <a:lstStyle/>
+          <a:p>
+            <a:pPr algn="ctr"/>
+            <a:endParaRPr lang="en-GB"/>
+          </a:p>
+        </p:txBody>
+      </p:sp>
+      <p:sp>
+        <p:nvSpPr>
+          <p:cNvPr id="17" name="Arrow: Right 16">
+            <a:extLst>
+              <a:ext uri="{FF2B5EF4-FFF2-40B4-BE49-F238E27FC236}">
+                <a16:creationId xmlns:a16="http://schemas.microsoft.com/office/drawing/2014/main" id="{76042DCC-6349-C1AB-84E6-3BA2B4A03061}"/>
+              </a:ext>
+            </a:extLst>
+          </p:cNvPr>
+          <p:cNvSpPr/>
+          <p:nvPr/>
+        </p:nvSpPr>
+        <p:spPr>
+          <a:xfrm>
+            <a:off x="2053501" y="3247307"/>
+            <a:ext cx="1817298" cy="471578"/>
+          </a:xfrm>
+          <a:prstGeom prst="rightArrow">
+            <a:avLst/>
+          </a:prstGeom>
+          <a:ln w="38100">
+            <a:solidFill>
+              <a:schemeClr val="bg1"/>
+            </a:solidFill>
+          </a:ln>
+        </p:spPr>
+        <p:style>
+          <a:lnRef idx="2">
+            <a:schemeClr val="accent1">
+              <a:shade val="15000"/>
+            </a:schemeClr>
+          </a:lnRef>
+          <a:fillRef idx="1">
+            <a:schemeClr val="accent1"/>
+          </a:fillRef>
+          <a:effectRef idx="0">
+            <a:schemeClr val="accent1"/>
+          </a:effectRef>
+          <a:fontRef idx="minor">
+            <a:schemeClr val="lt1"/>
+          </a:fontRef>
+        </p:style>
+        <p:txBody>
+          <a:bodyPr rtlCol="0" anchor="ctr"/>
+          <a:lstStyle/>
+          <a:p>
+            <a:pPr algn="ctr"/>
+            <a:endParaRPr lang="en-GB"/>
+          </a:p>
+        </p:txBody>
+      </p:sp>
+      <p:sp>
+        <p:nvSpPr>
+          <p:cNvPr id="18" name="Arrow: Right 17">
+            <a:extLst>
+              <a:ext uri="{FF2B5EF4-FFF2-40B4-BE49-F238E27FC236}">
+                <a16:creationId xmlns:a16="http://schemas.microsoft.com/office/drawing/2014/main" id="{CBB4949F-F982-8388-66B8-8E7A7BB67380}"/>
+              </a:ext>
+            </a:extLst>
+          </p:cNvPr>
+          <p:cNvSpPr/>
+          <p:nvPr/>
+        </p:nvSpPr>
+        <p:spPr>
+          <a:xfrm>
+            <a:off x="2106057" y="2531914"/>
+            <a:ext cx="1817298" cy="471578"/>
+          </a:xfrm>
+          <a:prstGeom prst="rightArrow">
+            <a:avLst/>
+          </a:prstGeom>
+          <a:ln w="38100">
+            <a:solidFill>
+              <a:schemeClr val="bg1"/>
+            </a:solidFill>
+          </a:ln>
+        </p:spPr>
+        <p:style>
+          <a:lnRef idx="2">
+            <a:schemeClr val="accent1">
+              <a:shade val="15000"/>
+            </a:schemeClr>
+          </a:lnRef>
+          <a:fillRef idx="1">
+            <a:schemeClr val="accent1"/>
+          </a:fillRef>
+          <a:effectRef idx="0">
+            <a:schemeClr val="accent1"/>
+          </a:effectRef>
+          <a:fontRef idx="minor">
+            <a:schemeClr val="lt1"/>
+          </a:fontRef>
+        </p:style>
+        <p:txBody>
+          <a:bodyPr rtlCol="0" anchor="ctr"/>
+          <a:lstStyle/>
+          <a:p>
+            <a:pPr algn="ctr"/>
+            <a:endParaRPr lang="en-GB"/>
+          </a:p>
+        </p:txBody>
+      </p:sp>
+      <p:sp>
+        <p:nvSpPr>
+          <p:cNvPr id="20" name="Rectangle 19">
+            <a:extLst>
+              <a:ext uri="{FF2B5EF4-FFF2-40B4-BE49-F238E27FC236}">
+                <a16:creationId xmlns:a16="http://schemas.microsoft.com/office/drawing/2014/main" id="{3D90CE56-A83D-C715-634A-98C585A86FA5}"/>
+              </a:ext>
+            </a:extLst>
+          </p:cNvPr>
+          <p:cNvSpPr/>
+          <p:nvPr/>
+        </p:nvSpPr>
+        <p:spPr>
+          <a:xfrm>
+            <a:off x="6815944" y="758072"/>
+            <a:ext cx="896901" cy="307777"/>
+          </a:xfrm>
+          <a:prstGeom prst="rect">
+            <a:avLst/>
+          </a:prstGeom>
+          <a:ln>
+            <a:solidFill>
+              <a:schemeClr val="bg1"/>
+            </a:solidFill>
+          </a:ln>
+        </p:spPr>
+        <p:style>
+          <a:lnRef idx="2">
+            <a:schemeClr val="accent1">
+              <a:shade val="15000"/>
+            </a:schemeClr>
+          </a:lnRef>
+          <a:fillRef idx="1">
+            <a:schemeClr val="accent1"/>
+          </a:fillRef>
+          <a:effectRef idx="0">
+            <a:schemeClr val="accent1"/>
+          </a:effectRef>
+          <a:fontRef idx="minor">
+            <a:schemeClr val="lt1"/>
+          </a:fontRef>
+        </p:style>
+        <p:txBody>
+          <a:bodyPr wrap="none" rtlCol="0" anchor="t" anchorCtr="0"/>
+          <a:lstStyle/>
+          <a:p>
+            <a:r>
+              <a:rPr lang="en-GB" sz="1400" dirty="0"/>
+              <a:t>Extension</a:t>
+            </a:r>
+          </a:p>
+        </p:txBody>
+      </p:sp>
+      <p:sp>
+        <p:nvSpPr>
+          <p:cNvPr id="21" name="Rectangle 20">
+            <a:extLst>
+              <a:ext uri="{FF2B5EF4-FFF2-40B4-BE49-F238E27FC236}">
+                <a16:creationId xmlns:a16="http://schemas.microsoft.com/office/drawing/2014/main" id="{B51F98FA-EDC2-F982-8DEF-277DB5DDE978}"/>
+              </a:ext>
+            </a:extLst>
+          </p:cNvPr>
+          <p:cNvSpPr/>
+          <p:nvPr/>
+        </p:nvSpPr>
+        <p:spPr>
+          <a:xfrm>
+            <a:off x="7869627" y="758072"/>
+            <a:ext cx="1384467" cy="304974"/>
+          </a:xfrm>
+          <a:prstGeom prst="rect">
+            <a:avLst/>
+          </a:prstGeom>
+          <a:solidFill>
+            <a:schemeClr val="accent2"/>
+          </a:solidFill>
+          <a:ln>
+            <a:solidFill>
+              <a:schemeClr val="bg1"/>
+            </a:solidFill>
+          </a:ln>
+        </p:spPr>
+        <p:style>
+          <a:lnRef idx="2">
+            <a:schemeClr val="accent1">
+              <a:shade val="15000"/>
+            </a:schemeClr>
+          </a:lnRef>
+          <a:fillRef idx="1">
+            <a:schemeClr val="accent1"/>
+          </a:fillRef>
+          <a:effectRef idx="0">
+            <a:schemeClr val="accent1"/>
+          </a:effectRef>
+          <a:fontRef idx="minor">
+            <a:schemeClr val="lt1"/>
+          </a:fontRef>
+        </p:style>
+        <p:txBody>
+          <a:bodyPr wrap="none" rtlCol="0" anchor="t" anchorCtr="0"/>
+          <a:lstStyle/>
+          <a:p>
+            <a:r>
+              <a:rPr lang="en-GB" sz="1400" dirty="0"/>
+              <a:t>Profile from UDP</a:t>
+            </a:r>
+          </a:p>
+        </p:txBody>
+      </p:sp>
+      <p:sp>
+        <p:nvSpPr>
+          <p:cNvPr id="22" name="Rectangle 21">
+            <a:extLst>
+              <a:ext uri="{FF2B5EF4-FFF2-40B4-BE49-F238E27FC236}">
+                <a16:creationId xmlns:a16="http://schemas.microsoft.com/office/drawing/2014/main" id="{53CEC505-B7D1-39BF-08F1-6F4FD6875FC2}"/>
+              </a:ext>
+            </a:extLst>
+          </p:cNvPr>
+          <p:cNvSpPr/>
+          <p:nvPr/>
+        </p:nvSpPr>
+        <p:spPr>
+          <a:xfrm>
+            <a:off x="9331123" y="758072"/>
+            <a:ext cx="1384467" cy="304973"/>
+          </a:xfrm>
+          <a:prstGeom prst="rect">
+            <a:avLst/>
+          </a:prstGeom>
+          <a:solidFill>
+            <a:schemeClr val="accent6"/>
+          </a:solidFill>
+          <a:ln>
+            <a:solidFill>
+              <a:schemeClr val="bg1"/>
+            </a:solidFill>
+          </a:ln>
+        </p:spPr>
+        <p:style>
+          <a:lnRef idx="2">
+            <a:schemeClr val="accent1">
+              <a:shade val="15000"/>
+            </a:schemeClr>
+          </a:lnRef>
+          <a:fillRef idx="1">
+            <a:schemeClr val="accent1"/>
+          </a:fillRef>
+          <a:effectRef idx="0">
+            <a:schemeClr val="accent1"/>
+          </a:effectRef>
+          <a:fontRef idx="minor">
+            <a:schemeClr val="lt1"/>
+          </a:fontRef>
+        </p:style>
+        <p:txBody>
+          <a:bodyPr wrap="none" rtlCol="0" anchor="t" anchorCtr="0"/>
+          <a:lstStyle/>
+          <a:p>
+            <a:r>
+              <a:rPr lang="en-GB" sz="1400" dirty="0"/>
+              <a:t>Profile from EBM</a:t>
+            </a:r>
+          </a:p>
+        </p:txBody>
+      </p:sp>
+      <p:sp>
+        <p:nvSpPr>
+          <p:cNvPr id="23" name="TextBox 22">
+            <a:extLst>
+              <a:ext uri="{FF2B5EF4-FFF2-40B4-BE49-F238E27FC236}">
+                <a16:creationId xmlns:a16="http://schemas.microsoft.com/office/drawing/2014/main" id="{CED629DB-E2C1-1914-C7D3-831719B294B0}"/>
+              </a:ext>
+            </a:extLst>
+          </p:cNvPr>
+          <p:cNvSpPr txBox="1"/>
+          <p:nvPr/>
+        </p:nvSpPr>
+        <p:spPr>
+          <a:xfrm>
+            <a:off x="6183094" y="732724"/>
+            <a:ext cx="492827" cy="307777"/>
+          </a:xfrm>
+          <a:prstGeom prst="rect">
+            <a:avLst/>
+          </a:prstGeom>
+          <a:noFill/>
+        </p:spPr>
+        <p:txBody>
+          <a:bodyPr wrap="none" rtlCol="0">
+            <a:spAutoFit/>
+          </a:bodyPr>
+          <a:lstStyle/>
+          <a:p>
+            <a:r>
+              <a:rPr lang="en-GB" sz="1400" dirty="0"/>
+              <a:t>Key:</a:t>
+            </a:r>
+          </a:p>
+        </p:txBody>
+      </p:sp>
+    </p:spTree>
+    <p:extLst>
+      <p:ext uri="{BB962C8B-B14F-4D97-AF65-F5344CB8AC3E}">
+        <p14:creationId xmlns:p14="http://schemas.microsoft.com/office/powerpoint/2010/main" val="160287417"/>
+      </p:ext>
+    </p:extLst>
+  </p:cSld>
+  <p:clrMapOvr>
+    <a:masterClrMapping/>
+  </p:clrMapOvr>
+</p:sld>
+</file>
+
+<file path=ppt/slides/slide12.xml><?xml version="1.0" encoding="utf-8"?>
+<p:sld xmlns:a="http://schemas.openxmlformats.org/drawingml/2006/main" xmlns:r="http://schemas.openxmlformats.org/officeDocument/2006/relationships" xmlns:p="http://schemas.openxmlformats.org/presentationml/2006/main">
+  <p:cSld>
+    <p:spTree>
+      <p:nvGrpSpPr>
+        <p:cNvPr id="1" name="">
+          <a:extLst>
+            <a:ext uri="{FF2B5EF4-FFF2-40B4-BE49-F238E27FC236}">
               <a16:creationId xmlns:a16="http://schemas.microsoft.com/office/drawing/2014/main" id="{F647A574-50C2-E8E8-ADDF-05EDDB31C00C}"/>
             </a:ext>
           </a:extLst>
@@ -21740,7 +23475,7 @@
 </p:sld>
 </file>
 
-<file path=ppt/slides/slide11.xml><?xml version="1.0" encoding="utf-8"?>
+<file path=ppt/slides/slide13.xml><?xml version="1.0" encoding="utf-8"?>
 <p:sld xmlns:a="http://schemas.openxmlformats.org/drawingml/2006/main" xmlns:r="http://schemas.openxmlformats.org/officeDocument/2006/relationships" xmlns:p="http://schemas.openxmlformats.org/presentationml/2006/main">
   <p:cSld>
     <p:spTree>
@@ -22441,6 +24176,368 @@
       </p:grpSpPr>
       <p:sp>
         <p:nvSpPr>
+          <p:cNvPr id="2" name="Rectangle 1">
+            <a:extLst>
+              <a:ext uri="{FF2B5EF4-FFF2-40B4-BE49-F238E27FC236}">
+                <a16:creationId xmlns:a16="http://schemas.microsoft.com/office/drawing/2014/main" id="{5C3CC415-CBA9-9B1F-46D5-1B9DD964084B}"/>
+              </a:ext>
+            </a:extLst>
+          </p:cNvPr>
+          <p:cNvSpPr/>
+          <p:nvPr/>
+        </p:nvSpPr>
+        <p:spPr>
+          <a:xfrm>
+            <a:off x="3595017" y="1193044"/>
+            <a:ext cx="2672862" cy="952921"/>
+          </a:xfrm>
+          <a:prstGeom prst="rect">
+            <a:avLst/>
+          </a:prstGeom>
+        </p:spPr>
+        <p:style>
+          <a:lnRef idx="2">
+            <a:schemeClr val="accent1">
+              <a:shade val="15000"/>
+            </a:schemeClr>
+          </a:lnRef>
+          <a:fillRef idx="1">
+            <a:schemeClr val="accent1"/>
+          </a:fillRef>
+          <a:effectRef idx="0">
+            <a:schemeClr val="accent1"/>
+          </a:effectRef>
+          <a:fontRef idx="minor">
+            <a:schemeClr val="lt1"/>
+          </a:fontRef>
+        </p:style>
+        <p:txBody>
+          <a:bodyPr rtlCol="0" anchor="ctr"/>
+          <a:lstStyle/>
+          <a:p>
+            <a:pPr algn="ctr"/>
+            <a:r>
+              <a:rPr lang="en-GB" dirty="0"/>
+              <a:t>FHIR Representation</a:t>
+            </a:r>
+            <a:br>
+              <a:rPr lang="en-GB" dirty="0"/>
+            </a:br>
+            <a:r>
+              <a:rPr lang="en-GB" dirty="0"/>
+              <a:t>in UDP</a:t>
+            </a:r>
+          </a:p>
+        </p:txBody>
+      </p:sp>
+      <p:sp>
+        <p:nvSpPr>
+          <p:cNvPr id="3" name="Rectangle: Rounded Corners 2">
+            <a:extLst>
+              <a:ext uri="{FF2B5EF4-FFF2-40B4-BE49-F238E27FC236}">
+                <a16:creationId xmlns:a16="http://schemas.microsoft.com/office/drawing/2014/main" id="{4E0A8945-7E85-B211-E3CA-26AE0311CB6E}"/>
+              </a:ext>
+            </a:extLst>
+          </p:cNvPr>
+          <p:cNvSpPr/>
+          <p:nvPr/>
+        </p:nvSpPr>
+        <p:spPr>
+          <a:xfrm>
+            <a:off x="3113649" y="3146475"/>
+            <a:ext cx="1688123" cy="900332"/>
+          </a:xfrm>
+          <a:prstGeom prst="roundRect">
+            <a:avLst/>
+          </a:prstGeom>
+          <a:gradFill flip="none" rotWithShape="1">
+            <a:gsLst>
+              <a:gs pos="0">
+                <a:schemeClr val="accent2">
+                  <a:lumMod val="67000"/>
+                </a:schemeClr>
+              </a:gs>
+              <a:gs pos="48000">
+                <a:schemeClr val="accent2">
+                  <a:lumMod val="97000"/>
+                  <a:lumOff val="3000"/>
+                </a:schemeClr>
+              </a:gs>
+              <a:gs pos="100000">
+                <a:schemeClr val="accent2">
+                  <a:lumMod val="60000"/>
+                  <a:lumOff val="40000"/>
+                </a:schemeClr>
+              </a:gs>
+            </a:gsLst>
+            <a:lin ang="5400000" scaled="1"/>
+            <a:tileRect/>
+          </a:gradFill>
+        </p:spPr>
+        <p:style>
+          <a:lnRef idx="2">
+            <a:schemeClr val="accent1">
+              <a:shade val="15000"/>
+            </a:schemeClr>
+          </a:lnRef>
+          <a:fillRef idx="1">
+            <a:schemeClr val="accent1"/>
+          </a:fillRef>
+          <a:effectRef idx="0">
+            <a:schemeClr val="accent1"/>
+          </a:effectRef>
+          <a:fontRef idx="minor">
+            <a:schemeClr val="lt1"/>
+          </a:fontRef>
+        </p:style>
+        <p:txBody>
+          <a:bodyPr rtlCol="0" anchor="ctr"/>
+          <a:lstStyle/>
+          <a:p>
+            <a:pPr algn="ctr"/>
+            <a:r>
+              <a:rPr lang="en-GB" dirty="0"/>
+              <a:t>Narrative Form</a:t>
+            </a:r>
+          </a:p>
+        </p:txBody>
+      </p:sp>
+      <p:sp>
+        <p:nvSpPr>
+          <p:cNvPr id="4" name="Rectangle: Rounded Corners 3">
+            <a:extLst>
+              <a:ext uri="{FF2B5EF4-FFF2-40B4-BE49-F238E27FC236}">
+                <a16:creationId xmlns:a16="http://schemas.microsoft.com/office/drawing/2014/main" id="{F62D0DEE-EB86-6EAA-6615-449AE14875C8}"/>
+              </a:ext>
+            </a:extLst>
+          </p:cNvPr>
+          <p:cNvSpPr/>
+          <p:nvPr/>
+        </p:nvSpPr>
+        <p:spPr>
+          <a:xfrm>
+            <a:off x="5327545" y="3146475"/>
+            <a:ext cx="1688123" cy="1002955"/>
+          </a:xfrm>
+          <a:prstGeom prst="roundRect">
+            <a:avLst/>
+          </a:prstGeom>
+          <a:gradFill flip="none" rotWithShape="1">
+            <a:gsLst>
+              <a:gs pos="0">
+                <a:schemeClr val="accent6">
+                  <a:lumMod val="67000"/>
+                </a:schemeClr>
+              </a:gs>
+              <a:gs pos="48000">
+                <a:schemeClr val="accent6">
+                  <a:lumMod val="97000"/>
+                  <a:lumOff val="3000"/>
+                </a:schemeClr>
+              </a:gs>
+              <a:gs pos="100000">
+                <a:schemeClr val="accent6">
+                  <a:lumMod val="60000"/>
+                  <a:lumOff val="40000"/>
+                </a:schemeClr>
+              </a:gs>
+            </a:gsLst>
+            <a:lin ang="5400000" scaled="1"/>
+            <a:tileRect/>
+          </a:gradFill>
+        </p:spPr>
+        <p:style>
+          <a:lnRef idx="2">
+            <a:schemeClr val="accent1">
+              <a:shade val="15000"/>
+            </a:schemeClr>
+          </a:lnRef>
+          <a:fillRef idx="1">
+            <a:schemeClr val="accent1"/>
+          </a:fillRef>
+          <a:effectRef idx="0">
+            <a:schemeClr val="accent1"/>
+          </a:effectRef>
+          <a:fontRef idx="minor">
+            <a:schemeClr val="lt1"/>
+          </a:fontRef>
+        </p:style>
+        <p:txBody>
+          <a:bodyPr rtlCol="0" anchor="ctr"/>
+          <a:lstStyle/>
+          <a:p>
+            <a:pPr algn="ctr"/>
+            <a:r>
+              <a:rPr lang="en-GB" dirty="0"/>
+              <a:t>Structured Form</a:t>
+            </a:r>
+          </a:p>
+        </p:txBody>
+      </p:sp>
+      <p:sp>
+        <p:nvSpPr>
+          <p:cNvPr id="5" name="Arrow: Down 4">
+            <a:extLst>
+              <a:ext uri="{FF2B5EF4-FFF2-40B4-BE49-F238E27FC236}">
+                <a16:creationId xmlns:a16="http://schemas.microsoft.com/office/drawing/2014/main" id="{FE5A51BC-65F6-794E-5DA5-012336DA6CE8}"/>
+              </a:ext>
+            </a:extLst>
+          </p:cNvPr>
+          <p:cNvSpPr/>
+          <p:nvPr/>
+        </p:nvSpPr>
+        <p:spPr>
+          <a:xfrm rot="1684902">
+            <a:off x="3935313" y="2340062"/>
+            <a:ext cx="480486" cy="751738"/>
+          </a:xfrm>
+          <a:prstGeom prst="downArrow">
+            <a:avLst/>
+          </a:prstGeom>
+          <a:gradFill>
+            <a:gsLst>
+              <a:gs pos="0">
+                <a:srgbClr val="0070C0"/>
+              </a:gs>
+              <a:gs pos="62000">
+                <a:schemeClr val="accent2">
+                  <a:lumMod val="97000"/>
+                  <a:lumOff val="3000"/>
+                </a:schemeClr>
+              </a:gs>
+              <a:gs pos="100000">
+                <a:schemeClr val="accent2">
+                  <a:lumMod val="60000"/>
+                  <a:lumOff val="40000"/>
+                </a:schemeClr>
+              </a:gs>
+            </a:gsLst>
+            <a:lin ang="5400000" scaled="1"/>
+          </a:gradFill>
+        </p:spPr>
+        <p:style>
+          <a:lnRef idx="2">
+            <a:schemeClr val="accent1">
+              <a:shade val="15000"/>
+            </a:schemeClr>
+          </a:lnRef>
+          <a:fillRef idx="1">
+            <a:schemeClr val="accent1"/>
+          </a:fillRef>
+          <a:effectRef idx="0">
+            <a:schemeClr val="accent1"/>
+          </a:effectRef>
+          <a:fontRef idx="minor">
+            <a:schemeClr val="lt1"/>
+          </a:fontRef>
+        </p:style>
+        <p:txBody>
+          <a:bodyPr rtlCol="0" anchor="ctr"/>
+          <a:lstStyle/>
+          <a:p>
+            <a:pPr algn="ctr"/>
+            <a:endParaRPr lang="en-GB"/>
+          </a:p>
+        </p:txBody>
+      </p:sp>
+      <p:sp>
+        <p:nvSpPr>
+          <p:cNvPr id="7" name="Arrow: Down 6">
+            <a:extLst>
+              <a:ext uri="{FF2B5EF4-FFF2-40B4-BE49-F238E27FC236}">
+                <a16:creationId xmlns:a16="http://schemas.microsoft.com/office/drawing/2014/main" id="{E8739C98-54BE-C342-A486-37C89452767D}"/>
+              </a:ext>
+            </a:extLst>
+          </p:cNvPr>
+          <p:cNvSpPr/>
+          <p:nvPr/>
+        </p:nvSpPr>
+        <p:spPr>
+          <a:xfrm rot="19476766">
+            <a:off x="5528669" y="2339218"/>
+            <a:ext cx="480486" cy="751738"/>
+          </a:xfrm>
+          <a:prstGeom prst="downArrow">
+            <a:avLst/>
+          </a:prstGeom>
+          <a:gradFill flip="none" rotWithShape="1">
+            <a:gsLst>
+              <a:gs pos="0">
+                <a:schemeClr val="accent6">
+                  <a:lumMod val="67000"/>
+                </a:schemeClr>
+              </a:gs>
+              <a:gs pos="32000">
+                <a:schemeClr val="accent6">
+                  <a:lumMod val="97000"/>
+                  <a:lumOff val="3000"/>
+                </a:schemeClr>
+              </a:gs>
+              <a:gs pos="100000">
+                <a:srgbClr val="0070C0"/>
+              </a:gs>
+            </a:gsLst>
+            <a:lin ang="16200000" scaled="1"/>
+            <a:tileRect/>
+          </a:gradFill>
+        </p:spPr>
+        <p:style>
+          <a:lnRef idx="2">
+            <a:schemeClr val="accent1">
+              <a:shade val="15000"/>
+            </a:schemeClr>
+          </a:lnRef>
+          <a:fillRef idx="1">
+            <a:schemeClr val="accent1"/>
+          </a:fillRef>
+          <a:effectRef idx="0">
+            <a:schemeClr val="accent1"/>
+          </a:effectRef>
+          <a:fontRef idx="minor">
+            <a:schemeClr val="lt1"/>
+          </a:fontRef>
+        </p:style>
+        <p:txBody>
+          <a:bodyPr rtlCol="0" anchor="ctr"/>
+          <a:lstStyle/>
+          <a:p>
+            <a:pPr algn="ctr"/>
+            <a:endParaRPr lang="en-GB"/>
+          </a:p>
+        </p:txBody>
+      </p:sp>
+    </p:spTree>
+    <p:extLst>
+      <p:ext uri="{BB962C8B-B14F-4D97-AF65-F5344CB8AC3E}">
+        <p14:creationId xmlns:p14="http://schemas.microsoft.com/office/powerpoint/2010/main" val="3092881865"/>
+      </p:ext>
+    </p:extLst>
+  </p:cSld>
+  <p:clrMapOvr>
+    <a:masterClrMapping/>
+  </p:clrMapOvr>
+</p:sld>
+</file>
+
+<file path=ppt/slides/slide6.xml><?xml version="1.0" encoding="utf-8"?>
+<p:sld xmlns:a="http://schemas.openxmlformats.org/drawingml/2006/main" xmlns:r="http://schemas.openxmlformats.org/officeDocument/2006/relationships" xmlns:p="http://schemas.openxmlformats.org/presentationml/2006/main">
+  <p:cSld>
+    <p:spTree>
+      <p:nvGrpSpPr>
+        <p:cNvPr id="1" name=""/>
+        <p:cNvGrpSpPr/>
+        <p:nvPr/>
+      </p:nvGrpSpPr>
+      <p:grpSpPr>
+        <a:xfrm>
+          <a:off x="0" y="0"/>
+          <a:ext cx="0" cy="0"/>
+          <a:chOff x="0" y="0"/>
+          <a:chExt cx="0" cy="0"/>
+        </a:xfrm>
+      </p:grpSpPr>
+      <p:sp>
+        <p:nvSpPr>
           <p:cNvPr id="2" name="Text Placeholder 1">
             <a:extLst>
               <a:ext uri="{FF2B5EF4-FFF2-40B4-BE49-F238E27FC236}">
@@ -22974,7 +25071,7 @@
 </p:sld>
 </file>
 
-<file path=ppt/slides/slide6.xml><?xml version="1.0" encoding="utf-8"?>
+<file path=ppt/slides/slide7.xml><?xml version="1.0" encoding="utf-8"?>
 <p:sld xmlns:a="http://schemas.openxmlformats.org/drawingml/2006/main" xmlns:r="http://schemas.openxmlformats.org/officeDocument/2006/relationships" xmlns:p="http://schemas.openxmlformats.org/presentationml/2006/main">
   <p:cSld>
     <p:spTree>
@@ -23574,7 +25671,7 @@
 </p:sld>
 </file>
 
-<file path=ppt/slides/slide7.xml><?xml version="1.0" encoding="utf-8"?>
+<file path=ppt/slides/slide8.xml><?xml version="1.0" encoding="utf-8"?>
 <p:sld xmlns:a="http://schemas.openxmlformats.org/drawingml/2006/main" xmlns:r="http://schemas.openxmlformats.org/officeDocument/2006/relationships" xmlns:p="http://schemas.openxmlformats.org/presentationml/2006/main">
   <p:cSld>
     <p:spTree>
@@ -23894,7 +25991,7 @@
 </p:sld>
 </file>
 
-<file path=ppt/slides/slide8.xml><?xml version="1.0" encoding="utf-8"?>
+<file path=ppt/slides/slide9.xml><?xml version="1.0" encoding="utf-8"?>
 <p:sld xmlns:a="http://schemas.openxmlformats.org/drawingml/2006/main" xmlns:r="http://schemas.openxmlformats.org/officeDocument/2006/relationships" xmlns:p="http://schemas.openxmlformats.org/presentationml/2006/main">
   <p:cSld>
     <p:spTree>
@@ -24826,1112 +26923,6 @@
     <p:extLst>
       <p:ext uri="{BB962C8B-B14F-4D97-AF65-F5344CB8AC3E}">
         <p14:creationId xmlns:p14="http://schemas.microsoft.com/office/powerpoint/2010/main" val="184038803"/>
-      </p:ext>
-    </p:extLst>
-  </p:cSld>
-  <p:clrMapOvr>
-    <a:masterClrMapping/>
-  </p:clrMapOvr>
-</p:sld>
-</file>
-
-<file path=ppt/slides/slide9.xml><?xml version="1.0" encoding="utf-8"?>
-<p:sld xmlns:a="http://schemas.openxmlformats.org/drawingml/2006/main" xmlns:r="http://schemas.openxmlformats.org/officeDocument/2006/relationships" xmlns:p="http://schemas.openxmlformats.org/presentationml/2006/main">
-  <p:cSld>
-    <p:spTree>
-      <p:nvGrpSpPr>
-        <p:cNvPr id="1" name=""/>
-        <p:cNvGrpSpPr/>
-        <p:nvPr/>
-      </p:nvGrpSpPr>
-      <p:grpSpPr>
-        <a:xfrm>
-          <a:off x="0" y="0"/>
-          <a:ext cx="0" cy="0"/>
-          <a:chOff x="0" y="0"/>
-          <a:chExt cx="0" cy="0"/>
-        </a:xfrm>
-      </p:grpSpPr>
-      <p:sp>
-        <p:nvSpPr>
-          <p:cNvPr id="2" name="Rectangle 1">
-            <a:extLst>
-              <a:ext uri="{FF2B5EF4-FFF2-40B4-BE49-F238E27FC236}">
-                <a16:creationId xmlns:a16="http://schemas.microsoft.com/office/drawing/2014/main" id="{A428D5B9-DFF1-3C84-B3E4-3F581C93F88C}"/>
-              </a:ext>
-            </a:extLst>
-          </p:cNvPr>
-          <p:cNvSpPr/>
-          <p:nvPr/>
-        </p:nvSpPr>
-        <p:spPr>
-          <a:xfrm>
-            <a:off x="156691" y="206326"/>
-            <a:ext cx="3219113" cy="4273660"/>
-          </a:xfrm>
-          <a:prstGeom prst="rect">
-            <a:avLst/>
-          </a:prstGeom>
-          <a:solidFill>
-            <a:schemeClr val="accent3"/>
-          </a:solidFill>
-          <a:ln>
-            <a:solidFill>
-              <a:schemeClr val="bg1"/>
-            </a:solidFill>
-          </a:ln>
-        </p:spPr>
-        <p:style>
-          <a:lnRef idx="2">
-            <a:schemeClr val="accent1">
-              <a:shade val="15000"/>
-            </a:schemeClr>
-          </a:lnRef>
-          <a:fillRef idx="1">
-            <a:schemeClr val="accent1"/>
-          </a:fillRef>
-          <a:effectRef idx="0">
-            <a:schemeClr val="accent1"/>
-          </a:effectRef>
-          <a:fontRef idx="minor">
-            <a:schemeClr val="lt1"/>
-          </a:fontRef>
-        </p:style>
-        <p:txBody>
-          <a:bodyPr wrap="none" rtlCol="0" anchor="t" anchorCtr="0"/>
-          <a:lstStyle/>
-          <a:p>
-            <a:r>
-              <a:rPr lang="en-GB" dirty="0" err="1"/>
-              <a:t>ResearchStudy</a:t>
-            </a:r>
-            <a:endParaRPr lang="en-GB" dirty="0"/>
-          </a:p>
-        </p:txBody>
-      </p:sp>
-      <p:sp>
-        <p:nvSpPr>
-          <p:cNvPr id="19" name="Rectangle 18">
-            <a:extLst>
-              <a:ext uri="{FF2B5EF4-FFF2-40B4-BE49-F238E27FC236}">
-                <a16:creationId xmlns:a16="http://schemas.microsoft.com/office/drawing/2014/main" id="{B7926905-7703-0C5E-9D04-9004D7806E73}"/>
-              </a:ext>
-            </a:extLst>
-          </p:cNvPr>
-          <p:cNvSpPr/>
-          <p:nvPr/>
-        </p:nvSpPr>
-        <p:spPr>
-          <a:xfrm>
-            <a:off x="288111" y="641116"/>
-            <a:ext cx="2961172" cy="3585827"/>
-          </a:xfrm>
-          <a:prstGeom prst="rect">
-            <a:avLst/>
-          </a:prstGeom>
-          <a:solidFill>
-            <a:schemeClr val="accent6"/>
-          </a:solidFill>
-          <a:ln w="38100">
-            <a:solidFill>
-              <a:schemeClr val="bg1"/>
-            </a:solidFill>
-          </a:ln>
-        </p:spPr>
-        <p:style>
-          <a:lnRef idx="2">
-            <a:schemeClr val="accent1">
-              <a:shade val="15000"/>
-            </a:schemeClr>
-          </a:lnRef>
-          <a:fillRef idx="1">
-            <a:schemeClr val="accent1"/>
-          </a:fillRef>
-          <a:effectRef idx="0">
-            <a:schemeClr val="accent1"/>
-          </a:effectRef>
-          <a:fontRef idx="minor">
-            <a:schemeClr val="lt1"/>
-          </a:fontRef>
-        </p:style>
-        <p:txBody>
-          <a:bodyPr wrap="none" rtlCol="0" anchor="t" anchorCtr="0"/>
-          <a:lstStyle/>
-          <a:p>
-            <a:r>
-              <a:rPr lang="en-GB" dirty="0" err="1"/>
-              <a:t>StudyDesign</a:t>
-            </a:r>
-            <a:endParaRPr lang="en-GB" dirty="0"/>
-          </a:p>
-        </p:txBody>
-      </p:sp>
-      <p:sp>
-        <p:nvSpPr>
-          <p:cNvPr id="4" name="Rectangle 3">
-            <a:extLst>
-              <a:ext uri="{FF2B5EF4-FFF2-40B4-BE49-F238E27FC236}">
-                <a16:creationId xmlns:a16="http://schemas.microsoft.com/office/drawing/2014/main" id="{9C9A7485-1BDC-2014-DE43-CD8CBA6152E1}"/>
-              </a:ext>
-            </a:extLst>
-          </p:cNvPr>
-          <p:cNvSpPr/>
-          <p:nvPr/>
-        </p:nvSpPr>
-        <p:spPr>
-          <a:xfrm>
-            <a:off x="3853378" y="2587951"/>
-            <a:ext cx="2537130" cy="426561"/>
-          </a:xfrm>
-          <a:prstGeom prst="rect">
-            <a:avLst/>
-          </a:prstGeom>
-          <a:ln>
-            <a:solidFill>
-              <a:schemeClr val="bg1"/>
-            </a:solidFill>
-          </a:ln>
-        </p:spPr>
-        <p:style>
-          <a:lnRef idx="2">
-            <a:schemeClr val="accent1">
-              <a:shade val="15000"/>
-            </a:schemeClr>
-          </a:lnRef>
-          <a:fillRef idx="1">
-            <a:schemeClr val="accent1"/>
-          </a:fillRef>
-          <a:effectRef idx="0">
-            <a:schemeClr val="accent1"/>
-          </a:effectRef>
-          <a:fontRef idx="minor">
-            <a:schemeClr val="lt1"/>
-          </a:fontRef>
-        </p:style>
-        <p:txBody>
-          <a:bodyPr wrap="none" rtlCol="0" anchor="t" anchorCtr="0"/>
-          <a:lstStyle/>
-          <a:p>
-            <a:r>
-              <a:rPr lang="en-GB" dirty="0" err="1"/>
-              <a:t>NarrativeElements</a:t>
-            </a:r>
-            <a:endParaRPr lang="en-GB" dirty="0"/>
-          </a:p>
-        </p:txBody>
-      </p:sp>
-      <p:sp>
-        <p:nvSpPr>
-          <p:cNvPr id="8" name="Rectangle 7">
-            <a:extLst>
-              <a:ext uri="{FF2B5EF4-FFF2-40B4-BE49-F238E27FC236}">
-                <a16:creationId xmlns:a16="http://schemas.microsoft.com/office/drawing/2014/main" id="{77F97369-C434-94ED-4CC3-AB8B48EEB014}"/>
-              </a:ext>
-            </a:extLst>
-          </p:cNvPr>
-          <p:cNvSpPr/>
-          <p:nvPr/>
-        </p:nvSpPr>
-        <p:spPr>
-          <a:xfrm>
-            <a:off x="7229180" y="2190853"/>
-            <a:ext cx="3651849" cy="903306"/>
-          </a:xfrm>
-          <a:prstGeom prst="rect">
-            <a:avLst/>
-          </a:prstGeom>
-        </p:spPr>
-        <p:style>
-          <a:lnRef idx="2">
-            <a:schemeClr val="accent1">
-              <a:shade val="15000"/>
-            </a:schemeClr>
-          </a:lnRef>
-          <a:fillRef idx="1">
-            <a:schemeClr val="accent1"/>
-          </a:fillRef>
-          <a:effectRef idx="0">
-            <a:schemeClr val="accent1"/>
-          </a:effectRef>
-          <a:fontRef idx="minor">
-            <a:schemeClr val="lt1"/>
-          </a:fontRef>
-        </p:style>
-        <p:txBody>
-          <a:bodyPr wrap="none" rtlCol="0" anchor="t" anchorCtr="0"/>
-          <a:lstStyle/>
-          <a:p>
-            <a:r>
-              <a:rPr lang="en-GB" dirty="0"/>
-              <a:t>Composition</a:t>
-            </a:r>
-          </a:p>
-        </p:txBody>
-      </p:sp>
-      <p:sp>
-        <p:nvSpPr>
-          <p:cNvPr id="10" name="Rectangle 9">
-            <a:extLst>
-              <a:ext uri="{FF2B5EF4-FFF2-40B4-BE49-F238E27FC236}">
-                <a16:creationId xmlns:a16="http://schemas.microsoft.com/office/drawing/2014/main" id="{EF2A7B39-A5E1-3CBB-0881-01B24B25A54A}"/>
-              </a:ext>
-            </a:extLst>
-          </p:cNvPr>
-          <p:cNvSpPr/>
-          <p:nvPr/>
-        </p:nvSpPr>
-        <p:spPr>
-          <a:xfrm>
-            <a:off x="7504827" y="2556365"/>
-            <a:ext cx="3115994" cy="422676"/>
-          </a:xfrm>
-          <a:prstGeom prst="rect">
-            <a:avLst/>
-          </a:prstGeom>
-          <a:solidFill>
-            <a:schemeClr val="accent2"/>
-          </a:solidFill>
-          <a:ln>
-            <a:solidFill>
-              <a:schemeClr val="bg1"/>
-            </a:solidFill>
-          </a:ln>
-        </p:spPr>
-        <p:style>
-          <a:lnRef idx="2">
-            <a:schemeClr val="accent1">
-              <a:shade val="15000"/>
-            </a:schemeClr>
-          </a:lnRef>
-          <a:fillRef idx="1">
-            <a:schemeClr val="accent1"/>
-          </a:fillRef>
-          <a:effectRef idx="0">
-            <a:schemeClr val="accent1"/>
-          </a:effectRef>
-          <a:fontRef idx="minor">
-            <a:schemeClr val="lt1"/>
-          </a:fontRef>
-        </p:style>
-        <p:txBody>
-          <a:bodyPr wrap="none" rtlCol="0" anchor="t" anchorCtr="0"/>
-          <a:lstStyle/>
-          <a:p>
-            <a:r>
-              <a:rPr lang="en-GB" dirty="0"/>
-              <a:t>M11ResearchStudyNarratives</a:t>
-            </a:r>
-          </a:p>
-        </p:txBody>
-      </p:sp>
-      <p:sp>
-        <p:nvSpPr>
-          <p:cNvPr id="11" name="Rectangle 10">
-            <a:extLst>
-              <a:ext uri="{FF2B5EF4-FFF2-40B4-BE49-F238E27FC236}">
-                <a16:creationId xmlns:a16="http://schemas.microsoft.com/office/drawing/2014/main" id="{9022BB3E-490F-6A15-2F03-F2316EFEA2F9}"/>
-              </a:ext>
-            </a:extLst>
-          </p:cNvPr>
-          <p:cNvSpPr/>
-          <p:nvPr/>
-        </p:nvSpPr>
-        <p:spPr>
-          <a:xfrm>
-            <a:off x="491423" y="2265872"/>
-            <a:ext cx="2628032" cy="1871408"/>
-          </a:xfrm>
-          <a:prstGeom prst="rect">
-            <a:avLst/>
-          </a:prstGeom>
-          <a:solidFill>
-            <a:schemeClr val="accent2"/>
-          </a:solidFill>
-          <a:ln>
-            <a:solidFill>
-              <a:schemeClr val="bg1"/>
-            </a:solidFill>
-          </a:ln>
-        </p:spPr>
-        <p:style>
-          <a:lnRef idx="2">
-            <a:schemeClr val="accent1">
-              <a:shade val="15000"/>
-            </a:schemeClr>
-          </a:lnRef>
-          <a:fillRef idx="1">
-            <a:schemeClr val="accent1"/>
-          </a:fillRef>
-          <a:effectRef idx="0">
-            <a:schemeClr val="accent1"/>
-          </a:effectRef>
-          <a:fontRef idx="minor">
-            <a:schemeClr val="lt1"/>
-          </a:fontRef>
-        </p:style>
-        <p:txBody>
-          <a:bodyPr wrap="none" rtlCol="0" anchor="t" anchorCtr="0"/>
-          <a:lstStyle/>
-          <a:p>
-            <a:r>
-              <a:rPr lang="en-GB" dirty="0"/>
-              <a:t>M11_ResearchStudyProfile</a:t>
-            </a:r>
-          </a:p>
-        </p:txBody>
-      </p:sp>
-      <p:sp>
-        <p:nvSpPr>
-          <p:cNvPr id="12" name="Arrow: Right 11">
-            <a:extLst>
-              <a:ext uri="{FF2B5EF4-FFF2-40B4-BE49-F238E27FC236}">
-                <a16:creationId xmlns:a16="http://schemas.microsoft.com/office/drawing/2014/main" id="{A967A5DE-4FAD-EC35-648A-C432FBBB0ADB}"/>
-              </a:ext>
-            </a:extLst>
-          </p:cNvPr>
-          <p:cNvSpPr/>
-          <p:nvPr/>
-        </p:nvSpPr>
-        <p:spPr>
-          <a:xfrm>
-            <a:off x="5762690" y="2542934"/>
-            <a:ext cx="1817298" cy="471578"/>
-          </a:xfrm>
-          <a:prstGeom prst="rightArrow">
-            <a:avLst/>
-          </a:prstGeom>
-          <a:ln w="38100">
-            <a:solidFill>
-              <a:schemeClr val="bg1"/>
-            </a:solidFill>
-          </a:ln>
-        </p:spPr>
-        <p:style>
-          <a:lnRef idx="2">
-            <a:schemeClr val="accent1">
-              <a:shade val="15000"/>
-            </a:schemeClr>
-          </a:lnRef>
-          <a:fillRef idx="1">
-            <a:schemeClr val="accent1"/>
-          </a:fillRef>
-          <a:effectRef idx="0">
-            <a:schemeClr val="accent1"/>
-          </a:effectRef>
-          <a:fontRef idx="minor">
-            <a:schemeClr val="lt1"/>
-          </a:fontRef>
-        </p:style>
-        <p:txBody>
-          <a:bodyPr rtlCol="0" anchor="ctr"/>
-          <a:lstStyle/>
-          <a:p>
-            <a:pPr algn="ctr"/>
-            <a:endParaRPr lang="en-GB"/>
-          </a:p>
-        </p:txBody>
-      </p:sp>
-      <p:sp>
-        <p:nvSpPr>
-          <p:cNvPr id="13" name="Rectangle 12">
-            <a:extLst>
-              <a:ext uri="{FF2B5EF4-FFF2-40B4-BE49-F238E27FC236}">
-                <a16:creationId xmlns:a16="http://schemas.microsoft.com/office/drawing/2014/main" id="{1EE56262-80C5-C2A4-E012-DF54B533FA7B}"/>
-              </a:ext>
-            </a:extLst>
-          </p:cNvPr>
-          <p:cNvSpPr/>
-          <p:nvPr/>
-        </p:nvSpPr>
-        <p:spPr>
-          <a:xfrm>
-            <a:off x="3870800" y="992354"/>
-            <a:ext cx="1817298" cy="371333"/>
-          </a:xfrm>
-          <a:prstGeom prst="rect">
-            <a:avLst/>
-          </a:prstGeom>
-          <a:solidFill>
-            <a:schemeClr val="accent6"/>
-          </a:solidFill>
-          <a:ln>
-            <a:solidFill>
-              <a:schemeClr val="bg1"/>
-            </a:solidFill>
-          </a:ln>
-        </p:spPr>
-        <p:style>
-          <a:lnRef idx="2">
-            <a:schemeClr val="accent1">
-              <a:shade val="15000"/>
-            </a:schemeClr>
-          </a:lnRef>
-          <a:fillRef idx="1">
-            <a:schemeClr val="accent1"/>
-          </a:fillRef>
-          <a:effectRef idx="0">
-            <a:schemeClr val="accent1"/>
-          </a:effectRef>
-          <a:fontRef idx="minor">
-            <a:schemeClr val="lt1"/>
-          </a:fontRef>
-        </p:style>
-        <p:txBody>
-          <a:bodyPr wrap="none" rtlCol="0" anchor="t" anchorCtr="0"/>
-          <a:lstStyle/>
-          <a:p>
-            <a:r>
-              <a:rPr lang="en-GB" dirty="0" err="1"/>
-              <a:t>SAEReporting</a:t>
-            </a:r>
-            <a:endParaRPr lang="en-GB" dirty="0"/>
-          </a:p>
-        </p:txBody>
-      </p:sp>
-      <p:sp>
-        <p:nvSpPr>
-          <p:cNvPr id="14" name="Rectangle 13">
-            <a:extLst>
-              <a:ext uri="{FF2B5EF4-FFF2-40B4-BE49-F238E27FC236}">
-                <a16:creationId xmlns:a16="http://schemas.microsoft.com/office/drawing/2014/main" id="{0CEFD97E-F84D-8C6C-CE22-D1E84A99736E}"/>
-              </a:ext>
-            </a:extLst>
-          </p:cNvPr>
-          <p:cNvSpPr/>
-          <p:nvPr/>
-        </p:nvSpPr>
-        <p:spPr>
-          <a:xfrm>
-            <a:off x="3870799" y="1748034"/>
-            <a:ext cx="4424553" cy="371333"/>
-          </a:xfrm>
-          <a:prstGeom prst="rect">
-            <a:avLst/>
-          </a:prstGeom>
-          <a:solidFill>
-            <a:schemeClr val="accent6"/>
-          </a:solidFill>
-          <a:ln>
-            <a:solidFill>
-              <a:schemeClr val="bg1"/>
-            </a:solidFill>
-          </a:ln>
-        </p:spPr>
-        <p:style>
-          <a:lnRef idx="2">
-            <a:schemeClr val="accent1">
-              <a:shade val="15000"/>
-            </a:schemeClr>
-          </a:lnRef>
-          <a:fillRef idx="1">
-            <a:schemeClr val="accent1"/>
-          </a:fillRef>
-          <a:effectRef idx="0">
-            <a:schemeClr val="accent1"/>
-          </a:effectRef>
-          <a:fontRef idx="minor">
-            <a:schemeClr val="lt1"/>
-          </a:fontRef>
-        </p:style>
-        <p:txBody>
-          <a:bodyPr wrap="none" rtlCol="0" anchor="t" anchorCtr="0"/>
-          <a:lstStyle/>
-          <a:p>
-            <a:r>
-              <a:rPr lang="en-GB" dirty="0" err="1"/>
-              <a:t>ConfidentialityStatement</a:t>
-            </a:r>
-            <a:endParaRPr lang="en-GB" dirty="0"/>
-          </a:p>
-        </p:txBody>
-      </p:sp>
-      <p:sp>
-        <p:nvSpPr>
-          <p:cNvPr id="5" name="Rectangle 4">
-            <a:extLst>
-              <a:ext uri="{FF2B5EF4-FFF2-40B4-BE49-F238E27FC236}">
-                <a16:creationId xmlns:a16="http://schemas.microsoft.com/office/drawing/2014/main" id="{9DCA96B9-4082-71BF-98E0-378930518641}"/>
-              </a:ext>
-            </a:extLst>
-          </p:cNvPr>
-          <p:cNvSpPr/>
-          <p:nvPr/>
-        </p:nvSpPr>
-        <p:spPr>
-          <a:xfrm>
-            <a:off x="3797248" y="3308153"/>
-            <a:ext cx="4970099" cy="1574767"/>
-          </a:xfrm>
-          <a:prstGeom prst="rect">
-            <a:avLst/>
-          </a:prstGeom>
-          <a:ln>
-            <a:solidFill>
-              <a:schemeClr val="bg1"/>
-            </a:solidFill>
-          </a:ln>
-        </p:spPr>
-        <p:style>
-          <a:lnRef idx="2">
-            <a:schemeClr val="accent1">
-              <a:shade val="15000"/>
-            </a:schemeClr>
-          </a:lnRef>
-          <a:fillRef idx="1">
-            <a:schemeClr val="accent1"/>
-          </a:fillRef>
-          <a:effectRef idx="0">
-            <a:schemeClr val="accent1"/>
-          </a:effectRef>
-          <a:fontRef idx="minor">
-            <a:schemeClr val="lt1"/>
-          </a:fontRef>
-        </p:style>
-        <p:txBody>
-          <a:bodyPr wrap="none" rtlCol="0" anchor="t" anchorCtr="0"/>
-          <a:lstStyle/>
-          <a:p>
-            <a:r>
-              <a:rPr lang="en-GB" dirty="0"/>
-              <a:t>M11_ProtocolAmendment </a:t>
-            </a:r>
-          </a:p>
-          <a:p>
-            <a:endParaRPr lang="en-GB" dirty="0"/>
-          </a:p>
-        </p:txBody>
-      </p:sp>
-      <p:sp>
-        <p:nvSpPr>
-          <p:cNvPr id="6" name="Rectangle 5">
-            <a:extLst>
-              <a:ext uri="{FF2B5EF4-FFF2-40B4-BE49-F238E27FC236}">
-                <a16:creationId xmlns:a16="http://schemas.microsoft.com/office/drawing/2014/main" id="{DAE8DE3D-306A-A739-ABA1-26B8DD6012B1}"/>
-              </a:ext>
-            </a:extLst>
-          </p:cNvPr>
-          <p:cNvSpPr/>
-          <p:nvPr/>
-        </p:nvSpPr>
-        <p:spPr>
-          <a:xfrm>
-            <a:off x="4170263" y="3672267"/>
-            <a:ext cx="4424553" cy="417024"/>
-          </a:xfrm>
-          <a:prstGeom prst="rect">
-            <a:avLst/>
-          </a:prstGeom>
-          <a:ln>
-            <a:solidFill>
-              <a:schemeClr val="bg1"/>
-            </a:solidFill>
-          </a:ln>
-        </p:spPr>
-        <p:style>
-          <a:lnRef idx="2">
-            <a:schemeClr val="accent1">
-              <a:shade val="15000"/>
-            </a:schemeClr>
-          </a:lnRef>
-          <a:fillRef idx="1">
-            <a:schemeClr val="accent1"/>
-          </a:fillRef>
-          <a:effectRef idx="0">
-            <a:schemeClr val="accent1"/>
-          </a:effectRef>
-          <a:fontRef idx="minor">
-            <a:schemeClr val="lt1"/>
-          </a:fontRef>
-        </p:style>
-        <p:txBody>
-          <a:bodyPr wrap="none" rtlCol="0" anchor="t" anchorCtr="0"/>
-          <a:lstStyle/>
-          <a:p>
-            <a:r>
-              <a:rPr lang="en-GB" dirty="0" err="1"/>
-              <a:t>ResearchStudyStudyAmendmentDetails</a:t>
-            </a:r>
-            <a:r>
-              <a:rPr lang="en-GB" dirty="0"/>
-              <a:t> </a:t>
-            </a:r>
-          </a:p>
-          <a:p>
-            <a:endParaRPr lang="en-GB" dirty="0"/>
-          </a:p>
-        </p:txBody>
-      </p:sp>
-      <p:sp>
-        <p:nvSpPr>
-          <p:cNvPr id="7" name="Rectangle 6">
-            <a:extLst>
-              <a:ext uri="{FF2B5EF4-FFF2-40B4-BE49-F238E27FC236}">
-                <a16:creationId xmlns:a16="http://schemas.microsoft.com/office/drawing/2014/main" id="{B0A967C7-B667-BBC7-DCEF-14B5C47C58E6}"/>
-              </a:ext>
-            </a:extLst>
-          </p:cNvPr>
-          <p:cNvSpPr/>
-          <p:nvPr/>
-        </p:nvSpPr>
-        <p:spPr>
-          <a:xfrm>
-            <a:off x="4170263" y="4137280"/>
-            <a:ext cx="4424553" cy="481193"/>
-          </a:xfrm>
-          <a:prstGeom prst="rect">
-            <a:avLst/>
-          </a:prstGeom>
-          <a:ln>
-            <a:solidFill>
-              <a:schemeClr val="bg1"/>
-            </a:solidFill>
-          </a:ln>
-        </p:spPr>
-        <p:style>
-          <a:lnRef idx="2">
-            <a:schemeClr val="accent1">
-              <a:shade val="15000"/>
-            </a:schemeClr>
-          </a:lnRef>
-          <a:fillRef idx="1">
-            <a:schemeClr val="accent1"/>
-          </a:fillRef>
-          <a:effectRef idx="0">
-            <a:schemeClr val="accent1"/>
-          </a:effectRef>
-          <a:fontRef idx="minor">
-            <a:schemeClr val="lt1"/>
-          </a:fontRef>
-        </p:style>
-        <p:txBody>
-          <a:bodyPr wrap="none" rtlCol="0" anchor="t" anchorCtr="0"/>
-          <a:lstStyle/>
-          <a:p>
-            <a:r>
-              <a:rPr lang="en-GB" dirty="0" err="1"/>
-              <a:t>ResearchStudyStudyAmendmentScopeImpact</a:t>
-            </a:r>
-            <a:endParaRPr lang="en-GB" dirty="0"/>
-          </a:p>
-          <a:p>
-            <a:r>
-              <a:rPr lang="en-GB" dirty="0"/>
-              <a:t> </a:t>
-            </a:r>
-          </a:p>
-          <a:p>
-            <a:endParaRPr lang="en-GB" dirty="0"/>
-          </a:p>
-        </p:txBody>
-      </p:sp>
-      <p:sp>
-        <p:nvSpPr>
-          <p:cNvPr id="15" name="Arrow: Right 14">
-            <a:extLst>
-              <a:ext uri="{FF2B5EF4-FFF2-40B4-BE49-F238E27FC236}">
-                <a16:creationId xmlns:a16="http://schemas.microsoft.com/office/drawing/2014/main" id="{65263392-286B-6026-A5FD-036B9CE9C10F}"/>
-              </a:ext>
-            </a:extLst>
-          </p:cNvPr>
-          <p:cNvSpPr/>
-          <p:nvPr/>
-        </p:nvSpPr>
-        <p:spPr>
-          <a:xfrm>
-            <a:off x="2122098" y="952338"/>
-            <a:ext cx="1817298" cy="471578"/>
-          </a:xfrm>
-          <a:prstGeom prst="rightArrow">
-            <a:avLst/>
-          </a:prstGeom>
-          <a:ln w="38100">
-            <a:solidFill>
-              <a:schemeClr val="bg1"/>
-            </a:solidFill>
-          </a:ln>
-        </p:spPr>
-        <p:style>
-          <a:lnRef idx="2">
-            <a:schemeClr val="accent1">
-              <a:shade val="15000"/>
-            </a:schemeClr>
-          </a:lnRef>
-          <a:fillRef idx="1">
-            <a:schemeClr val="accent1"/>
-          </a:fillRef>
-          <a:effectRef idx="0">
-            <a:schemeClr val="accent1"/>
-          </a:effectRef>
-          <a:fontRef idx="minor">
-            <a:schemeClr val="lt1"/>
-          </a:fontRef>
-        </p:style>
-        <p:txBody>
-          <a:bodyPr rtlCol="0" anchor="ctr"/>
-          <a:lstStyle/>
-          <a:p>
-            <a:pPr algn="ctr"/>
-            <a:endParaRPr lang="en-GB"/>
-          </a:p>
-        </p:txBody>
-      </p:sp>
-      <p:sp>
-        <p:nvSpPr>
-          <p:cNvPr id="16" name="Arrow: Right 15">
-            <a:extLst>
-              <a:ext uri="{FF2B5EF4-FFF2-40B4-BE49-F238E27FC236}">
-                <a16:creationId xmlns:a16="http://schemas.microsoft.com/office/drawing/2014/main" id="{6B908D84-1C15-3D9F-5161-A002DC1B58C3}"/>
-              </a:ext>
-            </a:extLst>
-          </p:cNvPr>
-          <p:cNvSpPr/>
-          <p:nvPr/>
-        </p:nvSpPr>
-        <p:spPr>
-          <a:xfrm>
-            <a:off x="2122098" y="1647789"/>
-            <a:ext cx="1817298" cy="471578"/>
-          </a:xfrm>
-          <a:prstGeom prst="rightArrow">
-            <a:avLst/>
-          </a:prstGeom>
-          <a:ln w="38100">
-            <a:solidFill>
-              <a:schemeClr val="bg1"/>
-            </a:solidFill>
-          </a:ln>
-        </p:spPr>
-        <p:style>
-          <a:lnRef idx="2">
-            <a:schemeClr val="accent1">
-              <a:shade val="15000"/>
-            </a:schemeClr>
-          </a:lnRef>
-          <a:fillRef idx="1">
-            <a:schemeClr val="accent1"/>
-          </a:fillRef>
-          <a:effectRef idx="0">
-            <a:schemeClr val="accent1"/>
-          </a:effectRef>
-          <a:fontRef idx="minor">
-            <a:schemeClr val="lt1"/>
-          </a:fontRef>
-        </p:style>
-        <p:txBody>
-          <a:bodyPr rtlCol="0" anchor="ctr"/>
-          <a:lstStyle/>
-          <a:p>
-            <a:pPr algn="ctr"/>
-            <a:endParaRPr lang="en-GB"/>
-          </a:p>
-        </p:txBody>
-      </p:sp>
-      <p:sp>
-        <p:nvSpPr>
-          <p:cNvPr id="17" name="Arrow: Right 16">
-            <a:extLst>
-              <a:ext uri="{FF2B5EF4-FFF2-40B4-BE49-F238E27FC236}">
-                <a16:creationId xmlns:a16="http://schemas.microsoft.com/office/drawing/2014/main" id="{76042DCC-6349-C1AB-84E6-3BA2B4A03061}"/>
-              </a:ext>
-            </a:extLst>
-          </p:cNvPr>
-          <p:cNvSpPr/>
-          <p:nvPr/>
-        </p:nvSpPr>
-        <p:spPr>
-          <a:xfrm>
-            <a:off x="2053501" y="3247307"/>
-            <a:ext cx="1817298" cy="471578"/>
-          </a:xfrm>
-          <a:prstGeom prst="rightArrow">
-            <a:avLst/>
-          </a:prstGeom>
-          <a:ln w="38100">
-            <a:solidFill>
-              <a:schemeClr val="bg1"/>
-            </a:solidFill>
-          </a:ln>
-        </p:spPr>
-        <p:style>
-          <a:lnRef idx="2">
-            <a:schemeClr val="accent1">
-              <a:shade val="15000"/>
-            </a:schemeClr>
-          </a:lnRef>
-          <a:fillRef idx="1">
-            <a:schemeClr val="accent1"/>
-          </a:fillRef>
-          <a:effectRef idx="0">
-            <a:schemeClr val="accent1"/>
-          </a:effectRef>
-          <a:fontRef idx="minor">
-            <a:schemeClr val="lt1"/>
-          </a:fontRef>
-        </p:style>
-        <p:txBody>
-          <a:bodyPr rtlCol="0" anchor="ctr"/>
-          <a:lstStyle/>
-          <a:p>
-            <a:pPr algn="ctr"/>
-            <a:endParaRPr lang="en-GB"/>
-          </a:p>
-        </p:txBody>
-      </p:sp>
-      <p:sp>
-        <p:nvSpPr>
-          <p:cNvPr id="18" name="Arrow: Right 17">
-            <a:extLst>
-              <a:ext uri="{FF2B5EF4-FFF2-40B4-BE49-F238E27FC236}">
-                <a16:creationId xmlns:a16="http://schemas.microsoft.com/office/drawing/2014/main" id="{CBB4949F-F982-8388-66B8-8E7A7BB67380}"/>
-              </a:ext>
-            </a:extLst>
-          </p:cNvPr>
-          <p:cNvSpPr/>
-          <p:nvPr/>
-        </p:nvSpPr>
-        <p:spPr>
-          <a:xfrm>
-            <a:off x="2106057" y="2531914"/>
-            <a:ext cx="1817298" cy="471578"/>
-          </a:xfrm>
-          <a:prstGeom prst="rightArrow">
-            <a:avLst/>
-          </a:prstGeom>
-          <a:ln w="38100">
-            <a:solidFill>
-              <a:schemeClr val="bg1"/>
-            </a:solidFill>
-          </a:ln>
-        </p:spPr>
-        <p:style>
-          <a:lnRef idx="2">
-            <a:schemeClr val="accent1">
-              <a:shade val="15000"/>
-            </a:schemeClr>
-          </a:lnRef>
-          <a:fillRef idx="1">
-            <a:schemeClr val="accent1"/>
-          </a:fillRef>
-          <a:effectRef idx="0">
-            <a:schemeClr val="accent1"/>
-          </a:effectRef>
-          <a:fontRef idx="minor">
-            <a:schemeClr val="lt1"/>
-          </a:fontRef>
-        </p:style>
-        <p:txBody>
-          <a:bodyPr rtlCol="0" anchor="ctr"/>
-          <a:lstStyle/>
-          <a:p>
-            <a:pPr algn="ctr"/>
-            <a:endParaRPr lang="en-GB"/>
-          </a:p>
-        </p:txBody>
-      </p:sp>
-      <p:sp>
-        <p:nvSpPr>
-          <p:cNvPr id="20" name="Rectangle 19">
-            <a:extLst>
-              <a:ext uri="{FF2B5EF4-FFF2-40B4-BE49-F238E27FC236}">
-                <a16:creationId xmlns:a16="http://schemas.microsoft.com/office/drawing/2014/main" id="{3D90CE56-A83D-C715-634A-98C585A86FA5}"/>
-              </a:ext>
-            </a:extLst>
-          </p:cNvPr>
-          <p:cNvSpPr/>
-          <p:nvPr/>
-        </p:nvSpPr>
-        <p:spPr>
-          <a:xfrm>
-            <a:off x="6815944" y="758072"/>
-            <a:ext cx="896901" cy="307777"/>
-          </a:xfrm>
-          <a:prstGeom prst="rect">
-            <a:avLst/>
-          </a:prstGeom>
-          <a:ln>
-            <a:solidFill>
-              <a:schemeClr val="bg1"/>
-            </a:solidFill>
-          </a:ln>
-        </p:spPr>
-        <p:style>
-          <a:lnRef idx="2">
-            <a:schemeClr val="accent1">
-              <a:shade val="15000"/>
-            </a:schemeClr>
-          </a:lnRef>
-          <a:fillRef idx="1">
-            <a:schemeClr val="accent1"/>
-          </a:fillRef>
-          <a:effectRef idx="0">
-            <a:schemeClr val="accent1"/>
-          </a:effectRef>
-          <a:fontRef idx="minor">
-            <a:schemeClr val="lt1"/>
-          </a:fontRef>
-        </p:style>
-        <p:txBody>
-          <a:bodyPr wrap="none" rtlCol="0" anchor="t" anchorCtr="0"/>
-          <a:lstStyle/>
-          <a:p>
-            <a:r>
-              <a:rPr lang="en-GB" sz="1400" dirty="0"/>
-              <a:t>Extension</a:t>
-            </a:r>
-          </a:p>
-        </p:txBody>
-      </p:sp>
-      <p:sp>
-        <p:nvSpPr>
-          <p:cNvPr id="21" name="Rectangle 20">
-            <a:extLst>
-              <a:ext uri="{FF2B5EF4-FFF2-40B4-BE49-F238E27FC236}">
-                <a16:creationId xmlns:a16="http://schemas.microsoft.com/office/drawing/2014/main" id="{B51F98FA-EDC2-F982-8DEF-277DB5DDE978}"/>
-              </a:ext>
-            </a:extLst>
-          </p:cNvPr>
-          <p:cNvSpPr/>
-          <p:nvPr/>
-        </p:nvSpPr>
-        <p:spPr>
-          <a:xfrm>
-            <a:off x="7869627" y="758072"/>
-            <a:ext cx="1384467" cy="304974"/>
-          </a:xfrm>
-          <a:prstGeom prst="rect">
-            <a:avLst/>
-          </a:prstGeom>
-          <a:solidFill>
-            <a:schemeClr val="accent2"/>
-          </a:solidFill>
-          <a:ln>
-            <a:solidFill>
-              <a:schemeClr val="bg1"/>
-            </a:solidFill>
-          </a:ln>
-        </p:spPr>
-        <p:style>
-          <a:lnRef idx="2">
-            <a:schemeClr val="accent1">
-              <a:shade val="15000"/>
-            </a:schemeClr>
-          </a:lnRef>
-          <a:fillRef idx="1">
-            <a:schemeClr val="accent1"/>
-          </a:fillRef>
-          <a:effectRef idx="0">
-            <a:schemeClr val="accent1"/>
-          </a:effectRef>
-          <a:fontRef idx="minor">
-            <a:schemeClr val="lt1"/>
-          </a:fontRef>
-        </p:style>
-        <p:txBody>
-          <a:bodyPr wrap="none" rtlCol="0" anchor="t" anchorCtr="0"/>
-          <a:lstStyle/>
-          <a:p>
-            <a:r>
-              <a:rPr lang="en-GB" sz="1400" dirty="0"/>
-              <a:t>Profile from UDP</a:t>
-            </a:r>
-          </a:p>
-        </p:txBody>
-      </p:sp>
-      <p:sp>
-        <p:nvSpPr>
-          <p:cNvPr id="22" name="Rectangle 21">
-            <a:extLst>
-              <a:ext uri="{FF2B5EF4-FFF2-40B4-BE49-F238E27FC236}">
-                <a16:creationId xmlns:a16="http://schemas.microsoft.com/office/drawing/2014/main" id="{53CEC505-B7D1-39BF-08F1-6F4FD6875FC2}"/>
-              </a:ext>
-            </a:extLst>
-          </p:cNvPr>
-          <p:cNvSpPr/>
-          <p:nvPr/>
-        </p:nvSpPr>
-        <p:spPr>
-          <a:xfrm>
-            <a:off x="9331123" y="758072"/>
-            <a:ext cx="1384467" cy="304973"/>
-          </a:xfrm>
-          <a:prstGeom prst="rect">
-            <a:avLst/>
-          </a:prstGeom>
-          <a:solidFill>
-            <a:schemeClr val="accent6"/>
-          </a:solidFill>
-          <a:ln>
-            <a:solidFill>
-              <a:schemeClr val="bg1"/>
-            </a:solidFill>
-          </a:ln>
-        </p:spPr>
-        <p:style>
-          <a:lnRef idx="2">
-            <a:schemeClr val="accent1">
-              <a:shade val="15000"/>
-            </a:schemeClr>
-          </a:lnRef>
-          <a:fillRef idx="1">
-            <a:schemeClr val="accent1"/>
-          </a:fillRef>
-          <a:effectRef idx="0">
-            <a:schemeClr val="accent1"/>
-          </a:effectRef>
-          <a:fontRef idx="minor">
-            <a:schemeClr val="lt1"/>
-          </a:fontRef>
-        </p:style>
-        <p:txBody>
-          <a:bodyPr wrap="none" rtlCol="0" anchor="t" anchorCtr="0"/>
-          <a:lstStyle/>
-          <a:p>
-            <a:r>
-              <a:rPr lang="en-GB" sz="1400" dirty="0"/>
-              <a:t>Profile from EBM</a:t>
-            </a:r>
-          </a:p>
-        </p:txBody>
-      </p:sp>
-      <p:sp>
-        <p:nvSpPr>
-          <p:cNvPr id="23" name="TextBox 22">
-            <a:extLst>
-              <a:ext uri="{FF2B5EF4-FFF2-40B4-BE49-F238E27FC236}">
-                <a16:creationId xmlns:a16="http://schemas.microsoft.com/office/drawing/2014/main" id="{CED629DB-E2C1-1914-C7D3-831719B294B0}"/>
-              </a:ext>
-            </a:extLst>
-          </p:cNvPr>
-          <p:cNvSpPr txBox="1"/>
-          <p:nvPr/>
-        </p:nvSpPr>
-        <p:spPr>
-          <a:xfrm>
-            <a:off x="6183094" y="732724"/>
-            <a:ext cx="492827" cy="307777"/>
-          </a:xfrm>
-          <a:prstGeom prst="rect">
-            <a:avLst/>
-          </a:prstGeom>
-          <a:noFill/>
-        </p:spPr>
-        <p:txBody>
-          <a:bodyPr wrap="none" rtlCol="0">
-            <a:spAutoFit/>
-          </a:bodyPr>
-          <a:lstStyle/>
-          <a:p>
-            <a:r>
-              <a:rPr lang="en-GB" sz="1400" dirty="0"/>
-              <a:t>Key:</a:t>
-            </a:r>
-          </a:p>
-        </p:txBody>
-      </p:sp>
-    </p:spTree>
-    <p:extLst>
-      <p:ext uri="{BB962C8B-B14F-4D97-AF65-F5344CB8AC3E}">
-        <p14:creationId xmlns:p14="http://schemas.microsoft.com/office/powerpoint/2010/main" val="160287417"/>
       </p:ext>
     </p:extLst>
   </p:cSld>
